--- a/meetkunde/AAAAMeetkunde.pptx
+++ b/meetkunde/AAAAMeetkunde.pptx
@@ -5,27 +5,39 @@
     <p:sldMasterId id="2147483648" r:id="rId1"/>
   </p:sldMasterIdLst>
   <p:sldIdLst>
-    <p:sldId id="275" r:id="rId2"/>
-    <p:sldId id="276" r:id="rId3"/>
-    <p:sldId id="277" r:id="rId4"/>
-    <p:sldId id="272" r:id="rId5"/>
-    <p:sldId id="273" r:id="rId6"/>
-    <p:sldId id="274" r:id="rId7"/>
-    <p:sldId id="269" r:id="rId8"/>
-    <p:sldId id="270" r:id="rId9"/>
-    <p:sldId id="271" r:id="rId10"/>
-    <p:sldId id="259" r:id="rId11"/>
-    <p:sldId id="256" r:id="rId12"/>
-    <p:sldId id="258" r:id="rId13"/>
-    <p:sldId id="260" r:id="rId14"/>
-    <p:sldId id="261" r:id="rId15"/>
-    <p:sldId id="262" r:id="rId16"/>
-    <p:sldId id="263" r:id="rId17"/>
-    <p:sldId id="264" r:id="rId18"/>
-    <p:sldId id="265" r:id="rId19"/>
-    <p:sldId id="266" r:id="rId20"/>
-    <p:sldId id="267" r:id="rId21"/>
-    <p:sldId id="268" r:id="rId22"/>
+    <p:sldId id="287" r:id="rId2"/>
+    <p:sldId id="288" r:id="rId3"/>
+    <p:sldId id="289" r:id="rId4"/>
+    <p:sldId id="284" r:id="rId5"/>
+    <p:sldId id="285" r:id="rId6"/>
+    <p:sldId id="286" r:id="rId7"/>
+    <p:sldId id="281" r:id="rId8"/>
+    <p:sldId id="282" r:id="rId9"/>
+    <p:sldId id="283" r:id="rId10"/>
+    <p:sldId id="278" r:id="rId11"/>
+    <p:sldId id="279" r:id="rId12"/>
+    <p:sldId id="280" r:id="rId13"/>
+    <p:sldId id="275" r:id="rId14"/>
+    <p:sldId id="276" r:id="rId15"/>
+    <p:sldId id="277" r:id="rId16"/>
+    <p:sldId id="272" r:id="rId17"/>
+    <p:sldId id="273" r:id="rId18"/>
+    <p:sldId id="274" r:id="rId19"/>
+    <p:sldId id="269" r:id="rId20"/>
+    <p:sldId id="270" r:id="rId21"/>
+    <p:sldId id="271" r:id="rId22"/>
+    <p:sldId id="259" r:id="rId23"/>
+    <p:sldId id="256" r:id="rId24"/>
+    <p:sldId id="258" r:id="rId25"/>
+    <p:sldId id="260" r:id="rId26"/>
+    <p:sldId id="261" r:id="rId27"/>
+    <p:sldId id="262" r:id="rId28"/>
+    <p:sldId id="263" r:id="rId29"/>
+    <p:sldId id="264" r:id="rId30"/>
+    <p:sldId id="265" r:id="rId31"/>
+    <p:sldId id="266" r:id="rId32"/>
+    <p:sldId id="267" r:id="rId33"/>
+    <p:sldId id="268" r:id="rId34"/>
   </p:sldIdLst>
   <p:sldSz cx="12192000" cy="6858000"/>
   <p:notesSz cx="6858000" cy="9144000"/>
@@ -135,7 +147,7 @@
 <file path=ppt/revisionInfo.xml><?xml version="1.0" encoding="utf-8"?>
 <p1510:revInfo xmlns:a="http://schemas.openxmlformats.org/drawingml/2006/main" xmlns:r="http://schemas.openxmlformats.org/officeDocument/2006/relationships" xmlns:p1510="http://schemas.microsoft.com/office/powerpoint/2015/10/main">
   <p1510:revLst>
-    <p1510:client id="{9B620784-A96A-4A09-81E0-6311C54AB5CE}" v="71" dt="2023-10-21T15:01:19.348"/>
+    <p1510:client id="{9B620784-A96A-4A09-81E0-6311C54AB5CE}" v="121" dt="2023-10-22T10:03:29.629"/>
   </p1510:revLst>
 </p1510:revInfo>
 </file>
@@ -145,7 +157,7 @@
   <pc:docChgLst>
     <pc:chgData name="Hein van Wanrooij" userId="ebcdd4c57331f9b2" providerId="LiveId" clId="{9B620784-A96A-4A09-81E0-6311C54AB5CE}"/>
     <pc:docChg chg="undo custSel addSld delSld modSld sldOrd">
-      <pc:chgData name="Hein van Wanrooij" userId="ebcdd4c57331f9b2" providerId="LiveId" clId="{9B620784-A96A-4A09-81E0-6311C54AB5CE}" dt="2023-10-21T15:08:23.807" v="3650" actId="20577"/>
+      <pc:chgData name="Hein van Wanrooij" userId="ebcdd4c57331f9b2" providerId="LiveId" clId="{9B620784-A96A-4A09-81E0-6311C54AB5CE}" dt="2023-10-22T10:07:07.397" v="5106" actId="207"/>
       <pc:docMkLst>
         <pc:docMk/>
       </pc:docMkLst>
@@ -839,6 +851,322 @@
           </ac:picMkLst>
         </pc:picChg>
       </pc:sldChg>
+      <pc:sldChg chg="modSp add mod">
+        <pc:chgData name="Hein van Wanrooij" userId="ebcdd4c57331f9b2" providerId="LiveId" clId="{9B620784-A96A-4A09-81E0-6311C54AB5CE}" dt="2023-10-22T09:30:00.295" v="3664" actId="20577"/>
+        <pc:sldMkLst>
+          <pc:docMk/>
+          <pc:sldMk cId="2850155798" sldId="278"/>
+        </pc:sldMkLst>
+        <pc:spChg chg="mod">
+          <ac:chgData name="Hein van Wanrooij" userId="ebcdd4c57331f9b2" providerId="LiveId" clId="{9B620784-A96A-4A09-81E0-6311C54AB5CE}" dt="2023-10-22T09:30:00.295" v="3664" actId="20577"/>
+          <ac:spMkLst>
+            <pc:docMk/>
+            <pc:sldMk cId="2850155798" sldId="278"/>
+            <ac:spMk id="4" creationId="{61ED484A-E87E-7D07-D06C-3D405D336CC2}"/>
+          </ac:spMkLst>
+        </pc:spChg>
+      </pc:sldChg>
+      <pc:sldChg chg="modSp add mod">
+        <pc:chgData name="Hein van Wanrooij" userId="ebcdd4c57331f9b2" providerId="LiveId" clId="{9B620784-A96A-4A09-81E0-6311C54AB5CE}" dt="2023-10-22T09:33:03.948" v="3890" actId="207"/>
+        <pc:sldMkLst>
+          <pc:docMk/>
+          <pc:sldMk cId="201088793" sldId="279"/>
+        </pc:sldMkLst>
+        <pc:spChg chg="mod">
+          <ac:chgData name="Hein van Wanrooij" userId="ebcdd4c57331f9b2" providerId="LiveId" clId="{9B620784-A96A-4A09-81E0-6311C54AB5CE}" dt="2023-10-22T09:30:05.497" v="3671" actId="20577"/>
+          <ac:spMkLst>
+            <pc:docMk/>
+            <pc:sldMk cId="201088793" sldId="279"/>
+            <ac:spMk id="2" creationId="{C2F5861A-BCDE-D2A4-C355-05C8119ED351}"/>
+          </ac:spMkLst>
+        </pc:spChg>
+        <pc:spChg chg="mod">
+          <ac:chgData name="Hein van Wanrooij" userId="ebcdd4c57331f9b2" providerId="LiveId" clId="{9B620784-A96A-4A09-81E0-6311C54AB5CE}" dt="2023-10-22T09:33:03.948" v="3890" actId="207"/>
+          <ac:spMkLst>
+            <pc:docMk/>
+            <pc:sldMk cId="201088793" sldId="279"/>
+            <ac:spMk id="4" creationId="{0C270B7A-0EAC-B39A-6A17-BB13416FF1A1}"/>
+          </ac:spMkLst>
+        </pc:spChg>
+      </pc:sldChg>
+      <pc:sldChg chg="addSp delSp modSp add mod">
+        <pc:chgData name="Hein van Wanrooij" userId="ebcdd4c57331f9b2" providerId="LiveId" clId="{9B620784-A96A-4A09-81E0-6311C54AB5CE}" dt="2023-10-22T09:34:46.415" v="3906" actId="1076"/>
+        <pc:sldMkLst>
+          <pc:docMk/>
+          <pc:sldMk cId="4134567480" sldId="280"/>
+        </pc:sldMkLst>
+        <pc:spChg chg="mod">
+          <ac:chgData name="Hein van Wanrooij" userId="ebcdd4c57331f9b2" providerId="LiveId" clId="{9B620784-A96A-4A09-81E0-6311C54AB5CE}" dt="2023-10-22T09:33:20.916" v="3897" actId="20577"/>
+          <ac:spMkLst>
+            <pc:docMk/>
+            <pc:sldMk cId="4134567480" sldId="280"/>
+            <ac:spMk id="2" creationId="{C2F5861A-BCDE-D2A4-C355-05C8119ED351}"/>
+          </ac:spMkLst>
+        </pc:spChg>
+        <pc:picChg chg="del">
+          <ac:chgData name="Hein van Wanrooij" userId="ebcdd4c57331f9b2" providerId="LiveId" clId="{9B620784-A96A-4A09-81E0-6311C54AB5CE}" dt="2023-10-22T09:34:11.493" v="3898" actId="478"/>
+          <ac:picMkLst>
+            <pc:docMk/>
+            <pc:sldMk cId="4134567480" sldId="280"/>
+            <ac:picMk id="9" creationId="{8D5E9900-D1CE-C992-BC31-58BEE4A9B264}"/>
+          </ac:picMkLst>
+        </pc:picChg>
+        <pc:picChg chg="add del mod">
+          <ac:chgData name="Hein van Wanrooij" userId="ebcdd4c57331f9b2" providerId="LiveId" clId="{9B620784-A96A-4A09-81E0-6311C54AB5CE}" dt="2023-10-22T09:34:21.909" v="3901" actId="478"/>
+          <ac:picMkLst>
+            <pc:docMk/>
+            <pc:sldMk cId="4134567480" sldId="280"/>
+            <ac:picMk id="1026" creationId="{F8AF6FA4-63E7-21FA-AE61-8DAFD1FD079E}"/>
+          </ac:picMkLst>
+        </pc:picChg>
+        <pc:picChg chg="add mod">
+          <ac:chgData name="Hein van Wanrooij" userId="ebcdd4c57331f9b2" providerId="LiveId" clId="{9B620784-A96A-4A09-81E0-6311C54AB5CE}" dt="2023-10-22T09:34:46.415" v="3906" actId="1076"/>
+          <ac:picMkLst>
+            <pc:docMk/>
+            <pc:sldMk cId="4134567480" sldId="280"/>
+            <ac:picMk id="1028" creationId="{D2A6CA1C-C265-232B-CD85-1B37213B9527}"/>
+          </ac:picMkLst>
+        </pc:picChg>
+      </pc:sldChg>
+      <pc:sldChg chg="modSp add mod">
+        <pc:chgData name="Hein van Wanrooij" userId="ebcdd4c57331f9b2" providerId="LiveId" clId="{9B620784-A96A-4A09-81E0-6311C54AB5CE}" dt="2023-10-22T09:39:56.671" v="3915" actId="20577"/>
+        <pc:sldMkLst>
+          <pc:docMk/>
+          <pc:sldMk cId="2221503898" sldId="281"/>
+        </pc:sldMkLst>
+        <pc:spChg chg="mod">
+          <ac:chgData name="Hein van Wanrooij" userId="ebcdd4c57331f9b2" providerId="LiveId" clId="{9B620784-A96A-4A09-81E0-6311C54AB5CE}" dt="2023-10-22T09:39:56.671" v="3915" actId="20577"/>
+          <ac:spMkLst>
+            <pc:docMk/>
+            <pc:sldMk cId="2221503898" sldId="281"/>
+            <ac:spMk id="4" creationId="{61ED484A-E87E-7D07-D06C-3D405D336CC2}"/>
+          </ac:spMkLst>
+        </pc:spChg>
+      </pc:sldChg>
+      <pc:sldChg chg="modSp add mod">
+        <pc:chgData name="Hein van Wanrooij" userId="ebcdd4c57331f9b2" providerId="LiveId" clId="{9B620784-A96A-4A09-81E0-6311C54AB5CE}" dt="2023-10-22T09:45:20.076" v="4248" actId="207"/>
+        <pc:sldMkLst>
+          <pc:docMk/>
+          <pc:sldMk cId="2868723537" sldId="282"/>
+        </pc:sldMkLst>
+        <pc:spChg chg="mod">
+          <ac:chgData name="Hein van Wanrooij" userId="ebcdd4c57331f9b2" providerId="LiveId" clId="{9B620784-A96A-4A09-81E0-6311C54AB5CE}" dt="2023-10-22T09:40:03.870" v="3927" actId="20577"/>
+          <ac:spMkLst>
+            <pc:docMk/>
+            <pc:sldMk cId="2868723537" sldId="282"/>
+            <ac:spMk id="2" creationId="{C2F5861A-BCDE-D2A4-C355-05C8119ED351}"/>
+          </ac:spMkLst>
+        </pc:spChg>
+        <pc:spChg chg="mod">
+          <ac:chgData name="Hein van Wanrooij" userId="ebcdd4c57331f9b2" providerId="LiveId" clId="{9B620784-A96A-4A09-81E0-6311C54AB5CE}" dt="2023-10-22T09:45:20.076" v="4248" actId="207"/>
+          <ac:spMkLst>
+            <pc:docMk/>
+            <pc:sldMk cId="2868723537" sldId="282"/>
+            <ac:spMk id="4" creationId="{0C270B7A-0EAC-B39A-6A17-BB13416FF1A1}"/>
+          </ac:spMkLst>
+        </pc:spChg>
+      </pc:sldChg>
+      <pc:sldChg chg="addSp delSp modSp add mod">
+        <pc:chgData name="Hein van Wanrooij" userId="ebcdd4c57331f9b2" providerId="LiveId" clId="{9B620784-A96A-4A09-81E0-6311C54AB5CE}" dt="2023-10-22T09:46:44.825" v="4253" actId="1076"/>
+        <pc:sldMkLst>
+          <pc:docMk/>
+          <pc:sldMk cId="748966439" sldId="283"/>
+        </pc:sldMkLst>
+        <pc:spChg chg="mod">
+          <ac:chgData name="Hein van Wanrooij" userId="ebcdd4c57331f9b2" providerId="LiveId" clId="{9B620784-A96A-4A09-81E0-6311C54AB5CE}" dt="2023-10-22T09:40:45.634" v="3949" actId="20577"/>
+          <ac:spMkLst>
+            <pc:docMk/>
+            <pc:sldMk cId="748966439" sldId="283"/>
+            <ac:spMk id="2" creationId="{C2F5861A-BCDE-D2A4-C355-05C8119ED351}"/>
+          </ac:spMkLst>
+        </pc:spChg>
+        <pc:spChg chg="del mod">
+          <ac:chgData name="Hein van Wanrooij" userId="ebcdd4c57331f9b2" providerId="LiveId" clId="{9B620784-A96A-4A09-81E0-6311C54AB5CE}" dt="2023-10-22T09:40:50.448" v="3952" actId="478"/>
+          <ac:spMkLst>
+            <pc:docMk/>
+            <pc:sldMk cId="748966439" sldId="283"/>
+            <ac:spMk id="4" creationId="{5811C3DC-6F08-6D19-0A68-031F7D209C73}"/>
+          </ac:spMkLst>
+        </pc:spChg>
+        <pc:picChg chg="del">
+          <ac:chgData name="Hein van Wanrooij" userId="ebcdd4c57331f9b2" providerId="LiveId" clId="{9B620784-A96A-4A09-81E0-6311C54AB5CE}" dt="2023-10-22T09:40:46.824" v="3950" actId="478"/>
+          <ac:picMkLst>
+            <pc:docMk/>
+            <pc:sldMk cId="748966439" sldId="283"/>
+            <ac:picMk id="1028" creationId="{D2A6CA1C-C265-232B-CD85-1B37213B9527}"/>
+          </ac:picMkLst>
+        </pc:picChg>
+        <pc:picChg chg="add mod">
+          <ac:chgData name="Hein van Wanrooij" userId="ebcdd4c57331f9b2" providerId="LiveId" clId="{9B620784-A96A-4A09-81E0-6311C54AB5CE}" dt="2023-10-22T09:41:03.189" v="3960" actId="14100"/>
+          <ac:picMkLst>
+            <pc:docMk/>
+            <pc:sldMk cId="748966439" sldId="283"/>
+            <ac:picMk id="2050" creationId="{ADE94B34-EC66-666C-33C5-E2B4ADDF771C}"/>
+          </ac:picMkLst>
+        </pc:picChg>
+        <pc:picChg chg="add mod">
+          <ac:chgData name="Hein van Wanrooij" userId="ebcdd4c57331f9b2" providerId="LiveId" clId="{9B620784-A96A-4A09-81E0-6311C54AB5CE}" dt="2023-10-22T09:46:44.825" v="4253" actId="1076"/>
+          <ac:picMkLst>
+            <pc:docMk/>
+            <pc:sldMk cId="748966439" sldId="283"/>
+            <ac:picMk id="2052" creationId="{959741E9-3479-A48A-60C4-1916A2EE67ED}"/>
+          </ac:picMkLst>
+        </pc:picChg>
+      </pc:sldChg>
+      <pc:sldChg chg="modSp add mod">
+        <pc:chgData name="Hein van Wanrooij" userId="ebcdd4c57331f9b2" providerId="LiveId" clId="{9B620784-A96A-4A09-81E0-6311C54AB5CE}" dt="2023-10-22T09:51:32.727" v="4264" actId="20577"/>
+        <pc:sldMkLst>
+          <pc:docMk/>
+          <pc:sldMk cId="3623666556" sldId="284"/>
+        </pc:sldMkLst>
+        <pc:spChg chg="mod">
+          <ac:chgData name="Hein van Wanrooij" userId="ebcdd4c57331f9b2" providerId="LiveId" clId="{9B620784-A96A-4A09-81E0-6311C54AB5CE}" dt="2023-10-22T09:51:32.727" v="4264" actId="20577"/>
+          <ac:spMkLst>
+            <pc:docMk/>
+            <pc:sldMk cId="3623666556" sldId="284"/>
+            <ac:spMk id="4" creationId="{61ED484A-E87E-7D07-D06C-3D405D336CC2}"/>
+          </ac:spMkLst>
+        </pc:spChg>
+      </pc:sldChg>
+      <pc:sldChg chg="modSp add mod">
+        <pc:chgData name="Hein van Wanrooij" userId="ebcdd4c57331f9b2" providerId="LiveId" clId="{9B620784-A96A-4A09-81E0-6311C54AB5CE}" dt="2023-10-22T09:54:29.348" v="4680" actId="207"/>
+        <pc:sldMkLst>
+          <pc:docMk/>
+          <pc:sldMk cId="440491970" sldId="285"/>
+        </pc:sldMkLst>
+        <pc:spChg chg="mod">
+          <ac:chgData name="Hein van Wanrooij" userId="ebcdd4c57331f9b2" providerId="LiveId" clId="{9B620784-A96A-4A09-81E0-6311C54AB5CE}" dt="2023-10-22T09:51:38.337" v="4270" actId="20577"/>
+          <ac:spMkLst>
+            <pc:docMk/>
+            <pc:sldMk cId="440491970" sldId="285"/>
+            <ac:spMk id="2" creationId="{C2F5861A-BCDE-D2A4-C355-05C8119ED351}"/>
+          </ac:spMkLst>
+        </pc:spChg>
+        <pc:spChg chg="mod">
+          <ac:chgData name="Hein van Wanrooij" userId="ebcdd4c57331f9b2" providerId="LiveId" clId="{9B620784-A96A-4A09-81E0-6311C54AB5CE}" dt="2023-10-22T09:54:29.348" v="4680" actId="207"/>
+          <ac:spMkLst>
+            <pc:docMk/>
+            <pc:sldMk cId="440491970" sldId="285"/>
+            <ac:spMk id="4" creationId="{0C270B7A-0EAC-B39A-6A17-BB13416FF1A1}"/>
+          </ac:spMkLst>
+        </pc:spChg>
+      </pc:sldChg>
+      <pc:sldChg chg="addSp delSp modSp add mod">
+        <pc:chgData name="Hein van Wanrooij" userId="ebcdd4c57331f9b2" providerId="LiveId" clId="{9B620784-A96A-4A09-81E0-6311C54AB5CE}" dt="2023-10-22T09:52:03.842" v="4283" actId="1076"/>
+        <pc:sldMkLst>
+          <pc:docMk/>
+          <pc:sldMk cId="1258627646" sldId="286"/>
+        </pc:sldMkLst>
+        <pc:spChg chg="mod">
+          <ac:chgData name="Hein van Wanrooij" userId="ebcdd4c57331f9b2" providerId="LiveId" clId="{9B620784-A96A-4A09-81E0-6311C54AB5CE}" dt="2023-10-22T09:51:42.188" v="4276" actId="20577"/>
+          <ac:spMkLst>
+            <pc:docMk/>
+            <pc:sldMk cId="1258627646" sldId="286"/>
+            <ac:spMk id="2" creationId="{C2F5861A-BCDE-D2A4-C355-05C8119ED351}"/>
+          </ac:spMkLst>
+        </pc:spChg>
+        <pc:picChg chg="del">
+          <ac:chgData name="Hein van Wanrooij" userId="ebcdd4c57331f9b2" providerId="LiveId" clId="{9B620784-A96A-4A09-81E0-6311C54AB5CE}" dt="2023-10-22T09:51:44.631" v="4277" actId="478"/>
+          <ac:picMkLst>
+            <pc:docMk/>
+            <pc:sldMk cId="1258627646" sldId="286"/>
+            <ac:picMk id="2050" creationId="{ADE94B34-EC66-666C-33C5-E2B4ADDF771C}"/>
+          </ac:picMkLst>
+        </pc:picChg>
+        <pc:picChg chg="del">
+          <ac:chgData name="Hein van Wanrooij" userId="ebcdd4c57331f9b2" providerId="LiveId" clId="{9B620784-A96A-4A09-81E0-6311C54AB5CE}" dt="2023-10-22T09:51:44.997" v="4278" actId="478"/>
+          <ac:picMkLst>
+            <pc:docMk/>
+            <pc:sldMk cId="1258627646" sldId="286"/>
+            <ac:picMk id="2052" creationId="{959741E9-3479-A48A-60C4-1916A2EE67ED}"/>
+          </ac:picMkLst>
+        </pc:picChg>
+        <pc:picChg chg="add mod">
+          <ac:chgData name="Hein van Wanrooij" userId="ebcdd4c57331f9b2" providerId="LiveId" clId="{9B620784-A96A-4A09-81E0-6311C54AB5CE}" dt="2023-10-22T09:52:03.842" v="4283" actId="1076"/>
+          <ac:picMkLst>
+            <pc:docMk/>
+            <pc:sldMk cId="1258627646" sldId="286"/>
+            <ac:picMk id="3074" creationId="{3BE7ED8D-1BCA-8501-C76F-9401B87D02D9}"/>
+          </ac:picMkLst>
+        </pc:picChg>
+      </pc:sldChg>
+      <pc:sldChg chg="modSp add mod">
+        <pc:chgData name="Hein van Wanrooij" userId="ebcdd4c57331f9b2" providerId="LiveId" clId="{9B620784-A96A-4A09-81E0-6311C54AB5CE}" dt="2023-10-22T10:04:23.878" v="4779" actId="20577"/>
+        <pc:sldMkLst>
+          <pc:docMk/>
+          <pc:sldMk cId="2416844119" sldId="287"/>
+        </pc:sldMkLst>
+        <pc:spChg chg="mod">
+          <ac:chgData name="Hein van Wanrooij" userId="ebcdd4c57331f9b2" providerId="LiveId" clId="{9B620784-A96A-4A09-81E0-6311C54AB5CE}" dt="2023-10-22T10:04:23.878" v="4779" actId="20577"/>
+          <ac:spMkLst>
+            <pc:docMk/>
+            <pc:sldMk cId="2416844119" sldId="287"/>
+            <ac:spMk id="4" creationId="{61ED484A-E87E-7D07-D06C-3D405D336CC2}"/>
+          </ac:spMkLst>
+        </pc:spChg>
+      </pc:sldChg>
+      <pc:sldChg chg="modSp add mod">
+        <pc:chgData name="Hein van Wanrooij" userId="ebcdd4c57331f9b2" providerId="LiveId" clId="{9B620784-A96A-4A09-81E0-6311C54AB5CE}" dt="2023-10-22T10:07:07.397" v="5106" actId="207"/>
+        <pc:sldMkLst>
+          <pc:docMk/>
+          <pc:sldMk cId="2907141311" sldId="288"/>
+        </pc:sldMkLst>
+        <pc:spChg chg="mod">
+          <ac:chgData name="Hein van Wanrooij" userId="ebcdd4c57331f9b2" providerId="LiveId" clId="{9B620784-A96A-4A09-81E0-6311C54AB5CE}" dt="2023-10-22T10:03:57.297" v="4765" actId="20577"/>
+          <ac:spMkLst>
+            <pc:docMk/>
+            <pc:sldMk cId="2907141311" sldId="288"/>
+            <ac:spMk id="2" creationId="{C2F5861A-BCDE-D2A4-C355-05C8119ED351}"/>
+          </ac:spMkLst>
+        </pc:spChg>
+        <pc:spChg chg="mod">
+          <ac:chgData name="Hein van Wanrooij" userId="ebcdd4c57331f9b2" providerId="LiveId" clId="{9B620784-A96A-4A09-81E0-6311C54AB5CE}" dt="2023-10-22T10:07:07.397" v="5106" actId="207"/>
+          <ac:spMkLst>
+            <pc:docMk/>
+            <pc:sldMk cId="2907141311" sldId="288"/>
+            <ac:spMk id="4" creationId="{0C270B7A-0EAC-B39A-6A17-BB13416FF1A1}"/>
+          </ac:spMkLst>
+        </pc:spChg>
+      </pc:sldChg>
+      <pc:sldChg chg="addSp delSp modSp add mod">
+        <pc:chgData name="Hein van Wanrooij" userId="ebcdd4c57331f9b2" providerId="LiveId" clId="{9B620784-A96A-4A09-81E0-6311C54AB5CE}" dt="2023-10-22T10:04:03.299" v="4775" actId="20577"/>
+        <pc:sldMkLst>
+          <pc:docMk/>
+          <pc:sldMk cId="827312380" sldId="289"/>
+        </pc:sldMkLst>
+        <pc:spChg chg="mod">
+          <ac:chgData name="Hein van Wanrooij" userId="ebcdd4c57331f9b2" providerId="LiveId" clId="{9B620784-A96A-4A09-81E0-6311C54AB5CE}" dt="2023-10-22T10:04:03.299" v="4775" actId="20577"/>
+          <ac:spMkLst>
+            <pc:docMk/>
+            <pc:sldMk cId="827312380" sldId="289"/>
+            <ac:spMk id="2" creationId="{C2F5861A-BCDE-D2A4-C355-05C8119ED351}"/>
+          </ac:spMkLst>
+        </pc:spChg>
+        <pc:picChg chg="del">
+          <ac:chgData name="Hein van Wanrooij" userId="ebcdd4c57331f9b2" providerId="LiveId" clId="{9B620784-A96A-4A09-81E0-6311C54AB5CE}" dt="2023-10-22T10:02:50.053" v="4731" actId="478"/>
+          <ac:picMkLst>
+            <pc:docMk/>
+            <pc:sldMk cId="827312380" sldId="289"/>
+            <ac:picMk id="3074" creationId="{3BE7ED8D-1BCA-8501-C76F-9401B87D02D9}"/>
+          </ac:picMkLst>
+        </pc:picChg>
+        <pc:picChg chg="add mod">
+          <ac:chgData name="Hein van Wanrooij" userId="ebcdd4c57331f9b2" providerId="LiveId" clId="{9B620784-A96A-4A09-81E0-6311C54AB5CE}" dt="2023-10-22T10:03:04.699" v="4736" actId="14100"/>
+          <ac:picMkLst>
+            <pc:docMk/>
+            <pc:sldMk cId="827312380" sldId="289"/>
+            <ac:picMk id="4098" creationId="{130957AC-9026-C0FC-5267-DB6D602F64F9}"/>
+          </ac:picMkLst>
+        </pc:picChg>
+        <pc:picChg chg="add mod">
+          <ac:chgData name="Hein van Wanrooij" userId="ebcdd4c57331f9b2" providerId="LiveId" clId="{9B620784-A96A-4A09-81E0-6311C54AB5CE}" dt="2023-10-22T10:03:29.628" v="4745" actId="1076"/>
+          <ac:picMkLst>
+            <pc:docMk/>
+            <pc:sldMk cId="827312380" sldId="289"/>
+            <ac:picMk id="4100" creationId="{5B9A69E6-AA5E-919F-4F68-44FFE36B8359}"/>
+          </ac:picMkLst>
+        </pc:picChg>
+      </pc:sldChg>
     </pc:docChg>
   </pc:docChgLst>
 </pc:chgInfo>
@@ -991,7 +1319,7 @@
           <a:p>
             <a:fld id="{89AFD366-9D87-47C8-9C04-02D6655FA638}" type="datetimeFigureOut">
               <a:rPr lang="nl-NL" smtClean="0"/>
-              <a:t>21-10-2023</a:t>
+              <a:t>22-10-2023</a:t>
             </a:fld>
             <a:endParaRPr lang="nl-NL"/>
           </a:p>
@@ -1189,7 +1517,7 @@
           <a:p>
             <a:fld id="{89AFD366-9D87-47C8-9C04-02D6655FA638}" type="datetimeFigureOut">
               <a:rPr lang="nl-NL" smtClean="0"/>
-              <a:t>21-10-2023</a:t>
+              <a:t>22-10-2023</a:t>
             </a:fld>
             <a:endParaRPr lang="nl-NL"/>
           </a:p>
@@ -1397,7 +1725,7 @@
           <a:p>
             <a:fld id="{89AFD366-9D87-47C8-9C04-02D6655FA638}" type="datetimeFigureOut">
               <a:rPr lang="nl-NL" smtClean="0"/>
-              <a:t>21-10-2023</a:t>
+              <a:t>22-10-2023</a:t>
             </a:fld>
             <a:endParaRPr lang="nl-NL"/>
           </a:p>
@@ -1595,7 +1923,7 @@
           <a:p>
             <a:fld id="{89AFD366-9D87-47C8-9C04-02D6655FA638}" type="datetimeFigureOut">
               <a:rPr lang="nl-NL" smtClean="0"/>
-              <a:t>21-10-2023</a:t>
+              <a:t>22-10-2023</a:t>
             </a:fld>
             <a:endParaRPr lang="nl-NL"/>
           </a:p>
@@ -1870,7 +2198,7 @@
           <a:p>
             <a:fld id="{89AFD366-9D87-47C8-9C04-02D6655FA638}" type="datetimeFigureOut">
               <a:rPr lang="nl-NL" smtClean="0"/>
-              <a:t>21-10-2023</a:t>
+              <a:t>22-10-2023</a:t>
             </a:fld>
             <a:endParaRPr lang="nl-NL"/>
           </a:p>
@@ -2135,7 +2463,7 @@
           <a:p>
             <a:fld id="{89AFD366-9D87-47C8-9C04-02D6655FA638}" type="datetimeFigureOut">
               <a:rPr lang="nl-NL" smtClean="0"/>
-              <a:t>21-10-2023</a:t>
+              <a:t>22-10-2023</a:t>
             </a:fld>
             <a:endParaRPr lang="nl-NL"/>
           </a:p>
@@ -2547,7 +2875,7 @@
           <a:p>
             <a:fld id="{89AFD366-9D87-47C8-9C04-02D6655FA638}" type="datetimeFigureOut">
               <a:rPr lang="nl-NL" smtClean="0"/>
-              <a:t>21-10-2023</a:t>
+              <a:t>22-10-2023</a:t>
             </a:fld>
             <a:endParaRPr lang="nl-NL"/>
           </a:p>
@@ -2688,7 +3016,7 @@
           <a:p>
             <a:fld id="{89AFD366-9D87-47C8-9C04-02D6655FA638}" type="datetimeFigureOut">
               <a:rPr lang="nl-NL" smtClean="0"/>
-              <a:t>21-10-2023</a:t>
+              <a:t>22-10-2023</a:t>
             </a:fld>
             <a:endParaRPr lang="nl-NL"/>
           </a:p>
@@ -2801,7 +3129,7 @@
           <a:p>
             <a:fld id="{89AFD366-9D87-47C8-9C04-02D6655FA638}" type="datetimeFigureOut">
               <a:rPr lang="nl-NL" smtClean="0"/>
-              <a:t>21-10-2023</a:t>
+              <a:t>22-10-2023</a:t>
             </a:fld>
             <a:endParaRPr lang="nl-NL"/>
           </a:p>
@@ -3112,7 +3440,7 @@
           <a:p>
             <a:fld id="{89AFD366-9D87-47C8-9C04-02D6655FA638}" type="datetimeFigureOut">
               <a:rPr lang="nl-NL" smtClean="0"/>
-              <a:t>21-10-2023</a:t>
+              <a:t>22-10-2023</a:t>
             </a:fld>
             <a:endParaRPr lang="nl-NL"/>
           </a:p>
@@ -3400,7 +3728,7 @@
           <a:p>
             <a:fld id="{89AFD366-9D87-47C8-9C04-02D6655FA638}" type="datetimeFigureOut">
               <a:rPr lang="nl-NL" smtClean="0"/>
-              <a:t>21-10-2023</a:t>
+              <a:t>22-10-2023</a:t>
             </a:fld>
             <a:endParaRPr lang="nl-NL"/>
           </a:p>
@@ -3641,7 +3969,7 @@
           <a:p>
             <a:fld id="{89AFD366-9D87-47C8-9C04-02D6655FA638}" type="datetimeFigureOut">
               <a:rPr lang="nl-NL" smtClean="0"/>
-              <a:t>21-10-2023</a:t>
+              <a:t>22-10-2023</a:t>
             </a:fld>
             <a:endParaRPr lang="nl-NL"/>
           </a:p>
@@ -4136,7 +4464,15 @@
             <a:pPr algn="ctr"/>
             <a:r>
               <a:rPr lang="nl-NL" sz="9000" b="1" dirty="0"/>
-              <a:t>Vierkant</a:t>
+              <a:t>(</a:t>
+            </a:r>
+            <a:r>
+              <a:rPr lang="nl-NL" sz="9000" b="1" dirty="0" err="1"/>
+              <a:t>lichaams</a:t>
+            </a:r>
+            <a:r>
+              <a:rPr lang="nl-NL" sz="9000" b="1" dirty="0"/>
+              <a:t>)Diagonaal</a:t>
             </a:r>
           </a:p>
         </p:txBody>
@@ -4144,7 +4480,7 @@
     </p:spTree>
     <p:extLst>
       <p:ext uri="{BB962C8B-B14F-4D97-AF65-F5344CB8AC3E}">
-        <p14:creationId xmlns:p14="http://schemas.microsoft.com/office/powerpoint/2010/main" val="2580559283"/>
+        <p14:creationId xmlns:p14="http://schemas.microsoft.com/office/powerpoint/2010/main" val="2416844119"/>
       </p:ext>
     </p:extLst>
   </p:cSld>
@@ -4249,7 +4585,7 @@
             <a:pPr algn="ctr"/>
             <a:r>
               <a:rPr lang="nl-NL" sz="9000" b="1" dirty="0"/>
-              <a:t>Balk</a:t>
+              <a:t>Bol</a:t>
             </a:r>
           </a:p>
         </p:txBody>
@@ -4257,7 +4593,7 @@
     </p:spTree>
     <p:extLst>
       <p:ext uri="{BB962C8B-B14F-4D97-AF65-F5344CB8AC3E}">
-        <p14:creationId xmlns:p14="http://schemas.microsoft.com/office/powerpoint/2010/main" val="3225889807"/>
+        <p14:creationId xmlns:p14="http://schemas.microsoft.com/office/powerpoint/2010/main" val="2850155798"/>
       </p:ext>
     </p:extLst>
   </p:cSld>
@@ -4314,6 +4650,3102 @@
           <a:p>
             <a:r>
               <a:rPr lang="nl-NL" dirty="0"/>
+              <a:t>Bol</a:t>
+            </a:r>
+          </a:p>
+        </p:txBody>
+      </p:sp>
+      <p:sp>
+        <p:nvSpPr>
+          <p:cNvPr id="4" name="Ondertitel 2">
+            <a:extLst>
+              <a:ext uri="{FF2B5EF4-FFF2-40B4-BE49-F238E27FC236}">
+                <a16:creationId xmlns:a16="http://schemas.microsoft.com/office/drawing/2014/main" id="{0C270B7A-0EAC-B39A-6A17-BB13416FF1A1}"/>
+              </a:ext>
+            </a:extLst>
+          </p:cNvPr>
+          <p:cNvSpPr txBox="1">
+            <a:spLocks/>
+          </p:cNvSpPr>
+          <p:nvPr/>
+        </p:nvSpPr>
+        <p:spPr>
+          <a:xfrm>
+            <a:off x="54243" y="1507852"/>
+            <a:ext cx="11677973" cy="1655762"/>
+          </a:xfrm>
+          <a:prstGeom prst="rect">
+            <a:avLst/>
+          </a:prstGeom>
+        </p:spPr>
+        <p:txBody>
+          <a:bodyPr vert="horz" lIns="91440" tIns="45720" rIns="91440" bIns="45720" rtlCol="0">
+            <a:normAutofit/>
+          </a:bodyPr>
+          <a:lstStyle>
+            <a:lvl1pPr marL="0" indent="0" algn="ctr" defTabSz="914400" rtl="0" eaLnBrk="1" latinLnBrk="0" hangingPunct="1">
+              <a:lnSpc>
+                <a:spcPct val="90000"/>
+              </a:lnSpc>
+              <a:spcBef>
+                <a:spcPts val="1000"/>
+              </a:spcBef>
+              <a:buFont typeface="Arial" panose="020B0604020202020204" pitchFamily="34" charset="0"/>
+              <a:buNone/>
+              <a:defRPr sz="2400" kern="1200">
+                <a:solidFill>
+                  <a:schemeClr val="tx1"/>
+                </a:solidFill>
+                <a:latin typeface="+mn-lt"/>
+                <a:ea typeface="+mn-ea"/>
+                <a:cs typeface="+mn-cs"/>
+              </a:defRPr>
+            </a:lvl1pPr>
+            <a:lvl2pPr marL="457200" indent="0" algn="ctr" defTabSz="914400" rtl="0" eaLnBrk="1" latinLnBrk="0" hangingPunct="1">
+              <a:lnSpc>
+                <a:spcPct val="90000"/>
+              </a:lnSpc>
+              <a:spcBef>
+                <a:spcPts val="500"/>
+              </a:spcBef>
+              <a:buFont typeface="Arial" panose="020B0604020202020204" pitchFamily="34" charset="0"/>
+              <a:buNone/>
+              <a:defRPr sz="2000" kern="1200">
+                <a:solidFill>
+                  <a:schemeClr val="tx1"/>
+                </a:solidFill>
+                <a:latin typeface="+mn-lt"/>
+                <a:ea typeface="+mn-ea"/>
+                <a:cs typeface="+mn-cs"/>
+              </a:defRPr>
+            </a:lvl2pPr>
+            <a:lvl3pPr marL="914400" indent="0" algn="ctr" defTabSz="914400" rtl="0" eaLnBrk="1" latinLnBrk="0" hangingPunct="1">
+              <a:lnSpc>
+                <a:spcPct val="90000"/>
+              </a:lnSpc>
+              <a:spcBef>
+                <a:spcPts val="500"/>
+              </a:spcBef>
+              <a:buFont typeface="Arial" panose="020B0604020202020204" pitchFamily="34" charset="0"/>
+              <a:buNone/>
+              <a:defRPr sz="1800" kern="1200">
+                <a:solidFill>
+                  <a:schemeClr val="tx1"/>
+                </a:solidFill>
+                <a:latin typeface="+mn-lt"/>
+                <a:ea typeface="+mn-ea"/>
+                <a:cs typeface="+mn-cs"/>
+              </a:defRPr>
+            </a:lvl3pPr>
+            <a:lvl4pPr marL="1371600" indent="0" algn="ctr" defTabSz="914400" rtl="0" eaLnBrk="1" latinLnBrk="0" hangingPunct="1">
+              <a:lnSpc>
+                <a:spcPct val="90000"/>
+              </a:lnSpc>
+              <a:spcBef>
+                <a:spcPts val="500"/>
+              </a:spcBef>
+              <a:buFont typeface="Arial" panose="020B0604020202020204" pitchFamily="34" charset="0"/>
+              <a:buNone/>
+              <a:defRPr sz="1600" kern="1200">
+                <a:solidFill>
+                  <a:schemeClr val="tx1"/>
+                </a:solidFill>
+                <a:latin typeface="+mn-lt"/>
+                <a:ea typeface="+mn-ea"/>
+                <a:cs typeface="+mn-cs"/>
+              </a:defRPr>
+            </a:lvl4pPr>
+            <a:lvl5pPr marL="1828800" indent="0" algn="ctr" defTabSz="914400" rtl="0" eaLnBrk="1" latinLnBrk="0" hangingPunct="1">
+              <a:lnSpc>
+                <a:spcPct val="90000"/>
+              </a:lnSpc>
+              <a:spcBef>
+                <a:spcPts val="500"/>
+              </a:spcBef>
+              <a:buFont typeface="Arial" panose="020B0604020202020204" pitchFamily="34" charset="0"/>
+              <a:buNone/>
+              <a:defRPr sz="1600" kern="1200">
+                <a:solidFill>
+                  <a:schemeClr val="tx1"/>
+                </a:solidFill>
+                <a:latin typeface="+mn-lt"/>
+                <a:ea typeface="+mn-ea"/>
+                <a:cs typeface="+mn-cs"/>
+              </a:defRPr>
+            </a:lvl5pPr>
+            <a:lvl6pPr marL="2286000" indent="0" algn="ctr" defTabSz="914400" rtl="0" eaLnBrk="1" latinLnBrk="0" hangingPunct="1">
+              <a:lnSpc>
+                <a:spcPct val="90000"/>
+              </a:lnSpc>
+              <a:spcBef>
+                <a:spcPts val="500"/>
+              </a:spcBef>
+              <a:buFont typeface="Arial" panose="020B0604020202020204" pitchFamily="34" charset="0"/>
+              <a:buNone/>
+              <a:defRPr sz="1600" kern="1200">
+                <a:solidFill>
+                  <a:schemeClr val="tx1"/>
+                </a:solidFill>
+                <a:latin typeface="+mn-lt"/>
+                <a:ea typeface="+mn-ea"/>
+                <a:cs typeface="+mn-cs"/>
+              </a:defRPr>
+            </a:lvl6pPr>
+            <a:lvl7pPr marL="2743200" indent="0" algn="ctr" defTabSz="914400" rtl="0" eaLnBrk="1" latinLnBrk="0" hangingPunct="1">
+              <a:lnSpc>
+                <a:spcPct val="90000"/>
+              </a:lnSpc>
+              <a:spcBef>
+                <a:spcPts val="500"/>
+              </a:spcBef>
+              <a:buFont typeface="Arial" panose="020B0604020202020204" pitchFamily="34" charset="0"/>
+              <a:buNone/>
+              <a:defRPr sz="1600" kern="1200">
+                <a:solidFill>
+                  <a:schemeClr val="tx1"/>
+                </a:solidFill>
+                <a:latin typeface="+mn-lt"/>
+                <a:ea typeface="+mn-ea"/>
+                <a:cs typeface="+mn-cs"/>
+              </a:defRPr>
+            </a:lvl7pPr>
+            <a:lvl8pPr marL="3200400" indent="0" algn="ctr" defTabSz="914400" rtl="0" eaLnBrk="1" latinLnBrk="0" hangingPunct="1">
+              <a:lnSpc>
+                <a:spcPct val="90000"/>
+              </a:lnSpc>
+              <a:spcBef>
+                <a:spcPts val="500"/>
+              </a:spcBef>
+              <a:buFont typeface="Arial" panose="020B0604020202020204" pitchFamily="34" charset="0"/>
+              <a:buNone/>
+              <a:defRPr sz="1600" kern="1200">
+                <a:solidFill>
+                  <a:schemeClr val="tx1"/>
+                </a:solidFill>
+                <a:latin typeface="+mn-lt"/>
+                <a:ea typeface="+mn-ea"/>
+                <a:cs typeface="+mn-cs"/>
+              </a:defRPr>
+            </a:lvl8pPr>
+            <a:lvl9pPr marL="3657600" indent="0" algn="ctr" defTabSz="914400" rtl="0" eaLnBrk="1" latinLnBrk="0" hangingPunct="1">
+              <a:lnSpc>
+                <a:spcPct val="90000"/>
+              </a:lnSpc>
+              <a:spcBef>
+                <a:spcPts val="500"/>
+              </a:spcBef>
+              <a:buFont typeface="Arial" panose="020B0604020202020204" pitchFamily="34" charset="0"/>
+              <a:buNone/>
+              <a:defRPr sz="1600" kern="1200">
+                <a:solidFill>
+                  <a:schemeClr val="tx1"/>
+                </a:solidFill>
+                <a:latin typeface="+mn-lt"/>
+                <a:ea typeface="+mn-ea"/>
+                <a:cs typeface="+mn-cs"/>
+              </a:defRPr>
+            </a:lvl9pPr>
+          </a:lstStyle>
+          <a:p>
+            <a:r>
+              <a:rPr lang="nl-NL" dirty="0"/>
+              <a:t>Een bol is een </a:t>
+            </a:r>
+            <a:r>
+              <a:rPr lang="nl-NL" dirty="0">
+                <a:solidFill>
+                  <a:srgbClr val="7030A0"/>
+                </a:solidFill>
+              </a:rPr>
+              <a:t>ruimtefiguur</a:t>
+            </a:r>
+            <a:r>
+              <a:rPr lang="nl-NL" dirty="0"/>
+              <a:t>.</a:t>
+            </a:r>
+          </a:p>
+          <a:p>
+            <a:r>
+              <a:rPr lang="nl-NL" dirty="0"/>
+              <a:t>Alle </a:t>
+            </a:r>
+            <a:r>
+              <a:rPr lang="nl-NL" dirty="0">
+                <a:solidFill>
+                  <a:srgbClr val="7030A0"/>
+                </a:solidFill>
+              </a:rPr>
+              <a:t>punten</a:t>
+            </a:r>
+            <a:r>
+              <a:rPr lang="nl-NL" dirty="0"/>
+              <a:t> op een bol liggen even ver van het </a:t>
+            </a:r>
+            <a:r>
+              <a:rPr lang="nl-NL" dirty="0">
+                <a:solidFill>
+                  <a:srgbClr val="7030A0"/>
+                </a:solidFill>
+              </a:rPr>
+              <a:t>middelpunt</a:t>
+            </a:r>
+            <a:r>
+              <a:rPr lang="nl-NL" dirty="0"/>
+              <a:t> af. </a:t>
+            </a:r>
+          </a:p>
+          <a:p>
+            <a:r>
+              <a:rPr lang="nl-NL" dirty="0"/>
+              <a:t>Deze afstand noemen we de </a:t>
+            </a:r>
+            <a:r>
+              <a:rPr lang="nl-NL" dirty="0">
+                <a:solidFill>
+                  <a:srgbClr val="7030A0"/>
+                </a:solidFill>
+              </a:rPr>
+              <a:t>straal</a:t>
+            </a:r>
+            <a:r>
+              <a:rPr lang="nl-NL" dirty="0"/>
+              <a:t>. </a:t>
+            </a:r>
+          </a:p>
+          <a:p>
+            <a:endParaRPr lang="nl-NL" dirty="0"/>
+          </a:p>
+        </p:txBody>
+      </p:sp>
+    </p:spTree>
+    <p:extLst>
+      <p:ext uri="{BB962C8B-B14F-4D97-AF65-F5344CB8AC3E}">
+        <p14:creationId xmlns:p14="http://schemas.microsoft.com/office/powerpoint/2010/main" val="201088793"/>
+      </p:ext>
+    </p:extLst>
+  </p:cSld>
+  <p:clrMapOvr>
+    <a:masterClrMapping/>
+  </p:clrMapOvr>
+</p:sld>
+</file>
+
+<file path=ppt/slides/slide12.xml><?xml version="1.0" encoding="utf-8"?>
+<p:sld xmlns:a="http://schemas.openxmlformats.org/drawingml/2006/main" xmlns:r="http://schemas.openxmlformats.org/officeDocument/2006/relationships" xmlns:p="http://schemas.openxmlformats.org/presentationml/2006/main">
+  <p:cSld>
+    <p:spTree>
+      <p:nvGrpSpPr>
+        <p:cNvPr id="1" name=""/>
+        <p:cNvGrpSpPr/>
+        <p:nvPr/>
+      </p:nvGrpSpPr>
+      <p:grpSpPr>
+        <a:xfrm>
+          <a:off x="0" y="0"/>
+          <a:ext cx="0" cy="0"/>
+          <a:chOff x="0" y="0"/>
+          <a:chExt cx="0" cy="0"/>
+        </a:xfrm>
+      </p:grpSpPr>
+      <p:sp>
+        <p:nvSpPr>
+          <p:cNvPr id="2" name="Titel 1">
+            <a:extLst>
+              <a:ext uri="{FF2B5EF4-FFF2-40B4-BE49-F238E27FC236}">
+                <a16:creationId xmlns:a16="http://schemas.microsoft.com/office/drawing/2014/main" id="{C2F5861A-BCDE-D2A4-C355-05C8119ED351}"/>
+              </a:ext>
+            </a:extLst>
+          </p:cNvPr>
+          <p:cNvSpPr>
+            <a:spLocks noGrp="1"/>
+          </p:cNvSpPr>
+          <p:nvPr>
+            <p:ph type="ctrTitle"/>
+          </p:nvPr>
+        </p:nvSpPr>
+        <p:spPr>
+          <a:xfrm>
+            <a:off x="1524000" y="236482"/>
+            <a:ext cx="9144000" cy="892887"/>
+          </a:xfrm>
+        </p:spPr>
+        <p:txBody>
+          <a:bodyPr>
+            <a:normAutofit fontScale="90000"/>
+          </a:bodyPr>
+          <a:lstStyle/>
+          <a:p>
+            <a:r>
+              <a:rPr lang="nl-NL" dirty="0"/>
+              <a:t>Voorbeeld Bol</a:t>
+            </a:r>
+          </a:p>
+        </p:txBody>
+      </p:sp>
+      <p:sp>
+        <p:nvSpPr>
+          <p:cNvPr id="4" name="AutoShape 2">
+            <a:extLst>
+              <a:ext uri="{FF2B5EF4-FFF2-40B4-BE49-F238E27FC236}">
+                <a16:creationId xmlns:a16="http://schemas.microsoft.com/office/drawing/2014/main" id="{5811C3DC-6F08-6D19-0A68-031F7D209C73}"/>
+              </a:ext>
+            </a:extLst>
+          </p:cNvPr>
+          <p:cNvSpPr>
+            <a:spLocks noChangeAspect="1" noChangeArrowheads="1"/>
+          </p:cNvSpPr>
+          <p:nvPr/>
+        </p:nvSpPr>
+        <p:spPr bwMode="auto">
+          <a:xfrm>
+            <a:off x="5943600" y="3276600"/>
+            <a:ext cx="304800" cy="304800"/>
+          </a:xfrm>
+          <a:prstGeom prst="rect">
+            <a:avLst/>
+          </a:prstGeom>
+          <a:noFill/>
+          <a:extLst>
+            <a:ext uri="{909E8E84-426E-40DD-AFC4-6F175D3DCCD1}">
+              <a14:hiddenFill xmlns:a14="http://schemas.microsoft.com/office/drawing/2010/main">
+                <a:solidFill>
+                  <a:srgbClr val="FFFFFF"/>
+                </a:solidFill>
+              </a14:hiddenFill>
+            </a:ext>
+          </a:extLst>
+        </p:spPr>
+        <p:txBody>
+          <a:bodyPr vert="horz" wrap="square" lIns="91440" tIns="45720" rIns="91440" bIns="45720" numCol="1" anchor="t" anchorCtr="0" compatLnSpc="1">
+            <a:prstTxWarp prst="textNoShape">
+              <a:avLst/>
+            </a:prstTxWarp>
+          </a:bodyPr>
+          <a:lstStyle/>
+          <a:p>
+            <a:endParaRPr lang="nl-NL"/>
+          </a:p>
+        </p:txBody>
+      </p:sp>
+      <p:sp>
+        <p:nvSpPr>
+          <p:cNvPr id="6" name="AutoShape 4">
+            <a:extLst>
+              <a:ext uri="{FF2B5EF4-FFF2-40B4-BE49-F238E27FC236}">
+                <a16:creationId xmlns:a16="http://schemas.microsoft.com/office/drawing/2014/main" id="{E1144CBE-AB45-2A4F-5F39-6FD091552ACD}"/>
+              </a:ext>
+            </a:extLst>
+          </p:cNvPr>
+          <p:cNvSpPr>
+            <a:spLocks noChangeAspect="1" noChangeArrowheads="1"/>
+          </p:cNvSpPr>
+          <p:nvPr/>
+        </p:nvSpPr>
+        <p:spPr bwMode="auto">
+          <a:xfrm>
+            <a:off x="2701869" y="1729443"/>
+            <a:ext cx="1214203" cy="1214203"/>
+          </a:xfrm>
+          <a:prstGeom prst="rect">
+            <a:avLst/>
+          </a:prstGeom>
+          <a:noFill/>
+          <a:extLst>
+            <a:ext uri="{909E8E84-426E-40DD-AFC4-6F175D3DCCD1}">
+              <a14:hiddenFill xmlns:a14="http://schemas.microsoft.com/office/drawing/2010/main">
+                <a:solidFill>
+                  <a:srgbClr val="FFFFFF"/>
+                </a:solidFill>
+              </a14:hiddenFill>
+            </a:ext>
+          </a:extLst>
+        </p:spPr>
+        <p:txBody>
+          <a:bodyPr vert="horz" wrap="square" lIns="91440" tIns="45720" rIns="91440" bIns="45720" numCol="1" anchor="t" anchorCtr="0" compatLnSpc="1">
+            <a:prstTxWarp prst="textNoShape">
+              <a:avLst/>
+            </a:prstTxWarp>
+          </a:bodyPr>
+          <a:lstStyle/>
+          <a:p>
+            <a:endParaRPr lang="nl-NL"/>
+          </a:p>
+        </p:txBody>
+      </p:sp>
+      <p:sp>
+        <p:nvSpPr>
+          <p:cNvPr id="7" name="AutoShape 8" descr="Figuren">
+            <a:extLst>
+              <a:ext uri="{FF2B5EF4-FFF2-40B4-BE49-F238E27FC236}">
+                <a16:creationId xmlns:a16="http://schemas.microsoft.com/office/drawing/2014/main" id="{2373B61C-1B6C-8C5D-4819-7E428FB94701}"/>
+              </a:ext>
+            </a:extLst>
+          </p:cNvPr>
+          <p:cNvSpPr>
+            <a:spLocks noChangeAspect="1" noChangeArrowheads="1"/>
+          </p:cNvSpPr>
+          <p:nvPr/>
+        </p:nvSpPr>
+        <p:spPr bwMode="auto">
+          <a:xfrm>
+            <a:off x="6096000" y="3429000"/>
+            <a:ext cx="304800" cy="304800"/>
+          </a:xfrm>
+          <a:prstGeom prst="rect">
+            <a:avLst/>
+          </a:prstGeom>
+          <a:noFill/>
+          <a:extLst>
+            <a:ext uri="{909E8E84-426E-40DD-AFC4-6F175D3DCCD1}">
+              <a14:hiddenFill xmlns:a14="http://schemas.microsoft.com/office/drawing/2010/main">
+                <a:solidFill>
+                  <a:srgbClr val="FFFFFF"/>
+                </a:solidFill>
+              </a14:hiddenFill>
+            </a:ext>
+          </a:extLst>
+        </p:spPr>
+        <p:txBody>
+          <a:bodyPr vert="horz" wrap="square" lIns="91440" tIns="45720" rIns="91440" bIns="45720" numCol="1" anchor="t" anchorCtr="0" compatLnSpc="1">
+            <a:prstTxWarp prst="textNoShape">
+              <a:avLst/>
+            </a:prstTxWarp>
+          </a:bodyPr>
+          <a:lstStyle/>
+          <a:p>
+            <a:endParaRPr lang="nl-NL"/>
+          </a:p>
+        </p:txBody>
+      </p:sp>
+      <p:pic>
+        <p:nvPicPr>
+          <p:cNvPr id="1028" name="Picture 4" descr="wiskunde.eu : Overzicht opgaven">
+            <a:extLst>
+              <a:ext uri="{FF2B5EF4-FFF2-40B4-BE49-F238E27FC236}">
+                <a16:creationId xmlns:a16="http://schemas.microsoft.com/office/drawing/2014/main" id="{D2A6CA1C-C265-232B-CD85-1B37213B9527}"/>
+              </a:ext>
+            </a:extLst>
+          </p:cNvPr>
+          <p:cNvPicPr>
+            <a:picLocks noChangeAspect="1" noChangeArrowheads="1"/>
+          </p:cNvPicPr>
+          <p:nvPr/>
+        </p:nvPicPr>
+        <p:blipFill>
+          <a:blip r:embed="rId2">
+            <a:extLst>
+              <a:ext uri="{28A0092B-C50C-407E-A947-70E740481C1C}">
+                <a14:useLocalDpi xmlns:a14="http://schemas.microsoft.com/office/drawing/2010/main" val="0"/>
+              </a:ext>
+            </a:extLst>
+          </a:blip>
+          <a:srcRect/>
+          <a:stretch>
+            <a:fillRect/>
+          </a:stretch>
+        </p:blipFill>
+        <p:spPr bwMode="auto">
+          <a:xfrm>
+            <a:off x="3755517" y="1533369"/>
+            <a:ext cx="4680965" cy="4604228"/>
+          </a:xfrm>
+          <a:prstGeom prst="rect">
+            <a:avLst/>
+          </a:prstGeom>
+          <a:noFill/>
+          <a:extLst>
+            <a:ext uri="{909E8E84-426E-40DD-AFC4-6F175D3DCCD1}">
+              <a14:hiddenFill xmlns:a14="http://schemas.microsoft.com/office/drawing/2010/main">
+                <a:solidFill>
+                  <a:srgbClr val="FFFFFF"/>
+                </a:solidFill>
+              </a14:hiddenFill>
+            </a:ext>
+          </a:extLst>
+        </p:spPr>
+      </p:pic>
+    </p:spTree>
+    <p:extLst>
+      <p:ext uri="{BB962C8B-B14F-4D97-AF65-F5344CB8AC3E}">
+        <p14:creationId xmlns:p14="http://schemas.microsoft.com/office/powerpoint/2010/main" val="4134567480"/>
+      </p:ext>
+    </p:extLst>
+  </p:cSld>
+  <p:clrMapOvr>
+    <a:masterClrMapping/>
+  </p:clrMapOvr>
+</p:sld>
+</file>
+
+<file path=ppt/slides/slide13.xml><?xml version="1.0" encoding="utf-8"?>
+<p:sld xmlns:a="http://schemas.openxmlformats.org/drawingml/2006/main" xmlns:r="http://schemas.openxmlformats.org/officeDocument/2006/relationships" xmlns:p="http://schemas.openxmlformats.org/presentationml/2006/main">
+  <p:cSld>
+    <p:spTree>
+      <p:nvGrpSpPr>
+        <p:cNvPr id="1" name=""/>
+        <p:cNvGrpSpPr/>
+        <p:nvPr/>
+      </p:nvGrpSpPr>
+      <p:grpSpPr>
+        <a:xfrm>
+          <a:off x="0" y="0"/>
+          <a:ext cx="0" cy="0"/>
+          <a:chOff x="0" y="0"/>
+          <a:chExt cx="0" cy="0"/>
+        </a:xfrm>
+      </p:grpSpPr>
+      <p:sp>
+        <p:nvSpPr>
+          <p:cNvPr id="2" name="Titel 1">
+            <a:extLst>
+              <a:ext uri="{FF2B5EF4-FFF2-40B4-BE49-F238E27FC236}">
+                <a16:creationId xmlns:a16="http://schemas.microsoft.com/office/drawing/2014/main" id="{73168B85-7905-DEBC-34BC-B73EB909DDCD}"/>
+              </a:ext>
+            </a:extLst>
+          </p:cNvPr>
+          <p:cNvSpPr>
+            <a:spLocks noGrp="1"/>
+          </p:cNvSpPr>
+          <p:nvPr>
+            <p:ph type="title"/>
+          </p:nvPr>
+        </p:nvSpPr>
+        <p:spPr/>
+        <p:txBody>
+          <a:bodyPr/>
+          <a:lstStyle/>
+          <a:p>
+            <a:r>
+              <a:rPr lang="nl-NL" dirty="0"/>
+              <a:t>Wiskunde Termen</a:t>
+            </a:r>
+          </a:p>
+        </p:txBody>
+      </p:sp>
+      <p:sp>
+        <p:nvSpPr>
+          <p:cNvPr id="4" name="Titel 1">
+            <a:extLst>
+              <a:ext uri="{FF2B5EF4-FFF2-40B4-BE49-F238E27FC236}">
+                <a16:creationId xmlns:a16="http://schemas.microsoft.com/office/drawing/2014/main" id="{61ED484A-E87E-7D07-D06C-3D405D336CC2}"/>
+              </a:ext>
+            </a:extLst>
+          </p:cNvPr>
+          <p:cNvSpPr txBox="1">
+            <a:spLocks/>
+          </p:cNvSpPr>
+          <p:nvPr/>
+        </p:nvSpPr>
+        <p:spPr>
+          <a:xfrm>
+            <a:off x="1524000" y="2105897"/>
+            <a:ext cx="9144000" cy="2646206"/>
+          </a:xfrm>
+          <a:prstGeom prst="rect">
+            <a:avLst/>
+          </a:prstGeom>
+        </p:spPr>
+        <p:txBody>
+          <a:bodyPr vert="horz" lIns="91440" tIns="45720" rIns="91440" bIns="45720" rtlCol="0" anchor="ctr">
+            <a:normAutofit fontScale="97500"/>
+          </a:bodyPr>
+          <a:lstStyle>
+            <a:lvl1pPr algn="l" defTabSz="914400" rtl="0" eaLnBrk="1" latinLnBrk="0" hangingPunct="1">
+              <a:lnSpc>
+                <a:spcPct val="90000"/>
+              </a:lnSpc>
+              <a:spcBef>
+                <a:spcPct val="0"/>
+              </a:spcBef>
+              <a:buNone/>
+              <a:defRPr sz="4400" kern="1200">
+                <a:solidFill>
+                  <a:schemeClr val="tx1"/>
+                </a:solidFill>
+                <a:latin typeface="+mj-lt"/>
+                <a:ea typeface="+mj-ea"/>
+                <a:cs typeface="+mj-cs"/>
+              </a:defRPr>
+            </a:lvl1pPr>
+          </a:lstStyle>
+          <a:p>
+            <a:pPr algn="ctr"/>
+            <a:r>
+              <a:rPr lang="nl-NL" sz="9000" b="1" dirty="0"/>
+              <a:t>Vierkant</a:t>
+            </a:r>
+          </a:p>
+        </p:txBody>
+      </p:sp>
+    </p:spTree>
+    <p:extLst>
+      <p:ext uri="{BB962C8B-B14F-4D97-AF65-F5344CB8AC3E}">
+        <p14:creationId xmlns:p14="http://schemas.microsoft.com/office/powerpoint/2010/main" val="2580559283"/>
+      </p:ext>
+    </p:extLst>
+  </p:cSld>
+  <p:clrMapOvr>
+    <a:masterClrMapping/>
+  </p:clrMapOvr>
+</p:sld>
+</file>
+
+<file path=ppt/slides/slide14.xml><?xml version="1.0" encoding="utf-8"?>
+<p:sld xmlns:a="http://schemas.openxmlformats.org/drawingml/2006/main" xmlns:r="http://schemas.openxmlformats.org/officeDocument/2006/relationships" xmlns:p="http://schemas.openxmlformats.org/presentationml/2006/main">
+  <p:cSld>
+    <p:spTree>
+      <p:nvGrpSpPr>
+        <p:cNvPr id="1" name=""/>
+        <p:cNvGrpSpPr/>
+        <p:nvPr/>
+      </p:nvGrpSpPr>
+      <p:grpSpPr>
+        <a:xfrm>
+          <a:off x="0" y="0"/>
+          <a:ext cx="0" cy="0"/>
+          <a:chOff x="0" y="0"/>
+          <a:chExt cx="0" cy="0"/>
+        </a:xfrm>
+      </p:grpSpPr>
+      <p:sp>
+        <p:nvSpPr>
+          <p:cNvPr id="2" name="Titel 1">
+            <a:extLst>
+              <a:ext uri="{FF2B5EF4-FFF2-40B4-BE49-F238E27FC236}">
+                <a16:creationId xmlns:a16="http://schemas.microsoft.com/office/drawing/2014/main" id="{C2F5861A-BCDE-D2A4-C355-05C8119ED351}"/>
+              </a:ext>
+            </a:extLst>
+          </p:cNvPr>
+          <p:cNvSpPr>
+            <a:spLocks noGrp="1"/>
+          </p:cNvSpPr>
+          <p:nvPr>
+            <p:ph type="ctrTitle"/>
+          </p:nvPr>
+        </p:nvSpPr>
+        <p:spPr>
+          <a:xfrm>
+            <a:off x="1524000" y="236482"/>
+            <a:ext cx="9144000" cy="892887"/>
+          </a:xfrm>
+        </p:spPr>
+        <p:txBody>
+          <a:bodyPr>
+            <a:normAutofit fontScale="90000"/>
+          </a:bodyPr>
+          <a:lstStyle/>
+          <a:p>
+            <a:r>
+              <a:rPr lang="nl-NL" dirty="0"/>
+              <a:t>Vierkant</a:t>
+            </a:r>
+          </a:p>
+        </p:txBody>
+      </p:sp>
+      <p:sp>
+        <p:nvSpPr>
+          <p:cNvPr id="4" name="Ondertitel 2">
+            <a:extLst>
+              <a:ext uri="{FF2B5EF4-FFF2-40B4-BE49-F238E27FC236}">
+                <a16:creationId xmlns:a16="http://schemas.microsoft.com/office/drawing/2014/main" id="{0C270B7A-0EAC-B39A-6A17-BB13416FF1A1}"/>
+              </a:ext>
+            </a:extLst>
+          </p:cNvPr>
+          <p:cNvSpPr txBox="1">
+            <a:spLocks/>
+          </p:cNvSpPr>
+          <p:nvPr/>
+        </p:nvSpPr>
+        <p:spPr>
+          <a:xfrm>
+            <a:off x="54243" y="1507852"/>
+            <a:ext cx="11677973" cy="1655762"/>
+          </a:xfrm>
+          <a:prstGeom prst="rect">
+            <a:avLst/>
+          </a:prstGeom>
+        </p:spPr>
+        <p:txBody>
+          <a:bodyPr vert="horz" lIns="91440" tIns="45720" rIns="91440" bIns="45720" rtlCol="0">
+            <a:normAutofit/>
+          </a:bodyPr>
+          <a:lstStyle>
+            <a:lvl1pPr marL="0" indent="0" algn="ctr" defTabSz="914400" rtl="0" eaLnBrk="1" latinLnBrk="0" hangingPunct="1">
+              <a:lnSpc>
+                <a:spcPct val="90000"/>
+              </a:lnSpc>
+              <a:spcBef>
+                <a:spcPts val="1000"/>
+              </a:spcBef>
+              <a:buFont typeface="Arial" panose="020B0604020202020204" pitchFamily="34" charset="0"/>
+              <a:buNone/>
+              <a:defRPr sz="2400" kern="1200">
+                <a:solidFill>
+                  <a:schemeClr val="tx1"/>
+                </a:solidFill>
+                <a:latin typeface="+mn-lt"/>
+                <a:ea typeface="+mn-ea"/>
+                <a:cs typeface="+mn-cs"/>
+              </a:defRPr>
+            </a:lvl1pPr>
+            <a:lvl2pPr marL="457200" indent="0" algn="ctr" defTabSz="914400" rtl="0" eaLnBrk="1" latinLnBrk="0" hangingPunct="1">
+              <a:lnSpc>
+                <a:spcPct val="90000"/>
+              </a:lnSpc>
+              <a:spcBef>
+                <a:spcPts val="500"/>
+              </a:spcBef>
+              <a:buFont typeface="Arial" panose="020B0604020202020204" pitchFamily="34" charset="0"/>
+              <a:buNone/>
+              <a:defRPr sz="2000" kern="1200">
+                <a:solidFill>
+                  <a:schemeClr val="tx1"/>
+                </a:solidFill>
+                <a:latin typeface="+mn-lt"/>
+                <a:ea typeface="+mn-ea"/>
+                <a:cs typeface="+mn-cs"/>
+              </a:defRPr>
+            </a:lvl2pPr>
+            <a:lvl3pPr marL="914400" indent="0" algn="ctr" defTabSz="914400" rtl="0" eaLnBrk="1" latinLnBrk="0" hangingPunct="1">
+              <a:lnSpc>
+                <a:spcPct val="90000"/>
+              </a:lnSpc>
+              <a:spcBef>
+                <a:spcPts val="500"/>
+              </a:spcBef>
+              <a:buFont typeface="Arial" panose="020B0604020202020204" pitchFamily="34" charset="0"/>
+              <a:buNone/>
+              <a:defRPr sz="1800" kern="1200">
+                <a:solidFill>
+                  <a:schemeClr val="tx1"/>
+                </a:solidFill>
+                <a:latin typeface="+mn-lt"/>
+                <a:ea typeface="+mn-ea"/>
+                <a:cs typeface="+mn-cs"/>
+              </a:defRPr>
+            </a:lvl3pPr>
+            <a:lvl4pPr marL="1371600" indent="0" algn="ctr" defTabSz="914400" rtl="0" eaLnBrk="1" latinLnBrk="0" hangingPunct="1">
+              <a:lnSpc>
+                <a:spcPct val="90000"/>
+              </a:lnSpc>
+              <a:spcBef>
+                <a:spcPts val="500"/>
+              </a:spcBef>
+              <a:buFont typeface="Arial" panose="020B0604020202020204" pitchFamily="34" charset="0"/>
+              <a:buNone/>
+              <a:defRPr sz="1600" kern="1200">
+                <a:solidFill>
+                  <a:schemeClr val="tx1"/>
+                </a:solidFill>
+                <a:latin typeface="+mn-lt"/>
+                <a:ea typeface="+mn-ea"/>
+                <a:cs typeface="+mn-cs"/>
+              </a:defRPr>
+            </a:lvl4pPr>
+            <a:lvl5pPr marL="1828800" indent="0" algn="ctr" defTabSz="914400" rtl="0" eaLnBrk="1" latinLnBrk="0" hangingPunct="1">
+              <a:lnSpc>
+                <a:spcPct val="90000"/>
+              </a:lnSpc>
+              <a:spcBef>
+                <a:spcPts val="500"/>
+              </a:spcBef>
+              <a:buFont typeface="Arial" panose="020B0604020202020204" pitchFamily="34" charset="0"/>
+              <a:buNone/>
+              <a:defRPr sz="1600" kern="1200">
+                <a:solidFill>
+                  <a:schemeClr val="tx1"/>
+                </a:solidFill>
+                <a:latin typeface="+mn-lt"/>
+                <a:ea typeface="+mn-ea"/>
+                <a:cs typeface="+mn-cs"/>
+              </a:defRPr>
+            </a:lvl5pPr>
+            <a:lvl6pPr marL="2286000" indent="0" algn="ctr" defTabSz="914400" rtl="0" eaLnBrk="1" latinLnBrk="0" hangingPunct="1">
+              <a:lnSpc>
+                <a:spcPct val="90000"/>
+              </a:lnSpc>
+              <a:spcBef>
+                <a:spcPts val="500"/>
+              </a:spcBef>
+              <a:buFont typeface="Arial" panose="020B0604020202020204" pitchFamily="34" charset="0"/>
+              <a:buNone/>
+              <a:defRPr sz="1600" kern="1200">
+                <a:solidFill>
+                  <a:schemeClr val="tx1"/>
+                </a:solidFill>
+                <a:latin typeface="+mn-lt"/>
+                <a:ea typeface="+mn-ea"/>
+                <a:cs typeface="+mn-cs"/>
+              </a:defRPr>
+            </a:lvl6pPr>
+            <a:lvl7pPr marL="2743200" indent="0" algn="ctr" defTabSz="914400" rtl="0" eaLnBrk="1" latinLnBrk="0" hangingPunct="1">
+              <a:lnSpc>
+                <a:spcPct val="90000"/>
+              </a:lnSpc>
+              <a:spcBef>
+                <a:spcPts val="500"/>
+              </a:spcBef>
+              <a:buFont typeface="Arial" panose="020B0604020202020204" pitchFamily="34" charset="0"/>
+              <a:buNone/>
+              <a:defRPr sz="1600" kern="1200">
+                <a:solidFill>
+                  <a:schemeClr val="tx1"/>
+                </a:solidFill>
+                <a:latin typeface="+mn-lt"/>
+                <a:ea typeface="+mn-ea"/>
+                <a:cs typeface="+mn-cs"/>
+              </a:defRPr>
+            </a:lvl7pPr>
+            <a:lvl8pPr marL="3200400" indent="0" algn="ctr" defTabSz="914400" rtl="0" eaLnBrk="1" latinLnBrk="0" hangingPunct="1">
+              <a:lnSpc>
+                <a:spcPct val="90000"/>
+              </a:lnSpc>
+              <a:spcBef>
+                <a:spcPts val="500"/>
+              </a:spcBef>
+              <a:buFont typeface="Arial" panose="020B0604020202020204" pitchFamily="34" charset="0"/>
+              <a:buNone/>
+              <a:defRPr sz="1600" kern="1200">
+                <a:solidFill>
+                  <a:schemeClr val="tx1"/>
+                </a:solidFill>
+                <a:latin typeface="+mn-lt"/>
+                <a:ea typeface="+mn-ea"/>
+                <a:cs typeface="+mn-cs"/>
+              </a:defRPr>
+            </a:lvl8pPr>
+            <a:lvl9pPr marL="3657600" indent="0" algn="ctr" defTabSz="914400" rtl="0" eaLnBrk="1" latinLnBrk="0" hangingPunct="1">
+              <a:lnSpc>
+                <a:spcPct val="90000"/>
+              </a:lnSpc>
+              <a:spcBef>
+                <a:spcPts val="500"/>
+              </a:spcBef>
+              <a:buFont typeface="Arial" panose="020B0604020202020204" pitchFamily="34" charset="0"/>
+              <a:buNone/>
+              <a:defRPr sz="1600" kern="1200">
+                <a:solidFill>
+                  <a:schemeClr val="tx1"/>
+                </a:solidFill>
+                <a:latin typeface="+mn-lt"/>
+                <a:ea typeface="+mn-ea"/>
+                <a:cs typeface="+mn-cs"/>
+              </a:defRPr>
+            </a:lvl9pPr>
+          </a:lstStyle>
+          <a:p>
+            <a:r>
+              <a:rPr lang="nl-NL" dirty="0"/>
+              <a:t>Een vierkant is een </a:t>
+            </a:r>
+            <a:r>
+              <a:rPr lang="nl-NL" dirty="0">
+                <a:solidFill>
+                  <a:srgbClr val="7030A0"/>
+                </a:solidFill>
+              </a:rPr>
+              <a:t>vierhoek</a:t>
+            </a:r>
+            <a:r>
+              <a:rPr lang="nl-NL" dirty="0"/>
+              <a:t> met vier </a:t>
+            </a:r>
+            <a:r>
+              <a:rPr lang="nl-NL" dirty="0">
+                <a:solidFill>
+                  <a:srgbClr val="7030A0"/>
+                </a:solidFill>
+              </a:rPr>
+              <a:t>rechte hoeken </a:t>
+            </a:r>
+            <a:r>
+              <a:rPr lang="nl-NL" dirty="0"/>
+              <a:t>en vier even lange </a:t>
+            </a:r>
+            <a:r>
+              <a:rPr lang="nl-NL" dirty="0">
+                <a:solidFill>
+                  <a:srgbClr val="7030A0"/>
+                </a:solidFill>
+              </a:rPr>
+              <a:t>zijden</a:t>
+            </a:r>
+          </a:p>
+          <a:p>
+            <a:endParaRPr lang="nl-NL" dirty="0"/>
+          </a:p>
+        </p:txBody>
+      </p:sp>
+    </p:spTree>
+    <p:extLst>
+      <p:ext uri="{BB962C8B-B14F-4D97-AF65-F5344CB8AC3E}">
+        <p14:creationId xmlns:p14="http://schemas.microsoft.com/office/powerpoint/2010/main" val="1098195592"/>
+      </p:ext>
+    </p:extLst>
+  </p:cSld>
+  <p:clrMapOvr>
+    <a:masterClrMapping/>
+  </p:clrMapOvr>
+</p:sld>
+</file>
+
+<file path=ppt/slides/slide15.xml><?xml version="1.0" encoding="utf-8"?>
+<p:sld xmlns:a="http://schemas.openxmlformats.org/drawingml/2006/main" xmlns:r="http://schemas.openxmlformats.org/officeDocument/2006/relationships" xmlns:p="http://schemas.openxmlformats.org/presentationml/2006/main">
+  <p:cSld>
+    <p:spTree>
+      <p:nvGrpSpPr>
+        <p:cNvPr id="1" name=""/>
+        <p:cNvGrpSpPr/>
+        <p:nvPr/>
+      </p:nvGrpSpPr>
+      <p:grpSpPr>
+        <a:xfrm>
+          <a:off x="0" y="0"/>
+          <a:ext cx="0" cy="0"/>
+          <a:chOff x="0" y="0"/>
+          <a:chExt cx="0" cy="0"/>
+        </a:xfrm>
+      </p:grpSpPr>
+      <p:sp>
+        <p:nvSpPr>
+          <p:cNvPr id="2" name="Titel 1">
+            <a:extLst>
+              <a:ext uri="{FF2B5EF4-FFF2-40B4-BE49-F238E27FC236}">
+                <a16:creationId xmlns:a16="http://schemas.microsoft.com/office/drawing/2014/main" id="{C2F5861A-BCDE-D2A4-C355-05C8119ED351}"/>
+              </a:ext>
+            </a:extLst>
+          </p:cNvPr>
+          <p:cNvSpPr>
+            <a:spLocks noGrp="1"/>
+          </p:cNvSpPr>
+          <p:nvPr>
+            <p:ph type="ctrTitle"/>
+          </p:nvPr>
+        </p:nvSpPr>
+        <p:spPr>
+          <a:xfrm>
+            <a:off x="1524000" y="236482"/>
+            <a:ext cx="9144000" cy="892887"/>
+          </a:xfrm>
+        </p:spPr>
+        <p:txBody>
+          <a:bodyPr>
+            <a:normAutofit fontScale="90000"/>
+          </a:bodyPr>
+          <a:lstStyle/>
+          <a:p>
+            <a:r>
+              <a:rPr lang="nl-NL" dirty="0"/>
+              <a:t>Voorbeeld Vierkant</a:t>
+            </a:r>
+          </a:p>
+        </p:txBody>
+      </p:sp>
+      <p:sp>
+        <p:nvSpPr>
+          <p:cNvPr id="4" name="AutoShape 2">
+            <a:extLst>
+              <a:ext uri="{FF2B5EF4-FFF2-40B4-BE49-F238E27FC236}">
+                <a16:creationId xmlns:a16="http://schemas.microsoft.com/office/drawing/2014/main" id="{5811C3DC-6F08-6D19-0A68-031F7D209C73}"/>
+              </a:ext>
+            </a:extLst>
+          </p:cNvPr>
+          <p:cNvSpPr>
+            <a:spLocks noChangeAspect="1" noChangeArrowheads="1"/>
+          </p:cNvSpPr>
+          <p:nvPr/>
+        </p:nvSpPr>
+        <p:spPr bwMode="auto">
+          <a:xfrm>
+            <a:off x="5943600" y="3276600"/>
+            <a:ext cx="304800" cy="304800"/>
+          </a:xfrm>
+          <a:prstGeom prst="rect">
+            <a:avLst/>
+          </a:prstGeom>
+          <a:noFill/>
+          <a:extLst>
+            <a:ext uri="{909E8E84-426E-40DD-AFC4-6F175D3DCCD1}">
+              <a14:hiddenFill xmlns:a14="http://schemas.microsoft.com/office/drawing/2010/main">
+                <a:solidFill>
+                  <a:srgbClr val="FFFFFF"/>
+                </a:solidFill>
+              </a14:hiddenFill>
+            </a:ext>
+          </a:extLst>
+        </p:spPr>
+        <p:txBody>
+          <a:bodyPr vert="horz" wrap="square" lIns="91440" tIns="45720" rIns="91440" bIns="45720" numCol="1" anchor="t" anchorCtr="0" compatLnSpc="1">
+            <a:prstTxWarp prst="textNoShape">
+              <a:avLst/>
+            </a:prstTxWarp>
+          </a:bodyPr>
+          <a:lstStyle/>
+          <a:p>
+            <a:endParaRPr lang="nl-NL"/>
+          </a:p>
+        </p:txBody>
+      </p:sp>
+      <p:sp>
+        <p:nvSpPr>
+          <p:cNvPr id="6" name="AutoShape 4">
+            <a:extLst>
+              <a:ext uri="{FF2B5EF4-FFF2-40B4-BE49-F238E27FC236}">
+                <a16:creationId xmlns:a16="http://schemas.microsoft.com/office/drawing/2014/main" id="{E1144CBE-AB45-2A4F-5F39-6FD091552ACD}"/>
+              </a:ext>
+            </a:extLst>
+          </p:cNvPr>
+          <p:cNvSpPr>
+            <a:spLocks noChangeAspect="1" noChangeArrowheads="1"/>
+          </p:cNvSpPr>
+          <p:nvPr/>
+        </p:nvSpPr>
+        <p:spPr bwMode="auto">
+          <a:xfrm>
+            <a:off x="2701869" y="1729443"/>
+            <a:ext cx="1214203" cy="1214203"/>
+          </a:xfrm>
+          <a:prstGeom prst="rect">
+            <a:avLst/>
+          </a:prstGeom>
+          <a:noFill/>
+          <a:extLst>
+            <a:ext uri="{909E8E84-426E-40DD-AFC4-6F175D3DCCD1}">
+              <a14:hiddenFill xmlns:a14="http://schemas.microsoft.com/office/drawing/2010/main">
+                <a:solidFill>
+                  <a:srgbClr val="FFFFFF"/>
+                </a:solidFill>
+              </a14:hiddenFill>
+            </a:ext>
+          </a:extLst>
+        </p:spPr>
+        <p:txBody>
+          <a:bodyPr vert="horz" wrap="square" lIns="91440" tIns="45720" rIns="91440" bIns="45720" numCol="1" anchor="t" anchorCtr="0" compatLnSpc="1">
+            <a:prstTxWarp prst="textNoShape">
+              <a:avLst/>
+            </a:prstTxWarp>
+          </a:bodyPr>
+          <a:lstStyle/>
+          <a:p>
+            <a:endParaRPr lang="nl-NL"/>
+          </a:p>
+        </p:txBody>
+      </p:sp>
+      <p:sp>
+        <p:nvSpPr>
+          <p:cNvPr id="7" name="AutoShape 8" descr="Figuren">
+            <a:extLst>
+              <a:ext uri="{FF2B5EF4-FFF2-40B4-BE49-F238E27FC236}">
+                <a16:creationId xmlns:a16="http://schemas.microsoft.com/office/drawing/2014/main" id="{2373B61C-1B6C-8C5D-4819-7E428FB94701}"/>
+              </a:ext>
+            </a:extLst>
+          </p:cNvPr>
+          <p:cNvSpPr>
+            <a:spLocks noChangeAspect="1" noChangeArrowheads="1"/>
+          </p:cNvSpPr>
+          <p:nvPr/>
+        </p:nvSpPr>
+        <p:spPr bwMode="auto">
+          <a:xfrm>
+            <a:off x="6096000" y="3429000"/>
+            <a:ext cx="304800" cy="304800"/>
+          </a:xfrm>
+          <a:prstGeom prst="rect">
+            <a:avLst/>
+          </a:prstGeom>
+          <a:noFill/>
+          <a:extLst>
+            <a:ext uri="{909E8E84-426E-40DD-AFC4-6F175D3DCCD1}">
+              <a14:hiddenFill xmlns:a14="http://schemas.microsoft.com/office/drawing/2010/main">
+                <a:solidFill>
+                  <a:srgbClr val="FFFFFF"/>
+                </a:solidFill>
+              </a14:hiddenFill>
+            </a:ext>
+          </a:extLst>
+        </p:spPr>
+        <p:txBody>
+          <a:bodyPr vert="horz" wrap="square" lIns="91440" tIns="45720" rIns="91440" bIns="45720" numCol="1" anchor="t" anchorCtr="0" compatLnSpc="1">
+            <a:prstTxWarp prst="textNoShape">
+              <a:avLst/>
+            </a:prstTxWarp>
+          </a:bodyPr>
+          <a:lstStyle/>
+          <a:p>
+            <a:endParaRPr lang="nl-NL"/>
+          </a:p>
+        </p:txBody>
+      </p:sp>
+      <p:pic>
+        <p:nvPicPr>
+          <p:cNvPr id="9" name="Graphic 8">
+            <a:extLst>
+              <a:ext uri="{FF2B5EF4-FFF2-40B4-BE49-F238E27FC236}">
+                <a16:creationId xmlns:a16="http://schemas.microsoft.com/office/drawing/2014/main" id="{8D5E9900-D1CE-C992-BC31-58BEE4A9B264}"/>
+              </a:ext>
+            </a:extLst>
+          </p:cNvPr>
+          <p:cNvPicPr>
+            <a:picLocks noChangeAspect="1"/>
+          </p:cNvPicPr>
+          <p:nvPr/>
+        </p:nvPicPr>
+        <p:blipFill rotWithShape="1">
+          <a:blip r:embed="rId2">
+            <a:extLst>
+              <a:ext uri="{28A0092B-C50C-407E-A947-70E740481C1C}">
+                <a14:useLocalDpi xmlns:a14="http://schemas.microsoft.com/office/drawing/2010/main" val="0"/>
+              </a:ext>
+              <a:ext uri="{96DAC541-7B7A-43D3-8B79-37D633B846F1}">
+                <asvg:svgBlip xmlns:asvg="http://schemas.microsoft.com/office/drawing/2016/SVG/main" r:embed="rId3"/>
+              </a:ext>
+            </a:extLst>
+          </a:blip>
+          <a:srcRect l="30947" t="9447" r="48892" b="59292"/>
+          <a:stretch/>
+        </p:blipFill>
+        <p:spPr>
+          <a:xfrm>
+            <a:off x="3613062" y="1129369"/>
+            <a:ext cx="5778675" cy="4618302"/>
+          </a:xfrm>
+          <a:prstGeom prst="rect">
+            <a:avLst/>
+          </a:prstGeom>
+        </p:spPr>
+      </p:pic>
+    </p:spTree>
+    <p:extLst>
+      <p:ext uri="{BB962C8B-B14F-4D97-AF65-F5344CB8AC3E}">
+        <p14:creationId xmlns:p14="http://schemas.microsoft.com/office/powerpoint/2010/main" val="216591309"/>
+      </p:ext>
+    </p:extLst>
+  </p:cSld>
+  <p:clrMapOvr>
+    <a:masterClrMapping/>
+  </p:clrMapOvr>
+</p:sld>
+</file>
+
+<file path=ppt/slides/slide16.xml><?xml version="1.0" encoding="utf-8"?>
+<p:sld xmlns:a="http://schemas.openxmlformats.org/drawingml/2006/main" xmlns:r="http://schemas.openxmlformats.org/officeDocument/2006/relationships" xmlns:p="http://schemas.openxmlformats.org/presentationml/2006/main">
+  <p:cSld>
+    <p:spTree>
+      <p:nvGrpSpPr>
+        <p:cNvPr id="1" name=""/>
+        <p:cNvGrpSpPr/>
+        <p:nvPr/>
+      </p:nvGrpSpPr>
+      <p:grpSpPr>
+        <a:xfrm>
+          <a:off x="0" y="0"/>
+          <a:ext cx="0" cy="0"/>
+          <a:chOff x="0" y="0"/>
+          <a:chExt cx="0" cy="0"/>
+        </a:xfrm>
+      </p:grpSpPr>
+      <p:sp>
+        <p:nvSpPr>
+          <p:cNvPr id="2" name="Titel 1">
+            <a:extLst>
+              <a:ext uri="{FF2B5EF4-FFF2-40B4-BE49-F238E27FC236}">
+                <a16:creationId xmlns:a16="http://schemas.microsoft.com/office/drawing/2014/main" id="{73168B85-7905-DEBC-34BC-B73EB909DDCD}"/>
+              </a:ext>
+            </a:extLst>
+          </p:cNvPr>
+          <p:cNvSpPr>
+            <a:spLocks noGrp="1"/>
+          </p:cNvSpPr>
+          <p:nvPr>
+            <p:ph type="title"/>
+          </p:nvPr>
+        </p:nvSpPr>
+        <p:spPr/>
+        <p:txBody>
+          <a:bodyPr/>
+          <a:lstStyle/>
+          <a:p>
+            <a:r>
+              <a:rPr lang="nl-NL" dirty="0"/>
+              <a:t>Wiskunde Termen</a:t>
+            </a:r>
+          </a:p>
+        </p:txBody>
+      </p:sp>
+      <p:sp>
+        <p:nvSpPr>
+          <p:cNvPr id="4" name="Titel 1">
+            <a:extLst>
+              <a:ext uri="{FF2B5EF4-FFF2-40B4-BE49-F238E27FC236}">
+                <a16:creationId xmlns:a16="http://schemas.microsoft.com/office/drawing/2014/main" id="{61ED484A-E87E-7D07-D06C-3D405D336CC2}"/>
+              </a:ext>
+            </a:extLst>
+          </p:cNvPr>
+          <p:cNvSpPr txBox="1">
+            <a:spLocks/>
+          </p:cNvSpPr>
+          <p:nvPr/>
+        </p:nvSpPr>
+        <p:spPr>
+          <a:xfrm>
+            <a:off x="1524000" y="2105897"/>
+            <a:ext cx="9144000" cy="2646206"/>
+          </a:xfrm>
+          <a:prstGeom prst="rect">
+            <a:avLst/>
+          </a:prstGeom>
+        </p:spPr>
+        <p:txBody>
+          <a:bodyPr vert="horz" lIns="91440" tIns="45720" rIns="91440" bIns="45720" rtlCol="0" anchor="ctr">
+            <a:normAutofit fontScale="97500"/>
+          </a:bodyPr>
+          <a:lstStyle>
+            <a:lvl1pPr algn="l" defTabSz="914400" rtl="0" eaLnBrk="1" latinLnBrk="0" hangingPunct="1">
+              <a:lnSpc>
+                <a:spcPct val="90000"/>
+              </a:lnSpc>
+              <a:spcBef>
+                <a:spcPct val="0"/>
+              </a:spcBef>
+              <a:buNone/>
+              <a:defRPr sz="4400" kern="1200">
+                <a:solidFill>
+                  <a:schemeClr val="tx1"/>
+                </a:solidFill>
+                <a:latin typeface="+mj-lt"/>
+                <a:ea typeface="+mj-ea"/>
+                <a:cs typeface="+mj-cs"/>
+              </a:defRPr>
+            </a:lvl1pPr>
+          </a:lstStyle>
+          <a:p>
+            <a:pPr algn="ctr"/>
+            <a:r>
+              <a:rPr lang="nl-NL" sz="9000" b="1" dirty="0"/>
+              <a:t>Rechthoek</a:t>
+            </a:r>
+          </a:p>
+        </p:txBody>
+      </p:sp>
+    </p:spTree>
+    <p:extLst>
+      <p:ext uri="{BB962C8B-B14F-4D97-AF65-F5344CB8AC3E}">
+        <p14:creationId xmlns:p14="http://schemas.microsoft.com/office/powerpoint/2010/main" val="1945396960"/>
+      </p:ext>
+    </p:extLst>
+  </p:cSld>
+  <p:clrMapOvr>
+    <a:masterClrMapping/>
+  </p:clrMapOvr>
+</p:sld>
+</file>
+
+<file path=ppt/slides/slide17.xml><?xml version="1.0" encoding="utf-8"?>
+<p:sld xmlns:a="http://schemas.openxmlformats.org/drawingml/2006/main" xmlns:r="http://schemas.openxmlformats.org/officeDocument/2006/relationships" xmlns:p="http://schemas.openxmlformats.org/presentationml/2006/main">
+  <p:cSld>
+    <p:spTree>
+      <p:nvGrpSpPr>
+        <p:cNvPr id="1" name=""/>
+        <p:cNvGrpSpPr/>
+        <p:nvPr/>
+      </p:nvGrpSpPr>
+      <p:grpSpPr>
+        <a:xfrm>
+          <a:off x="0" y="0"/>
+          <a:ext cx="0" cy="0"/>
+          <a:chOff x="0" y="0"/>
+          <a:chExt cx="0" cy="0"/>
+        </a:xfrm>
+      </p:grpSpPr>
+      <p:sp>
+        <p:nvSpPr>
+          <p:cNvPr id="2" name="Titel 1">
+            <a:extLst>
+              <a:ext uri="{FF2B5EF4-FFF2-40B4-BE49-F238E27FC236}">
+                <a16:creationId xmlns:a16="http://schemas.microsoft.com/office/drawing/2014/main" id="{C2F5861A-BCDE-D2A4-C355-05C8119ED351}"/>
+              </a:ext>
+            </a:extLst>
+          </p:cNvPr>
+          <p:cNvSpPr>
+            <a:spLocks noGrp="1"/>
+          </p:cNvSpPr>
+          <p:nvPr>
+            <p:ph type="ctrTitle"/>
+          </p:nvPr>
+        </p:nvSpPr>
+        <p:spPr>
+          <a:xfrm>
+            <a:off x="1524000" y="236482"/>
+            <a:ext cx="9144000" cy="892887"/>
+          </a:xfrm>
+        </p:spPr>
+        <p:txBody>
+          <a:bodyPr>
+            <a:normAutofit fontScale="90000"/>
+          </a:bodyPr>
+          <a:lstStyle/>
+          <a:p>
+            <a:r>
+              <a:rPr lang="nl-NL" dirty="0"/>
+              <a:t>Rechthoek</a:t>
+            </a:r>
+          </a:p>
+        </p:txBody>
+      </p:sp>
+      <p:sp>
+        <p:nvSpPr>
+          <p:cNvPr id="3" name="Ondertitel 2">
+            <a:extLst>
+              <a:ext uri="{FF2B5EF4-FFF2-40B4-BE49-F238E27FC236}">
+                <a16:creationId xmlns:a16="http://schemas.microsoft.com/office/drawing/2014/main" id="{7988AA68-FB88-7C7C-5E47-2AE86A2EFD72}"/>
+              </a:ext>
+            </a:extLst>
+          </p:cNvPr>
+          <p:cNvSpPr>
+            <a:spLocks noGrp="1"/>
+          </p:cNvSpPr>
+          <p:nvPr>
+            <p:ph type="subTitle" idx="1"/>
+          </p:nvPr>
+        </p:nvSpPr>
+        <p:spPr>
+          <a:xfrm>
+            <a:off x="1524000" y="1347703"/>
+            <a:ext cx="9144000" cy="1655762"/>
+          </a:xfrm>
+        </p:spPr>
+        <p:txBody>
+          <a:bodyPr>
+            <a:normAutofit/>
+          </a:bodyPr>
+          <a:lstStyle/>
+          <a:p>
+            <a:endParaRPr lang="nl-NL" dirty="0"/>
+          </a:p>
+          <a:p>
+            <a:endParaRPr lang="nl-NL" dirty="0"/>
+          </a:p>
+          <a:p>
+            <a:endParaRPr lang="nl-NL" dirty="0"/>
+          </a:p>
+          <a:p>
+            <a:endParaRPr lang="nl-NL" dirty="0"/>
+          </a:p>
+        </p:txBody>
+      </p:sp>
+      <p:sp>
+        <p:nvSpPr>
+          <p:cNvPr id="4" name="Ondertitel 2">
+            <a:extLst>
+              <a:ext uri="{FF2B5EF4-FFF2-40B4-BE49-F238E27FC236}">
+                <a16:creationId xmlns:a16="http://schemas.microsoft.com/office/drawing/2014/main" id="{0C270B7A-0EAC-B39A-6A17-BB13416FF1A1}"/>
+              </a:ext>
+            </a:extLst>
+          </p:cNvPr>
+          <p:cNvSpPr txBox="1">
+            <a:spLocks/>
+          </p:cNvSpPr>
+          <p:nvPr/>
+        </p:nvSpPr>
+        <p:spPr>
+          <a:xfrm>
+            <a:off x="54243" y="1507852"/>
+            <a:ext cx="11677973" cy="1655762"/>
+          </a:xfrm>
+          <a:prstGeom prst="rect">
+            <a:avLst/>
+          </a:prstGeom>
+        </p:spPr>
+        <p:txBody>
+          <a:bodyPr vert="horz" lIns="91440" tIns="45720" rIns="91440" bIns="45720" rtlCol="0">
+            <a:normAutofit/>
+          </a:bodyPr>
+          <a:lstStyle>
+            <a:lvl1pPr marL="0" indent="0" algn="ctr" defTabSz="914400" rtl="0" eaLnBrk="1" latinLnBrk="0" hangingPunct="1">
+              <a:lnSpc>
+                <a:spcPct val="90000"/>
+              </a:lnSpc>
+              <a:spcBef>
+                <a:spcPts val="1000"/>
+              </a:spcBef>
+              <a:buFont typeface="Arial" panose="020B0604020202020204" pitchFamily="34" charset="0"/>
+              <a:buNone/>
+              <a:defRPr sz="2400" kern="1200">
+                <a:solidFill>
+                  <a:schemeClr val="tx1"/>
+                </a:solidFill>
+                <a:latin typeface="+mn-lt"/>
+                <a:ea typeface="+mn-ea"/>
+                <a:cs typeface="+mn-cs"/>
+              </a:defRPr>
+            </a:lvl1pPr>
+            <a:lvl2pPr marL="457200" indent="0" algn="ctr" defTabSz="914400" rtl="0" eaLnBrk="1" latinLnBrk="0" hangingPunct="1">
+              <a:lnSpc>
+                <a:spcPct val="90000"/>
+              </a:lnSpc>
+              <a:spcBef>
+                <a:spcPts val="500"/>
+              </a:spcBef>
+              <a:buFont typeface="Arial" panose="020B0604020202020204" pitchFamily="34" charset="0"/>
+              <a:buNone/>
+              <a:defRPr sz="2000" kern="1200">
+                <a:solidFill>
+                  <a:schemeClr val="tx1"/>
+                </a:solidFill>
+                <a:latin typeface="+mn-lt"/>
+                <a:ea typeface="+mn-ea"/>
+                <a:cs typeface="+mn-cs"/>
+              </a:defRPr>
+            </a:lvl2pPr>
+            <a:lvl3pPr marL="914400" indent="0" algn="ctr" defTabSz="914400" rtl="0" eaLnBrk="1" latinLnBrk="0" hangingPunct="1">
+              <a:lnSpc>
+                <a:spcPct val="90000"/>
+              </a:lnSpc>
+              <a:spcBef>
+                <a:spcPts val="500"/>
+              </a:spcBef>
+              <a:buFont typeface="Arial" panose="020B0604020202020204" pitchFamily="34" charset="0"/>
+              <a:buNone/>
+              <a:defRPr sz="1800" kern="1200">
+                <a:solidFill>
+                  <a:schemeClr val="tx1"/>
+                </a:solidFill>
+                <a:latin typeface="+mn-lt"/>
+                <a:ea typeface="+mn-ea"/>
+                <a:cs typeface="+mn-cs"/>
+              </a:defRPr>
+            </a:lvl3pPr>
+            <a:lvl4pPr marL="1371600" indent="0" algn="ctr" defTabSz="914400" rtl="0" eaLnBrk="1" latinLnBrk="0" hangingPunct="1">
+              <a:lnSpc>
+                <a:spcPct val="90000"/>
+              </a:lnSpc>
+              <a:spcBef>
+                <a:spcPts val="500"/>
+              </a:spcBef>
+              <a:buFont typeface="Arial" panose="020B0604020202020204" pitchFamily="34" charset="0"/>
+              <a:buNone/>
+              <a:defRPr sz="1600" kern="1200">
+                <a:solidFill>
+                  <a:schemeClr val="tx1"/>
+                </a:solidFill>
+                <a:latin typeface="+mn-lt"/>
+                <a:ea typeface="+mn-ea"/>
+                <a:cs typeface="+mn-cs"/>
+              </a:defRPr>
+            </a:lvl4pPr>
+            <a:lvl5pPr marL="1828800" indent="0" algn="ctr" defTabSz="914400" rtl="0" eaLnBrk="1" latinLnBrk="0" hangingPunct="1">
+              <a:lnSpc>
+                <a:spcPct val="90000"/>
+              </a:lnSpc>
+              <a:spcBef>
+                <a:spcPts val="500"/>
+              </a:spcBef>
+              <a:buFont typeface="Arial" panose="020B0604020202020204" pitchFamily="34" charset="0"/>
+              <a:buNone/>
+              <a:defRPr sz="1600" kern="1200">
+                <a:solidFill>
+                  <a:schemeClr val="tx1"/>
+                </a:solidFill>
+                <a:latin typeface="+mn-lt"/>
+                <a:ea typeface="+mn-ea"/>
+                <a:cs typeface="+mn-cs"/>
+              </a:defRPr>
+            </a:lvl5pPr>
+            <a:lvl6pPr marL="2286000" indent="0" algn="ctr" defTabSz="914400" rtl="0" eaLnBrk="1" latinLnBrk="0" hangingPunct="1">
+              <a:lnSpc>
+                <a:spcPct val="90000"/>
+              </a:lnSpc>
+              <a:spcBef>
+                <a:spcPts val="500"/>
+              </a:spcBef>
+              <a:buFont typeface="Arial" panose="020B0604020202020204" pitchFamily="34" charset="0"/>
+              <a:buNone/>
+              <a:defRPr sz="1600" kern="1200">
+                <a:solidFill>
+                  <a:schemeClr val="tx1"/>
+                </a:solidFill>
+                <a:latin typeface="+mn-lt"/>
+                <a:ea typeface="+mn-ea"/>
+                <a:cs typeface="+mn-cs"/>
+              </a:defRPr>
+            </a:lvl6pPr>
+            <a:lvl7pPr marL="2743200" indent="0" algn="ctr" defTabSz="914400" rtl="0" eaLnBrk="1" latinLnBrk="0" hangingPunct="1">
+              <a:lnSpc>
+                <a:spcPct val="90000"/>
+              </a:lnSpc>
+              <a:spcBef>
+                <a:spcPts val="500"/>
+              </a:spcBef>
+              <a:buFont typeface="Arial" panose="020B0604020202020204" pitchFamily="34" charset="0"/>
+              <a:buNone/>
+              <a:defRPr sz="1600" kern="1200">
+                <a:solidFill>
+                  <a:schemeClr val="tx1"/>
+                </a:solidFill>
+                <a:latin typeface="+mn-lt"/>
+                <a:ea typeface="+mn-ea"/>
+                <a:cs typeface="+mn-cs"/>
+              </a:defRPr>
+            </a:lvl7pPr>
+            <a:lvl8pPr marL="3200400" indent="0" algn="ctr" defTabSz="914400" rtl="0" eaLnBrk="1" latinLnBrk="0" hangingPunct="1">
+              <a:lnSpc>
+                <a:spcPct val="90000"/>
+              </a:lnSpc>
+              <a:spcBef>
+                <a:spcPts val="500"/>
+              </a:spcBef>
+              <a:buFont typeface="Arial" panose="020B0604020202020204" pitchFamily="34" charset="0"/>
+              <a:buNone/>
+              <a:defRPr sz="1600" kern="1200">
+                <a:solidFill>
+                  <a:schemeClr val="tx1"/>
+                </a:solidFill>
+                <a:latin typeface="+mn-lt"/>
+                <a:ea typeface="+mn-ea"/>
+                <a:cs typeface="+mn-cs"/>
+              </a:defRPr>
+            </a:lvl8pPr>
+            <a:lvl9pPr marL="3657600" indent="0" algn="ctr" defTabSz="914400" rtl="0" eaLnBrk="1" latinLnBrk="0" hangingPunct="1">
+              <a:lnSpc>
+                <a:spcPct val="90000"/>
+              </a:lnSpc>
+              <a:spcBef>
+                <a:spcPts val="500"/>
+              </a:spcBef>
+              <a:buFont typeface="Arial" panose="020B0604020202020204" pitchFamily="34" charset="0"/>
+              <a:buNone/>
+              <a:defRPr sz="1600" kern="1200">
+                <a:solidFill>
+                  <a:schemeClr val="tx1"/>
+                </a:solidFill>
+                <a:latin typeface="+mn-lt"/>
+                <a:ea typeface="+mn-ea"/>
+                <a:cs typeface="+mn-cs"/>
+              </a:defRPr>
+            </a:lvl9pPr>
+          </a:lstStyle>
+          <a:p>
+            <a:r>
+              <a:rPr lang="nl-NL" dirty="0"/>
+              <a:t>Een rechthoek is een </a:t>
+            </a:r>
+            <a:r>
+              <a:rPr lang="nl-NL" dirty="0">
+                <a:solidFill>
+                  <a:srgbClr val="7030A0"/>
+                </a:solidFill>
+              </a:rPr>
+              <a:t>vierhoek</a:t>
+            </a:r>
+            <a:r>
+              <a:rPr lang="nl-NL" dirty="0"/>
+              <a:t> met vier </a:t>
+            </a:r>
+            <a:r>
+              <a:rPr lang="nl-NL" dirty="0">
+                <a:solidFill>
+                  <a:srgbClr val="7030A0"/>
+                </a:solidFill>
+              </a:rPr>
+              <a:t>rechte hoeken</a:t>
+            </a:r>
+            <a:r>
+              <a:rPr lang="nl-NL" dirty="0"/>
+              <a:t>.</a:t>
+            </a:r>
+          </a:p>
+          <a:p>
+            <a:r>
+              <a:rPr lang="nl-NL" dirty="0"/>
+              <a:t>Twee </a:t>
+            </a:r>
+            <a:r>
+              <a:rPr lang="nl-NL" dirty="0">
+                <a:solidFill>
+                  <a:srgbClr val="7030A0"/>
+                </a:solidFill>
+              </a:rPr>
+              <a:t>zijden</a:t>
+            </a:r>
+            <a:r>
+              <a:rPr lang="nl-NL" dirty="0"/>
+              <a:t> die tegen over elkaar liggen zijn even lang.</a:t>
+            </a:r>
+          </a:p>
+          <a:p>
+            <a:endParaRPr lang="nl-NL" dirty="0"/>
+          </a:p>
+          <a:p>
+            <a:endParaRPr lang="nl-NL" dirty="0"/>
+          </a:p>
+        </p:txBody>
+      </p:sp>
+    </p:spTree>
+    <p:extLst>
+      <p:ext uri="{BB962C8B-B14F-4D97-AF65-F5344CB8AC3E}">
+        <p14:creationId xmlns:p14="http://schemas.microsoft.com/office/powerpoint/2010/main" val="1327990262"/>
+      </p:ext>
+    </p:extLst>
+  </p:cSld>
+  <p:clrMapOvr>
+    <a:masterClrMapping/>
+  </p:clrMapOvr>
+</p:sld>
+</file>
+
+<file path=ppt/slides/slide18.xml><?xml version="1.0" encoding="utf-8"?>
+<p:sld xmlns:a="http://schemas.openxmlformats.org/drawingml/2006/main" xmlns:r="http://schemas.openxmlformats.org/officeDocument/2006/relationships" xmlns:p="http://schemas.openxmlformats.org/presentationml/2006/main">
+  <p:cSld>
+    <p:spTree>
+      <p:nvGrpSpPr>
+        <p:cNvPr id="1" name=""/>
+        <p:cNvGrpSpPr/>
+        <p:nvPr/>
+      </p:nvGrpSpPr>
+      <p:grpSpPr>
+        <a:xfrm>
+          <a:off x="0" y="0"/>
+          <a:ext cx="0" cy="0"/>
+          <a:chOff x="0" y="0"/>
+          <a:chExt cx="0" cy="0"/>
+        </a:xfrm>
+      </p:grpSpPr>
+      <p:sp>
+        <p:nvSpPr>
+          <p:cNvPr id="2" name="Titel 1">
+            <a:extLst>
+              <a:ext uri="{FF2B5EF4-FFF2-40B4-BE49-F238E27FC236}">
+                <a16:creationId xmlns:a16="http://schemas.microsoft.com/office/drawing/2014/main" id="{C2F5861A-BCDE-D2A4-C355-05C8119ED351}"/>
+              </a:ext>
+            </a:extLst>
+          </p:cNvPr>
+          <p:cNvSpPr>
+            <a:spLocks noGrp="1"/>
+          </p:cNvSpPr>
+          <p:nvPr>
+            <p:ph type="ctrTitle"/>
+          </p:nvPr>
+        </p:nvSpPr>
+        <p:spPr>
+          <a:xfrm>
+            <a:off x="1524000" y="236482"/>
+            <a:ext cx="9144000" cy="892887"/>
+          </a:xfrm>
+        </p:spPr>
+        <p:txBody>
+          <a:bodyPr>
+            <a:normAutofit fontScale="90000"/>
+          </a:bodyPr>
+          <a:lstStyle/>
+          <a:p>
+            <a:r>
+              <a:rPr lang="nl-NL" dirty="0"/>
+              <a:t>Voorbeeld Rechthoek</a:t>
+            </a:r>
+          </a:p>
+        </p:txBody>
+      </p:sp>
+      <p:sp>
+        <p:nvSpPr>
+          <p:cNvPr id="4" name="AutoShape 2">
+            <a:extLst>
+              <a:ext uri="{FF2B5EF4-FFF2-40B4-BE49-F238E27FC236}">
+                <a16:creationId xmlns:a16="http://schemas.microsoft.com/office/drawing/2014/main" id="{5811C3DC-6F08-6D19-0A68-031F7D209C73}"/>
+              </a:ext>
+            </a:extLst>
+          </p:cNvPr>
+          <p:cNvSpPr>
+            <a:spLocks noChangeAspect="1" noChangeArrowheads="1"/>
+          </p:cNvSpPr>
+          <p:nvPr/>
+        </p:nvSpPr>
+        <p:spPr bwMode="auto">
+          <a:xfrm>
+            <a:off x="5943600" y="3276600"/>
+            <a:ext cx="304800" cy="304800"/>
+          </a:xfrm>
+          <a:prstGeom prst="rect">
+            <a:avLst/>
+          </a:prstGeom>
+          <a:noFill/>
+          <a:extLst>
+            <a:ext uri="{909E8E84-426E-40DD-AFC4-6F175D3DCCD1}">
+              <a14:hiddenFill xmlns:a14="http://schemas.microsoft.com/office/drawing/2010/main">
+                <a:solidFill>
+                  <a:srgbClr val="FFFFFF"/>
+                </a:solidFill>
+              </a14:hiddenFill>
+            </a:ext>
+          </a:extLst>
+        </p:spPr>
+        <p:txBody>
+          <a:bodyPr vert="horz" wrap="square" lIns="91440" tIns="45720" rIns="91440" bIns="45720" numCol="1" anchor="t" anchorCtr="0" compatLnSpc="1">
+            <a:prstTxWarp prst="textNoShape">
+              <a:avLst/>
+            </a:prstTxWarp>
+          </a:bodyPr>
+          <a:lstStyle/>
+          <a:p>
+            <a:endParaRPr lang="nl-NL"/>
+          </a:p>
+        </p:txBody>
+      </p:sp>
+      <p:sp>
+        <p:nvSpPr>
+          <p:cNvPr id="6" name="AutoShape 4">
+            <a:extLst>
+              <a:ext uri="{FF2B5EF4-FFF2-40B4-BE49-F238E27FC236}">
+                <a16:creationId xmlns:a16="http://schemas.microsoft.com/office/drawing/2014/main" id="{E1144CBE-AB45-2A4F-5F39-6FD091552ACD}"/>
+              </a:ext>
+            </a:extLst>
+          </p:cNvPr>
+          <p:cNvSpPr>
+            <a:spLocks noChangeAspect="1" noChangeArrowheads="1"/>
+          </p:cNvSpPr>
+          <p:nvPr/>
+        </p:nvSpPr>
+        <p:spPr bwMode="auto">
+          <a:xfrm>
+            <a:off x="2701869" y="1729443"/>
+            <a:ext cx="1214203" cy="1214203"/>
+          </a:xfrm>
+          <a:prstGeom prst="rect">
+            <a:avLst/>
+          </a:prstGeom>
+          <a:noFill/>
+          <a:extLst>
+            <a:ext uri="{909E8E84-426E-40DD-AFC4-6F175D3DCCD1}">
+              <a14:hiddenFill xmlns:a14="http://schemas.microsoft.com/office/drawing/2010/main">
+                <a:solidFill>
+                  <a:srgbClr val="FFFFFF"/>
+                </a:solidFill>
+              </a14:hiddenFill>
+            </a:ext>
+          </a:extLst>
+        </p:spPr>
+        <p:txBody>
+          <a:bodyPr vert="horz" wrap="square" lIns="91440" tIns="45720" rIns="91440" bIns="45720" numCol="1" anchor="t" anchorCtr="0" compatLnSpc="1">
+            <a:prstTxWarp prst="textNoShape">
+              <a:avLst/>
+            </a:prstTxWarp>
+          </a:bodyPr>
+          <a:lstStyle/>
+          <a:p>
+            <a:endParaRPr lang="nl-NL"/>
+          </a:p>
+        </p:txBody>
+      </p:sp>
+      <p:sp>
+        <p:nvSpPr>
+          <p:cNvPr id="7" name="AutoShape 8" descr="Figuren">
+            <a:extLst>
+              <a:ext uri="{FF2B5EF4-FFF2-40B4-BE49-F238E27FC236}">
+                <a16:creationId xmlns:a16="http://schemas.microsoft.com/office/drawing/2014/main" id="{2373B61C-1B6C-8C5D-4819-7E428FB94701}"/>
+              </a:ext>
+            </a:extLst>
+          </p:cNvPr>
+          <p:cNvSpPr>
+            <a:spLocks noChangeAspect="1" noChangeArrowheads="1"/>
+          </p:cNvSpPr>
+          <p:nvPr/>
+        </p:nvSpPr>
+        <p:spPr bwMode="auto">
+          <a:xfrm>
+            <a:off x="6096000" y="3429000"/>
+            <a:ext cx="304800" cy="304800"/>
+          </a:xfrm>
+          <a:prstGeom prst="rect">
+            <a:avLst/>
+          </a:prstGeom>
+          <a:noFill/>
+          <a:extLst>
+            <a:ext uri="{909E8E84-426E-40DD-AFC4-6F175D3DCCD1}">
+              <a14:hiddenFill xmlns:a14="http://schemas.microsoft.com/office/drawing/2010/main">
+                <a:solidFill>
+                  <a:srgbClr val="FFFFFF"/>
+                </a:solidFill>
+              </a14:hiddenFill>
+            </a:ext>
+          </a:extLst>
+        </p:spPr>
+        <p:txBody>
+          <a:bodyPr vert="horz" wrap="square" lIns="91440" tIns="45720" rIns="91440" bIns="45720" numCol="1" anchor="t" anchorCtr="0" compatLnSpc="1">
+            <a:prstTxWarp prst="textNoShape">
+              <a:avLst/>
+            </a:prstTxWarp>
+          </a:bodyPr>
+          <a:lstStyle/>
+          <a:p>
+            <a:endParaRPr lang="nl-NL"/>
+          </a:p>
+        </p:txBody>
+      </p:sp>
+      <p:pic>
+        <p:nvPicPr>
+          <p:cNvPr id="9" name="Graphic 8">
+            <a:extLst>
+              <a:ext uri="{FF2B5EF4-FFF2-40B4-BE49-F238E27FC236}">
+                <a16:creationId xmlns:a16="http://schemas.microsoft.com/office/drawing/2014/main" id="{8D5E9900-D1CE-C992-BC31-58BEE4A9B264}"/>
+              </a:ext>
+            </a:extLst>
+          </p:cNvPr>
+          <p:cNvPicPr>
+            <a:picLocks noChangeAspect="1"/>
+          </p:cNvPicPr>
+          <p:nvPr/>
+        </p:nvPicPr>
+        <p:blipFill rotWithShape="1">
+          <a:blip r:embed="rId2">
+            <a:extLst>
+              <a:ext uri="{28A0092B-C50C-407E-A947-70E740481C1C}">
+                <a14:useLocalDpi xmlns:a14="http://schemas.microsoft.com/office/drawing/2010/main" val="0"/>
+              </a:ext>
+              <a:ext uri="{96DAC541-7B7A-43D3-8B79-37D633B846F1}">
+                <asvg:svgBlip xmlns:asvg="http://schemas.microsoft.com/office/drawing/2016/SVG/main" r:embed="rId3"/>
+              </a:ext>
+            </a:extLst>
+          </a:blip>
+          <a:srcRect l="52819" t="9561" r="27020" b="63614"/>
+          <a:stretch/>
+        </p:blipFill>
+        <p:spPr>
+          <a:xfrm>
+            <a:off x="2788920" y="1437433"/>
+            <a:ext cx="7223760" cy="4953844"/>
+          </a:xfrm>
+          <a:prstGeom prst="rect">
+            <a:avLst/>
+          </a:prstGeom>
+        </p:spPr>
+      </p:pic>
+    </p:spTree>
+    <p:extLst>
+      <p:ext uri="{BB962C8B-B14F-4D97-AF65-F5344CB8AC3E}">
+        <p14:creationId xmlns:p14="http://schemas.microsoft.com/office/powerpoint/2010/main" val="3390484305"/>
+      </p:ext>
+    </p:extLst>
+  </p:cSld>
+  <p:clrMapOvr>
+    <a:masterClrMapping/>
+  </p:clrMapOvr>
+</p:sld>
+</file>
+
+<file path=ppt/slides/slide19.xml><?xml version="1.0" encoding="utf-8"?>
+<p:sld xmlns:a="http://schemas.openxmlformats.org/drawingml/2006/main" xmlns:r="http://schemas.openxmlformats.org/officeDocument/2006/relationships" xmlns:p="http://schemas.openxmlformats.org/presentationml/2006/main">
+  <p:cSld>
+    <p:spTree>
+      <p:nvGrpSpPr>
+        <p:cNvPr id="1" name=""/>
+        <p:cNvGrpSpPr/>
+        <p:nvPr/>
+      </p:nvGrpSpPr>
+      <p:grpSpPr>
+        <a:xfrm>
+          <a:off x="0" y="0"/>
+          <a:ext cx="0" cy="0"/>
+          <a:chOff x="0" y="0"/>
+          <a:chExt cx="0" cy="0"/>
+        </a:xfrm>
+      </p:grpSpPr>
+      <p:sp>
+        <p:nvSpPr>
+          <p:cNvPr id="2" name="Titel 1">
+            <a:extLst>
+              <a:ext uri="{FF2B5EF4-FFF2-40B4-BE49-F238E27FC236}">
+                <a16:creationId xmlns:a16="http://schemas.microsoft.com/office/drawing/2014/main" id="{73168B85-7905-DEBC-34BC-B73EB909DDCD}"/>
+              </a:ext>
+            </a:extLst>
+          </p:cNvPr>
+          <p:cNvSpPr>
+            <a:spLocks noGrp="1"/>
+          </p:cNvSpPr>
+          <p:nvPr>
+            <p:ph type="title"/>
+          </p:nvPr>
+        </p:nvSpPr>
+        <p:spPr/>
+        <p:txBody>
+          <a:bodyPr/>
+          <a:lstStyle/>
+          <a:p>
+            <a:r>
+              <a:rPr lang="nl-NL" dirty="0"/>
+              <a:t>Wiskunde Termen</a:t>
+            </a:r>
+          </a:p>
+        </p:txBody>
+      </p:sp>
+      <p:sp>
+        <p:nvSpPr>
+          <p:cNvPr id="4" name="Titel 1">
+            <a:extLst>
+              <a:ext uri="{FF2B5EF4-FFF2-40B4-BE49-F238E27FC236}">
+                <a16:creationId xmlns:a16="http://schemas.microsoft.com/office/drawing/2014/main" id="{61ED484A-E87E-7D07-D06C-3D405D336CC2}"/>
+              </a:ext>
+            </a:extLst>
+          </p:cNvPr>
+          <p:cNvSpPr txBox="1">
+            <a:spLocks/>
+          </p:cNvSpPr>
+          <p:nvPr/>
+        </p:nvSpPr>
+        <p:spPr>
+          <a:xfrm>
+            <a:off x="1524000" y="2105897"/>
+            <a:ext cx="9144000" cy="2646206"/>
+          </a:xfrm>
+          <a:prstGeom prst="rect">
+            <a:avLst/>
+          </a:prstGeom>
+        </p:spPr>
+        <p:txBody>
+          <a:bodyPr vert="horz" lIns="91440" tIns="45720" rIns="91440" bIns="45720" rtlCol="0" anchor="ctr">
+            <a:normAutofit fontScale="97500"/>
+          </a:bodyPr>
+          <a:lstStyle>
+            <a:lvl1pPr algn="l" defTabSz="914400" rtl="0" eaLnBrk="1" latinLnBrk="0" hangingPunct="1">
+              <a:lnSpc>
+                <a:spcPct val="90000"/>
+              </a:lnSpc>
+              <a:spcBef>
+                <a:spcPct val="0"/>
+              </a:spcBef>
+              <a:buNone/>
+              <a:defRPr sz="4400" kern="1200">
+                <a:solidFill>
+                  <a:schemeClr val="tx1"/>
+                </a:solidFill>
+                <a:latin typeface="+mj-lt"/>
+                <a:ea typeface="+mj-ea"/>
+                <a:cs typeface="+mj-cs"/>
+              </a:defRPr>
+            </a:lvl1pPr>
+          </a:lstStyle>
+          <a:p>
+            <a:pPr algn="ctr"/>
+            <a:r>
+              <a:rPr lang="nl-NL" sz="9000" b="1" dirty="0"/>
+              <a:t>Zijvlakken</a:t>
+            </a:r>
+          </a:p>
+        </p:txBody>
+      </p:sp>
+    </p:spTree>
+    <p:extLst>
+      <p:ext uri="{BB962C8B-B14F-4D97-AF65-F5344CB8AC3E}">
+        <p14:creationId xmlns:p14="http://schemas.microsoft.com/office/powerpoint/2010/main" val="3271415958"/>
+      </p:ext>
+    </p:extLst>
+  </p:cSld>
+  <p:clrMapOvr>
+    <a:masterClrMapping/>
+  </p:clrMapOvr>
+</p:sld>
+</file>
+
+<file path=ppt/slides/slide2.xml><?xml version="1.0" encoding="utf-8"?>
+<p:sld xmlns:a="http://schemas.openxmlformats.org/drawingml/2006/main" xmlns:r="http://schemas.openxmlformats.org/officeDocument/2006/relationships" xmlns:p="http://schemas.openxmlformats.org/presentationml/2006/main">
+  <p:cSld>
+    <p:spTree>
+      <p:nvGrpSpPr>
+        <p:cNvPr id="1" name=""/>
+        <p:cNvGrpSpPr/>
+        <p:nvPr/>
+      </p:nvGrpSpPr>
+      <p:grpSpPr>
+        <a:xfrm>
+          <a:off x="0" y="0"/>
+          <a:ext cx="0" cy="0"/>
+          <a:chOff x="0" y="0"/>
+          <a:chExt cx="0" cy="0"/>
+        </a:xfrm>
+      </p:grpSpPr>
+      <p:sp>
+        <p:nvSpPr>
+          <p:cNvPr id="2" name="Titel 1">
+            <a:extLst>
+              <a:ext uri="{FF2B5EF4-FFF2-40B4-BE49-F238E27FC236}">
+                <a16:creationId xmlns:a16="http://schemas.microsoft.com/office/drawing/2014/main" id="{C2F5861A-BCDE-D2A4-C355-05C8119ED351}"/>
+              </a:ext>
+            </a:extLst>
+          </p:cNvPr>
+          <p:cNvSpPr>
+            <a:spLocks noGrp="1"/>
+          </p:cNvSpPr>
+          <p:nvPr>
+            <p:ph type="ctrTitle"/>
+          </p:nvPr>
+        </p:nvSpPr>
+        <p:spPr>
+          <a:xfrm>
+            <a:off x="1524000" y="236482"/>
+            <a:ext cx="9144000" cy="892887"/>
+          </a:xfrm>
+        </p:spPr>
+        <p:txBody>
+          <a:bodyPr>
+            <a:normAutofit fontScale="90000"/>
+          </a:bodyPr>
+          <a:lstStyle/>
+          <a:p>
+            <a:r>
+              <a:rPr lang="nl-NL" dirty="0"/>
+              <a:t>(</a:t>
+            </a:r>
+            <a:r>
+              <a:rPr lang="nl-NL" dirty="0" err="1"/>
+              <a:t>lichaams</a:t>
+            </a:r>
+            <a:r>
+              <a:rPr lang="nl-NL" dirty="0"/>
+              <a:t>)Diagonaal</a:t>
+            </a:r>
+          </a:p>
+        </p:txBody>
+      </p:sp>
+      <p:sp>
+        <p:nvSpPr>
+          <p:cNvPr id="4" name="Ondertitel 2">
+            <a:extLst>
+              <a:ext uri="{FF2B5EF4-FFF2-40B4-BE49-F238E27FC236}">
+                <a16:creationId xmlns:a16="http://schemas.microsoft.com/office/drawing/2014/main" id="{0C270B7A-0EAC-B39A-6A17-BB13416FF1A1}"/>
+              </a:ext>
+            </a:extLst>
+          </p:cNvPr>
+          <p:cNvSpPr txBox="1">
+            <a:spLocks/>
+          </p:cNvSpPr>
+          <p:nvPr/>
+        </p:nvSpPr>
+        <p:spPr>
+          <a:xfrm>
+            <a:off x="54243" y="1507852"/>
+            <a:ext cx="11677973" cy="3612788"/>
+          </a:xfrm>
+          <a:prstGeom prst="rect">
+            <a:avLst/>
+          </a:prstGeom>
+        </p:spPr>
+        <p:txBody>
+          <a:bodyPr vert="horz" lIns="91440" tIns="45720" rIns="91440" bIns="45720" rtlCol="0">
+            <a:normAutofit/>
+          </a:bodyPr>
+          <a:lstStyle>
+            <a:lvl1pPr marL="0" indent="0" algn="ctr" defTabSz="914400" rtl="0" eaLnBrk="1" latinLnBrk="0" hangingPunct="1">
+              <a:lnSpc>
+                <a:spcPct val="90000"/>
+              </a:lnSpc>
+              <a:spcBef>
+                <a:spcPts val="1000"/>
+              </a:spcBef>
+              <a:buFont typeface="Arial" panose="020B0604020202020204" pitchFamily="34" charset="0"/>
+              <a:buNone/>
+              <a:defRPr sz="2400" kern="1200">
+                <a:solidFill>
+                  <a:schemeClr val="tx1"/>
+                </a:solidFill>
+                <a:latin typeface="+mn-lt"/>
+                <a:ea typeface="+mn-ea"/>
+                <a:cs typeface="+mn-cs"/>
+              </a:defRPr>
+            </a:lvl1pPr>
+            <a:lvl2pPr marL="457200" indent="0" algn="ctr" defTabSz="914400" rtl="0" eaLnBrk="1" latinLnBrk="0" hangingPunct="1">
+              <a:lnSpc>
+                <a:spcPct val="90000"/>
+              </a:lnSpc>
+              <a:spcBef>
+                <a:spcPts val="500"/>
+              </a:spcBef>
+              <a:buFont typeface="Arial" panose="020B0604020202020204" pitchFamily="34" charset="0"/>
+              <a:buNone/>
+              <a:defRPr sz="2000" kern="1200">
+                <a:solidFill>
+                  <a:schemeClr val="tx1"/>
+                </a:solidFill>
+                <a:latin typeface="+mn-lt"/>
+                <a:ea typeface="+mn-ea"/>
+                <a:cs typeface="+mn-cs"/>
+              </a:defRPr>
+            </a:lvl2pPr>
+            <a:lvl3pPr marL="914400" indent="0" algn="ctr" defTabSz="914400" rtl="0" eaLnBrk="1" latinLnBrk="0" hangingPunct="1">
+              <a:lnSpc>
+                <a:spcPct val="90000"/>
+              </a:lnSpc>
+              <a:spcBef>
+                <a:spcPts val="500"/>
+              </a:spcBef>
+              <a:buFont typeface="Arial" panose="020B0604020202020204" pitchFamily="34" charset="0"/>
+              <a:buNone/>
+              <a:defRPr sz="1800" kern="1200">
+                <a:solidFill>
+                  <a:schemeClr val="tx1"/>
+                </a:solidFill>
+                <a:latin typeface="+mn-lt"/>
+                <a:ea typeface="+mn-ea"/>
+                <a:cs typeface="+mn-cs"/>
+              </a:defRPr>
+            </a:lvl3pPr>
+            <a:lvl4pPr marL="1371600" indent="0" algn="ctr" defTabSz="914400" rtl="0" eaLnBrk="1" latinLnBrk="0" hangingPunct="1">
+              <a:lnSpc>
+                <a:spcPct val="90000"/>
+              </a:lnSpc>
+              <a:spcBef>
+                <a:spcPts val="500"/>
+              </a:spcBef>
+              <a:buFont typeface="Arial" panose="020B0604020202020204" pitchFamily="34" charset="0"/>
+              <a:buNone/>
+              <a:defRPr sz="1600" kern="1200">
+                <a:solidFill>
+                  <a:schemeClr val="tx1"/>
+                </a:solidFill>
+                <a:latin typeface="+mn-lt"/>
+                <a:ea typeface="+mn-ea"/>
+                <a:cs typeface="+mn-cs"/>
+              </a:defRPr>
+            </a:lvl4pPr>
+            <a:lvl5pPr marL="1828800" indent="0" algn="ctr" defTabSz="914400" rtl="0" eaLnBrk="1" latinLnBrk="0" hangingPunct="1">
+              <a:lnSpc>
+                <a:spcPct val="90000"/>
+              </a:lnSpc>
+              <a:spcBef>
+                <a:spcPts val="500"/>
+              </a:spcBef>
+              <a:buFont typeface="Arial" panose="020B0604020202020204" pitchFamily="34" charset="0"/>
+              <a:buNone/>
+              <a:defRPr sz="1600" kern="1200">
+                <a:solidFill>
+                  <a:schemeClr val="tx1"/>
+                </a:solidFill>
+                <a:latin typeface="+mn-lt"/>
+                <a:ea typeface="+mn-ea"/>
+                <a:cs typeface="+mn-cs"/>
+              </a:defRPr>
+            </a:lvl5pPr>
+            <a:lvl6pPr marL="2286000" indent="0" algn="ctr" defTabSz="914400" rtl="0" eaLnBrk="1" latinLnBrk="0" hangingPunct="1">
+              <a:lnSpc>
+                <a:spcPct val="90000"/>
+              </a:lnSpc>
+              <a:spcBef>
+                <a:spcPts val="500"/>
+              </a:spcBef>
+              <a:buFont typeface="Arial" panose="020B0604020202020204" pitchFamily="34" charset="0"/>
+              <a:buNone/>
+              <a:defRPr sz="1600" kern="1200">
+                <a:solidFill>
+                  <a:schemeClr val="tx1"/>
+                </a:solidFill>
+                <a:latin typeface="+mn-lt"/>
+                <a:ea typeface="+mn-ea"/>
+                <a:cs typeface="+mn-cs"/>
+              </a:defRPr>
+            </a:lvl6pPr>
+            <a:lvl7pPr marL="2743200" indent="0" algn="ctr" defTabSz="914400" rtl="0" eaLnBrk="1" latinLnBrk="0" hangingPunct="1">
+              <a:lnSpc>
+                <a:spcPct val="90000"/>
+              </a:lnSpc>
+              <a:spcBef>
+                <a:spcPts val="500"/>
+              </a:spcBef>
+              <a:buFont typeface="Arial" panose="020B0604020202020204" pitchFamily="34" charset="0"/>
+              <a:buNone/>
+              <a:defRPr sz="1600" kern="1200">
+                <a:solidFill>
+                  <a:schemeClr val="tx1"/>
+                </a:solidFill>
+                <a:latin typeface="+mn-lt"/>
+                <a:ea typeface="+mn-ea"/>
+                <a:cs typeface="+mn-cs"/>
+              </a:defRPr>
+            </a:lvl7pPr>
+            <a:lvl8pPr marL="3200400" indent="0" algn="ctr" defTabSz="914400" rtl="0" eaLnBrk="1" latinLnBrk="0" hangingPunct="1">
+              <a:lnSpc>
+                <a:spcPct val="90000"/>
+              </a:lnSpc>
+              <a:spcBef>
+                <a:spcPts val="500"/>
+              </a:spcBef>
+              <a:buFont typeface="Arial" panose="020B0604020202020204" pitchFamily="34" charset="0"/>
+              <a:buNone/>
+              <a:defRPr sz="1600" kern="1200">
+                <a:solidFill>
+                  <a:schemeClr val="tx1"/>
+                </a:solidFill>
+                <a:latin typeface="+mn-lt"/>
+                <a:ea typeface="+mn-ea"/>
+                <a:cs typeface="+mn-cs"/>
+              </a:defRPr>
+            </a:lvl8pPr>
+            <a:lvl9pPr marL="3657600" indent="0" algn="ctr" defTabSz="914400" rtl="0" eaLnBrk="1" latinLnBrk="0" hangingPunct="1">
+              <a:lnSpc>
+                <a:spcPct val="90000"/>
+              </a:lnSpc>
+              <a:spcBef>
+                <a:spcPts val="500"/>
+              </a:spcBef>
+              <a:buFont typeface="Arial" panose="020B0604020202020204" pitchFamily="34" charset="0"/>
+              <a:buNone/>
+              <a:defRPr sz="1600" kern="1200">
+                <a:solidFill>
+                  <a:schemeClr val="tx1"/>
+                </a:solidFill>
+                <a:latin typeface="+mn-lt"/>
+                <a:ea typeface="+mn-ea"/>
+                <a:cs typeface="+mn-cs"/>
+              </a:defRPr>
+            </a:lvl9pPr>
+          </a:lstStyle>
+          <a:p>
+            <a:r>
+              <a:rPr lang="nl-NL" dirty="0"/>
+              <a:t>Een </a:t>
+            </a:r>
+            <a:r>
+              <a:rPr lang="nl-NL" dirty="0">
+                <a:solidFill>
+                  <a:srgbClr val="7030A0"/>
+                </a:solidFill>
+              </a:rPr>
+              <a:t>lijn</a:t>
+            </a:r>
+            <a:r>
+              <a:rPr lang="nl-NL" dirty="0"/>
+              <a:t> die twee </a:t>
+            </a:r>
+            <a:r>
+              <a:rPr lang="nl-NL" dirty="0">
+                <a:solidFill>
+                  <a:srgbClr val="7030A0"/>
+                </a:solidFill>
+              </a:rPr>
+              <a:t>hoekpunten </a:t>
+            </a:r>
+            <a:r>
+              <a:rPr lang="nl-NL" dirty="0"/>
+              <a:t>met elkaar verbind zonder over een </a:t>
+            </a:r>
+            <a:r>
+              <a:rPr lang="nl-NL" dirty="0">
+                <a:solidFill>
+                  <a:srgbClr val="7030A0"/>
+                </a:solidFill>
+              </a:rPr>
+              <a:t>ribbe</a:t>
+            </a:r>
+            <a:r>
+              <a:rPr lang="nl-NL" dirty="0"/>
+              <a:t> of </a:t>
+            </a:r>
+            <a:r>
+              <a:rPr lang="nl-NL" dirty="0">
+                <a:solidFill>
+                  <a:srgbClr val="7030A0"/>
+                </a:solidFill>
+              </a:rPr>
+              <a:t>zijde</a:t>
+            </a:r>
+            <a:r>
+              <a:rPr lang="nl-NL" dirty="0"/>
+              <a:t> te gaan.</a:t>
+            </a:r>
+          </a:p>
+          <a:p>
+            <a:r>
+              <a:rPr lang="nl-NL" dirty="0"/>
+              <a:t>Een diagonaal zie je terug in </a:t>
+            </a:r>
+            <a:r>
+              <a:rPr lang="nl-NL" dirty="0">
+                <a:solidFill>
+                  <a:srgbClr val="7030A0"/>
+                </a:solidFill>
+              </a:rPr>
+              <a:t>vlakke figuren</a:t>
+            </a:r>
+            <a:r>
+              <a:rPr lang="nl-NL" dirty="0"/>
+              <a:t>.</a:t>
+            </a:r>
+          </a:p>
+          <a:p>
+            <a:r>
+              <a:rPr lang="nl-NL" dirty="0"/>
+              <a:t>Een lichaamsdiagonaal zie je terug in </a:t>
+            </a:r>
+            <a:r>
+              <a:rPr lang="nl-NL" dirty="0">
+                <a:solidFill>
+                  <a:srgbClr val="7030A0"/>
+                </a:solidFill>
+              </a:rPr>
+              <a:t>ruimtefiguren</a:t>
+            </a:r>
+            <a:r>
+              <a:rPr lang="nl-NL" dirty="0"/>
+              <a:t>.</a:t>
+            </a:r>
+          </a:p>
+          <a:p>
+            <a:endParaRPr lang="nl-NL" dirty="0"/>
+          </a:p>
+        </p:txBody>
+      </p:sp>
+    </p:spTree>
+    <p:extLst>
+      <p:ext uri="{BB962C8B-B14F-4D97-AF65-F5344CB8AC3E}">
+        <p14:creationId xmlns:p14="http://schemas.microsoft.com/office/powerpoint/2010/main" val="2907141311"/>
+      </p:ext>
+    </p:extLst>
+  </p:cSld>
+  <p:clrMapOvr>
+    <a:masterClrMapping/>
+  </p:clrMapOvr>
+</p:sld>
+</file>
+
+<file path=ppt/slides/slide20.xml><?xml version="1.0" encoding="utf-8"?>
+<p:sld xmlns:a="http://schemas.openxmlformats.org/drawingml/2006/main" xmlns:r="http://schemas.openxmlformats.org/officeDocument/2006/relationships" xmlns:p="http://schemas.openxmlformats.org/presentationml/2006/main">
+  <p:cSld>
+    <p:spTree>
+      <p:nvGrpSpPr>
+        <p:cNvPr id="1" name=""/>
+        <p:cNvGrpSpPr/>
+        <p:nvPr/>
+      </p:nvGrpSpPr>
+      <p:grpSpPr>
+        <a:xfrm>
+          <a:off x="0" y="0"/>
+          <a:ext cx="0" cy="0"/>
+          <a:chOff x="0" y="0"/>
+          <a:chExt cx="0" cy="0"/>
+        </a:xfrm>
+      </p:grpSpPr>
+      <p:sp>
+        <p:nvSpPr>
+          <p:cNvPr id="2" name="Titel 1">
+            <a:extLst>
+              <a:ext uri="{FF2B5EF4-FFF2-40B4-BE49-F238E27FC236}">
+                <a16:creationId xmlns:a16="http://schemas.microsoft.com/office/drawing/2014/main" id="{C2F5861A-BCDE-D2A4-C355-05C8119ED351}"/>
+              </a:ext>
+            </a:extLst>
+          </p:cNvPr>
+          <p:cNvSpPr>
+            <a:spLocks noGrp="1"/>
+          </p:cNvSpPr>
+          <p:nvPr>
+            <p:ph type="ctrTitle"/>
+          </p:nvPr>
+        </p:nvSpPr>
+        <p:spPr>
+          <a:xfrm>
+            <a:off x="1524000" y="236482"/>
+            <a:ext cx="9144000" cy="892887"/>
+          </a:xfrm>
+        </p:spPr>
+        <p:txBody>
+          <a:bodyPr>
+            <a:normAutofit fontScale="90000"/>
+          </a:bodyPr>
+          <a:lstStyle/>
+          <a:p>
+            <a:r>
+              <a:rPr lang="nl-NL" dirty="0"/>
+              <a:t>Zijvlakken</a:t>
+            </a:r>
+          </a:p>
+        </p:txBody>
+      </p:sp>
+      <p:sp>
+        <p:nvSpPr>
+          <p:cNvPr id="3" name="Ondertitel 2">
+            <a:extLst>
+              <a:ext uri="{FF2B5EF4-FFF2-40B4-BE49-F238E27FC236}">
+                <a16:creationId xmlns:a16="http://schemas.microsoft.com/office/drawing/2014/main" id="{7988AA68-FB88-7C7C-5E47-2AE86A2EFD72}"/>
+              </a:ext>
+            </a:extLst>
+          </p:cNvPr>
+          <p:cNvSpPr>
+            <a:spLocks noGrp="1"/>
+          </p:cNvSpPr>
+          <p:nvPr>
+            <p:ph type="subTitle" idx="1"/>
+          </p:nvPr>
+        </p:nvSpPr>
+        <p:spPr>
+          <a:xfrm>
+            <a:off x="1524000" y="1355452"/>
+            <a:ext cx="9144000" cy="1655762"/>
+          </a:xfrm>
+        </p:spPr>
+        <p:txBody>
+          <a:bodyPr>
+            <a:normAutofit/>
+          </a:bodyPr>
+          <a:lstStyle/>
+          <a:p>
+            <a:endParaRPr lang="nl-NL" dirty="0"/>
+          </a:p>
+          <a:p>
+            <a:endParaRPr lang="nl-NL" dirty="0"/>
+          </a:p>
+          <a:p>
+            <a:endParaRPr lang="nl-NL" dirty="0"/>
+          </a:p>
+          <a:p>
+            <a:endParaRPr lang="nl-NL" dirty="0"/>
+          </a:p>
+        </p:txBody>
+      </p:sp>
+      <p:sp>
+        <p:nvSpPr>
+          <p:cNvPr id="4" name="Ondertitel 2">
+            <a:extLst>
+              <a:ext uri="{FF2B5EF4-FFF2-40B4-BE49-F238E27FC236}">
+                <a16:creationId xmlns:a16="http://schemas.microsoft.com/office/drawing/2014/main" id="{0C270B7A-0EAC-B39A-6A17-BB13416FF1A1}"/>
+              </a:ext>
+            </a:extLst>
+          </p:cNvPr>
+          <p:cNvSpPr txBox="1">
+            <a:spLocks/>
+          </p:cNvSpPr>
+          <p:nvPr/>
+        </p:nvSpPr>
+        <p:spPr>
+          <a:xfrm>
+            <a:off x="54243" y="1507852"/>
+            <a:ext cx="11677973" cy="1655762"/>
+          </a:xfrm>
+          <a:prstGeom prst="rect">
+            <a:avLst/>
+          </a:prstGeom>
+        </p:spPr>
+        <p:txBody>
+          <a:bodyPr vert="horz" lIns="91440" tIns="45720" rIns="91440" bIns="45720" rtlCol="0">
+            <a:normAutofit lnSpcReduction="10000"/>
+          </a:bodyPr>
+          <a:lstStyle>
+            <a:lvl1pPr marL="0" indent="0" algn="ctr" defTabSz="914400" rtl="0" eaLnBrk="1" latinLnBrk="0" hangingPunct="1">
+              <a:lnSpc>
+                <a:spcPct val="90000"/>
+              </a:lnSpc>
+              <a:spcBef>
+                <a:spcPts val="1000"/>
+              </a:spcBef>
+              <a:buFont typeface="Arial" panose="020B0604020202020204" pitchFamily="34" charset="0"/>
+              <a:buNone/>
+              <a:defRPr sz="2400" kern="1200">
+                <a:solidFill>
+                  <a:schemeClr val="tx1"/>
+                </a:solidFill>
+                <a:latin typeface="+mn-lt"/>
+                <a:ea typeface="+mn-ea"/>
+                <a:cs typeface="+mn-cs"/>
+              </a:defRPr>
+            </a:lvl1pPr>
+            <a:lvl2pPr marL="457200" indent="0" algn="ctr" defTabSz="914400" rtl="0" eaLnBrk="1" latinLnBrk="0" hangingPunct="1">
+              <a:lnSpc>
+                <a:spcPct val="90000"/>
+              </a:lnSpc>
+              <a:spcBef>
+                <a:spcPts val="500"/>
+              </a:spcBef>
+              <a:buFont typeface="Arial" panose="020B0604020202020204" pitchFamily="34" charset="0"/>
+              <a:buNone/>
+              <a:defRPr sz="2000" kern="1200">
+                <a:solidFill>
+                  <a:schemeClr val="tx1"/>
+                </a:solidFill>
+                <a:latin typeface="+mn-lt"/>
+                <a:ea typeface="+mn-ea"/>
+                <a:cs typeface="+mn-cs"/>
+              </a:defRPr>
+            </a:lvl2pPr>
+            <a:lvl3pPr marL="914400" indent="0" algn="ctr" defTabSz="914400" rtl="0" eaLnBrk="1" latinLnBrk="0" hangingPunct="1">
+              <a:lnSpc>
+                <a:spcPct val="90000"/>
+              </a:lnSpc>
+              <a:spcBef>
+                <a:spcPts val="500"/>
+              </a:spcBef>
+              <a:buFont typeface="Arial" panose="020B0604020202020204" pitchFamily="34" charset="0"/>
+              <a:buNone/>
+              <a:defRPr sz="1800" kern="1200">
+                <a:solidFill>
+                  <a:schemeClr val="tx1"/>
+                </a:solidFill>
+                <a:latin typeface="+mn-lt"/>
+                <a:ea typeface="+mn-ea"/>
+                <a:cs typeface="+mn-cs"/>
+              </a:defRPr>
+            </a:lvl3pPr>
+            <a:lvl4pPr marL="1371600" indent="0" algn="ctr" defTabSz="914400" rtl="0" eaLnBrk="1" latinLnBrk="0" hangingPunct="1">
+              <a:lnSpc>
+                <a:spcPct val="90000"/>
+              </a:lnSpc>
+              <a:spcBef>
+                <a:spcPts val="500"/>
+              </a:spcBef>
+              <a:buFont typeface="Arial" panose="020B0604020202020204" pitchFamily="34" charset="0"/>
+              <a:buNone/>
+              <a:defRPr sz="1600" kern="1200">
+                <a:solidFill>
+                  <a:schemeClr val="tx1"/>
+                </a:solidFill>
+                <a:latin typeface="+mn-lt"/>
+                <a:ea typeface="+mn-ea"/>
+                <a:cs typeface="+mn-cs"/>
+              </a:defRPr>
+            </a:lvl4pPr>
+            <a:lvl5pPr marL="1828800" indent="0" algn="ctr" defTabSz="914400" rtl="0" eaLnBrk="1" latinLnBrk="0" hangingPunct="1">
+              <a:lnSpc>
+                <a:spcPct val="90000"/>
+              </a:lnSpc>
+              <a:spcBef>
+                <a:spcPts val="500"/>
+              </a:spcBef>
+              <a:buFont typeface="Arial" panose="020B0604020202020204" pitchFamily="34" charset="0"/>
+              <a:buNone/>
+              <a:defRPr sz="1600" kern="1200">
+                <a:solidFill>
+                  <a:schemeClr val="tx1"/>
+                </a:solidFill>
+                <a:latin typeface="+mn-lt"/>
+                <a:ea typeface="+mn-ea"/>
+                <a:cs typeface="+mn-cs"/>
+              </a:defRPr>
+            </a:lvl5pPr>
+            <a:lvl6pPr marL="2286000" indent="0" algn="ctr" defTabSz="914400" rtl="0" eaLnBrk="1" latinLnBrk="0" hangingPunct="1">
+              <a:lnSpc>
+                <a:spcPct val="90000"/>
+              </a:lnSpc>
+              <a:spcBef>
+                <a:spcPts val="500"/>
+              </a:spcBef>
+              <a:buFont typeface="Arial" panose="020B0604020202020204" pitchFamily="34" charset="0"/>
+              <a:buNone/>
+              <a:defRPr sz="1600" kern="1200">
+                <a:solidFill>
+                  <a:schemeClr val="tx1"/>
+                </a:solidFill>
+                <a:latin typeface="+mn-lt"/>
+                <a:ea typeface="+mn-ea"/>
+                <a:cs typeface="+mn-cs"/>
+              </a:defRPr>
+            </a:lvl6pPr>
+            <a:lvl7pPr marL="2743200" indent="0" algn="ctr" defTabSz="914400" rtl="0" eaLnBrk="1" latinLnBrk="0" hangingPunct="1">
+              <a:lnSpc>
+                <a:spcPct val="90000"/>
+              </a:lnSpc>
+              <a:spcBef>
+                <a:spcPts val="500"/>
+              </a:spcBef>
+              <a:buFont typeface="Arial" panose="020B0604020202020204" pitchFamily="34" charset="0"/>
+              <a:buNone/>
+              <a:defRPr sz="1600" kern="1200">
+                <a:solidFill>
+                  <a:schemeClr val="tx1"/>
+                </a:solidFill>
+                <a:latin typeface="+mn-lt"/>
+                <a:ea typeface="+mn-ea"/>
+                <a:cs typeface="+mn-cs"/>
+              </a:defRPr>
+            </a:lvl7pPr>
+            <a:lvl8pPr marL="3200400" indent="0" algn="ctr" defTabSz="914400" rtl="0" eaLnBrk="1" latinLnBrk="0" hangingPunct="1">
+              <a:lnSpc>
+                <a:spcPct val="90000"/>
+              </a:lnSpc>
+              <a:spcBef>
+                <a:spcPts val="500"/>
+              </a:spcBef>
+              <a:buFont typeface="Arial" panose="020B0604020202020204" pitchFamily="34" charset="0"/>
+              <a:buNone/>
+              <a:defRPr sz="1600" kern="1200">
+                <a:solidFill>
+                  <a:schemeClr val="tx1"/>
+                </a:solidFill>
+                <a:latin typeface="+mn-lt"/>
+                <a:ea typeface="+mn-ea"/>
+                <a:cs typeface="+mn-cs"/>
+              </a:defRPr>
+            </a:lvl8pPr>
+            <a:lvl9pPr marL="3657600" indent="0" algn="ctr" defTabSz="914400" rtl="0" eaLnBrk="1" latinLnBrk="0" hangingPunct="1">
+              <a:lnSpc>
+                <a:spcPct val="90000"/>
+              </a:lnSpc>
+              <a:spcBef>
+                <a:spcPts val="500"/>
+              </a:spcBef>
+              <a:buFont typeface="Arial" panose="020B0604020202020204" pitchFamily="34" charset="0"/>
+              <a:buNone/>
+              <a:defRPr sz="1600" kern="1200">
+                <a:solidFill>
+                  <a:schemeClr val="tx1"/>
+                </a:solidFill>
+                <a:latin typeface="+mn-lt"/>
+                <a:ea typeface="+mn-ea"/>
+                <a:cs typeface="+mn-cs"/>
+              </a:defRPr>
+            </a:lvl9pPr>
+          </a:lstStyle>
+          <a:p>
+            <a:r>
+              <a:rPr lang="nl-NL" dirty="0"/>
+              <a:t>Zijvlakken zijn de zijkanten van een </a:t>
+            </a:r>
+            <a:r>
+              <a:rPr lang="nl-NL" dirty="0">
+                <a:solidFill>
+                  <a:srgbClr val="7030A0"/>
+                </a:solidFill>
+              </a:rPr>
+              <a:t>ruimtelijkfiguur</a:t>
+            </a:r>
+            <a:r>
+              <a:rPr lang="nl-NL" dirty="0"/>
+              <a:t>.</a:t>
+            </a:r>
+          </a:p>
+          <a:p>
+            <a:r>
+              <a:rPr lang="nl-NL" dirty="0"/>
+              <a:t>Een zijvlak wordt ingesloten door </a:t>
+            </a:r>
+            <a:r>
+              <a:rPr lang="nl-NL" dirty="0">
+                <a:solidFill>
+                  <a:srgbClr val="7030A0"/>
+                </a:solidFill>
+              </a:rPr>
+              <a:t>ribben</a:t>
+            </a:r>
+            <a:r>
+              <a:rPr lang="nl-NL" dirty="0"/>
+              <a:t>.</a:t>
+            </a:r>
+          </a:p>
+          <a:p>
+            <a:r>
+              <a:rPr lang="nl-NL" dirty="0"/>
+              <a:t>Een zijvlak krijgt zijn naam door alle hoekpunten tegen de klok in achter elkaar te zetten.</a:t>
+            </a:r>
+          </a:p>
+          <a:p>
+            <a:r>
+              <a:rPr lang="nl-NL" dirty="0"/>
+              <a:t>Interessante zijvlakken zijn het </a:t>
+            </a:r>
+            <a:r>
+              <a:rPr lang="nl-NL" dirty="0">
+                <a:solidFill>
+                  <a:srgbClr val="7030A0"/>
+                </a:solidFill>
+              </a:rPr>
+              <a:t>grondvlak</a:t>
+            </a:r>
+            <a:r>
+              <a:rPr lang="nl-NL" dirty="0"/>
+              <a:t> en het </a:t>
+            </a:r>
+            <a:r>
+              <a:rPr lang="nl-NL" dirty="0">
+                <a:solidFill>
+                  <a:srgbClr val="7030A0"/>
+                </a:solidFill>
+              </a:rPr>
+              <a:t>bovenvlak.</a:t>
+            </a:r>
+          </a:p>
+          <a:p>
+            <a:endParaRPr lang="nl-NL" dirty="0"/>
+          </a:p>
+          <a:p>
+            <a:endParaRPr lang="nl-NL" dirty="0"/>
+          </a:p>
+          <a:p>
+            <a:endParaRPr lang="nl-NL" dirty="0"/>
+          </a:p>
+        </p:txBody>
+      </p:sp>
+    </p:spTree>
+    <p:extLst>
+      <p:ext uri="{BB962C8B-B14F-4D97-AF65-F5344CB8AC3E}">
+        <p14:creationId xmlns:p14="http://schemas.microsoft.com/office/powerpoint/2010/main" val="2865998909"/>
+      </p:ext>
+    </p:extLst>
+  </p:cSld>
+  <p:clrMapOvr>
+    <a:masterClrMapping/>
+  </p:clrMapOvr>
+</p:sld>
+</file>
+
+<file path=ppt/slides/slide21.xml><?xml version="1.0" encoding="utf-8"?>
+<p:sld xmlns:a="http://schemas.openxmlformats.org/drawingml/2006/main" xmlns:r="http://schemas.openxmlformats.org/officeDocument/2006/relationships" xmlns:p="http://schemas.openxmlformats.org/presentationml/2006/main">
+  <p:cSld>
+    <p:spTree>
+      <p:nvGrpSpPr>
+        <p:cNvPr id="1" name=""/>
+        <p:cNvGrpSpPr/>
+        <p:nvPr/>
+      </p:nvGrpSpPr>
+      <p:grpSpPr>
+        <a:xfrm>
+          <a:off x="0" y="0"/>
+          <a:ext cx="0" cy="0"/>
+          <a:chOff x="0" y="0"/>
+          <a:chExt cx="0" cy="0"/>
+        </a:xfrm>
+      </p:grpSpPr>
+      <p:sp>
+        <p:nvSpPr>
+          <p:cNvPr id="2" name="Titel 1">
+            <a:extLst>
+              <a:ext uri="{FF2B5EF4-FFF2-40B4-BE49-F238E27FC236}">
+                <a16:creationId xmlns:a16="http://schemas.microsoft.com/office/drawing/2014/main" id="{C2F5861A-BCDE-D2A4-C355-05C8119ED351}"/>
+              </a:ext>
+            </a:extLst>
+          </p:cNvPr>
+          <p:cNvSpPr>
+            <a:spLocks noGrp="1"/>
+          </p:cNvSpPr>
+          <p:nvPr>
+            <p:ph type="ctrTitle"/>
+          </p:nvPr>
+        </p:nvSpPr>
+        <p:spPr>
+          <a:xfrm>
+            <a:off x="1524000" y="236482"/>
+            <a:ext cx="9144000" cy="892887"/>
+          </a:xfrm>
+        </p:spPr>
+        <p:txBody>
+          <a:bodyPr>
+            <a:normAutofit fontScale="90000"/>
+          </a:bodyPr>
+          <a:lstStyle/>
+          <a:p>
+            <a:r>
+              <a:rPr lang="nl-NL"/>
+              <a:t>Voorbeeld Zijvlakken</a:t>
+            </a:r>
+            <a:endParaRPr lang="nl-NL" dirty="0"/>
+          </a:p>
+        </p:txBody>
+      </p:sp>
+      <p:pic>
+        <p:nvPicPr>
+          <p:cNvPr id="5" name="Picture 2" descr="Ruimtelijke figuren">
+            <a:extLst>
+              <a:ext uri="{FF2B5EF4-FFF2-40B4-BE49-F238E27FC236}">
+                <a16:creationId xmlns:a16="http://schemas.microsoft.com/office/drawing/2014/main" id="{C9E4E225-5344-F548-2C2F-CC23109AB149}"/>
+              </a:ext>
+            </a:extLst>
+          </p:cNvPr>
+          <p:cNvPicPr>
+            <a:picLocks noChangeAspect="1" noChangeArrowheads="1"/>
+          </p:cNvPicPr>
+          <p:nvPr/>
+        </p:nvPicPr>
+        <p:blipFill rotWithShape="1">
+          <a:blip r:embed="rId2">
+            <a:extLst>
+              <a:ext uri="{28A0092B-C50C-407E-A947-70E740481C1C}">
+                <a14:useLocalDpi xmlns:a14="http://schemas.microsoft.com/office/drawing/2010/main" val="0"/>
+              </a:ext>
+            </a:extLst>
+          </a:blip>
+          <a:srcRect b="12167"/>
+          <a:stretch/>
+        </p:blipFill>
+        <p:spPr bwMode="auto">
+          <a:xfrm>
+            <a:off x="3221648" y="1209184"/>
+            <a:ext cx="5748704" cy="5049232"/>
+          </a:xfrm>
+          <a:prstGeom prst="rect">
+            <a:avLst/>
+          </a:prstGeom>
+          <a:noFill/>
+          <a:extLst>
+            <a:ext uri="{909E8E84-426E-40DD-AFC4-6F175D3DCCD1}">
+              <a14:hiddenFill xmlns:a14="http://schemas.microsoft.com/office/drawing/2010/main">
+                <a:solidFill>
+                  <a:srgbClr val="FFFFFF"/>
+                </a:solidFill>
+              </a14:hiddenFill>
+            </a:ext>
+          </a:extLst>
+        </p:spPr>
+      </p:pic>
+      <mc:AlternateContent xmlns:mc="http://schemas.openxmlformats.org/markup-compatibility/2006" xmlns:a14="http://schemas.microsoft.com/office/drawing/2010/main">
+        <mc:Choice Requires="a14">
+          <p:sp>
+            <p:nvSpPr>
+              <p:cNvPr id="3" name="Tekstvak 2">
+                <a:extLst>
+                  <a:ext uri="{FF2B5EF4-FFF2-40B4-BE49-F238E27FC236}">
+                    <a16:creationId xmlns:a16="http://schemas.microsoft.com/office/drawing/2014/main" id="{4534D47B-6013-C669-F6E2-00697ECB1ED2}"/>
+                  </a:ext>
+                </a:extLst>
+              </p:cNvPr>
+              <p:cNvSpPr txBox="1"/>
+              <p:nvPr/>
+            </p:nvSpPr>
+            <p:spPr>
+              <a:xfrm>
+                <a:off x="1345769" y="3293389"/>
+                <a:ext cx="1352486" cy="584775"/>
+              </a:xfrm>
+              <a:prstGeom prst="rect">
+                <a:avLst/>
+              </a:prstGeom>
+              <a:noFill/>
+            </p:spPr>
+            <p:txBody>
+              <a:bodyPr wrap="none" rtlCol="0">
+                <a:spAutoFit/>
+              </a:bodyPr>
+              <a:lstStyle/>
+              <a:p>
+                <a:pPr/>
+                <a14:m>
+                  <m:oMathPara xmlns:m="http://schemas.openxmlformats.org/officeDocument/2006/math">
+                    <m:oMathParaPr>
+                      <m:jc m:val="centerGroup"/>
+                    </m:oMathParaPr>
+                    <m:oMath xmlns:m="http://schemas.openxmlformats.org/officeDocument/2006/math">
+                      <m:r>
+                        <a:rPr lang="nl-NL" sz="3200" i="1" dirty="0" smtClean="0">
+                          <a:latin typeface="Cambria Math" panose="02040503050406030204" pitchFamily="18" charset="0"/>
+                        </a:rPr>
+                        <m:t>𝐸𝐹𝐺𝐻</m:t>
+                      </m:r>
+                    </m:oMath>
+                  </m:oMathPara>
+                </a14:m>
+                <a:endParaRPr lang="nl-NL" sz="3200" dirty="0"/>
+              </a:p>
+            </p:txBody>
+          </p:sp>
+        </mc:Choice>
+        <mc:Fallback xmlns="">
+          <p:sp>
+            <p:nvSpPr>
+              <p:cNvPr id="3" name="Tekstvak 2">
+                <a:extLst>
+                  <a:ext uri="{FF2B5EF4-FFF2-40B4-BE49-F238E27FC236}">
+                    <a16:creationId xmlns:a16="http://schemas.microsoft.com/office/drawing/2014/main" id="{4534D47B-6013-C669-F6E2-00697ECB1ED2}"/>
+                  </a:ext>
+                </a:extLst>
+              </p:cNvPr>
+              <p:cNvSpPr txBox="1">
+                <a:spLocks noRot="1" noChangeAspect="1" noMove="1" noResize="1" noEditPoints="1" noAdjustHandles="1" noChangeArrowheads="1" noChangeShapeType="1" noTextEdit="1"/>
+              </p:cNvSpPr>
+              <p:nvPr/>
+            </p:nvSpPr>
+            <p:spPr>
+              <a:xfrm>
+                <a:off x="1345769" y="3293389"/>
+                <a:ext cx="1352486" cy="584775"/>
+              </a:xfrm>
+              <a:prstGeom prst="rect">
+                <a:avLst/>
+              </a:prstGeom>
+              <a:blipFill>
+                <a:blip r:embed="rId3"/>
+                <a:stretch>
+                  <a:fillRect/>
+                </a:stretch>
+              </a:blipFill>
+            </p:spPr>
+            <p:txBody>
+              <a:bodyPr/>
+              <a:lstStyle/>
+              <a:p>
+                <a:r>
+                  <a:rPr lang="nl-NL">
+                    <a:noFill/>
+                  </a:rPr>
+                  <a:t> </a:t>
+                </a:r>
+              </a:p>
+            </p:txBody>
+          </p:sp>
+        </mc:Fallback>
+      </mc:AlternateContent>
+    </p:spTree>
+    <p:extLst>
+      <p:ext uri="{BB962C8B-B14F-4D97-AF65-F5344CB8AC3E}">
+        <p14:creationId xmlns:p14="http://schemas.microsoft.com/office/powerpoint/2010/main" val="193715767"/>
+      </p:ext>
+    </p:extLst>
+  </p:cSld>
+  <p:clrMapOvr>
+    <a:masterClrMapping/>
+  </p:clrMapOvr>
+</p:sld>
+</file>
+
+<file path=ppt/slides/slide22.xml><?xml version="1.0" encoding="utf-8"?>
+<p:sld xmlns:a="http://schemas.openxmlformats.org/drawingml/2006/main" xmlns:r="http://schemas.openxmlformats.org/officeDocument/2006/relationships" xmlns:p="http://schemas.openxmlformats.org/presentationml/2006/main">
+  <p:cSld>
+    <p:spTree>
+      <p:nvGrpSpPr>
+        <p:cNvPr id="1" name=""/>
+        <p:cNvGrpSpPr/>
+        <p:nvPr/>
+      </p:nvGrpSpPr>
+      <p:grpSpPr>
+        <a:xfrm>
+          <a:off x="0" y="0"/>
+          <a:ext cx="0" cy="0"/>
+          <a:chOff x="0" y="0"/>
+          <a:chExt cx="0" cy="0"/>
+        </a:xfrm>
+      </p:grpSpPr>
+      <p:sp>
+        <p:nvSpPr>
+          <p:cNvPr id="2" name="Titel 1">
+            <a:extLst>
+              <a:ext uri="{FF2B5EF4-FFF2-40B4-BE49-F238E27FC236}">
+                <a16:creationId xmlns:a16="http://schemas.microsoft.com/office/drawing/2014/main" id="{73168B85-7905-DEBC-34BC-B73EB909DDCD}"/>
+              </a:ext>
+            </a:extLst>
+          </p:cNvPr>
+          <p:cNvSpPr>
+            <a:spLocks noGrp="1"/>
+          </p:cNvSpPr>
+          <p:nvPr>
+            <p:ph type="title"/>
+          </p:nvPr>
+        </p:nvSpPr>
+        <p:spPr/>
+        <p:txBody>
+          <a:bodyPr/>
+          <a:lstStyle/>
+          <a:p>
+            <a:r>
+              <a:rPr lang="nl-NL" dirty="0"/>
+              <a:t>Wiskunde Termen</a:t>
+            </a:r>
+          </a:p>
+        </p:txBody>
+      </p:sp>
+      <p:sp>
+        <p:nvSpPr>
+          <p:cNvPr id="4" name="Titel 1">
+            <a:extLst>
+              <a:ext uri="{FF2B5EF4-FFF2-40B4-BE49-F238E27FC236}">
+                <a16:creationId xmlns:a16="http://schemas.microsoft.com/office/drawing/2014/main" id="{61ED484A-E87E-7D07-D06C-3D405D336CC2}"/>
+              </a:ext>
+            </a:extLst>
+          </p:cNvPr>
+          <p:cNvSpPr txBox="1">
+            <a:spLocks/>
+          </p:cNvSpPr>
+          <p:nvPr/>
+        </p:nvSpPr>
+        <p:spPr>
+          <a:xfrm>
+            <a:off x="1524000" y="2105897"/>
+            <a:ext cx="9144000" cy="2646206"/>
+          </a:xfrm>
+          <a:prstGeom prst="rect">
+            <a:avLst/>
+          </a:prstGeom>
+        </p:spPr>
+        <p:txBody>
+          <a:bodyPr vert="horz" lIns="91440" tIns="45720" rIns="91440" bIns="45720" rtlCol="0" anchor="ctr">
+            <a:normAutofit fontScale="97500"/>
+          </a:bodyPr>
+          <a:lstStyle>
+            <a:lvl1pPr algn="l" defTabSz="914400" rtl="0" eaLnBrk="1" latinLnBrk="0" hangingPunct="1">
+              <a:lnSpc>
+                <a:spcPct val="90000"/>
+              </a:lnSpc>
+              <a:spcBef>
+                <a:spcPct val="0"/>
+              </a:spcBef>
+              <a:buNone/>
+              <a:defRPr sz="4400" kern="1200">
+                <a:solidFill>
+                  <a:schemeClr val="tx1"/>
+                </a:solidFill>
+                <a:latin typeface="+mj-lt"/>
+                <a:ea typeface="+mj-ea"/>
+                <a:cs typeface="+mj-cs"/>
+              </a:defRPr>
+            </a:lvl1pPr>
+          </a:lstStyle>
+          <a:p>
+            <a:pPr algn="ctr"/>
+            <a:r>
+              <a:rPr lang="nl-NL" sz="9000" b="1" dirty="0"/>
+              <a:t>Balk</a:t>
+            </a:r>
+          </a:p>
+        </p:txBody>
+      </p:sp>
+    </p:spTree>
+    <p:extLst>
+      <p:ext uri="{BB962C8B-B14F-4D97-AF65-F5344CB8AC3E}">
+        <p14:creationId xmlns:p14="http://schemas.microsoft.com/office/powerpoint/2010/main" val="3225889807"/>
+      </p:ext>
+    </p:extLst>
+  </p:cSld>
+  <p:clrMapOvr>
+    <a:masterClrMapping/>
+  </p:clrMapOvr>
+</p:sld>
+</file>
+
+<file path=ppt/slides/slide23.xml><?xml version="1.0" encoding="utf-8"?>
+<p:sld xmlns:a="http://schemas.openxmlformats.org/drawingml/2006/main" xmlns:r="http://schemas.openxmlformats.org/officeDocument/2006/relationships" xmlns:p="http://schemas.openxmlformats.org/presentationml/2006/main">
+  <p:cSld>
+    <p:spTree>
+      <p:nvGrpSpPr>
+        <p:cNvPr id="1" name=""/>
+        <p:cNvGrpSpPr/>
+        <p:nvPr/>
+      </p:nvGrpSpPr>
+      <p:grpSpPr>
+        <a:xfrm>
+          <a:off x="0" y="0"/>
+          <a:ext cx="0" cy="0"/>
+          <a:chOff x="0" y="0"/>
+          <a:chExt cx="0" cy="0"/>
+        </a:xfrm>
+      </p:grpSpPr>
+      <p:sp>
+        <p:nvSpPr>
+          <p:cNvPr id="2" name="Titel 1">
+            <a:extLst>
+              <a:ext uri="{FF2B5EF4-FFF2-40B4-BE49-F238E27FC236}">
+                <a16:creationId xmlns:a16="http://schemas.microsoft.com/office/drawing/2014/main" id="{C2F5861A-BCDE-D2A4-C355-05C8119ED351}"/>
+              </a:ext>
+            </a:extLst>
+          </p:cNvPr>
+          <p:cNvSpPr>
+            <a:spLocks noGrp="1"/>
+          </p:cNvSpPr>
+          <p:nvPr>
+            <p:ph type="ctrTitle"/>
+          </p:nvPr>
+        </p:nvSpPr>
+        <p:spPr>
+          <a:xfrm>
+            <a:off x="1524000" y="236482"/>
+            <a:ext cx="9144000" cy="892887"/>
+          </a:xfrm>
+        </p:spPr>
+        <p:txBody>
+          <a:bodyPr>
+            <a:normAutofit fontScale="90000"/>
+          </a:bodyPr>
+          <a:lstStyle/>
+          <a:p>
+            <a:r>
+              <a:rPr lang="nl-NL" dirty="0"/>
               <a:t>Balk</a:t>
             </a:r>
           </a:p>
@@ -4463,7 +7895,7 @@
 </p:sld>
 </file>
 
-<file path=ppt/slides/slide12.xml><?xml version="1.0" encoding="utf-8"?>
+<file path=ppt/slides/slide24.xml><?xml version="1.0" encoding="utf-8"?>
 <p:sld xmlns:a="http://schemas.openxmlformats.org/drawingml/2006/main" xmlns:r="http://schemas.openxmlformats.org/officeDocument/2006/relationships" xmlns:p="http://schemas.openxmlformats.org/presentationml/2006/main">
   <p:cSld>
     <p:spTree>
@@ -4682,7 +8114,7 @@
 </p:sld>
 </file>
 
-<file path=ppt/slides/slide13.xml><?xml version="1.0" encoding="utf-8"?>
+<file path=ppt/slides/slide25.xml><?xml version="1.0" encoding="utf-8"?>
 <p:sld xmlns:a="http://schemas.openxmlformats.org/drawingml/2006/main" xmlns:r="http://schemas.openxmlformats.org/officeDocument/2006/relationships" xmlns:p="http://schemas.openxmlformats.org/presentationml/2006/main">
   <p:cSld>
     <p:spTree>
@@ -4802,7 +8234,7 @@
 </p:sld>
 </file>
 
-<file path=ppt/slides/slide14.xml><?xml version="1.0" encoding="utf-8"?>
+<file path=ppt/slides/slide26.xml><?xml version="1.0" encoding="utf-8"?>
 <p:sld xmlns:a="http://schemas.openxmlformats.org/drawingml/2006/main" xmlns:r="http://schemas.openxmlformats.org/officeDocument/2006/relationships" xmlns:p="http://schemas.openxmlformats.org/presentationml/2006/main">
   <p:cSld>
     <p:spTree>
@@ -5010,7 +8442,7 @@
 </p:sld>
 </file>
 
-<file path=ppt/slides/slide15.xml><?xml version="1.0" encoding="utf-8"?>
+<file path=ppt/slides/slide27.xml><?xml version="1.0" encoding="utf-8"?>
 <p:sld xmlns:a="http://schemas.openxmlformats.org/drawingml/2006/main" xmlns:r="http://schemas.openxmlformats.org/officeDocument/2006/relationships" xmlns:p="http://schemas.openxmlformats.org/presentationml/2006/main">
   <p:cSld>
     <p:spTree>
@@ -5250,7 +8682,7 @@
 </p:sld>
 </file>
 
-<file path=ppt/slides/slide16.xml><?xml version="1.0" encoding="utf-8"?>
+<file path=ppt/slides/slide28.xml><?xml version="1.0" encoding="utf-8"?>
 <p:sld xmlns:a="http://schemas.openxmlformats.org/drawingml/2006/main" xmlns:r="http://schemas.openxmlformats.org/officeDocument/2006/relationships" xmlns:p="http://schemas.openxmlformats.org/presentationml/2006/main">
   <p:cSld>
     <p:spTree>
@@ -5363,7 +8795,7 @@
 </p:sld>
 </file>
 
-<file path=ppt/slides/slide17.xml><?xml version="1.0" encoding="utf-8"?>
+<file path=ppt/slides/slide29.xml><?xml version="1.0" encoding="utf-8"?>
 <p:sld xmlns:a="http://schemas.openxmlformats.org/drawingml/2006/main" xmlns:r="http://schemas.openxmlformats.org/officeDocument/2006/relationships" xmlns:p="http://schemas.openxmlformats.org/presentationml/2006/main">
   <p:cSld>
     <p:spTree>
@@ -5535,7 +8967,262 @@
 </p:sld>
 </file>
 
-<file path=ppt/slides/slide18.xml><?xml version="1.0" encoding="utf-8"?>
+<file path=ppt/slides/slide3.xml><?xml version="1.0" encoding="utf-8"?>
+<p:sld xmlns:a="http://schemas.openxmlformats.org/drawingml/2006/main" xmlns:r="http://schemas.openxmlformats.org/officeDocument/2006/relationships" xmlns:p="http://schemas.openxmlformats.org/presentationml/2006/main">
+  <p:cSld>
+    <p:spTree>
+      <p:nvGrpSpPr>
+        <p:cNvPr id="1" name=""/>
+        <p:cNvGrpSpPr/>
+        <p:nvPr/>
+      </p:nvGrpSpPr>
+      <p:grpSpPr>
+        <a:xfrm>
+          <a:off x="0" y="0"/>
+          <a:ext cx="0" cy="0"/>
+          <a:chOff x="0" y="0"/>
+          <a:chExt cx="0" cy="0"/>
+        </a:xfrm>
+      </p:grpSpPr>
+      <p:sp>
+        <p:nvSpPr>
+          <p:cNvPr id="2" name="Titel 1">
+            <a:extLst>
+              <a:ext uri="{FF2B5EF4-FFF2-40B4-BE49-F238E27FC236}">
+                <a16:creationId xmlns:a16="http://schemas.microsoft.com/office/drawing/2014/main" id="{C2F5861A-BCDE-D2A4-C355-05C8119ED351}"/>
+              </a:ext>
+            </a:extLst>
+          </p:cNvPr>
+          <p:cNvSpPr>
+            <a:spLocks noGrp="1"/>
+          </p:cNvSpPr>
+          <p:nvPr>
+            <p:ph type="ctrTitle"/>
+          </p:nvPr>
+        </p:nvSpPr>
+        <p:spPr>
+          <a:xfrm>
+            <a:off x="1524000" y="236482"/>
+            <a:ext cx="9144000" cy="892887"/>
+          </a:xfrm>
+        </p:spPr>
+        <p:txBody>
+          <a:bodyPr>
+            <a:normAutofit fontScale="90000"/>
+          </a:bodyPr>
+          <a:lstStyle/>
+          <a:p>
+            <a:r>
+              <a:rPr lang="nl-NL" dirty="0"/>
+              <a:t>Voorbeeld (</a:t>
+            </a:r>
+            <a:r>
+              <a:rPr lang="nl-NL" dirty="0" err="1"/>
+              <a:t>lichaams</a:t>
+            </a:r>
+            <a:r>
+              <a:rPr lang="nl-NL" dirty="0"/>
+              <a:t>)Diagonaal</a:t>
+            </a:r>
+          </a:p>
+        </p:txBody>
+      </p:sp>
+      <p:sp>
+        <p:nvSpPr>
+          <p:cNvPr id="6" name="AutoShape 4">
+            <a:extLst>
+              <a:ext uri="{FF2B5EF4-FFF2-40B4-BE49-F238E27FC236}">
+                <a16:creationId xmlns:a16="http://schemas.microsoft.com/office/drawing/2014/main" id="{E1144CBE-AB45-2A4F-5F39-6FD091552ACD}"/>
+              </a:ext>
+            </a:extLst>
+          </p:cNvPr>
+          <p:cNvSpPr>
+            <a:spLocks noChangeAspect="1" noChangeArrowheads="1"/>
+          </p:cNvSpPr>
+          <p:nvPr/>
+        </p:nvSpPr>
+        <p:spPr bwMode="auto">
+          <a:xfrm>
+            <a:off x="2701869" y="1729443"/>
+            <a:ext cx="1214203" cy="1214203"/>
+          </a:xfrm>
+          <a:prstGeom prst="rect">
+            <a:avLst/>
+          </a:prstGeom>
+          <a:noFill/>
+          <a:extLst>
+            <a:ext uri="{909E8E84-426E-40DD-AFC4-6F175D3DCCD1}">
+              <a14:hiddenFill xmlns:a14="http://schemas.microsoft.com/office/drawing/2010/main">
+                <a:solidFill>
+                  <a:srgbClr val="FFFFFF"/>
+                </a:solidFill>
+              </a14:hiddenFill>
+            </a:ext>
+          </a:extLst>
+        </p:spPr>
+        <p:txBody>
+          <a:bodyPr vert="horz" wrap="square" lIns="91440" tIns="45720" rIns="91440" bIns="45720" numCol="1" anchor="t" anchorCtr="0" compatLnSpc="1">
+            <a:prstTxWarp prst="textNoShape">
+              <a:avLst/>
+            </a:prstTxWarp>
+          </a:bodyPr>
+          <a:lstStyle/>
+          <a:p>
+            <a:endParaRPr lang="nl-NL"/>
+          </a:p>
+        </p:txBody>
+      </p:sp>
+      <p:sp>
+        <p:nvSpPr>
+          <p:cNvPr id="7" name="AutoShape 8" descr="Figuren">
+            <a:extLst>
+              <a:ext uri="{FF2B5EF4-FFF2-40B4-BE49-F238E27FC236}">
+                <a16:creationId xmlns:a16="http://schemas.microsoft.com/office/drawing/2014/main" id="{2373B61C-1B6C-8C5D-4819-7E428FB94701}"/>
+              </a:ext>
+            </a:extLst>
+          </p:cNvPr>
+          <p:cNvSpPr>
+            <a:spLocks noChangeAspect="1" noChangeArrowheads="1"/>
+          </p:cNvSpPr>
+          <p:nvPr/>
+        </p:nvSpPr>
+        <p:spPr bwMode="auto">
+          <a:xfrm>
+            <a:off x="6096000" y="3429000"/>
+            <a:ext cx="304800" cy="304800"/>
+          </a:xfrm>
+          <a:prstGeom prst="rect">
+            <a:avLst/>
+          </a:prstGeom>
+          <a:noFill/>
+          <a:extLst>
+            <a:ext uri="{909E8E84-426E-40DD-AFC4-6F175D3DCCD1}">
+              <a14:hiddenFill xmlns:a14="http://schemas.microsoft.com/office/drawing/2010/main">
+                <a:solidFill>
+                  <a:srgbClr val="FFFFFF"/>
+                </a:solidFill>
+              </a14:hiddenFill>
+            </a:ext>
+          </a:extLst>
+        </p:spPr>
+        <p:txBody>
+          <a:bodyPr vert="horz" wrap="square" lIns="91440" tIns="45720" rIns="91440" bIns="45720" numCol="1" anchor="t" anchorCtr="0" compatLnSpc="1">
+            <a:prstTxWarp prst="textNoShape">
+              <a:avLst/>
+            </a:prstTxWarp>
+          </a:bodyPr>
+          <a:lstStyle/>
+          <a:p>
+            <a:endParaRPr lang="nl-NL"/>
+          </a:p>
+        </p:txBody>
+      </p:sp>
+      <p:pic>
+        <p:nvPicPr>
+          <p:cNvPr id="4098" name="Picture 2" descr="Slimleren - Introductie van hoekpunten, zijden en diagonalen">
+            <a:extLst>
+              <a:ext uri="{FF2B5EF4-FFF2-40B4-BE49-F238E27FC236}">
+                <a16:creationId xmlns:a16="http://schemas.microsoft.com/office/drawing/2014/main" id="{130957AC-9026-C0FC-5267-DB6D602F64F9}"/>
+              </a:ext>
+            </a:extLst>
+          </p:cNvPr>
+          <p:cNvPicPr>
+            <a:picLocks noChangeAspect="1" noChangeArrowheads="1"/>
+          </p:cNvPicPr>
+          <p:nvPr/>
+        </p:nvPicPr>
+        <p:blipFill>
+          <a:blip r:embed="rId2">
+            <a:extLst>
+              <a:ext uri="{28A0092B-C50C-407E-A947-70E740481C1C}">
+                <a14:useLocalDpi xmlns:a14="http://schemas.microsoft.com/office/drawing/2010/main" val="0"/>
+              </a:ext>
+            </a:extLst>
+          </a:blip>
+          <a:srcRect/>
+          <a:stretch>
+            <a:fillRect/>
+          </a:stretch>
+        </p:blipFill>
+        <p:spPr bwMode="auto">
+          <a:xfrm>
+            <a:off x="170758" y="1129369"/>
+            <a:ext cx="5823642" cy="5823642"/>
+          </a:xfrm>
+          <a:prstGeom prst="rect">
+            <a:avLst/>
+          </a:prstGeom>
+          <a:noFill/>
+          <a:extLst>
+            <a:ext uri="{909E8E84-426E-40DD-AFC4-6F175D3DCCD1}">
+              <a14:hiddenFill xmlns:a14="http://schemas.microsoft.com/office/drawing/2010/main">
+                <a:solidFill>
+                  <a:srgbClr val="FFFFFF"/>
+                </a:solidFill>
+              </a14:hiddenFill>
+            </a:ext>
+          </a:extLst>
+        </p:spPr>
+      </p:pic>
+      <p:pic>
+        <p:nvPicPr>
+          <p:cNvPr id="4100" name="Picture 4" descr="Diagonaalvlakken en lichaamsdiagonalen | StudyGo">
+            <a:extLst>
+              <a:ext uri="{FF2B5EF4-FFF2-40B4-BE49-F238E27FC236}">
+                <a16:creationId xmlns:a16="http://schemas.microsoft.com/office/drawing/2014/main" id="{5B9A69E6-AA5E-919F-4F68-44FFE36B8359}"/>
+              </a:ext>
+            </a:extLst>
+          </p:cNvPr>
+          <p:cNvPicPr>
+            <a:picLocks noChangeAspect="1" noChangeArrowheads="1"/>
+          </p:cNvPicPr>
+          <p:nvPr/>
+        </p:nvPicPr>
+        <p:blipFill rotWithShape="1">
+          <a:blip r:embed="rId3">
+            <a:extLst>
+              <a:ext uri="{28A0092B-C50C-407E-A947-70E740481C1C}">
+                <a14:useLocalDpi xmlns:a14="http://schemas.microsoft.com/office/drawing/2010/main" val="0"/>
+              </a:ext>
+            </a:extLst>
+          </a:blip>
+          <a:srcRect l="10209" r="11762"/>
+          <a:stretch/>
+        </p:blipFill>
+        <p:spPr bwMode="auto">
+          <a:xfrm>
+            <a:off x="5892800" y="1729443"/>
+            <a:ext cx="6377636" cy="4463119"/>
+          </a:xfrm>
+          <a:prstGeom prst="rect">
+            <a:avLst/>
+          </a:prstGeom>
+          <a:noFill/>
+          <a:extLst>
+            <a:ext uri="{909E8E84-426E-40DD-AFC4-6F175D3DCCD1}">
+              <a14:hiddenFill xmlns:a14="http://schemas.microsoft.com/office/drawing/2010/main">
+                <a:solidFill>
+                  <a:srgbClr val="FFFFFF"/>
+                </a:solidFill>
+              </a14:hiddenFill>
+            </a:ext>
+          </a:extLst>
+        </p:spPr>
+      </p:pic>
+    </p:spTree>
+    <p:extLst>
+      <p:ext uri="{BB962C8B-B14F-4D97-AF65-F5344CB8AC3E}">
+        <p14:creationId xmlns:p14="http://schemas.microsoft.com/office/powerpoint/2010/main" val="827312380"/>
+      </p:ext>
+    </p:extLst>
+  </p:cSld>
+  <p:clrMapOvr>
+    <a:masterClrMapping/>
+  </p:clrMapOvr>
+</p:sld>
+</file>
+
+<file path=ppt/slides/slide30.xml><?xml version="1.0" encoding="utf-8"?>
 <p:sld xmlns:a="http://schemas.openxmlformats.org/drawingml/2006/main" xmlns:r="http://schemas.openxmlformats.org/officeDocument/2006/relationships" xmlns:p="http://schemas.openxmlformats.org/presentationml/2006/main">
   <p:cSld>
     <p:spTree>
@@ -5782,7 +9469,7 @@
 </p:sld>
 </file>
 
-<file path=ppt/slides/slide19.xml><?xml version="1.0" encoding="utf-8"?>
+<file path=ppt/slides/slide31.xml><?xml version="1.0" encoding="utf-8"?>
 <p:sld xmlns:a="http://schemas.openxmlformats.org/drawingml/2006/main" xmlns:r="http://schemas.openxmlformats.org/officeDocument/2006/relationships" xmlns:p="http://schemas.openxmlformats.org/presentationml/2006/main">
   <p:cSld>
     <p:spTree>
@@ -5895,7 +9582,7 @@
 </p:sld>
 </file>
 
-<file path=ppt/slides/slide2.xml><?xml version="1.0" encoding="utf-8"?>
+<file path=ppt/slides/slide32.xml><?xml version="1.0" encoding="utf-8"?>
 <p:sld xmlns:a="http://schemas.openxmlformats.org/drawingml/2006/main" xmlns:r="http://schemas.openxmlformats.org/officeDocument/2006/relationships" xmlns:p="http://schemas.openxmlformats.org/presentationml/2006/main">
   <p:cSld>
     <p:spTree>
@@ -5942,206 +9629,42 @@
           <a:p>
             <a:r>
               <a:rPr lang="nl-NL" dirty="0"/>
-              <a:t>Vierkant</a:t>
-            </a:r>
-          </a:p>
-        </p:txBody>
-      </p:sp>
-      <p:sp>
-        <p:nvSpPr>
-          <p:cNvPr id="4" name="Ondertitel 2">
-            <a:extLst>
-              <a:ext uri="{FF2B5EF4-FFF2-40B4-BE49-F238E27FC236}">
-                <a16:creationId xmlns:a16="http://schemas.microsoft.com/office/drawing/2014/main" id="{0C270B7A-0EAC-B39A-6A17-BB13416FF1A1}"/>
-              </a:ext>
-            </a:extLst>
-          </p:cNvPr>
-          <p:cNvSpPr txBox="1">
-            <a:spLocks/>
-          </p:cNvSpPr>
-          <p:nvPr/>
+              <a:t>Ribben</a:t>
+            </a:r>
+          </a:p>
+        </p:txBody>
+      </p:sp>
+      <p:sp>
+        <p:nvSpPr>
+          <p:cNvPr id="3" name="Ondertitel 2">
+            <a:extLst>
+              <a:ext uri="{FF2B5EF4-FFF2-40B4-BE49-F238E27FC236}">
+                <a16:creationId xmlns:a16="http://schemas.microsoft.com/office/drawing/2014/main" id="{7988AA68-FB88-7C7C-5E47-2AE86A2EFD72}"/>
+              </a:ext>
+            </a:extLst>
+          </p:cNvPr>
+          <p:cNvSpPr>
+            <a:spLocks noGrp="1"/>
+          </p:cNvSpPr>
+          <p:nvPr>
+            <p:ph type="subTitle" idx="1"/>
+          </p:nvPr>
         </p:nvSpPr>
         <p:spPr>
           <a:xfrm>
-            <a:off x="54243" y="1507852"/>
-            <a:ext cx="11677973" cy="1655762"/>
+            <a:off x="601851" y="1342364"/>
+            <a:ext cx="10988297" cy="2530747"/>
           </a:xfrm>
-          <a:prstGeom prst="rect">
-            <a:avLst/>
-          </a:prstGeom>
         </p:spPr>
         <p:txBody>
-          <a:bodyPr vert="horz" lIns="91440" tIns="45720" rIns="91440" bIns="45720" rtlCol="0">
+          <a:bodyPr>
             <a:normAutofit/>
           </a:bodyPr>
-          <a:lstStyle>
-            <a:lvl1pPr marL="0" indent="0" algn="ctr" defTabSz="914400" rtl="0" eaLnBrk="1" latinLnBrk="0" hangingPunct="1">
-              <a:lnSpc>
-                <a:spcPct val="90000"/>
-              </a:lnSpc>
-              <a:spcBef>
-                <a:spcPts val="1000"/>
-              </a:spcBef>
-              <a:buFont typeface="Arial" panose="020B0604020202020204" pitchFamily="34" charset="0"/>
-              <a:buNone/>
-              <a:defRPr sz="2400" kern="1200">
-                <a:solidFill>
-                  <a:schemeClr val="tx1"/>
-                </a:solidFill>
-                <a:latin typeface="+mn-lt"/>
-                <a:ea typeface="+mn-ea"/>
-                <a:cs typeface="+mn-cs"/>
-              </a:defRPr>
-            </a:lvl1pPr>
-            <a:lvl2pPr marL="457200" indent="0" algn="ctr" defTabSz="914400" rtl="0" eaLnBrk="1" latinLnBrk="0" hangingPunct="1">
-              <a:lnSpc>
-                <a:spcPct val="90000"/>
-              </a:lnSpc>
-              <a:spcBef>
-                <a:spcPts val="500"/>
-              </a:spcBef>
-              <a:buFont typeface="Arial" panose="020B0604020202020204" pitchFamily="34" charset="0"/>
-              <a:buNone/>
-              <a:defRPr sz="2000" kern="1200">
-                <a:solidFill>
-                  <a:schemeClr val="tx1"/>
-                </a:solidFill>
-                <a:latin typeface="+mn-lt"/>
-                <a:ea typeface="+mn-ea"/>
-                <a:cs typeface="+mn-cs"/>
-              </a:defRPr>
-            </a:lvl2pPr>
-            <a:lvl3pPr marL="914400" indent="0" algn="ctr" defTabSz="914400" rtl="0" eaLnBrk="1" latinLnBrk="0" hangingPunct="1">
-              <a:lnSpc>
-                <a:spcPct val="90000"/>
-              </a:lnSpc>
-              <a:spcBef>
-                <a:spcPts val="500"/>
-              </a:spcBef>
-              <a:buFont typeface="Arial" panose="020B0604020202020204" pitchFamily="34" charset="0"/>
-              <a:buNone/>
-              <a:defRPr sz="1800" kern="1200">
-                <a:solidFill>
-                  <a:schemeClr val="tx1"/>
-                </a:solidFill>
-                <a:latin typeface="+mn-lt"/>
-                <a:ea typeface="+mn-ea"/>
-                <a:cs typeface="+mn-cs"/>
-              </a:defRPr>
-            </a:lvl3pPr>
-            <a:lvl4pPr marL="1371600" indent="0" algn="ctr" defTabSz="914400" rtl="0" eaLnBrk="1" latinLnBrk="0" hangingPunct="1">
-              <a:lnSpc>
-                <a:spcPct val="90000"/>
-              </a:lnSpc>
-              <a:spcBef>
-                <a:spcPts val="500"/>
-              </a:spcBef>
-              <a:buFont typeface="Arial" panose="020B0604020202020204" pitchFamily="34" charset="0"/>
-              <a:buNone/>
-              <a:defRPr sz="1600" kern="1200">
-                <a:solidFill>
-                  <a:schemeClr val="tx1"/>
-                </a:solidFill>
-                <a:latin typeface="+mn-lt"/>
-                <a:ea typeface="+mn-ea"/>
-                <a:cs typeface="+mn-cs"/>
-              </a:defRPr>
-            </a:lvl4pPr>
-            <a:lvl5pPr marL="1828800" indent="0" algn="ctr" defTabSz="914400" rtl="0" eaLnBrk="1" latinLnBrk="0" hangingPunct="1">
-              <a:lnSpc>
-                <a:spcPct val="90000"/>
-              </a:lnSpc>
-              <a:spcBef>
-                <a:spcPts val="500"/>
-              </a:spcBef>
-              <a:buFont typeface="Arial" panose="020B0604020202020204" pitchFamily="34" charset="0"/>
-              <a:buNone/>
-              <a:defRPr sz="1600" kern="1200">
-                <a:solidFill>
-                  <a:schemeClr val="tx1"/>
-                </a:solidFill>
-                <a:latin typeface="+mn-lt"/>
-                <a:ea typeface="+mn-ea"/>
-                <a:cs typeface="+mn-cs"/>
-              </a:defRPr>
-            </a:lvl5pPr>
-            <a:lvl6pPr marL="2286000" indent="0" algn="ctr" defTabSz="914400" rtl="0" eaLnBrk="1" latinLnBrk="0" hangingPunct="1">
-              <a:lnSpc>
-                <a:spcPct val="90000"/>
-              </a:lnSpc>
-              <a:spcBef>
-                <a:spcPts val="500"/>
-              </a:spcBef>
-              <a:buFont typeface="Arial" panose="020B0604020202020204" pitchFamily="34" charset="0"/>
-              <a:buNone/>
-              <a:defRPr sz="1600" kern="1200">
-                <a:solidFill>
-                  <a:schemeClr val="tx1"/>
-                </a:solidFill>
-                <a:latin typeface="+mn-lt"/>
-                <a:ea typeface="+mn-ea"/>
-                <a:cs typeface="+mn-cs"/>
-              </a:defRPr>
-            </a:lvl6pPr>
-            <a:lvl7pPr marL="2743200" indent="0" algn="ctr" defTabSz="914400" rtl="0" eaLnBrk="1" latinLnBrk="0" hangingPunct="1">
-              <a:lnSpc>
-                <a:spcPct val="90000"/>
-              </a:lnSpc>
-              <a:spcBef>
-                <a:spcPts val="500"/>
-              </a:spcBef>
-              <a:buFont typeface="Arial" panose="020B0604020202020204" pitchFamily="34" charset="0"/>
-              <a:buNone/>
-              <a:defRPr sz="1600" kern="1200">
-                <a:solidFill>
-                  <a:schemeClr val="tx1"/>
-                </a:solidFill>
-                <a:latin typeface="+mn-lt"/>
-                <a:ea typeface="+mn-ea"/>
-                <a:cs typeface="+mn-cs"/>
-              </a:defRPr>
-            </a:lvl7pPr>
-            <a:lvl8pPr marL="3200400" indent="0" algn="ctr" defTabSz="914400" rtl="0" eaLnBrk="1" latinLnBrk="0" hangingPunct="1">
-              <a:lnSpc>
-                <a:spcPct val="90000"/>
-              </a:lnSpc>
-              <a:spcBef>
-                <a:spcPts val="500"/>
-              </a:spcBef>
-              <a:buFont typeface="Arial" panose="020B0604020202020204" pitchFamily="34" charset="0"/>
-              <a:buNone/>
-              <a:defRPr sz="1600" kern="1200">
-                <a:solidFill>
-                  <a:schemeClr val="tx1"/>
-                </a:solidFill>
-                <a:latin typeface="+mn-lt"/>
-                <a:ea typeface="+mn-ea"/>
-                <a:cs typeface="+mn-cs"/>
-              </a:defRPr>
-            </a:lvl8pPr>
-            <a:lvl9pPr marL="3657600" indent="0" algn="ctr" defTabSz="914400" rtl="0" eaLnBrk="1" latinLnBrk="0" hangingPunct="1">
-              <a:lnSpc>
-                <a:spcPct val="90000"/>
-              </a:lnSpc>
-              <a:spcBef>
-                <a:spcPts val="500"/>
-              </a:spcBef>
-              <a:buFont typeface="Arial" panose="020B0604020202020204" pitchFamily="34" charset="0"/>
-              <a:buNone/>
-              <a:defRPr sz="1600" kern="1200">
-                <a:solidFill>
-                  <a:schemeClr val="tx1"/>
-                </a:solidFill>
-                <a:latin typeface="+mn-lt"/>
-                <a:ea typeface="+mn-ea"/>
-                <a:cs typeface="+mn-cs"/>
-              </a:defRPr>
-            </a:lvl9pPr>
-          </a:lstStyle>
+          <a:lstStyle/>
           <a:p>
             <a:r>
               <a:rPr lang="nl-NL" dirty="0"/>
-              <a:t>Een vierkant is een </a:t>
+              <a:t>Ribben zijn de randen van een </a:t>
             </a:r>
             <a:r>
               <a:rPr lang="nl-NL" dirty="0">
@@ -6149,11 +9672,11 @@
                   <a:srgbClr val="7030A0"/>
                 </a:solidFill>
               </a:rPr>
-              <a:t>vierhoek</a:t>
+              <a:t>ruimtelijkfiguur</a:t>
             </a:r>
             <a:r>
               <a:rPr lang="nl-NL" dirty="0"/>
-              <a:t> met vier </a:t>
+              <a:t>, zo komen niet voor bij </a:t>
             </a:r>
             <a:r>
               <a:rPr lang="nl-NL" dirty="0">
@@ -6161,11 +9684,17 @@
                   <a:srgbClr val="7030A0"/>
                 </a:solidFill>
               </a:rPr>
-              <a:t>rechte hoeken </a:t>
+              <a:t>vlakke figuren</a:t>
             </a:r>
             <a:r>
               <a:rPr lang="nl-NL" dirty="0"/>
-              <a:t>en vier even lange </a:t>
+              <a:t>.</a:t>
+            </a:r>
+          </a:p>
+          <a:p>
+            <a:r>
+              <a:rPr lang="nl-NL" dirty="0"/>
+              <a:t>Een ribbe is de </a:t>
             </a:r>
             <a:r>
               <a:rPr lang="nl-NL" dirty="0">
@@ -6173,8 +9702,66 @@
                   <a:srgbClr val="7030A0"/>
                 </a:solidFill>
               </a:rPr>
-              <a:t>zijden</a:t>
-            </a:r>
+              <a:t>lijn</a:t>
+            </a:r>
+            <a:r>
+              <a:rPr lang="nl-NL" dirty="0"/>
+              <a:t> die twee </a:t>
+            </a:r>
+            <a:r>
+              <a:rPr lang="nl-NL" dirty="0">
+                <a:solidFill>
+                  <a:srgbClr val="7030A0"/>
+                </a:solidFill>
+              </a:rPr>
+              <a:t>hoekpunten</a:t>
+            </a:r>
+            <a:r>
+              <a:rPr lang="nl-NL" dirty="0"/>
+              <a:t> met elkaar verbind.</a:t>
+            </a:r>
+          </a:p>
+          <a:p>
+            <a:r>
+              <a:rPr lang="nl-NL" dirty="0"/>
+              <a:t>Het is ook de </a:t>
+            </a:r>
+            <a:r>
+              <a:rPr lang="nl-NL" dirty="0">
+                <a:solidFill>
+                  <a:srgbClr val="7030A0"/>
+                </a:solidFill>
+              </a:rPr>
+              <a:t>lijn</a:t>
+            </a:r>
+            <a:r>
+              <a:rPr lang="nl-NL" dirty="0"/>
+              <a:t> waar twee </a:t>
+            </a:r>
+            <a:r>
+              <a:rPr lang="nl-NL" dirty="0">
+                <a:solidFill>
+                  <a:srgbClr val="7030A0"/>
+                </a:solidFill>
+              </a:rPr>
+              <a:t>zijvlakken</a:t>
+            </a:r>
+            <a:r>
+              <a:rPr lang="nl-NL" dirty="0"/>
+              <a:t> samenkomen.</a:t>
+            </a:r>
+          </a:p>
+          <a:p>
+            <a:endParaRPr lang="nl-NL" dirty="0"/>
+          </a:p>
+          <a:p>
+            <a:endParaRPr lang="nl-NL" dirty="0"/>
+          </a:p>
+          <a:p>
+            <a:endParaRPr lang="nl-NL" dirty="0"/>
+          </a:p>
+          <a:p>
+            <a:endParaRPr lang="nl-NL" dirty="0"/>
           </a:p>
           <a:p>
             <a:endParaRPr lang="nl-NL" dirty="0"/>
@@ -6184,7 +9771,7 @@
     </p:spTree>
     <p:extLst>
       <p:ext uri="{BB962C8B-B14F-4D97-AF65-F5344CB8AC3E}">
-        <p14:creationId xmlns:p14="http://schemas.microsoft.com/office/powerpoint/2010/main" val="1098195592"/>
+        <p14:creationId xmlns:p14="http://schemas.microsoft.com/office/powerpoint/2010/main" val="1009432102"/>
       </p:ext>
     </p:extLst>
   </p:cSld>
@@ -6194,7 +9781,7 @@
 </p:sld>
 </file>
 
-<file path=ppt/slides/slide20.xml><?xml version="1.0" encoding="utf-8"?>
+<file path=ppt/slides/slide33.xml><?xml version="1.0" encoding="utf-8"?>
 <p:sld xmlns:a="http://schemas.openxmlformats.org/drawingml/2006/main" xmlns:r="http://schemas.openxmlformats.org/officeDocument/2006/relationships" xmlns:p="http://schemas.openxmlformats.org/presentationml/2006/main">
   <p:cSld>
     <p:spTree>
@@ -6229,205 +9816,6 @@
         </p:nvSpPr>
         <p:spPr>
           <a:xfrm>
-            <a:off x="1524000" y="236482"/>
-            <a:ext cx="9144000" cy="892887"/>
-          </a:xfrm>
-        </p:spPr>
-        <p:txBody>
-          <a:bodyPr>
-            <a:normAutofit fontScale="90000"/>
-          </a:bodyPr>
-          <a:lstStyle/>
-          <a:p>
-            <a:r>
-              <a:rPr lang="nl-NL" dirty="0"/>
-              <a:t>Ribben</a:t>
-            </a:r>
-          </a:p>
-        </p:txBody>
-      </p:sp>
-      <p:sp>
-        <p:nvSpPr>
-          <p:cNvPr id="3" name="Ondertitel 2">
-            <a:extLst>
-              <a:ext uri="{FF2B5EF4-FFF2-40B4-BE49-F238E27FC236}">
-                <a16:creationId xmlns:a16="http://schemas.microsoft.com/office/drawing/2014/main" id="{7988AA68-FB88-7C7C-5E47-2AE86A2EFD72}"/>
-              </a:ext>
-            </a:extLst>
-          </p:cNvPr>
-          <p:cNvSpPr>
-            <a:spLocks noGrp="1"/>
-          </p:cNvSpPr>
-          <p:nvPr>
-            <p:ph type="subTitle" idx="1"/>
-          </p:nvPr>
-        </p:nvSpPr>
-        <p:spPr>
-          <a:xfrm>
-            <a:off x="601851" y="1342364"/>
-            <a:ext cx="10988297" cy="2530747"/>
-          </a:xfrm>
-        </p:spPr>
-        <p:txBody>
-          <a:bodyPr>
-            <a:normAutofit/>
-          </a:bodyPr>
-          <a:lstStyle/>
-          <a:p>
-            <a:r>
-              <a:rPr lang="nl-NL" dirty="0"/>
-              <a:t>Ribben zijn de randen van een </a:t>
-            </a:r>
-            <a:r>
-              <a:rPr lang="nl-NL" dirty="0">
-                <a:solidFill>
-                  <a:srgbClr val="7030A0"/>
-                </a:solidFill>
-              </a:rPr>
-              <a:t>ruimtelijkfiguur</a:t>
-            </a:r>
-            <a:r>
-              <a:rPr lang="nl-NL" dirty="0"/>
-              <a:t>, zo komen niet voor bij </a:t>
-            </a:r>
-            <a:r>
-              <a:rPr lang="nl-NL" dirty="0">
-                <a:solidFill>
-                  <a:srgbClr val="7030A0"/>
-                </a:solidFill>
-              </a:rPr>
-              <a:t>vlakke figuren</a:t>
-            </a:r>
-            <a:r>
-              <a:rPr lang="nl-NL" dirty="0"/>
-              <a:t>.</a:t>
-            </a:r>
-          </a:p>
-          <a:p>
-            <a:r>
-              <a:rPr lang="nl-NL" dirty="0"/>
-              <a:t>Een ribbe is de </a:t>
-            </a:r>
-            <a:r>
-              <a:rPr lang="nl-NL" dirty="0">
-                <a:solidFill>
-                  <a:srgbClr val="7030A0"/>
-                </a:solidFill>
-              </a:rPr>
-              <a:t>lijn</a:t>
-            </a:r>
-            <a:r>
-              <a:rPr lang="nl-NL" dirty="0"/>
-              <a:t> die twee </a:t>
-            </a:r>
-            <a:r>
-              <a:rPr lang="nl-NL" dirty="0">
-                <a:solidFill>
-                  <a:srgbClr val="7030A0"/>
-                </a:solidFill>
-              </a:rPr>
-              <a:t>hoekpunten</a:t>
-            </a:r>
-            <a:r>
-              <a:rPr lang="nl-NL" dirty="0"/>
-              <a:t> met elkaar verbind.</a:t>
-            </a:r>
-          </a:p>
-          <a:p>
-            <a:r>
-              <a:rPr lang="nl-NL" dirty="0"/>
-              <a:t>Het is ook de </a:t>
-            </a:r>
-            <a:r>
-              <a:rPr lang="nl-NL" dirty="0">
-                <a:solidFill>
-                  <a:srgbClr val="7030A0"/>
-                </a:solidFill>
-              </a:rPr>
-              <a:t>lijn</a:t>
-            </a:r>
-            <a:r>
-              <a:rPr lang="nl-NL" dirty="0"/>
-              <a:t> waar twee </a:t>
-            </a:r>
-            <a:r>
-              <a:rPr lang="nl-NL" dirty="0">
-                <a:solidFill>
-                  <a:srgbClr val="7030A0"/>
-                </a:solidFill>
-              </a:rPr>
-              <a:t>zijvlakken</a:t>
-            </a:r>
-            <a:r>
-              <a:rPr lang="nl-NL" dirty="0"/>
-              <a:t> samenkomen.</a:t>
-            </a:r>
-          </a:p>
-          <a:p>
-            <a:endParaRPr lang="nl-NL" dirty="0"/>
-          </a:p>
-          <a:p>
-            <a:endParaRPr lang="nl-NL" dirty="0"/>
-          </a:p>
-          <a:p>
-            <a:endParaRPr lang="nl-NL" dirty="0"/>
-          </a:p>
-          <a:p>
-            <a:endParaRPr lang="nl-NL" dirty="0"/>
-          </a:p>
-          <a:p>
-            <a:endParaRPr lang="nl-NL" dirty="0"/>
-          </a:p>
-        </p:txBody>
-      </p:sp>
-    </p:spTree>
-    <p:extLst>
-      <p:ext uri="{BB962C8B-B14F-4D97-AF65-F5344CB8AC3E}">
-        <p14:creationId xmlns:p14="http://schemas.microsoft.com/office/powerpoint/2010/main" val="1009432102"/>
-      </p:ext>
-    </p:extLst>
-  </p:cSld>
-  <p:clrMapOvr>
-    <a:masterClrMapping/>
-  </p:clrMapOvr>
-</p:sld>
-</file>
-
-<file path=ppt/slides/slide21.xml><?xml version="1.0" encoding="utf-8"?>
-<p:sld xmlns:a="http://schemas.openxmlformats.org/drawingml/2006/main" xmlns:r="http://schemas.openxmlformats.org/officeDocument/2006/relationships" xmlns:p="http://schemas.openxmlformats.org/presentationml/2006/main">
-  <p:cSld>
-    <p:spTree>
-      <p:nvGrpSpPr>
-        <p:cNvPr id="1" name=""/>
-        <p:cNvGrpSpPr/>
-        <p:nvPr/>
-      </p:nvGrpSpPr>
-      <p:grpSpPr>
-        <a:xfrm>
-          <a:off x="0" y="0"/>
-          <a:ext cx="0" cy="0"/>
-          <a:chOff x="0" y="0"/>
-          <a:chExt cx="0" cy="0"/>
-        </a:xfrm>
-      </p:grpSpPr>
-      <p:sp>
-        <p:nvSpPr>
-          <p:cNvPr id="2" name="Titel 1">
-            <a:extLst>
-              <a:ext uri="{FF2B5EF4-FFF2-40B4-BE49-F238E27FC236}">
-                <a16:creationId xmlns:a16="http://schemas.microsoft.com/office/drawing/2014/main" id="{C2F5861A-BCDE-D2A4-C355-05C8119ED351}"/>
-              </a:ext>
-            </a:extLst>
-          </p:cNvPr>
-          <p:cNvSpPr>
-            <a:spLocks noGrp="1"/>
-          </p:cNvSpPr>
-          <p:nvPr>
-            <p:ph type="ctrTitle"/>
-          </p:nvPr>
-        </p:nvSpPr>
-        <p:spPr>
-          <a:xfrm>
             <a:off x="431533" y="258609"/>
             <a:ext cx="11328934" cy="892887"/>
           </a:xfrm>
@@ -6580,8 +9968,8 @@
           </a:extLst>
         </p:spPr>
       </p:pic>
-      <mc:AlternateContent xmlns:mc="http://schemas.openxmlformats.org/markup-compatibility/2006">
-        <mc:Choice xmlns:a14="http://schemas.microsoft.com/office/drawing/2010/main" Requires="a14">
+      <mc:AlternateContent xmlns:mc="http://schemas.openxmlformats.org/markup-compatibility/2006" xmlns:a14="http://schemas.microsoft.com/office/drawing/2010/main">
+        <mc:Choice Requires="a14">
           <p:sp>
             <p:nvSpPr>
               <p:cNvPr id="5" name="Tekstvak 4">
@@ -6610,6 +9998,7 @@
               </a:bodyPr>
               <a:lstStyle/>
               <a:p>
+                <a:pPr/>
                 <a14:m>
                   <m:oMathPara xmlns:m="http://schemas.openxmlformats.org/officeDocument/2006/math">
                     <m:oMathParaPr>
@@ -6630,7 +10019,7 @@
             </p:txBody>
           </p:sp>
         </mc:Choice>
-        <mc:Fallback>
+        <mc:Fallback xmlns="">
           <p:sp>
             <p:nvSpPr>
               <p:cNvPr id="5" name="Tekstvak 4">
@@ -6688,244 +10077,6 @@
 </p:sld>
 </file>
 
-<file path=ppt/slides/slide3.xml><?xml version="1.0" encoding="utf-8"?>
-<p:sld xmlns:a="http://schemas.openxmlformats.org/drawingml/2006/main" xmlns:r="http://schemas.openxmlformats.org/officeDocument/2006/relationships" xmlns:p="http://schemas.openxmlformats.org/presentationml/2006/main">
-  <p:cSld>
-    <p:spTree>
-      <p:nvGrpSpPr>
-        <p:cNvPr id="1" name=""/>
-        <p:cNvGrpSpPr/>
-        <p:nvPr/>
-      </p:nvGrpSpPr>
-      <p:grpSpPr>
-        <a:xfrm>
-          <a:off x="0" y="0"/>
-          <a:ext cx="0" cy="0"/>
-          <a:chOff x="0" y="0"/>
-          <a:chExt cx="0" cy="0"/>
-        </a:xfrm>
-      </p:grpSpPr>
-      <p:sp>
-        <p:nvSpPr>
-          <p:cNvPr id="2" name="Titel 1">
-            <a:extLst>
-              <a:ext uri="{FF2B5EF4-FFF2-40B4-BE49-F238E27FC236}">
-                <a16:creationId xmlns:a16="http://schemas.microsoft.com/office/drawing/2014/main" id="{C2F5861A-BCDE-D2A4-C355-05C8119ED351}"/>
-              </a:ext>
-            </a:extLst>
-          </p:cNvPr>
-          <p:cNvSpPr>
-            <a:spLocks noGrp="1"/>
-          </p:cNvSpPr>
-          <p:nvPr>
-            <p:ph type="ctrTitle"/>
-          </p:nvPr>
-        </p:nvSpPr>
-        <p:spPr>
-          <a:xfrm>
-            <a:off x="1524000" y="236482"/>
-            <a:ext cx="9144000" cy="892887"/>
-          </a:xfrm>
-        </p:spPr>
-        <p:txBody>
-          <a:bodyPr>
-            <a:normAutofit fontScale="90000"/>
-          </a:bodyPr>
-          <a:lstStyle/>
-          <a:p>
-            <a:r>
-              <a:rPr lang="nl-NL" dirty="0"/>
-              <a:t>Voorbeeld Vierkant</a:t>
-            </a:r>
-          </a:p>
-        </p:txBody>
-      </p:sp>
-      <p:sp>
-        <p:nvSpPr>
-          <p:cNvPr id="4" name="AutoShape 2">
-            <a:extLst>
-              <a:ext uri="{FF2B5EF4-FFF2-40B4-BE49-F238E27FC236}">
-                <a16:creationId xmlns:a16="http://schemas.microsoft.com/office/drawing/2014/main" id="{5811C3DC-6F08-6D19-0A68-031F7D209C73}"/>
-              </a:ext>
-            </a:extLst>
-          </p:cNvPr>
-          <p:cNvSpPr>
-            <a:spLocks noChangeAspect="1" noChangeArrowheads="1"/>
-          </p:cNvSpPr>
-          <p:nvPr/>
-        </p:nvSpPr>
-        <p:spPr bwMode="auto">
-          <a:xfrm>
-            <a:off x="5943600" y="3276600"/>
-            <a:ext cx="304800" cy="304800"/>
-          </a:xfrm>
-          <a:prstGeom prst="rect">
-            <a:avLst/>
-          </a:prstGeom>
-          <a:noFill/>
-          <a:extLst>
-            <a:ext uri="{909E8E84-426E-40DD-AFC4-6F175D3DCCD1}">
-              <a14:hiddenFill xmlns:a14="http://schemas.microsoft.com/office/drawing/2010/main">
-                <a:solidFill>
-                  <a:srgbClr val="FFFFFF"/>
-                </a:solidFill>
-              </a14:hiddenFill>
-            </a:ext>
-          </a:extLst>
-        </p:spPr>
-        <p:txBody>
-          <a:bodyPr vert="horz" wrap="square" lIns="91440" tIns="45720" rIns="91440" bIns="45720" numCol="1" anchor="t" anchorCtr="0" compatLnSpc="1">
-            <a:prstTxWarp prst="textNoShape">
-              <a:avLst/>
-            </a:prstTxWarp>
-          </a:bodyPr>
-          <a:lstStyle/>
-          <a:p>
-            <a:endParaRPr lang="nl-NL"/>
-          </a:p>
-        </p:txBody>
-      </p:sp>
-      <p:sp>
-        <p:nvSpPr>
-          <p:cNvPr id="6" name="AutoShape 4">
-            <a:extLst>
-              <a:ext uri="{FF2B5EF4-FFF2-40B4-BE49-F238E27FC236}">
-                <a16:creationId xmlns:a16="http://schemas.microsoft.com/office/drawing/2014/main" id="{E1144CBE-AB45-2A4F-5F39-6FD091552ACD}"/>
-              </a:ext>
-            </a:extLst>
-          </p:cNvPr>
-          <p:cNvSpPr>
-            <a:spLocks noChangeAspect="1" noChangeArrowheads="1"/>
-          </p:cNvSpPr>
-          <p:nvPr/>
-        </p:nvSpPr>
-        <p:spPr bwMode="auto">
-          <a:xfrm>
-            <a:off x="2701869" y="1729443"/>
-            <a:ext cx="1214203" cy="1214203"/>
-          </a:xfrm>
-          <a:prstGeom prst="rect">
-            <a:avLst/>
-          </a:prstGeom>
-          <a:noFill/>
-          <a:extLst>
-            <a:ext uri="{909E8E84-426E-40DD-AFC4-6F175D3DCCD1}">
-              <a14:hiddenFill xmlns:a14="http://schemas.microsoft.com/office/drawing/2010/main">
-                <a:solidFill>
-                  <a:srgbClr val="FFFFFF"/>
-                </a:solidFill>
-              </a14:hiddenFill>
-            </a:ext>
-          </a:extLst>
-        </p:spPr>
-        <p:txBody>
-          <a:bodyPr vert="horz" wrap="square" lIns="91440" tIns="45720" rIns="91440" bIns="45720" numCol="1" anchor="t" anchorCtr="0" compatLnSpc="1">
-            <a:prstTxWarp prst="textNoShape">
-              <a:avLst/>
-            </a:prstTxWarp>
-          </a:bodyPr>
-          <a:lstStyle/>
-          <a:p>
-            <a:endParaRPr lang="nl-NL"/>
-          </a:p>
-        </p:txBody>
-      </p:sp>
-      <p:sp>
-        <p:nvSpPr>
-          <p:cNvPr id="7" name="AutoShape 8" descr="Figuren">
-            <a:extLst>
-              <a:ext uri="{FF2B5EF4-FFF2-40B4-BE49-F238E27FC236}">
-                <a16:creationId xmlns:a16="http://schemas.microsoft.com/office/drawing/2014/main" id="{2373B61C-1B6C-8C5D-4819-7E428FB94701}"/>
-              </a:ext>
-            </a:extLst>
-          </p:cNvPr>
-          <p:cNvSpPr>
-            <a:spLocks noChangeAspect="1" noChangeArrowheads="1"/>
-          </p:cNvSpPr>
-          <p:nvPr/>
-        </p:nvSpPr>
-        <p:spPr bwMode="auto">
-          <a:xfrm>
-            <a:off x="6096000" y="3429000"/>
-            <a:ext cx="304800" cy="304800"/>
-          </a:xfrm>
-          <a:prstGeom prst="rect">
-            <a:avLst/>
-          </a:prstGeom>
-          <a:noFill/>
-          <a:extLst>
-            <a:ext uri="{909E8E84-426E-40DD-AFC4-6F175D3DCCD1}">
-              <a14:hiddenFill xmlns:a14="http://schemas.microsoft.com/office/drawing/2010/main">
-                <a:solidFill>
-                  <a:srgbClr val="FFFFFF"/>
-                </a:solidFill>
-              </a14:hiddenFill>
-            </a:ext>
-          </a:extLst>
-        </p:spPr>
-        <p:txBody>
-          <a:bodyPr vert="horz" wrap="square" lIns="91440" tIns="45720" rIns="91440" bIns="45720" numCol="1" anchor="t" anchorCtr="0" compatLnSpc="1">
-            <a:prstTxWarp prst="textNoShape">
-              <a:avLst/>
-            </a:prstTxWarp>
-          </a:bodyPr>
-          <a:lstStyle/>
-          <a:p>
-            <a:endParaRPr lang="nl-NL"/>
-          </a:p>
-        </p:txBody>
-      </p:sp>
-      <p:pic>
-        <p:nvPicPr>
-          <p:cNvPr id="9" name="Graphic 8">
-            <a:extLst>
-              <a:ext uri="{FF2B5EF4-FFF2-40B4-BE49-F238E27FC236}">
-                <a16:creationId xmlns:a16="http://schemas.microsoft.com/office/drawing/2014/main" id="{8D5E9900-D1CE-C992-BC31-58BEE4A9B264}"/>
-              </a:ext>
-            </a:extLst>
-          </p:cNvPr>
-          <p:cNvPicPr>
-            <a:picLocks noChangeAspect="1"/>
-          </p:cNvPicPr>
-          <p:nvPr/>
-        </p:nvPicPr>
-        <p:blipFill rotWithShape="1">
-          <a:blip r:embed="rId2">
-            <a:extLst>
-              <a:ext uri="{28A0092B-C50C-407E-A947-70E740481C1C}">
-                <a14:useLocalDpi xmlns:a14="http://schemas.microsoft.com/office/drawing/2010/main" val="0"/>
-              </a:ext>
-              <a:ext uri="{96DAC541-7B7A-43D3-8B79-37D633B846F1}">
-                <asvg:svgBlip xmlns:asvg="http://schemas.microsoft.com/office/drawing/2016/SVG/main" r:embed="rId3"/>
-              </a:ext>
-            </a:extLst>
-          </a:blip>
-          <a:srcRect l="30947" t="9447" r="48892" b="59292"/>
-          <a:stretch/>
-        </p:blipFill>
-        <p:spPr>
-          <a:xfrm>
-            <a:off x="3613062" y="1129369"/>
-            <a:ext cx="5778675" cy="4618302"/>
-          </a:xfrm>
-          <a:prstGeom prst="rect">
-            <a:avLst/>
-          </a:prstGeom>
-        </p:spPr>
-      </p:pic>
-    </p:spTree>
-    <p:extLst>
-      <p:ext uri="{BB962C8B-B14F-4D97-AF65-F5344CB8AC3E}">
-        <p14:creationId xmlns:p14="http://schemas.microsoft.com/office/powerpoint/2010/main" val="216591309"/>
-      </p:ext>
-    </p:extLst>
-  </p:cSld>
-  <p:clrMapOvr>
-    <a:masterClrMapping/>
-  </p:clrMapOvr>
-</p:sld>
-</file>
-
 <file path=ppt/slides/slide4.xml><?xml version="1.0" encoding="utf-8"?>
 <p:sld xmlns:a="http://schemas.openxmlformats.org/drawingml/2006/main" xmlns:r="http://schemas.openxmlformats.org/officeDocument/2006/relationships" xmlns:p="http://schemas.openxmlformats.org/presentationml/2006/main">
   <p:cSld>
@@ -7021,7 +10172,7 @@
             <a:pPr algn="ctr"/>
             <a:r>
               <a:rPr lang="nl-NL" sz="9000" b="1" dirty="0"/>
-              <a:t>Rechthoek</a:t>
+              <a:t>Cirkel</a:t>
             </a:r>
           </a:p>
         </p:txBody>
@@ -7029,7 +10180,7 @@
     </p:spTree>
     <p:extLst>
       <p:ext uri="{BB962C8B-B14F-4D97-AF65-F5344CB8AC3E}">
-        <p14:creationId xmlns:p14="http://schemas.microsoft.com/office/powerpoint/2010/main" val="1945396960"/>
+        <p14:creationId xmlns:p14="http://schemas.microsoft.com/office/powerpoint/2010/main" val="3623666556"/>
       </p:ext>
     </p:extLst>
   </p:cSld>
@@ -7086,49 +10237,8 @@
           <a:p>
             <a:r>
               <a:rPr lang="nl-NL" dirty="0"/>
-              <a:t>Rechthoek</a:t>
-            </a:r>
-          </a:p>
-        </p:txBody>
-      </p:sp>
-      <p:sp>
-        <p:nvSpPr>
-          <p:cNvPr id="3" name="Ondertitel 2">
-            <a:extLst>
-              <a:ext uri="{FF2B5EF4-FFF2-40B4-BE49-F238E27FC236}">
-                <a16:creationId xmlns:a16="http://schemas.microsoft.com/office/drawing/2014/main" id="{7988AA68-FB88-7C7C-5E47-2AE86A2EFD72}"/>
-              </a:ext>
-            </a:extLst>
-          </p:cNvPr>
-          <p:cNvSpPr>
-            <a:spLocks noGrp="1"/>
-          </p:cNvSpPr>
-          <p:nvPr>
-            <p:ph type="subTitle" idx="1"/>
-          </p:nvPr>
-        </p:nvSpPr>
-        <p:spPr>
-          <a:xfrm>
-            <a:off x="1524000" y="1347703"/>
-            <a:ext cx="9144000" cy="1655762"/>
-          </a:xfrm>
-        </p:spPr>
-        <p:txBody>
-          <a:bodyPr>
-            <a:normAutofit/>
-          </a:bodyPr>
-          <a:lstStyle/>
-          <a:p>
-            <a:endParaRPr lang="nl-NL" dirty="0"/>
-          </a:p>
-          <a:p>
-            <a:endParaRPr lang="nl-NL" dirty="0"/>
-          </a:p>
-          <a:p>
-            <a:endParaRPr lang="nl-NL" dirty="0"/>
-          </a:p>
-          <a:p>
-            <a:endParaRPr lang="nl-NL" dirty="0"/>
+              <a:t>Cirkel</a:t>
+            </a:r>
           </a:p>
         </p:txBody>
       </p:sp>
@@ -7149,7 +10259,7 @@
         <p:spPr>
           <a:xfrm>
             <a:off x="54243" y="1507852"/>
-            <a:ext cx="11677973" cy="1655762"/>
+            <a:ext cx="11677973" cy="3612788"/>
           </a:xfrm>
           <a:prstGeom prst="rect">
             <a:avLst/>
@@ -7326,7 +10436,7 @@
           <a:p>
             <a:r>
               <a:rPr lang="nl-NL" dirty="0"/>
-              <a:t>Een rechthoek is een </a:t>
+              <a:t>Een cirkel is een </a:t>
             </a:r>
             <a:r>
               <a:rPr lang="nl-NL" dirty="0">
@@ -7334,19 +10444,7 @@
                   <a:srgbClr val="7030A0"/>
                 </a:solidFill>
               </a:rPr>
-              <a:t>vierhoek</a:t>
-            </a:r>
-            <a:r>
-              <a:rPr lang="nl-NL" dirty="0"/>
-              <a:t> met vier </a:t>
-            </a:r>
-            <a:r>
-              <a:rPr lang="nl-NL" dirty="0">
-                <a:solidFill>
-                  <a:srgbClr val="7030A0"/>
-                </a:solidFill>
-              </a:rPr>
-              <a:t>rechte hoeken</a:t>
+              <a:t>vlak figuur</a:t>
             </a:r>
             <a:r>
               <a:rPr lang="nl-NL" dirty="0"/>
@@ -7356,7 +10454,7 @@
           <a:p>
             <a:r>
               <a:rPr lang="nl-NL" dirty="0"/>
-              <a:t>Twee </a:t>
+              <a:t>Elk </a:t>
             </a:r>
             <a:r>
               <a:rPr lang="nl-NL" dirty="0">
@@ -7364,15 +10462,60 @@
                   <a:srgbClr val="7030A0"/>
                 </a:solidFill>
               </a:rPr>
-              <a:t>zijden</a:t>
+              <a:t>punt</a:t>
             </a:r>
             <a:r>
               <a:rPr lang="nl-NL" dirty="0"/>
-              <a:t> die tegen over elkaar liggen zijn even lang.</a:t>
-            </a:r>
-          </a:p>
-          <a:p>
-            <a:endParaRPr lang="nl-NL" dirty="0"/>
+              <a:t> op de cirkel ligt even ver van het </a:t>
+            </a:r>
+            <a:r>
+              <a:rPr lang="nl-NL" dirty="0">
+                <a:solidFill>
+                  <a:srgbClr val="7030A0"/>
+                </a:solidFill>
+              </a:rPr>
+              <a:t>middelpunt</a:t>
+            </a:r>
+            <a:r>
+              <a:rPr lang="nl-NL" dirty="0"/>
+              <a:t> af.</a:t>
+            </a:r>
+          </a:p>
+          <a:p>
+            <a:r>
+              <a:rPr lang="nl-NL" dirty="0"/>
+              <a:t>De afstand van het middelpunt tot de cirkel noemen we de </a:t>
+            </a:r>
+            <a:r>
+              <a:rPr lang="nl-NL" dirty="0">
+                <a:solidFill>
+                  <a:srgbClr val="7030A0"/>
+                </a:solidFill>
+              </a:rPr>
+              <a:t>straal</a:t>
+            </a:r>
+            <a:r>
+              <a:rPr lang="nl-NL" dirty="0"/>
+              <a:t>.</a:t>
+            </a:r>
+          </a:p>
+          <a:p>
+            <a:r>
+              <a:rPr lang="nl-NL" dirty="0"/>
+              <a:t>De afstand van de cirkel naar de cirkel door het middelpunt heen noemen we de </a:t>
+            </a:r>
+            <a:r>
+              <a:rPr lang="nl-NL" dirty="0">
+                <a:solidFill>
+                  <a:srgbClr val="7030A0"/>
+                </a:solidFill>
+              </a:rPr>
+              <a:t>diameter</a:t>
+            </a:r>
+            <a:r>
+              <a:rPr lang="nl-NL" dirty="0"/>
+              <a:t>.</a:t>
+            </a:r>
           </a:p>
           <a:p>
             <a:endParaRPr lang="nl-NL" dirty="0"/>
@@ -7382,7 +10525,7 @@
     </p:spTree>
     <p:extLst>
       <p:ext uri="{BB962C8B-B14F-4D97-AF65-F5344CB8AC3E}">
-        <p14:creationId xmlns:p14="http://schemas.microsoft.com/office/powerpoint/2010/main" val="1327990262"/>
+        <p14:creationId xmlns:p14="http://schemas.microsoft.com/office/powerpoint/2010/main" val="440491970"/>
       </p:ext>
     </p:extLst>
   </p:cSld>
@@ -7439,53 +10582,8 @@
           <a:p>
             <a:r>
               <a:rPr lang="nl-NL" dirty="0"/>
-              <a:t>Voorbeeld Rechthoek</a:t>
-            </a:r>
-          </a:p>
-        </p:txBody>
-      </p:sp>
-      <p:sp>
-        <p:nvSpPr>
-          <p:cNvPr id="4" name="AutoShape 2">
-            <a:extLst>
-              <a:ext uri="{FF2B5EF4-FFF2-40B4-BE49-F238E27FC236}">
-                <a16:creationId xmlns:a16="http://schemas.microsoft.com/office/drawing/2014/main" id="{5811C3DC-6F08-6D19-0A68-031F7D209C73}"/>
-              </a:ext>
-            </a:extLst>
-          </p:cNvPr>
-          <p:cNvSpPr>
-            <a:spLocks noChangeAspect="1" noChangeArrowheads="1"/>
-          </p:cNvSpPr>
-          <p:nvPr/>
-        </p:nvSpPr>
-        <p:spPr bwMode="auto">
-          <a:xfrm>
-            <a:off x="5943600" y="3276600"/>
-            <a:ext cx="304800" cy="304800"/>
-          </a:xfrm>
-          <a:prstGeom prst="rect">
-            <a:avLst/>
-          </a:prstGeom>
-          <a:noFill/>
-          <a:extLst>
-            <a:ext uri="{909E8E84-426E-40DD-AFC4-6F175D3DCCD1}">
-              <a14:hiddenFill xmlns:a14="http://schemas.microsoft.com/office/drawing/2010/main">
-                <a:solidFill>
-                  <a:srgbClr val="FFFFFF"/>
-                </a:solidFill>
-              </a14:hiddenFill>
-            </a:ext>
-          </a:extLst>
-        </p:spPr>
-        <p:txBody>
-          <a:bodyPr vert="horz" wrap="square" lIns="91440" tIns="45720" rIns="91440" bIns="45720" numCol="1" anchor="t" anchorCtr="0" compatLnSpc="1">
-            <a:prstTxWarp prst="textNoShape">
-              <a:avLst/>
-            </a:prstTxWarp>
-          </a:bodyPr>
-          <a:lstStyle/>
-          <a:p>
-            <a:endParaRPr lang="nl-NL"/>
+              <a:t>Voorbeeld Cirkel</a:t>
+            </a:r>
           </a:p>
         </p:txBody>
       </p:sp>
@@ -7581,46 +10679,55 @@
       </p:sp>
       <p:pic>
         <p:nvPicPr>
-          <p:cNvPr id="9" name="Graphic 8">
-            <a:extLst>
-              <a:ext uri="{FF2B5EF4-FFF2-40B4-BE49-F238E27FC236}">
-                <a16:creationId xmlns:a16="http://schemas.microsoft.com/office/drawing/2014/main" id="{8D5E9900-D1CE-C992-BC31-58BEE4A9B264}"/>
+          <p:cNvPr id="3074" name="Picture 2" descr="Slimleren - Introductie van de cirkel - basis eigenschappen">
+            <a:extLst>
+              <a:ext uri="{FF2B5EF4-FFF2-40B4-BE49-F238E27FC236}">
+                <a16:creationId xmlns:a16="http://schemas.microsoft.com/office/drawing/2014/main" id="{3BE7ED8D-1BCA-8501-C76F-9401B87D02D9}"/>
               </a:ext>
             </a:extLst>
           </p:cNvPr>
           <p:cNvPicPr>
-            <a:picLocks noChangeAspect="1"/>
+            <a:picLocks noChangeAspect="1" noChangeArrowheads="1"/>
           </p:cNvPicPr>
           <p:nvPr/>
         </p:nvPicPr>
-        <p:blipFill rotWithShape="1">
+        <p:blipFill>
           <a:blip r:embed="rId2">
             <a:extLst>
               <a:ext uri="{28A0092B-C50C-407E-A947-70E740481C1C}">
                 <a14:useLocalDpi xmlns:a14="http://schemas.microsoft.com/office/drawing/2010/main" val="0"/>
               </a:ext>
-              <a:ext uri="{96DAC541-7B7A-43D3-8B79-37D633B846F1}">
-                <asvg:svgBlip xmlns:asvg="http://schemas.microsoft.com/office/drawing/2016/SVG/main" r:embed="rId3"/>
-              </a:ext>
             </a:extLst>
           </a:blip>
-          <a:srcRect l="52819" t="9561" r="27020" b="63614"/>
-          <a:stretch/>
+          <a:srcRect/>
+          <a:stretch>
+            <a:fillRect/>
+          </a:stretch>
         </p:blipFill>
-        <p:spPr>
+        <p:spPr bwMode="auto">
           <a:xfrm>
-            <a:off x="2788920" y="1437433"/>
-            <a:ext cx="7223760" cy="4953844"/>
+            <a:off x="2542286" y="1129369"/>
+            <a:ext cx="7107428" cy="5467252"/>
           </a:xfrm>
           <a:prstGeom prst="rect">
             <a:avLst/>
           </a:prstGeom>
+          <a:noFill/>
+          <a:extLst>
+            <a:ext uri="{909E8E84-426E-40DD-AFC4-6F175D3DCCD1}">
+              <a14:hiddenFill xmlns:a14="http://schemas.microsoft.com/office/drawing/2010/main">
+                <a:solidFill>
+                  <a:srgbClr val="FFFFFF"/>
+                </a:solidFill>
+              </a14:hiddenFill>
+            </a:ext>
+          </a:extLst>
         </p:spPr>
       </p:pic>
     </p:spTree>
     <p:extLst>
       <p:ext uri="{BB962C8B-B14F-4D97-AF65-F5344CB8AC3E}">
-        <p14:creationId xmlns:p14="http://schemas.microsoft.com/office/powerpoint/2010/main" val="3390484305"/>
+        <p14:creationId xmlns:p14="http://schemas.microsoft.com/office/powerpoint/2010/main" val="1258627646"/>
       </p:ext>
     </p:extLst>
   </p:cSld>
@@ -7725,7 +10832,7 @@
             <a:pPr algn="ctr"/>
             <a:r>
               <a:rPr lang="nl-NL" sz="9000" b="1" dirty="0"/>
-              <a:t>Zijvlakken</a:t>
+              <a:t>Cilinder</a:t>
             </a:r>
           </a:p>
         </p:txBody>
@@ -7733,7 +10840,7 @@
     </p:spTree>
     <p:extLst>
       <p:ext uri="{BB962C8B-B14F-4D97-AF65-F5344CB8AC3E}">
-        <p14:creationId xmlns:p14="http://schemas.microsoft.com/office/powerpoint/2010/main" val="3271415958"/>
+        <p14:creationId xmlns:p14="http://schemas.microsoft.com/office/powerpoint/2010/main" val="2221503898"/>
       </p:ext>
     </p:extLst>
   </p:cSld>
@@ -7790,49 +10897,8 @@
           <a:p>
             <a:r>
               <a:rPr lang="nl-NL" dirty="0"/>
-              <a:t>Zijvlakken</a:t>
-            </a:r>
-          </a:p>
-        </p:txBody>
-      </p:sp>
-      <p:sp>
-        <p:nvSpPr>
-          <p:cNvPr id="3" name="Ondertitel 2">
-            <a:extLst>
-              <a:ext uri="{FF2B5EF4-FFF2-40B4-BE49-F238E27FC236}">
-                <a16:creationId xmlns:a16="http://schemas.microsoft.com/office/drawing/2014/main" id="{7988AA68-FB88-7C7C-5E47-2AE86A2EFD72}"/>
-              </a:ext>
-            </a:extLst>
-          </p:cNvPr>
-          <p:cNvSpPr>
-            <a:spLocks noGrp="1"/>
-          </p:cNvSpPr>
-          <p:nvPr>
-            <p:ph type="subTitle" idx="1"/>
-          </p:nvPr>
-        </p:nvSpPr>
-        <p:spPr>
-          <a:xfrm>
-            <a:off x="1524000" y="1355452"/>
-            <a:ext cx="9144000" cy="1655762"/>
-          </a:xfrm>
-        </p:spPr>
-        <p:txBody>
-          <a:bodyPr>
-            <a:normAutofit/>
-          </a:bodyPr>
-          <a:lstStyle/>
-          <a:p>
-            <a:endParaRPr lang="nl-NL" dirty="0"/>
-          </a:p>
-          <a:p>
-            <a:endParaRPr lang="nl-NL" dirty="0"/>
-          </a:p>
-          <a:p>
-            <a:endParaRPr lang="nl-NL" dirty="0"/>
-          </a:p>
-          <a:p>
-            <a:endParaRPr lang="nl-NL" dirty="0"/>
+              <a:t>Cilinder</a:t>
+            </a:r>
           </a:p>
         </p:txBody>
       </p:sp>
@@ -8030,7 +11096,7 @@
           <a:p>
             <a:r>
               <a:rPr lang="nl-NL" dirty="0"/>
-              <a:t>Zijvlakken zijn de zijkanten van een </a:t>
+              <a:t>Een cilinder is een </a:t>
             </a:r>
             <a:r>
               <a:rPr lang="nl-NL" dirty="0">
@@ -8038,7 +11104,7 @@
                   <a:srgbClr val="7030A0"/>
                 </a:solidFill>
               </a:rPr>
-              <a:t>ruimtelijkfiguur</a:t>
+              <a:t>ruimtefiguur</a:t>
             </a:r>
             <a:r>
               <a:rPr lang="nl-NL" dirty="0"/>
@@ -8048,7 +11114,7 @@
           <a:p>
             <a:r>
               <a:rPr lang="nl-NL" dirty="0"/>
-              <a:t>Een zijvlak wordt ingesloten door </a:t>
+              <a:t>Een cilinder bestaat uit twee platte </a:t>
             </a:r>
             <a:r>
               <a:rPr lang="nl-NL" dirty="0">
@@ -8056,7 +11122,25 @@
                   <a:srgbClr val="7030A0"/>
                 </a:solidFill>
               </a:rPr>
-              <a:t>ribben</a:t>
+              <a:t>zijvlakken</a:t>
+            </a:r>
+            <a:r>
+              <a:rPr lang="nl-NL" dirty="0"/>
+              <a:t> en een gebogen zijvlak.</a:t>
+            </a:r>
+          </a:p>
+          <a:p>
+            <a:r>
+              <a:rPr lang="nl-NL" dirty="0"/>
+              <a:t>Een van deze twee platte zijvlakken noemen we het </a:t>
+            </a:r>
+            <a:r>
+              <a:rPr lang="nl-NL" dirty="0">
+                <a:solidFill>
+                  <a:srgbClr val="7030A0"/>
+                </a:solidFill>
+              </a:rPr>
+              <a:t>grondvlak</a:t>
             </a:r>
             <a:r>
               <a:rPr lang="nl-NL" dirty="0"/>
@@ -8066,40 +11150,20 @@
           <a:p>
             <a:r>
               <a:rPr lang="nl-NL" dirty="0"/>
-              <a:t>Een zijvlak krijgt zijn naam door alle hoekpunten tegen de klok in achter elkaar te zetten.</a:t>
-            </a:r>
-          </a:p>
-          <a:p>
+              <a:t>Dit grondvlak heeft de vorm van een </a:t>
+            </a:r>
+            <a:r>
+              <a:rPr lang="nl-NL" dirty="0">
+                <a:solidFill>
+                  <a:srgbClr val="7030A0"/>
+                </a:solidFill>
+              </a:rPr>
+              <a:t>cirkel</a:t>
+            </a:r>
             <a:r>
               <a:rPr lang="nl-NL" dirty="0"/>
-              <a:t>Interessante zijvlakken zijn het </a:t>
-            </a:r>
-            <a:r>
-              <a:rPr lang="nl-NL" dirty="0">
-                <a:solidFill>
-                  <a:srgbClr val="7030A0"/>
-                </a:solidFill>
-              </a:rPr>
-              <a:t>grondvlak</a:t>
-            </a:r>
-            <a:r>
-              <a:rPr lang="nl-NL" dirty="0"/>
-              <a:t> en het </a:t>
-            </a:r>
-            <a:r>
-              <a:rPr lang="nl-NL" dirty="0">
-                <a:solidFill>
-                  <a:srgbClr val="7030A0"/>
-                </a:solidFill>
-              </a:rPr>
-              <a:t>bovenvlak.</a:t>
-            </a:r>
-          </a:p>
-          <a:p>
-            <a:endParaRPr lang="nl-NL" dirty="0"/>
-          </a:p>
-          <a:p>
-            <a:endParaRPr lang="nl-NL" dirty="0"/>
+              <a:t>.</a:t>
+            </a:r>
           </a:p>
           <a:p>
             <a:endParaRPr lang="nl-NL" dirty="0"/>
@@ -8109,7 +11173,7 @@
     </p:spTree>
     <p:extLst>
       <p:ext uri="{BB962C8B-B14F-4D97-AF65-F5344CB8AC3E}">
-        <p14:creationId xmlns:p14="http://schemas.microsoft.com/office/powerpoint/2010/main" val="2865998909"/>
+        <p14:creationId xmlns:p14="http://schemas.microsoft.com/office/powerpoint/2010/main" val="2868723537"/>
       </p:ext>
     </p:extLst>
   </p:cSld>
@@ -8165,42 +11229,30 @@
           <a:lstStyle/>
           <a:p>
             <a:r>
-              <a:rPr lang="nl-NL"/>
-              <a:t>Voorbeeld Zijvlakken</a:t>
-            </a:r>
-            <a:endParaRPr lang="nl-NL" dirty="0"/>
-          </a:p>
-        </p:txBody>
-      </p:sp>
-      <p:pic>
-        <p:nvPicPr>
-          <p:cNvPr id="5" name="Picture 2" descr="Ruimtelijke figuren">
-            <a:extLst>
-              <a:ext uri="{FF2B5EF4-FFF2-40B4-BE49-F238E27FC236}">
-                <a16:creationId xmlns:a16="http://schemas.microsoft.com/office/drawing/2014/main" id="{C9E4E225-5344-F548-2C2F-CC23109AB149}"/>
-              </a:ext>
-            </a:extLst>
-          </p:cNvPr>
-          <p:cNvPicPr>
-            <a:picLocks noChangeAspect="1" noChangeArrowheads="1"/>
-          </p:cNvPicPr>
+              <a:rPr lang="nl-NL" dirty="0"/>
+              <a:t>Voorbeeld Cilinder</a:t>
+            </a:r>
+          </a:p>
+        </p:txBody>
+      </p:sp>
+      <p:sp>
+        <p:nvSpPr>
+          <p:cNvPr id="6" name="AutoShape 4">
+            <a:extLst>
+              <a:ext uri="{FF2B5EF4-FFF2-40B4-BE49-F238E27FC236}">
+                <a16:creationId xmlns:a16="http://schemas.microsoft.com/office/drawing/2014/main" id="{E1144CBE-AB45-2A4F-5F39-6FD091552ACD}"/>
+              </a:ext>
+            </a:extLst>
+          </p:cNvPr>
+          <p:cNvSpPr>
+            <a:spLocks noChangeAspect="1" noChangeArrowheads="1"/>
+          </p:cNvSpPr>
           <p:nvPr/>
-        </p:nvPicPr>
-        <p:blipFill rotWithShape="1">
-          <a:blip r:embed="rId2">
-            <a:extLst>
-              <a:ext uri="{28A0092B-C50C-407E-A947-70E740481C1C}">
-                <a14:useLocalDpi xmlns:a14="http://schemas.microsoft.com/office/drawing/2010/main" val="0"/>
-              </a:ext>
-            </a:extLst>
-          </a:blip>
-          <a:srcRect b="12167"/>
-          <a:stretch/>
-        </p:blipFill>
+        </p:nvSpPr>
         <p:spPr bwMode="auto">
           <a:xfrm>
-            <a:off x="3221648" y="1209184"/>
-            <a:ext cx="5748704" cy="5049232"/>
+            <a:off x="2701869" y="1729443"/>
+            <a:ext cx="1214203" cy="1214203"/>
           </a:xfrm>
           <a:prstGeom prst="rect">
             <a:avLst/>
@@ -8216,106 +11268,161 @@
             </a:ext>
           </a:extLst>
         </p:spPr>
+        <p:txBody>
+          <a:bodyPr vert="horz" wrap="square" lIns="91440" tIns="45720" rIns="91440" bIns="45720" numCol="1" anchor="t" anchorCtr="0" compatLnSpc="1">
+            <a:prstTxWarp prst="textNoShape">
+              <a:avLst/>
+            </a:prstTxWarp>
+          </a:bodyPr>
+          <a:lstStyle/>
+          <a:p>
+            <a:endParaRPr lang="nl-NL"/>
+          </a:p>
+        </p:txBody>
+      </p:sp>
+      <p:sp>
+        <p:nvSpPr>
+          <p:cNvPr id="7" name="AutoShape 8" descr="Figuren">
+            <a:extLst>
+              <a:ext uri="{FF2B5EF4-FFF2-40B4-BE49-F238E27FC236}">
+                <a16:creationId xmlns:a16="http://schemas.microsoft.com/office/drawing/2014/main" id="{2373B61C-1B6C-8C5D-4819-7E428FB94701}"/>
+              </a:ext>
+            </a:extLst>
+          </p:cNvPr>
+          <p:cNvSpPr>
+            <a:spLocks noChangeAspect="1" noChangeArrowheads="1"/>
+          </p:cNvSpPr>
+          <p:nvPr/>
+        </p:nvSpPr>
+        <p:spPr bwMode="auto">
+          <a:xfrm>
+            <a:off x="6096000" y="3429000"/>
+            <a:ext cx="304800" cy="304800"/>
+          </a:xfrm>
+          <a:prstGeom prst="rect">
+            <a:avLst/>
+          </a:prstGeom>
+          <a:noFill/>
+          <a:extLst>
+            <a:ext uri="{909E8E84-426E-40DD-AFC4-6F175D3DCCD1}">
+              <a14:hiddenFill xmlns:a14="http://schemas.microsoft.com/office/drawing/2010/main">
+                <a:solidFill>
+                  <a:srgbClr val="FFFFFF"/>
+                </a:solidFill>
+              </a14:hiddenFill>
+            </a:ext>
+          </a:extLst>
+        </p:spPr>
+        <p:txBody>
+          <a:bodyPr vert="horz" wrap="square" lIns="91440" tIns="45720" rIns="91440" bIns="45720" numCol="1" anchor="t" anchorCtr="0" compatLnSpc="1">
+            <a:prstTxWarp prst="textNoShape">
+              <a:avLst/>
+            </a:prstTxWarp>
+          </a:bodyPr>
+          <a:lstStyle/>
+          <a:p>
+            <a:endParaRPr lang="nl-NL"/>
+          </a:p>
+        </p:txBody>
+      </p:sp>
+      <p:pic>
+        <p:nvPicPr>
+          <p:cNvPr id="2050" name="Picture 2" descr="Cilinder (meetkunde) - Wikipedia">
+            <a:extLst>
+              <a:ext uri="{FF2B5EF4-FFF2-40B4-BE49-F238E27FC236}">
+                <a16:creationId xmlns:a16="http://schemas.microsoft.com/office/drawing/2014/main" id="{ADE94B34-EC66-666C-33C5-E2B4ADDF771C}"/>
+              </a:ext>
+            </a:extLst>
+          </p:cNvPr>
+          <p:cNvPicPr>
+            <a:picLocks noChangeAspect="1" noChangeArrowheads="1"/>
+          </p:cNvPicPr>
+          <p:nvPr/>
+        </p:nvPicPr>
+        <p:blipFill>
+          <a:blip r:embed="rId2">
+            <a:extLst>
+              <a:ext uri="{28A0092B-C50C-407E-A947-70E740481C1C}">
+                <a14:useLocalDpi xmlns:a14="http://schemas.microsoft.com/office/drawing/2010/main" val="0"/>
+              </a:ext>
+            </a:extLst>
+          </a:blip>
+          <a:srcRect/>
+          <a:stretch>
+            <a:fillRect/>
+          </a:stretch>
+        </p:blipFill>
+        <p:spPr bwMode="auto">
+          <a:xfrm>
+            <a:off x="1005840" y="1393729"/>
+            <a:ext cx="2631440" cy="5148470"/>
+          </a:xfrm>
+          <a:prstGeom prst="rect">
+            <a:avLst/>
+          </a:prstGeom>
+          <a:noFill/>
+          <a:extLst>
+            <a:ext uri="{909E8E84-426E-40DD-AFC4-6F175D3DCCD1}">
+              <a14:hiddenFill xmlns:a14="http://schemas.microsoft.com/office/drawing/2010/main">
+                <a:solidFill>
+                  <a:srgbClr val="FFFFFF"/>
+                </a:solidFill>
+              </a14:hiddenFill>
+            </a:ext>
+          </a:extLst>
+        </p:spPr>
       </p:pic>
-      <mc:AlternateContent xmlns:mc="http://schemas.openxmlformats.org/markup-compatibility/2006">
-        <mc:Choice xmlns:a14="http://schemas.microsoft.com/office/drawing/2010/main" Requires="a14">
-          <p:sp>
-            <p:nvSpPr>
-              <p:cNvPr id="3" name="Tekstvak 2">
-                <a:extLst>
-                  <a:ext uri="{FF2B5EF4-FFF2-40B4-BE49-F238E27FC236}">
-                    <a16:creationId xmlns:a16="http://schemas.microsoft.com/office/drawing/2014/main" id="{4534D47B-6013-C669-F6E2-00697ECB1ED2}"/>
-                  </a:ext>
-                </a:extLst>
-              </p:cNvPr>
-              <p:cNvSpPr txBox="1"/>
-              <p:nvPr/>
-            </p:nvSpPr>
-            <p:spPr>
-              <a:xfrm>
-                <a:off x="1345769" y="3293389"/>
-                <a:ext cx="1352486" cy="584775"/>
-              </a:xfrm>
-              <a:prstGeom prst="rect">
-                <a:avLst/>
-              </a:prstGeom>
-              <a:noFill/>
-            </p:spPr>
-            <p:txBody>
-              <a:bodyPr wrap="none" rtlCol="0">
-                <a:spAutoFit/>
-              </a:bodyPr>
-              <a:lstStyle/>
-              <a:p>
-                <a14:m>
-                  <m:oMathPara xmlns:m="http://schemas.openxmlformats.org/officeDocument/2006/math">
-                    <m:oMathParaPr>
-                      <m:jc m:val="centerGroup"/>
-                    </m:oMathParaPr>
-                    <m:oMath xmlns:m="http://schemas.openxmlformats.org/officeDocument/2006/math">
-                      <m:r>
-                        <a:rPr lang="nl-NL" sz="3200" i="1" dirty="0" smtClean="0">
-                          <a:latin typeface="Cambria Math" panose="02040503050406030204" pitchFamily="18" charset="0"/>
-                        </a:rPr>
-                        <m:t>𝐸𝐹𝐺𝐻</m:t>
-                      </m:r>
-                    </m:oMath>
-                  </m:oMathPara>
-                </a14:m>
-                <a:endParaRPr lang="nl-NL" sz="3200" dirty="0"/>
-              </a:p>
-            </p:txBody>
-          </p:sp>
-        </mc:Choice>
-        <mc:Fallback>
-          <p:sp>
-            <p:nvSpPr>
-              <p:cNvPr id="3" name="Tekstvak 2">
-                <a:extLst>
-                  <a:ext uri="{FF2B5EF4-FFF2-40B4-BE49-F238E27FC236}">
-                    <a16:creationId xmlns:a16="http://schemas.microsoft.com/office/drawing/2014/main" id="{4534D47B-6013-C669-F6E2-00697ECB1ED2}"/>
-                  </a:ext>
-                </a:extLst>
-              </p:cNvPr>
-              <p:cNvSpPr txBox="1">
-                <a:spLocks noRot="1" noChangeAspect="1" noMove="1" noResize="1" noEditPoints="1" noAdjustHandles="1" noChangeArrowheads="1" noChangeShapeType="1" noTextEdit="1"/>
-              </p:cNvSpPr>
-              <p:nvPr/>
-            </p:nvSpPr>
-            <p:spPr>
-              <a:xfrm>
-                <a:off x="1345769" y="3293389"/>
-                <a:ext cx="1352486" cy="584775"/>
-              </a:xfrm>
-              <a:prstGeom prst="rect">
-                <a:avLst/>
-              </a:prstGeom>
-              <a:blipFill>
-                <a:blip r:embed="rId3"/>
-                <a:stretch>
-                  <a:fillRect/>
-                </a:stretch>
-              </a:blipFill>
-            </p:spPr>
-            <p:txBody>
-              <a:bodyPr/>
-              <a:lstStyle/>
-              <a:p>
-                <a:r>
-                  <a:rPr lang="nl-NL">
-                    <a:noFill/>
-                  </a:rPr>
-                  <a:t> </a:t>
-                </a:r>
-              </a:p>
-            </p:txBody>
-          </p:sp>
-        </mc:Fallback>
-      </mc:AlternateContent>
+      <p:pic>
+        <p:nvPicPr>
+          <p:cNvPr id="2052" name="Picture 4" descr="Supermarkt scanner - Blik soep Aanbiedingen en actuele prijzen vergelijken">
+            <a:extLst>
+              <a:ext uri="{FF2B5EF4-FFF2-40B4-BE49-F238E27FC236}">
+                <a16:creationId xmlns:a16="http://schemas.microsoft.com/office/drawing/2014/main" id="{959741E9-3479-A48A-60C4-1916A2EE67ED}"/>
+              </a:ext>
+            </a:extLst>
+          </p:cNvPr>
+          <p:cNvPicPr>
+            <a:picLocks noChangeAspect="1" noChangeArrowheads="1"/>
+          </p:cNvPicPr>
+          <p:nvPr/>
+        </p:nvPicPr>
+        <p:blipFill>
+          <a:blip r:embed="rId3">
+            <a:extLst>
+              <a:ext uri="{28A0092B-C50C-407E-A947-70E740481C1C}">
+                <a14:useLocalDpi xmlns:a14="http://schemas.microsoft.com/office/drawing/2010/main" val="0"/>
+              </a:ext>
+            </a:extLst>
+          </a:blip>
+          <a:srcRect/>
+          <a:stretch>
+            <a:fillRect/>
+          </a:stretch>
+        </p:blipFill>
+        <p:spPr bwMode="auto">
+          <a:xfrm>
+            <a:off x="4994792" y="1503528"/>
+            <a:ext cx="6562276" cy="4928871"/>
+          </a:xfrm>
+          <a:prstGeom prst="rect">
+            <a:avLst/>
+          </a:prstGeom>
+          <a:noFill/>
+          <a:extLst>
+            <a:ext uri="{909E8E84-426E-40DD-AFC4-6F175D3DCCD1}">
+              <a14:hiddenFill xmlns:a14="http://schemas.microsoft.com/office/drawing/2010/main">
+                <a:solidFill>
+                  <a:srgbClr val="FFFFFF"/>
+                </a:solidFill>
+              </a14:hiddenFill>
+            </a:ext>
+          </a:extLst>
+        </p:spPr>
+      </p:pic>
     </p:spTree>
     <p:extLst>
       <p:ext uri="{BB962C8B-B14F-4D97-AF65-F5344CB8AC3E}">
-        <p14:creationId xmlns:p14="http://schemas.microsoft.com/office/powerpoint/2010/main" val="193715767"/>
+        <p14:creationId xmlns:p14="http://schemas.microsoft.com/office/powerpoint/2010/main" val="748966439"/>
       </p:ext>
     </p:extLst>
   </p:cSld>

--- a/meetkunde/AAAAMeetkunde.pptx
+++ b/meetkunde/AAAAMeetkunde.pptx
@@ -5,69 +5,93 @@
     <p:sldMasterId id="2147483648" r:id="rId1"/>
   </p:sldMasterIdLst>
   <p:sldIdLst>
-    <p:sldId id="317" r:id="rId2"/>
-    <p:sldId id="318" r:id="rId3"/>
-    <p:sldId id="319" r:id="rId4"/>
-    <p:sldId id="314" r:id="rId5"/>
-    <p:sldId id="315" r:id="rId6"/>
-    <p:sldId id="316" r:id="rId7"/>
-    <p:sldId id="311" r:id="rId8"/>
-    <p:sldId id="312" r:id="rId9"/>
-    <p:sldId id="313" r:id="rId10"/>
-    <p:sldId id="308" r:id="rId11"/>
-    <p:sldId id="309" r:id="rId12"/>
-    <p:sldId id="310" r:id="rId13"/>
-    <p:sldId id="305" r:id="rId14"/>
-    <p:sldId id="306" r:id="rId15"/>
-    <p:sldId id="307" r:id="rId16"/>
-    <p:sldId id="302" r:id="rId17"/>
-    <p:sldId id="303" r:id="rId18"/>
-    <p:sldId id="304" r:id="rId19"/>
-    <p:sldId id="299" r:id="rId20"/>
-    <p:sldId id="300" r:id="rId21"/>
-    <p:sldId id="301" r:id="rId22"/>
-    <p:sldId id="296" r:id="rId23"/>
-    <p:sldId id="297" r:id="rId24"/>
-    <p:sldId id="298" r:id="rId25"/>
-    <p:sldId id="293" r:id="rId26"/>
-    <p:sldId id="294" r:id="rId27"/>
-    <p:sldId id="295" r:id="rId28"/>
-    <p:sldId id="290" r:id="rId29"/>
-    <p:sldId id="291" r:id="rId30"/>
-    <p:sldId id="292" r:id="rId31"/>
-    <p:sldId id="287" r:id="rId32"/>
-    <p:sldId id="288" r:id="rId33"/>
-    <p:sldId id="289" r:id="rId34"/>
-    <p:sldId id="284" r:id="rId35"/>
-    <p:sldId id="285" r:id="rId36"/>
-    <p:sldId id="286" r:id="rId37"/>
-    <p:sldId id="281" r:id="rId38"/>
-    <p:sldId id="282" r:id="rId39"/>
-    <p:sldId id="283" r:id="rId40"/>
-    <p:sldId id="278" r:id="rId41"/>
-    <p:sldId id="279" r:id="rId42"/>
-    <p:sldId id="280" r:id="rId43"/>
-    <p:sldId id="275" r:id="rId44"/>
-    <p:sldId id="276" r:id="rId45"/>
-    <p:sldId id="277" r:id="rId46"/>
-    <p:sldId id="272" r:id="rId47"/>
-    <p:sldId id="273" r:id="rId48"/>
-    <p:sldId id="274" r:id="rId49"/>
-    <p:sldId id="269" r:id="rId50"/>
-    <p:sldId id="270" r:id="rId51"/>
-    <p:sldId id="271" r:id="rId52"/>
-    <p:sldId id="259" r:id="rId53"/>
-    <p:sldId id="256" r:id="rId54"/>
-    <p:sldId id="258" r:id="rId55"/>
-    <p:sldId id="260" r:id="rId56"/>
-    <p:sldId id="261" r:id="rId57"/>
-    <p:sldId id="262" r:id="rId58"/>
-    <p:sldId id="263" r:id="rId59"/>
-    <p:sldId id="264" r:id="rId60"/>
-    <p:sldId id="265" r:id="rId61"/>
-    <p:sldId id="266" r:id="rId62"/>
-    <p:sldId id="267" r:id="rId63"/>
-    <p:sldId id="268" r:id="rId64"/>
+    <p:sldId id="341" r:id="rId2"/>
+    <p:sldId id="342" r:id="rId3"/>
+    <p:sldId id="343" r:id="rId4"/>
+    <p:sldId id="338" r:id="rId5"/>
+    <p:sldId id="339" r:id="rId6"/>
+    <p:sldId id="340" r:id="rId7"/>
+    <p:sldId id="335" r:id="rId8"/>
+    <p:sldId id="336" r:id="rId9"/>
+    <p:sldId id="337" r:id="rId10"/>
+    <p:sldId id="332" r:id="rId11"/>
+    <p:sldId id="333" r:id="rId12"/>
+    <p:sldId id="334" r:id="rId13"/>
+    <p:sldId id="329" r:id="rId14"/>
+    <p:sldId id="330" r:id="rId15"/>
+    <p:sldId id="331" r:id="rId16"/>
+    <p:sldId id="326" r:id="rId17"/>
+    <p:sldId id="327" r:id="rId18"/>
+    <p:sldId id="328" r:id="rId19"/>
+    <p:sldId id="323" r:id="rId20"/>
+    <p:sldId id="324" r:id="rId21"/>
+    <p:sldId id="325" r:id="rId22"/>
+    <p:sldId id="320" r:id="rId23"/>
+    <p:sldId id="321" r:id="rId24"/>
+    <p:sldId id="322" r:id="rId25"/>
+    <p:sldId id="317" r:id="rId26"/>
+    <p:sldId id="318" r:id="rId27"/>
+    <p:sldId id="319" r:id="rId28"/>
+    <p:sldId id="314" r:id="rId29"/>
+    <p:sldId id="315" r:id="rId30"/>
+    <p:sldId id="316" r:id="rId31"/>
+    <p:sldId id="311" r:id="rId32"/>
+    <p:sldId id="312" r:id="rId33"/>
+    <p:sldId id="313" r:id="rId34"/>
+    <p:sldId id="308" r:id="rId35"/>
+    <p:sldId id="309" r:id="rId36"/>
+    <p:sldId id="310" r:id="rId37"/>
+    <p:sldId id="305" r:id="rId38"/>
+    <p:sldId id="306" r:id="rId39"/>
+    <p:sldId id="307" r:id="rId40"/>
+    <p:sldId id="302" r:id="rId41"/>
+    <p:sldId id="303" r:id="rId42"/>
+    <p:sldId id="304" r:id="rId43"/>
+    <p:sldId id="299" r:id="rId44"/>
+    <p:sldId id="300" r:id="rId45"/>
+    <p:sldId id="301" r:id="rId46"/>
+    <p:sldId id="296" r:id="rId47"/>
+    <p:sldId id="297" r:id="rId48"/>
+    <p:sldId id="298" r:id="rId49"/>
+    <p:sldId id="293" r:id="rId50"/>
+    <p:sldId id="294" r:id="rId51"/>
+    <p:sldId id="295" r:id="rId52"/>
+    <p:sldId id="290" r:id="rId53"/>
+    <p:sldId id="291" r:id="rId54"/>
+    <p:sldId id="292" r:id="rId55"/>
+    <p:sldId id="287" r:id="rId56"/>
+    <p:sldId id="288" r:id="rId57"/>
+    <p:sldId id="289" r:id="rId58"/>
+    <p:sldId id="284" r:id="rId59"/>
+    <p:sldId id="285" r:id="rId60"/>
+    <p:sldId id="286" r:id="rId61"/>
+    <p:sldId id="281" r:id="rId62"/>
+    <p:sldId id="282" r:id="rId63"/>
+    <p:sldId id="283" r:id="rId64"/>
+    <p:sldId id="278" r:id="rId65"/>
+    <p:sldId id="279" r:id="rId66"/>
+    <p:sldId id="280" r:id="rId67"/>
+    <p:sldId id="275" r:id="rId68"/>
+    <p:sldId id="276" r:id="rId69"/>
+    <p:sldId id="277" r:id="rId70"/>
+    <p:sldId id="272" r:id="rId71"/>
+    <p:sldId id="273" r:id="rId72"/>
+    <p:sldId id="274" r:id="rId73"/>
+    <p:sldId id="269" r:id="rId74"/>
+    <p:sldId id="270" r:id="rId75"/>
+    <p:sldId id="271" r:id="rId76"/>
+    <p:sldId id="259" r:id="rId77"/>
+    <p:sldId id="256" r:id="rId78"/>
+    <p:sldId id="258" r:id="rId79"/>
+    <p:sldId id="260" r:id="rId80"/>
+    <p:sldId id="261" r:id="rId81"/>
+    <p:sldId id="262" r:id="rId82"/>
+    <p:sldId id="263" r:id="rId83"/>
+    <p:sldId id="264" r:id="rId84"/>
+    <p:sldId id="265" r:id="rId85"/>
+    <p:sldId id="266" r:id="rId86"/>
+    <p:sldId id="267" r:id="rId87"/>
+    <p:sldId id="268" r:id="rId88"/>
   </p:sldIdLst>
   <p:sldSz cx="12192000" cy="6858000"/>
   <p:notesSz cx="6858000" cy="9144000"/>
@@ -177,7 +201,7 @@
 <file path=ppt/revisionInfo.xml><?xml version="1.0" encoding="utf-8"?>
 <p1510:revInfo xmlns:a="http://schemas.openxmlformats.org/drawingml/2006/main" xmlns:r="http://schemas.openxmlformats.org/officeDocument/2006/relationships" xmlns:p1510="http://schemas.microsoft.com/office/powerpoint/2015/10/main">
   <p1510:revLst>
-    <p1510:client id="{9B620784-A96A-4A09-81E0-6311C54AB5CE}" v="376" dt="2023-10-23T18:22:39.220"/>
+    <p1510:client id="{9B620784-A96A-4A09-81E0-6311C54AB5CE}" v="602" dt="2023-10-25T13:34:19.182"/>
   </p1510:revLst>
 </p1510:revInfo>
 </file>
@@ -186,8 +210,8 @@
 <pc:chgInfo xmlns:a="http://schemas.openxmlformats.org/drawingml/2006/main" xmlns:r="http://schemas.openxmlformats.org/officeDocument/2006/relationships" xmlns:ac="http://schemas.microsoft.com/office/drawing/2013/main/command" xmlns:pc="http://schemas.microsoft.com/office/powerpoint/2013/main/command">
   <pc:docChgLst>
     <pc:chgData name="Hein van Wanrooij" userId="ebcdd4c57331f9b2" providerId="LiveId" clId="{9B620784-A96A-4A09-81E0-6311C54AB5CE}"/>
-    <pc:docChg chg="undo custSel addSld delSld modSld sldOrd">
-      <pc:chgData name="Hein van Wanrooij" userId="ebcdd4c57331f9b2" providerId="LiveId" clId="{9B620784-A96A-4A09-81E0-6311C54AB5CE}" dt="2023-10-23T18:22:39.220" v="9196" actId="1076"/>
+    <pc:docChg chg="undo redo custSel addSld delSld modSld sldOrd">
+      <pc:chgData name="Hein van Wanrooij" userId="ebcdd4c57331f9b2" providerId="LiveId" clId="{9B620784-A96A-4A09-81E0-6311C54AB5CE}" dt="2023-10-25T13:39:01.983" v="12153" actId="207"/>
       <pc:docMkLst>
         <pc:docMk/>
       </pc:docMkLst>
@@ -2097,6 +2121,662 @@
             <pc:docMk/>
             <pc:sldMk cId="1919354773" sldId="319"/>
             <ac:picMk id="10246" creationId="{39962FC7-95C6-9308-3F7C-F155BC5A22B0}"/>
+          </ac:picMkLst>
+        </pc:picChg>
+      </pc:sldChg>
+      <pc:sldChg chg="modSp add mod">
+        <pc:chgData name="Hein van Wanrooij" userId="ebcdd4c57331f9b2" providerId="LiveId" clId="{9B620784-A96A-4A09-81E0-6311C54AB5CE}" dt="2023-10-25T12:11:09.460" v="9210" actId="20577"/>
+        <pc:sldMkLst>
+          <pc:docMk/>
+          <pc:sldMk cId="3540332050" sldId="320"/>
+        </pc:sldMkLst>
+        <pc:spChg chg="mod">
+          <ac:chgData name="Hein van Wanrooij" userId="ebcdd4c57331f9b2" providerId="LiveId" clId="{9B620784-A96A-4A09-81E0-6311C54AB5CE}" dt="2023-10-25T12:11:09.460" v="9210" actId="20577"/>
+          <ac:spMkLst>
+            <pc:docMk/>
+            <pc:sldMk cId="3540332050" sldId="320"/>
+            <ac:spMk id="4" creationId="{61ED484A-E87E-7D07-D06C-3D405D336CC2}"/>
+          </ac:spMkLst>
+        </pc:spChg>
+      </pc:sldChg>
+      <pc:sldChg chg="modSp add mod">
+        <pc:chgData name="Hein van Wanrooij" userId="ebcdd4c57331f9b2" providerId="LiveId" clId="{9B620784-A96A-4A09-81E0-6311C54AB5CE}" dt="2023-10-25T12:15:43.947" v="9461" actId="207"/>
+        <pc:sldMkLst>
+          <pc:docMk/>
+          <pc:sldMk cId="1224063324" sldId="321"/>
+        </pc:sldMkLst>
+        <pc:spChg chg="mod">
+          <ac:chgData name="Hein van Wanrooij" userId="ebcdd4c57331f9b2" providerId="LiveId" clId="{9B620784-A96A-4A09-81E0-6311C54AB5CE}" dt="2023-10-25T12:11:17.809" v="9227" actId="20577"/>
+          <ac:spMkLst>
+            <pc:docMk/>
+            <pc:sldMk cId="1224063324" sldId="321"/>
+            <ac:spMk id="2" creationId="{C2F5861A-BCDE-D2A4-C355-05C8119ED351}"/>
+          </ac:spMkLst>
+        </pc:spChg>
+        <pc:spChg chg="mod">
+          <ac:chgData name="Hein van Wanrooij" userId="ebcdd4c57331f9b2" providerId="LiveId" clId="{9B620784-A96A-4A09-81E0-6311C54AB5CE}" dt="2023-10-25T12:15:43.947" v="9461" actId="207"/>
+          <ac:spMkLst>
+            <pc:docMk/>
+            <pc:sldMk cId="1224063324" sldId="321"/>
+            <ac:spMk id="3" creationId="{7988AA68-FB88-7C7C-5E47-2AE86A2EFD72}"/>
+          </ac:spMkLst>
+        </pc:spChg>
+      </pc:sldChg>
+      <pc:sldChg chg="addSp delSp modSp add mod setBg addAnim delAnim">
+        <pc:chgData name="Hein van Wanrooij" userId="ebcdd4c57331f9b2" providerId="LiveId" clId="{9B620784-A96A-4A09-81E0-6311C54AB5CE}" dt="2023-10-25T12:13:10.151" v="9282" actId="1076"/>
+        <pc:sldMkLst>
+          <pc:docMk/>
+          <pc:sldMk cId="2039793275" sldId="322"/>
+        </pc:sldMkLst>
+        <pc:spChg chg="mod">
+          <ac:chgData name="Hein van Wanrooij" userId="ebcdd4c57331f9b2" providerId="LiveId" clId="{9B620784-A96A-4A09-81E0-6311C54AB5CE}" dt="2023-10-25T12:12:59.741" v="9277" actId="26606"/>
+          <ac:spMkLst>
+            <pc:docMk/>
+            <pc:sldMk cId="2039793275" sldId="322"/>
+            <ac:spMk id="2" creationId="{C2F5861A-BCDE-D2A4-C355-05C8119ED351}"/>
+          </ac:spMkLst>
+        </pc:spChg>
+        <pc:spChg chg="add del">
+          <ac:chgData name="Hein van Wanrooij" userId="ebcdd4c57331f9b2" providerId="LiveId" clId="{9B620784-A96A-4A09-81E0-6311C54AB5CE}" dt="2023-10-25T12:12:59.741" v="9277" actId="26606"/>
+          <ac:spMkLst>
+            <pc:docMk/>
+            <pc:sldMk cId="2039793275" sldId="322"/>
+            <ac:spMk id="1037" creationId="{022BDE4A-8A20-4A69-9C5A-581C82036A4D}"/>
+          </ac:spMkLst>
+        </pc:spChg>
+        <pc:picChg chg="add mod ord">
+          <ac:chgData name="Hein van Wanrooij" userId="ebcdd4c57331f9b2" providerId="LiveId" clId="{9B620784-A96A-4A09-81E0-6311C54AB5CE}" dt="2023-10-25T12:13:10.151" v="9282" actId="1076"/>
+          <ac:picMkLst>
+            <pc:docMk/>
+            <pc:sldMk cId="2039793275" sldId="322"/>
+            <ac:picMk id="1026" creationId="{C1BC1207-1351-659A-67A6-D6D15DAC4DE1}"/>
+          </ac:picMkLst>
+        </pc:picChg>
+        <pc:picChg chg="add del mod">
+          <ac:chgData name="Hein van Wanrooij" userId="ebcdd4c57331f9b2" providerId="LiveId" clId="{9B620784-A96A-4A09-81E0-6311C54AB5CE}" dt="2023-10-25T12:12:12.763" v="9252" actId="478"/>
+          <ac:picMkLst>
+            <pc:docMk/>
+            <pc:sldMk cId="2039793275" sldId="322"/>
+            <ac:picMk id="1028" creationId="{5FDA1B10-70DD-3076-95E6-9679BBE0AF0D}"/>
+          </ac:picMkLst>
+        </pc:picChg>
+        <pc:picChg chg="add del mod">
+          <ac:chgData name="Hein van Wanrooij" userId="ebcdd4c57331f9b2" providerId="LiveId" clId="{9B620784-A96A-4A09-81E0-6311C54AB5CE}" dt="2023-10-25T12:12:18.691" v="9256" actId="478"/>
+          <ac:picMkLst>
+            <pc:docMk/>
+            <pc:sldMk cId="2039793275" sldId="322"/>
+            <ac:picMk id="1030" creationId="{391E1346-0016-195A-6B4E-089D10F936CF}"/>
+          </ac:picMkLst>
+        </pc:picChg>
+        <pc:picChg chg="add mod">
+          <ac:chgData name="Hein van Wanrooij" userId="ebcdd4c57331f9b2" providerId="LiveId" clId="{9B620784-A96A-4A09-81E0-6311C54AB5CE}" dt="2023-10-25T12:13:06.379" v="9280" actId="1076"/>
+          <ac:picMkLst>
+            <pc:docMk/>
+            <pc:sldMk cId="2039793275" sldId="322"/>
+            <ac:picMk id="1032" creationId="{44A06955-F1FA-D304-ACFB-E0C72AC8568E}"/>
+          </ac:picMkLst>
+        </pc:picChg>
+        <pc:picChg chg="del mod">
+          <ac:chgData name="Hein van Wanrooij" userId="ebcdd4c57331f9b2" providerId="LiveId" clId="{9B620784-A96A-4A09-81E0-6311C54AB5CE}" dt="2023-10-25T12:11:26.790" v="9245" actId="478"/>
+          <ac:picMkLst>
+            <pc:docMk/>
+            <pc:sldMk cId="2039793275" sldId="322"/>
+            <ac:picMk id="10242" creationId="{F6A25EB3-A3A5-4179-B3C2-3FF578D97D0A}"/>
+          </ac:picMkLst>
+        </pc:picChg>
+        <pc:picChg chg="del mod">
+          <ac:chgData name="Hein van Wanrooij" userId="ebcdd4c57331f9b2" providerId="LiveId" clId="{9B620784-A96A-4A09-81E0-6311C54AB5CE}" dt="2023-10-25T12:11:25.452" v="9242" actId="478"/>
+          <ac:picMkLst>
+            <pc:docMk/>
+            <pc:sldMk cId="2039793275" sldId="322"/>
+            <ac:picMk id="10244" creationId="{FCE32C05-7CAC-B451-9750-EBE69637FFE7}"/>
+          </ac:picMkLst>
+        </pc:picChg>
+        <pc:picChg chg="del">
+          <ac:chgData name="Hein van Wanrooij" userId="ebcdd4c57331f9b2" providerId="LiveId" clId="{9B620784-A96A-4A09-81E0-6311C54AB5CE}" dt="2023-10-25T12:11:25.837" v="9243" actId="478"/>
+          <ac:picMkLst>
+            <pc:docMk/>
+            <pc:sldMk cId="2039793275" sldId="322"/>
+            <ac:picMk id="10246" creationId="{39962FC7-95C6-9308-3F7C-F155BC5A22B0}"/>
+          </ac:picMkLst>
+        </pc:picChg>
+      </pc:sldChg>
+      <pc:sldChg chg="modSp add mod">
+        <pc:chgData name="Hein van Wanrooij" userId="ebcdd4c57331f9b2" providerId="LiveId" clId="{9B620784-A96A-4A09-81E0-6311C54AB5CE}" dt="2023-10-25T12:19:41.645" v="9485" actId="20577"/>
+        <pc:sldMkLst>
+          <pc:docMk/>
+          <pc:sldMk cId="59881046" sldId="323"/>
+        </pc:sldMkLst>
+        <pc:spChg chg="mod">
+          <ac:chgData name="Hein van Wanrooij" userId="ebcdd4c57331f9b2" providerId="LiveId" clId="{9B620784-A96A-4A09-81E0-6311C54AB5CE}" dt="2023-10-25T12:19:41.645" v="9485" actId="20577"/>
+          <ac:spMkLst>
+            <pc:docMk/>
+            <pc:sldMk cId="59881046" sldId="323"/>
+            <ac:spMk id="4" creationId="{61ED484A-E87E-7D07-D06C-3D405D336CC2}"/>
+          </ac:spMkLst>
+        </pc:spChg>
+      </pc:sldChg>
+      <pc:sldChg chg="modSp add mod">
+        <pc:chgData name="Hein van Wanrooij" userId="ebcdd4c57331f9b2" providerId="LiveId" clId="{9B620784-A96A-4A09-81E0-6311C54AB5CE}" dt="2023-10-25T12:23:58.999" v="9626" actId="207"/>
+        <pc:sldMkLst>
+          <pc:docMk/>
+          <pc:sldMk cId="4260478496" sldId="324"/>
+        </pc:sldMkLst>
+        <pc:spChg chg="mod">
+          <ac:chgData name="Hein van Wanrooij" userId="ebcdd4c57331f9b2" providerId="LiveId" clId="{9B620784-A96A-4A09-81E0-6311C54AB5CE}" dt="2023-10-25T12:19:46.873" v="9502" actId="20577"/>
+          <ac:spMkLst>
+            <pc:docMk/>
+            <pc:sldMk cId="4260478496" sldId="324"/>
+            <ac:spMk id="2" creationId="{C2F5861A-BCDE-D2A4-C355-05C8119ED351}"/>
+          </ac:spMkLst>
+        </pc:spChg>
+        <pc:spChg chg="mod">
+          <ac:chgData name="Hein van Wanrooij" userId="ebcdd4c57331f9b2" providerId="LiveId" clId="{9B620784-A96A-4A09-81E0-6311C54AB5CE}" dt="2023-10-25T12:23:58.999" v="9626" actId="207"/>
+          <ac:spMkLst>
+            <pc:docMk/>
+            <pc:sldMk cId="4260478496" sldId="324"/>
+            <ac:spMk id="3" creationId="{7988AA68-FB88-7C7C-5E47-2AE86A2EFD72}"/>
+          </ac:spMkLst>
+        </pc:spChg>
+      </pc:sldChg>
+      <pc:sldChg chg="addSp delSp modSp add mod">
+        <pc:chgData name="Hein van Wanrooij" userId="ebcdd4c57331f9b2" providerId="LiveId" clId="{9B620784-A96A-4A09-81E0-6311C54AB5CE}" dt="2023-10-25T12:20:27.185" v="9531" actId="14100"/>
+        <pc:sldMkLst>
+          <pc:docMk/>
+          <pc:sldMk cId="2428194903" sldId="325"/>
+        </pc:sldMkLst>
+        <pc:spChg chg="mod">
+          <ac:chgData name="Hein van Wanrooij" userId="ebcdd4c57331f9b2" providerId="LiveId" clId="{9B620784-A96A-4A09-81E0-6311C54AB5CE}" dt="2023-10-25T12:19:55.295" v="9523" actId="20577"/>
+          <ac:spMkLst>
+            <pc:docMk/>
+            <pc:sldMk cId="2428194903" sldId="325"/>
+            <ac:spMk id="2" creationId="{C2F5861A-BCDE-D2A4-C355-05C8119ED351}"/>
+          </ac:spMkLst>
+        </pc:spChg>
+        <pc:picChg chg="del">
+          <ac:chgData name="Hein van Wanrooij" userId="ebcdd4c57331f9b2" providerId="LiveId" clId="{9B620784-A96A-4A09-81E0-6311C54AB5CE}" dt="2023-10-25T12:19:57.271" v="9525" actId="478"/>
+          <ac:picMkLst>
+            <pc:docMk/>
+            <pc:sldMk cId="2428194903" sldId="325"/>
+            <ac:picMk id="1026" creationId="{C1BC1207-1351-659A-67A6-D6D15DAC4DE1}"/>
+          </ac:picMkLst>
+        </pc:picChg>
+        <pc:picChg chg="del">
+          <ac:chgData name="Hein van Wanrooij" userId="ebcdd4c57331f9b2" providerId="LiveId" clId="{9B620784-A96A-4A09-81E0-6311C54AB5CE}" dt="2023-10-25T12:19:56.953" v="9524" actId="478"/>
+          <ac:picMkLst>
+            <pc:docMk/>
+            <pc:sldMk cId="2428194903" sldId="325"/>
+            <ac:picMk id="1032" creationId="{44A06955-F1FA-D304-ACFB-E0C72AC8568E}"/>
+          </ac:picMkLst>
+        </pc:picChg>
+        <pc:picChg chg="add mod">
+          <ac:chgData name="Hein van Wanrooij" userId="ebcdd4c57331f9b2" providerId="LiveId" clId="{9B620784-A96A-4A09-81E0-6311C54AB5CE}" dt="2023-10-25T12:20:27.185" v="9531" actId="14100"/>
+          <ac:picMkLst>
+            <pc:docMk/>
+            <pc:sldMk cId="2428194903" sldId="325"/>
+            <ac:picMk id="2050" creationId="{A7C60FA7-821C-5EB5-C426-1547C51FAEE4}"/>
+          </ac:picMkLst>
+        </pc:picChg>
+      </pc:sldChg>
+      <pc:sldChg chg="modSp add mod">
+        <pc:chgData name="Hein van Wanrooij" userId="ebcdd4c57331f9b2" providerId="LiveId" clId="{9B620784-A96A-4A09-81E0-6311C54AB5CE}" dt="2023-10-25T12:34:35.039" v="9954" actId="1076"/>
+        <pc:sldMkLst>
+          <pc:docMk/>
+          <pc:sldMk cId="963206169" sldId="326"/>
+        </pc:sldMkLst>
+        <pc:spChg chg="mod">
+          <ac:chgData name="Hein van Wanrooij" userId="ebcdd4c57331f9b2" providerId="LiveId" clId="{9B620784-A96A-4A09-81E0-6311C54AB5CE}" dt="2023-10-25T12:34:35.039" v="9954" actId="1076"/>
+          <ac:spMkLst>
+            <pc:docMk/>
+            <pc:sldMk cId="963206169" sldId="326"/>
+            <ac:spMk id="4" creationId="{61ED484A-E87E-7D07-D06C-3D405D336CC2}"/>
+          </ac:spMkLst>
+        </pc:spChg>
+      </pc:sldChg>
+      <pc:sldChg chg="modSp add mod">
+        <pc:chgData name="Hein van Wanrooij" userId="ebcdd4c57331f9b2" providerId="LiveId" clId="{9B620784-A96A-4A09-81E0-6311C54AB5CE}" dt="2023-10-25T12:44:38.422" v="10295" actId="20577"/>
+        <pc:sldMkLst>
+          <pc:docMk/>
+          <pc:sldMk cId="2252604801" sldId="327"/>
+        </pc:sldMkLst>
+        <pc:spChg chg="mod">
+          <ac:chgData name="Hein van Wanrooij" userId="ebcdd4c57331f9b2" providerId="LiveId" clId="{9B620784-A96A-4A09-81E0-6311C54AB5CE}" dt="2023-10-25T12:34:15.136" v="9926" actId="20577"/>
+          <ac:spMkLst>
+            <pc:docMk/>
+            <pc:sldMk cId="2252604801" sldId="327"/>
+            <ac:spMk id="2" creationId="{C2F5861A-BCDE-D2A4-C355-05C8119ED351}"/>
+          </ac:spMkLst>
+        </pc:spChg>
+        <pc:spChg chg="mod">
+          <ac:chgData name="Hein van Wanrooij" userId="ebcdd4c57331f9b2" providerId="LiveId" clId="{9B620784-A96A-4A09-81E0-6311C54AB5CE}" dt="2023-10-25T12:44:38.422" v="10295" actId="20577"/>
+          <ac:spMkLst>
+            <pc:docMk/>
+            <pc:sldMk cId="2252604801" sldId="327"/>
+            <ac:spMk id="3" creationId="{7988AA68-FB88-7C7C-5E47-2AE86A2EFD72}"/>
+          </ac:spMkLst>
+        </pc:spChg>
+      </pc:sldChg>
+      <pc:sldChg chg="addSp delSp modSp add mod">
+        <pc:chgData name="Hein van Wanrooij" userId="ebcdd4c57331f9b2" providerId="LiveId" clId="{9B620784-A96A-4A09-81E0-6311C54AB5CE}" dt="2023-10-25T12:34:21.784" v="9942" actId="20577"/>
+        <pc:sldMkLst>
+          <pc:docMk/>
+          <pc:sldMk cId="2085780101" sldId="328"/>
+        </pc:sldMkLst>
+        <pc:spChg chg="mod">
+          <ac:chgData name="Hein van Wanrooij" userId="ebcdd4c57331f9b2" providerId="LiveId" clId="{9B620784-A96A-4A09-81E0-6311C54AB5CE}" dt="2023-10-25T12:34:21.784" v="9942" actId="20577"/>
+          <ac:spMkLst>
+            <pc:docMk/>
+            <pc:sldMk cId="2085780101" sldId="328"/>
+            <ac:spMk id="2" creationId="{C2F5861A-BCDE-D2A4-C355-05C8119ED351}"/>
+          </ac:spMkLst>
+        </pc:spChg>
+        <pc:spChg chg="add mod">
+          <ac:chgData name="Hein van Wanrooij" userId="ebcdd4c57331f9b2" providerId="LiveId" clId="{9B620784-A96A-4A09-81E0-6311C54AB5CE}" dt="2023-10-25T12:34:02.033" v="9916" actId="403"/>
+          <ac:spMkLst>
+            <pc:docMk/>
+            <pc:sldMk cId="2085780101" sldId="328"/>
+            <ac:spMk id="3" creationId="{AC4A5DAD-685E-DCBA-C086-9C6D8A29CEF2}"/>
+          </ac:spMkLst>
+        </pc:spChg>
+        <pc:picChg chg="del">
+          <ac:chgData name="Hein van Wanrooij" userId="ebcdd4c57331f9b2" providerId="LiveId" clId="{9B620784-A96A-4A09-81E0-6311C54AB5CE}" dt="2023-10-25T12:28:54.619" v="9698" actId="478"/>
+          <ac:picMkLst>
+            <pc:docMk/>
+            <pc:sldMk cId="2085780101" sldId="328"/>
+            <ac:picMk id="2050" creationId="{A7C60FA7-821C-5EB5-C426-1547C51FAEE4}"/>
+          </ac:picMkLst>
+        </pc:picChg>
+        <pc:picChg chg="add mod">
+          <ac:chgData name="Hein van Wanrooij" userId="ebcdd4c57331f9b2" providerId="LiveId" clId="{9B620784-A96A-4A09-81E0-6311C54AB5CE}" dt="2023-10-25T12:29:05.831" v="9705" actId="1076"/>
+          <ac:picMkLst>
+            <pc:docMk/>
+            <pc:sldMk cId="2085780101" sldId="328"/>
+            <ac:picMk id="3074" creationId="{61C99771-CDA3-ADC6-282F-C16ADB04756F}"/>
+          </ac:picMkLst>
+        </pc:picChg>
+      </pc:sldChg>
+      <pc:sldChg chg="modSp add mod">
+        <pc:chgData name="Hein van Wanrooij" userId="ebcdd4c57331f9b2" providerId="LiveId" clId="{9B620784-A96A-4A09-81E0-6311C54AB5CE}" dt="2023-10-25T12:46:55.412" v="10302" actId="20577"/>
+        <pc:sldMkLst>
+          <pc:docMk/>
+          <pc:sldMk cId="520384416" sldId="329"/>
+        </pc:sldMkLst>
+        <pc:spChg chg="mod">
+          <ac:chgData name="Hein van Wanrooij" userId="ebcdd4c57331f9b2" providerId="LiveId" clId="{9B620784-A96A-4A09-81E0-6311C54AB5CE}" dt="2023-10-25T12:46:55.412" v="10302" actId="20577"/>
+          <ac:spMkLst>
+            <pc:docMk/>
+            <pc:sldMk cId="520384416" sldId="329"/>
+            <ac:spMk id="4" creationId="{61ED484A-E87E-7D07-D06C-3D405D336CC2}"/>
+          </ac:spMkLst>
+        </pc:spChg>
+      </pc:sldChg>
+      <pc:sldChg chg="modSp add mod">
+        <pc:chgData name="Hein van Wanrooij" userId="ebcdd4c57331f9b2" providerId="LiveId" clId="{9B620784-A96A-4A09-81E0-6311C54AB5CE}" dt="2023-10-25T12:52:27.650" v="10711" actId="20577"/>
+        <pc:sldMkLst>
+          <pc:docMk/>
+          <pc:sldMk cId="913784440" sldId="330"/>
+        </pc:sldMkLst>
+        <pc:spChg chg="mod">
+          <ac:chgData name="Hein van Wanrooij" userId="ebcdd4c57331f9b2" providerId="LiveId" clId="{9B620784-A96A-4A09-81E0-6311C54AB5CE}" dt="2023-10-25T12:48:26.141" v="10308" actId="20577"/>
+          <ac:spMkLst>
+            <pc:docMk/>
+            <pc:sldMk cId="913784440" sldId="330"/>
+            <ac:spMk id="2" creationId="{C2F5861A-BCDE-D2A4-C355-05C8119ED351}"/>
+          </ac:spMkLst>
+        </pc:spChg>
+        <pc:spChg chg="mod">
+          <ac:chgData name="Hein van Wanrooij" userId="ebcdd4c57331f9b2" providerId="LiveId" clId="{9B620784-A96A-4A09-81E0-6311C54AB5CE}" dt="2023-10-25T12:52:27.650" v="10711" actId="20577"/>
+          <ac:spMkLst>
+            <pc:docMk/>
+            <pc:sldMk cId="913784440" sldId="330"/>
+            <ac:spMk id="3" creationId="{7988AA68-FB88-7C7C-5E47-2AE86A2EFD72}"/>
+          </ac:spMkLst>
+        </pc:spChg>
+      </pc:sldChg>
+      <pc:sldChg chg="addSp delSp modSp add mod">
+        <pc:chgData name="Hein van Wanrooij" userId="ebcdd4c57331f9b2" providerId="LiveId" clId="{9B620784-A96A-4A09-81E0-6311C54AB5CE}" dt="2023-10-25T12:59:45.780" v="11062" actId="478"/>
+        <pc:sldMkLst>
+          <pc:docMk/>
+          <pc:sldMk cId="3797098849" sldId="331"/>
+        </pc:sldMkLst>
+        <pc:spChg chg="mod">
+          <ac:chgData name="Hein van Wanrooij" userId="ebcdd4c57331f9b2" providerId="LiveId" clId="{9B620784-A96A-4A09-81E0-6311C54AB5CE}" dt="2023-10-25T12:48:42.200" v="10314" actId="20577"/>
+          <ac:spMkLst>
+            <pc:docMk/>
+            <pc:sldMk cId="3797098849" sldId="331"/>
+            <ac:spMk id="2" creationId="{C2F5861A-BCDE-D2A4-C355-05C8119ED351}"/>
+          </ac:spMkLst>
+        </pc:spChg>
+        <pc:spChg chg="del">
+          <ac:chgData name="Hein van Wanrooij" userId="ebcdd4c57331f9b2" providerId="LiveId" clId="{9B620784-A96A-4A09-81E0-6311C54AB5CE}" dt="2023-10-25T12:50:06.759" v="10316" actId="478"/>
+          <ac:spMkLst>
+            <pc:docMk/>
+            <pc:sldMk cId="3797098849" sldId="331"/>
+            <ac:spMk id="3" creationId="{AC4A5DAD-685E-DCBA-C086-9C6D8A29CEF2}"/>
+          </ac:spMkLst>
+        </pc:spChg>
+        <pc:picChg chg="add del mod">
+          <ac:chgData name="Hein van Wanrooij" userId="ebcdd4c57331f9b2" providerId="LiveId" clId="{9B620784-A96A-4A09-81E0-6311C54AB5CE}" dt="2023-10-25T12:59:44.741" v="11061" actId="22"/>
+          <ac:picMkLst>
+            <pc:docMk/>
+            <pc:sldMk cId="3797098849" sldId="331"/>
+            <ac:picMk id="5" creationId="{1A109CE8-3DEA-61B2-54DA-D19B4438E551}"/>
+          </ac:picMkLst>
+        </pc:picChg>
+        <pc:picChg chg="del">
+          <ac:chgData name="Hein van Wanrooij" userId="ebcdd4c57331f9b2" providerId="LiveId" clId="{9B620784-A96A-4A09-81E0-6311C54AB5CE}" dt="2023-10-25T12:50:05.451" v="10315" actId="478"/>
+          <ac:picMkLst>
+            <pc:docMk/>
+            <pc:sldMk cId="3797098849" sldId="331"/>
+            <ac:picMk id="3074" creationId="{61C99771-CDA3-ADC6-282F-C16ADB04756F}"/>
+          </ac:picMkLst>
+        </pc:picChg>
+        <pc:picChg chg="add del mod">
+          <ac:chgData name="Hein van Wanrooij" userId="ebcdd4c57331f9b2" providerId="LiveId" clId="{9B620784-A96A-4A09-81E0-6311C54AB5CE}" dt="2023-10-25T12:59:45.780" v="11062" actId="478"/>
+          <ac:picMkLst>
+            <pc:docMk/>
+            <pc:sldMk cId="3797098849" sldId="331"/>
+            <ac:picMk id="4098" creationId="{8942B9F8-D1B7-4228-60A4-9769C4534293}"/>
+          </ac:picMkLst>
+        </pc:picChg>
+      </pc:sldChg>
+      <pc:sldChg chg="modSp add mod">
+        <pc:chgData name="Hein van Wanrooij" userId="ebcdd4c57331f9b2" providerId="LiveId" clId="{9B620784-A96A-4A09-81E0-6311C54AB5CE}" dt="2023-10-25T12:57:08.029" v="10724" actId="20577"/>
+        <pc:sldMkLst>
+          <pc:docMk/>
+          <pc:sldMk cId="2206093151" sldId="332"/>
+        </pc:sldMkLst>
+        <pc:spChg chg="mod">
+          <ac:chgData name="Hein van Wanrooij" userId="ebcdd4c57331f9b2" providerId="LiveId" clId="{9B620784-A96A-4A09-81E0-6311C54AB5CE}" dt="2023-10-25T12:57:08.029" v="10724" actId="20577"/>
+          <ac:spMkLst>
+            <pc:docMk/>
+            <pc:sldMk cId="2206093151" sldId="332"/>
+            <ac:spMk id="4" creationId="{61ED484A-E87E-7D07-D06C-3D405D336CC2}"/>
+          </ac:spMkLst>
+        </pc:spChg>
+      </pc:sldChg>
+      <pc:sldChg chg="modSp add mod">
+        <pc:chgData name="Hein van Wanrooij" userId="ebcdd4c57331f9b2" providerId="LiveId" clId="{9B620784-A96A-4A09-81E0-6311C54AB5CE}" dt="2023-10-25T13:00:57.292" v="11071" actId="207"/>
+        <pc:sldMkLst>
+          <pc:docMk/>
+          <pc:sldMk cId="2231683576" sldId="333"/>
+        </pc:sldMkLst>
+        <pc:spChg chg="mod">
+          <ac:chgData name="Hein van Wanrooij" userId="ebcdd4c57331f9b2" providerId="LiveId" clId="{9B620784-A96A-4A09-81E0-6311C54AB5CE}" dt="2023-10-25T12:57:15.159" v="10732" actId="20577"/>
+          <ac:spMkLst>
+            <pc:docMk/>
+            <pc:sldMk cId="2231683576" sldId="333"/>
+            <ac:spMk id="2" creationId="{C2F5861A-BCDE-D2A4-C355-05C8119ED351}"/>
+          </ac:spMkLst>
+        </pc:spChg>
+        <pc:spChg chg="mod">
+          <ac:chgData name="Hein van Wanrooij" userId="ebcdd4c57331f9b2" providerId="LiveId" clId="{9B620784-A96A-4A09-81E0-6311C54AB5CE}" dt="2023-10-25T13:00:57.292" v="11071" actId="207"/>
+          <ac:spMkLst>
+            <pc:docMk/>
+            <pc:sldMk cId="2231683576" sldId="333"/>
+            <ac:spMk id="3" creationId="{7988AA68-FB88-7C7C-5E47-2AE86A2EFD72}"/>
+          </ac:spMkLst>
+        </pc:spChg>
+      </pc:sldChg>
+      <pc:sldChg chg="addSp delSp modSp add mod">
+        <pc:chgData name="Hein van Wanrooij" userId="ebcdd4c57331f9b2" providerId="LiveId" clId="{9B620784-A96A-4A09-81E0-6311C54AB5CE}" dt="2023-10-25T13:01:45.917" v="11085" actId="1076"/>
+        <pc:sldMkLst>
+          <pc:docMk/>
+          <pc:sldMk cId="1065752231" sldId="334"/>
+        </pc:sldMkLst>
+        <pc:spChg chg="mod">
+          <ac:chgData name="Hein van Wanrooij" userId="ebcdd4c57331f9b2" providerId="LiveId" clId="{9B620784-A96A-4A09-81E0-6311C54AB5CE}" dt="2023-10-25T12:57:21.428" v="10746" actId="20577"/>
+          <ac:spMkLst>
+            <pc:docMk/>
+            <pc:sldMk cId="1065752231" sldId="334"/>
+            <ac:spMk id="2" creationId="{C2F5861A-BCDE-D2A4-C355-05C8119ED351}"/>
+          </ac:spMkLst>
+        </pc:spChg>
+        <pc:spChg chg="add mod">
+          <ac:chgData name="Hein van Wanrooij" userId="ebcdd4c57331f9b2" providerId="LiveId" clId="{9B620784-A96A-4A09-81E0-6311C54AB5CE}" dt="2023-10-25T13:01:45.917" v="11085" actId="1076"/>
+          <ac:spMkLst>
+            <pc:docMk/>
+            <pc:sldMk cId="1065752231" sldId="334"/>
+            <ac:spMk id="5" creationId="{2699C808-5593-C336-C4CC-538E0F9D951C}"/>
+          </ac:spMkLst>
+        </pc:spChg>
+        <pc:picChg chg="add mod">
+          <ac:chgData name="Hein van Wanrooij" userId="ebcdd4c57331f9b2" providerId="LiveId" clId="{9B620784-A96A-4A09-81E0-6311C54AB5CE}" dt="2023-10-25T12:59:51.748" v="11067" actId="14100"/>
+          <ac:picMkLst>
+            <pc:docMk/>
+            <pc:sldMk cId="1065752231" sldId="334"/>
+            <ac:picMk id="4" creationId="{6B81A979-7ADA-56EA-089D-1F4811857896}"/>
+          </ac:picMkLst>
+        </pc:picChg>
+        <pc:picChg chg="del">
+          <ac:chgData name="Hein van Wanrooij" userId="ebcdd4c57331f9b2" providerId="LiveId" clId="{9B620784-A96A-4A09-81E0-6311C54AB5CE}" dt="2023-10-25T12:59:48.731" v="11063" actId="478"/>
+          <ac:picMkLst>
+            <pc:docMk/>
+            <pc:sldMk cId="1065752231" sldId="334"/>
+            <ac:picMk id="4098" creationId="{8942B9F8-D1B7-4228-60A4-9769C4534293}"/>
+          </ac:picMkLst>
+        </pc:picChg>
+      </pc:sldChg>
+      <pc:sldChg chg="modSp add mod">
+        <pc:chgData name="Hein van Wanrooij" userId="ebcdd4c57331f9b2" providerId="LiveId" clId="{9B620784-A96A-4A09-81E0-6311C54AB5CE}" dt="2023-10-25T13:07:05.171" v="11092" actId="20577"/>
+        <pc:sldMkLst>
+          <pc:docMk/>
+          <pc:sldMk cId="369027445" sldId="335"/>
+        </pc:sldMkLst>
+        <pc:spChg chg="mod">
+          <ac:chgData name="Hein van Wanrooij" userId="ebcdd4c57331f9b2" providerId="LiveId" clId="{9B620784-A96A-4A09-81E0-6311C54AB5CE}" dt="2023-10-25T13:07:05.171" v="11092" actId="20577"/>
+          <ac:spMkLst>
+            <pc:docMk/>
+            <pc:sldMk cId="369027445" sldId="335"/>
+            <ac:spMk id="4" creationId="{61ED484A-E87E-7D07-D06C-3D405D336CC2}"/>
+          </ac:spMkLst>
+        </pc:spChg>
+      </pc:sldChg>
+      <pc:sldChg chg="modSp add mod">
+        <pc:chgData name="Hein van Wanrooij" userId="ebcdd4c57331f9b2" providerId="LiveId" clId="{9B620784-A96A-4A09-81E0-6311C54AB5CE}" dt="2023-10-25T13:10:14.687" v="11521" actId="207"/>
+        <pc:sldMkLst>
+          <pc:docMk/>
+          <pc:sldMk cId="1454139718" sldId="336"/>
+        </pc:sldMkLst>
+        <pc:spChg chg="mod">
+          <ac:chgData name="Hein van Wanrooij" userId="ebcdd4c57331f9b2" providerId="LiveId" clId="{9B620784-A96A-4A09-81E0-6311C54AB5CE}" dt="2023-10-25T13:07:10.701" v="11098" actId="20577"/>
+          <ac:spMkLst>
+            <pc:docMk/>
+            <pc:sldMk cId="1454139718" sldId="336"/>
+            <ac:spMk id="2" creationId="{C2F5861A-BCDE-D2A4-C355-05C8119ED351}"/>
+          </ac:spMkLst>
+        </pc:spChg>
+        <pc:spChg chg="mod">
+          <ac:chgData name="Hein van Wanrooij" userId="ebcdd4c57331f9b2" providerId="LiveId" clId="{9B620784-A96A-4A09-81E0-6311C54AB5CE}" dt="2023-10-25T13:10:14.687" v="11521" actId="207"/>
+          <ac:spMkLst>
+            <pc:docMk/>
+            <pc:sldMk cId="1454139718" sldId="336"/>
+            <ac:spMk id="3" creationId="{7988AA68-FB88-7C7C-5E47-2AE86A2EFD72}"/>
+          </ac:spMkLst>
+        </pc:spChg>
+      </pc:sldChg>
+      <pc:sldChg chg="addSp delSp modSp add mod">
+        <pc:chgData name="Hein van Wanrooij" userId="ebcdd4c57331f9b2" providerId="LiveId" clId="{9B620784-A96A-4A09-81E0-6311C54AB5CE}" dt="2023-10-25T13:07:42.431" v="11111" actId="14100"/>
+        <pc:sldMkLst>
+          <pc:docMk/>
+          <pc:sldMk cId="3481791415" sldId="337"/>
+        </pc:sldMkLst>
+        <pc:spChg chg="mod">
+          <ac:chgData name="Hein van Wanrooij" userId="ebcdd4c57331f9b2" providerId="LiveId" clId="{9B620784-A96A-4A09-81E0-6311C54AB5CE}" dt="2023-10-25T13:07:16.459" v="11104" actId="20577"/>
+          <ac:spMkLst>
+            <pc:docMk/>
+            <pc:sldMk cId="3481791415" sldId="337"/>
+            <ac:spMk id="2" creationId="{C2F5861A-BCDE-D2A4-C355-05C8119ED351}"/>
+          </ac:spMkLst>
+        </pc:spChg>
+        <pc:spChg chg="del">
+          <ac:chgData name="Hein van Wanrooij" userId="ebcdd4c57331f9b2" providerId="LiveId" clId="{9B620784-A96A-4A09-81E0-6311C54AB5CE}" dt="2023-10-25T13:07:19.361" v="11106" actId="478"/>
+          <ac:spMkLst>
+            <pc:docMk/>
+            <pc:sldMk cId="3481791415" sldId="337"/>
+            <ac:spMk id="5" creationId="{2699C808-5593-C336-C4CC-538E0F9D951C}"/>
+          </ac:spMkLst>
+        </pc:spChg>
+        <pc:picChg chg="del">
+          <ac:chgData name="Hein van Wanrooij" userId="ebcdd4c57331f9b2" providerId="LiveId" clId="{9B620784-A96A-4A09-81E0-6311C54AB5CE}" dt="2023-10-25T13:07:17.910" v="11105" actId="478"/>
+          <ac:picMkLst>
+            <pc:docMk/>
+            <pc:sldMk cId="3481791415" sldId="337"/>
+            <ac:picMk id="4" creationId="{6B81A979-7ADA-56EA-089D-1F4811857896}"/>
+          </ac:picMkLst>
+        </pc:picChg>
+        <pc:picChg chg="add mod">
+          <ac:chgData name="Hein van Wanrooij" userId="ebcdd4c57331f9b2" providerId="LiveId" clId="{9B620784-A96A-4A09-81E0-6311C54AB5CE}" dt="2023-10-25T13:07:42.431" v="11111" actId="14100"/>
+          <ac:picMkLst>
+            <pc:docMk/>
+            <pc:sldMk cId="3481791415" sldId="337"/>
+            <ac:picMk id="6" creationId="{4096E679-6A16-FE03-BEDD-52F371092C35}"/>
+          </ac:picMkLst>
+        </pc:picChg>
+      </pc:sldChg>
+      <pc:sldChg chg="modSp add mod">
+        <pc:chgData name="Hein van Wanrooij" userId="ebcdd4c57331f9b2" providerId="LiveId" clId="{9B620784-A96A-4A09-81E0-6311C54AB5CE}" dt="2023-10-25T13:21:24.808" v="11757" actId="20577"/>
+        <pc:sldMkLst>
+          <pc:docMk/>
+          <pc:sldMk cId="4006744619" sldId="338"/>
+        </pc:sldMkLst>
+        <pc:spChg chg="mod">
+          <ac:chgData name="Hein van Wanrooij" userId="ebcdd4c57331f9b2" providerId="LiveId" clId="{9B620784-A96A-4A09-81E0-6311C54AB5CE}" dt="2023-10-25T13:21:24.808" v="11757" actId="20577"/>
+          <ac:spMkLst>
+            <pc:docMk/>
+            <pc:sldMk cId="4006744619" sldId="338"/>
+            <ac:spMk id="4" creationId="{61ED484A-E87E-7D07-D06C-3D405D336CC2}"/>
+          </ac:spMkLst>
+        </pc:spChg>
+      </pc:sldChg>
+      <pc:sldChg chg="modSp add mod">
+        <pc:chgData name="Hein van Wanrooij" userId="ebcdd4c57331f9b2" providerId="LiveId" clId="{9B620784-A96A-4A09-81E0-6311C54AB5CE}" dt="2023-10-25T13:21:49.647" v="11804" actId="20577"/>
+        <pc:sldMkLst>
+          <pc:docMk/>
+          <pc:sldMk cId="2443946520" sldId="339"/>
+        </pc:sldMkLst>
+        <pc:spChg chg="mod">
+          <ac:chgData name="Hein van Wanrooij" userId="ebcdd4c57331f9b2" providerId="LiveId" clId="{9B620784-A96A-4A09-81E0-6311C54AB5CE}" dt="2023-10-25T13:21:30.621" v="11771" actId="20577"/>
+          <ac:spMkLst>
+            <pc:docMk/>
+            <pc:sldMk cId="2443946520" sldId="339"/>
+            <ac:spMk id="2" creationId="{C2F5861A-BCDE-D2A4-C355-05C8119ED351}"/>
+          </ac:spMkLst>
+        </pc:spChg>
+        <pc:spChg chg="mod">
+          <ac:chgData name="Hein van Wanrooij" userId="ebcdd4c57331f9b2" providerId="LiveId" clId="{9B620784-A96A-4A09-81E0-6311C54AB5CE}" dt="2023-10-25T13:21:49.647" v="11804" actId="20577"/>
+          <ac:spMkLst>
+            <pc:docMk/>
+            <pc:sldMk cId="2443946520" sldId="339"/>
+            <ac:spMk id="3" creationId="{7988AA68-FB88-7C7C-5E47-2AE86A2EFD72}"/>
+          </ac:spMkLst>
+        </pc:spChg>
+      </pc:sldChg>
+      <pc:sldChg chg="addSp delSp modSp add mod">
+        <pc:chgData name="Hein van Wanrooij" userId="ebcdd4c57331f9b2" providerId="LiveId" clId="{9B620784-A96A-4A09-81E0-6311C54AB5CE}" dt="2023-10-25T13:21:37.512" v="11793" actId="20577"/>
+        <pc:sldMkLst>
+          <pc:docMk/>
+          <pc:sldMk cId="2915071063" sldId="340"/>
+        </pc:sldMkLst>
+        <pc:spChg chg="mod">
+          <ac:chgData name="Hein van Wanrooij" userId="ebcdd4c57331f9b2" providerId="LiveId" clId="{9B620784-A96A-4A09-81E0-6311C54AB5CE}" dt="2023-10-25T13:21:37.512" v="11793" actId="20577"/>
+          <ac:spMkLst>
+            <pc:docMk/>
+            <pc:sldMk cId="2915071063" sldId="340"/>
+            <ac:spMk id="2" creationId="{C2F5861A-BCDE-D2A4-C355-05C8119ED351}"/>
+          </ac:spMkLst>
+        </pc:spChg>
+        <pc:picChg chg="add mod">
+          <ac:chgData name="Hein van Wanrooij" userId="ebcdd4c57331f9b2" providerId="LiveId" clId="{9B620784-A96A-4A09-81E0-6311C54AB5CE}" dt="2023-10-25T13:18:15.853" v="11544" actId="1076"/>
+          <ac:picMkLst>
+            <pc:docMk/>
+            <pc:sldMk cId="2915071063" sldId="340"/>
+            <ac:picMk id="4" creationId="{3EB2786D-3CA8-59F8-3A48-B7BB7AD66718}"/>
+          </ac:picMkLst>
+        </pc:picChg>
+        <pc:picChg chg="del">
+          <ac:chgData name="Hein van Wanrooij" userId="ebcdd4c57331f9b2" providerId="LiveId" clId="{9B620784-A96A-4A09-81E0-6311C54AB5CE}" dt="2023-10-25T13:18:04.618" v="11541" actId="478"/>
+          <ac:picMkLst>
+            <pc:docMk/>
+            <pc:sldMk cId="2915071063" sldId="340"/>
+            <ac:picMk id="6" creationId="{4096E679-6A16-FE03-BEDD-52F371092C35}"/>
+          </ac:picMkLst>
+        </pc:picChg>
+      </pc:sldChg>
+      <pc:sldChg chg="modSp add mod">
+        <pc:chgData name="Hein van Wanrooij" userId="ebcdd4c57331f9b2" providerId="LiveId" clId="{9B620784-A96A-4A09-81E0-6311C54AB5CE}" dt="2023-10-25T13:27:29.782" v="11837" actId="20577"/>
+        <pc:sldMkLst>
+          <pc:docMk/>
+          <pc:sldMk cId="296613350" sldId="341"/>
+        </pc:sldMkLst>
+        <pc:spChg chg="mod">
+          <ac:chgData name="Hein van Wanrooij" userId="ebcdd4c57331f9b2" providerId="LiveId" clId="{9B620784-A96A-4A09-81E0-6311C54AB5CE}" dt="2023-10-25T13:27:29.782" v="11837" actId="20577"/>
+          <ac:spMkLst>
+            <pc:docMk/>
+            <pc:sldMk cId="296613350" sldId="341"/>
+            <ac:spMk id="4" creationId="{61ED484A-E87E-7D07-D06C-3D405D336CC2}"/>
+          </ac:spMkLst>
+        </pc:spChg>
+      </pc:sldChg>
+      <pc:sldChg chg="modSp add mod">
+        <pc:chgData name="Hein van Wanrooij" userId="ebcdd4c57331f9b2" providerId="LiveId" clId="{9B620784-A96A-4A09-81E0-6311C54AB5CE}" dt="2023-10-25T13:39:01.983" v="12153" actId="207"/>
+        <pc:sldMkLst>
+          <pc:docMk/>
+          <pc:sldMk cId="2070160036" sldId="342"/>
+        </pc:sldMkLst>
+        <pc:spChg chg="mod">
+          <ac:chgData name="Hein van Wanrooij" userId="ebcdd4c57331f9b2" providerId="LiveId" clId="{9B620784-A96A-4A09-81E0-6311C54AB5CE}" dt="2023-10-25T13:28:23.806" v="11863" actId="20577"/>
+          <ac:spMkLst>
+            <pc:docMk/>
+            <pc:sldMk cId="2070160036" sldId="342"/>
+            <ac:spMk id="2" creationId="{C2F5861A-BCDE-D2A4-C355-05C8119ED351}"/>
+          </ac:spMkLst>
+        </pc:spChg>
+        <pc:spChg chg="mod">
+          <ac:chgData name="Hein van Wanrooij" userId="ebcdd4c57331f9b2" providerId="LiveId" clId="{9B620784-A96A-4A09-81E0-6311C54AB5CE}" dt="2023-10-25T13:39:01.983" v="12153" actId="207"/>
+          <ac:spMkLst>
+            <pc:docMk/>
+            <pc:sldMk cId="2070160036" sldId="342"/>
+            <ac:spMk id="3" creationId="{7988AA68-FB88-7C7C-5E47-2AE86A2EFD72}"/>
+          </ac:spMkLst>
+        </pc:spChg>
+      </pc:sldChg>
+      <pc:sldChg chg="addSp delSp modSp add mod">
+        <pc:chgData name="Hein van Wanrooij" userId="ebcdd4c57331f9b2" providerId="LiveId" clId="{9B620784-A96A-4A09-81E0-6311C54AB5CE}" dt="2023-10-25T13:31:18.840" v="11906" actId="1076"/>
+        <pc:sldMkLst>
+          <pc:docMk/>
+          <pc:sldMk cId="2626784026" sldId="343"/>
+        </pc:sldMkLst>
+        <pc:spChg chg="mod">
+          <ac:chgData name="Hein van Wanrooij" userId="ebcdd4c57331f9b2" providerId="LiveId" clId="{9B620784-A96A-4A09-81E0-6311C54AB5CE}" dt="2023-10-25T13:28:33.336" v="11893" actId="20577"/>
+          <ac:spMkLst>
+            <pc:docMk/>
+            <pc:sldMk cId="2626784026" sldId="343"/>
+            <ac:spMk id="2" creationId="{C2F5861A-BCDE-D2A4-C355-05C8119ED351}"/>
+          </ac:spMkLst>
+        </pc:spChg>
+        <pc:picChg chg="del mod">
+          <ac:chgData name="Hein van Wanrooij" userId="ebcdd4c57331f9b2" providerId="LiveId" clId="{9B620784-A96A-4A09-81E0-6311C54AB5CE}" dt="2023-10-25T13:30:52.883" v="11895" actId="478"/>
+          <ac:picMkLst>
+            <pc:docMk/>
+            <pc:sldMk cId="2626784026" sldId="343"/>
+            <ac:picMk id="4" creationId="{3EB2786D-3CA8-59F8-3A48-B7BB7AD66718}"/>
+          </ac:picMkLst>
+        </pc:picChg>
+        <pc:picChg chg="add mod">
+          <ac:chgData name="Hein van Wanrooij" userId="ebcdd4c57331f9b2" providerId="LiveId" clId="{9B620784-A96A-4A09-81E0-6311C54AB5CE}" dt="2023-10-25T13:31:18.840" v="11906" actId="1076"/>
+          <ac:picMkLst>
+            <pc:docMk/>
+            <pc:sldMk cId="2626784026" sldId="343"/>
+            <ac:picMk id="5122" creationId="{E11622E7-0A73-5EB7-3972-AA68D1307C4D}"/>
+          </ac:picMkLst>
+        </pc:picChg>
+        <pc:picChg chg="add mod">
+          <ac:chgData name="Hein van Wanrooij" userId="ebcdd4c57331f9b2" providerId="LiveId" clId="{9B620784-A96A-4A09-81E0-6311C54AB5CE}" dt="2023-10-25T13:31:14.100" v="11904" actId="1076"/>
+          <ac:picMkLst>
+            <pc:docMk/>
+            <pc:sldMk cId="2626784026" sldId="343"/>
+            <ac:picMk id="5124" creationId="{0D18B15C-4702-A1FE-F97B-2F792229BDBB}"/>
           </ac:picMkLst>
         </pc:picChg>
       </pc:sldChg>
@@ -2252,7 +2932,7 @@
           <a:p>
             <a:fld id="{89AFD366-9D87-47C8-9C04-02D6655FA638}" type="datetimeFigureOut">
               <a:rPr lang="nl-NL" smtClean="0"/>
-              <a:t>23-10-2023</a:t>
+              <a:t>25-10-2023</a:t>
             </a:fld>
             <a:endParaRPr lang="nl-NL"/>
           </a:p>
@@ -2450,7 +3130,7 @@
           <a:p>
             <a:fld id="{89AFD366-9D87-47C8-9C04-02D6655FA638}" type="datetimeFigureOut">
               <a:rPr lang="nl-NL" smtClean="0"/>
-              <a:t>23-10-2023</a:t>
+              <a:t>25-10-2023</a:t>
             </a:fld>
             <a:endParaRPr lang="nl-NL"/>
           </a:p>
@@ -2658,7 +3338,7 @@
           <a:p>
             <a:fld id="{89AFD366-9D87-47C8-9C04-02D6655FA638}" type="datetimeFigureOut">
               <a:rPr lang="nl-NL" smtClean="0"/>
-              <a:t>23-10-2023</a:t>
+              <a:t>25-10-2023</a:t>
             </a:fld>
             <a:endParaRPr lang="nl-NL"/>
           </a:p>
@@ -2856,7 +3536,7 @@
           <a:p>
             <a:fld id="{89AFD366-9D87-47C8-9C04-02D6655FA638}" type="datetimeFigureOut">
               <a:rPr lang="nl-NL" smtClean="0"/>
-              <a:t>23-10-2023</a:t>
+              <a:t>25-10-2023</a:t>
             </a:fld>
             <a:endParaRPr lang="nl-NL"/>
           </a:p>
@@ -3131,7 +3811,7 @@
           <a:p>
             <a:fld id="{89AFD366-9D87-47C8-9C04-02D6655FA638}" type="datetimeFigureOut">
               <a:rPr lang="nl-NL" smtClean="0"/>
-              <a:t>23-10-2023</a:t>
+              <a:t>25-10-2023</a:t>
             </a:fld>
             <a:endParaRPr lang="nl-NL"/>
           </a:p>
@@ -3396,7 +4076,7 @@
           <a:p>
             <a:fld id="{89AFD366-9D87-47C8-9C04-02D6655FA638}" type="datetimeFigureOut">
               <a:rPr lang="nl-NL" smtClean="0"/>
-              <a:t>23-10-2023</a:t>
+              <a:t>25-10-2023</a:t>
             </a:fld>
             <a:endParaRPr lang="nl-NL"/>
           </a:p>
@@ -3808,7 +4488,7 @@
           <a:p>
             <a:fld id="{89AFD366-9D87-47C8-9C04-02D6655FA638}" type="datetimeFigureOut">
               <a:rPr lang="nl-NL" smtClean="0"/>
-              <a:t>23-10-2023</a:t>
+              <a:t>25-10-2023</a:t>
             </a:fld>
             <a:endParaRPr lang="nl-NL"/>
           </a:p>
@@ -3949,7 +4629,7 @@
           <a:p>
             <a:fld id="{89AFD366-9D87-47C8-9C04-02D6655FA638}" type="datetimeFigureOut">
               <a:rPr lang="nl-NL" smtClean="0"/>
-              <a:t>23-10-2023</a:t>
+              <a:t>25-10-2023</a:t>
             </a:fld>
             <a:endParaRPr lang="nl-NL"/>
           </a:p>
@@ -4062,7 +4742,7 @@
           <a:p>
             <a:fld id="{89AFD366-9D87-47C8-9C04-02D6655FA638}" type="datetimeFigureOut">
               <a:rPr lang="nl-NL" smtClean="0"/>
-              <a:t>23-10-2023</a:t>
+              <a:t>25-10-2023</a:t>
             </a:fld>
             <a:endParaRPr lang="nl-NL"/>
           </a:p>
@@ -4373,7 +5053,7 @@
           <a:p>
             <a:fld id="{89AFD366-9D87-47C8-9C04-02D6655FA638}" type="datetimeFigureOut">
               <a:rPr lang="nl-NL" smtClean="0"/>
-              <a:t>23-10-2023</a:t>
+              <a:t>25-10-2023</a:t>
             </a:fld>
             <a:endParaRPr lang="nl-NL"/>
           </a:p>
@@ -4661,7 +5341,7 @@
           <a:p>
             <a:fld id="{89AFD366-9D87-47C8-9C04-02D6655FA638}" type="datetimeFigureOut">
               <a:rPr lang="nl-NL" smtClean="0"/>
-              <a:t>23-10-2023</a:t>
+              <a:t>25-10-2023</a:t>
             </a:fld>
             <a:endParaRPr lang="nl-NL"/>
           </a:p>
@@ -4902,7 +5582,7 @@
           <a:p>
             <a:fld id="{89AFD366-9D87-47C8-9C04-02D6655FA638}" type="datetimeFigureOut">
               <a:rPr lang="nl-NL" smtClean="0"/>
-              <a:t>23-10-2023</a:t>
+              <a:t>25-10-2023</a:t>
             </a:fld>
             <a:endParaRPr lang="nl-NL"/>
           </a:p>
@@ -5363,8 +6043,8 @@
         </p:nvSpPr>
         <p:spPr>
           <a:xfrm>
-            <a:off x="1524000" y="2105897"/>
-            <a:ext cx="9144000" cy="2646206"/>
+            <a:off x="1019013" y="2105897"/>
+            <a:ext cx="10153973" cy="2646206"/>
           </a:xfrm>
           <a:prstGeom prst="rect">
             <a:avLst/>
@@ -5397,7 +6077,7 @@
             <a:pPr algn="ctr"/>
             <a:r>
               <a:rPr lang="nl-NL" sz="9000" b="1" dirty="0"/>
-              <a:t>Punt</a:t>
+              <a:t>Top (ruimtefiguur)</a:t>
             </a:r>
           </a:p>
         </p:txBody>
@@ -5405,7 +6085,7 @@
     </p:spTree>
     <p:extLst>
       <p:ext uri="{BB962C8B-B14F-4D97-AF65-F5344CB8AC3E}">
-        <p14:creationId xmlns:p14="http://schemas.microsoft.com/office/powerpoint/2010/main" val="2947875900"/>
+        <p14:creationId xmlns:p14="http://schemas.microsoft.com/office/powerpoint/2010/main" val="296613350"/>
       </p:ext>
     </p:extLst>
   </p:cSld>
@@ -5476,8 +6156,8 @@
         </p:nvSpPr>
         <p:spPr>
           <a:xfrm>
-            <a:off x="34871" y="2105897"/>
-            <a:ext cx="12122258" cy="2646206"/>
+            <a:off x="1019013" y="2105897"/>
+            <a:ext cx="10153973" cy="2646206"/>
           </a:xfrm>
           <a:prstGeom prst="rect">
             <a:avLst/>
@@ -5510,7 +6190,7 @@
             <a:pPr algn="ctr"/>
             <a:r>
               <a:rPr lang="nl-NL" sz="9000" b="1" dirty="0"/>
-              <a:t>Hoek</a:t>
+              <a:t>Piramide</a:t>
             </a:r>
           </a:p>
         </p:txBody>
@@ -5518,7 +6198,7 @@
     </p:spTree>
     <p:extLst>
       <p:ext uri="{BB962C8B-B14F-4D97-AF65-F5344CB8AC3E}">
-        <p14:creationId xmlns:p14="http://schemas.microsoft.com/office/powerpoint/2010/main" val="3452774304"/>
+        <p14:creationId xmlns:p14="http://schemas.microsoft.com/office/powerpoint/2010/main" val="2206093151"/>
       </p:ext>
     </p:extLst>
   </p:cSld>
@@ -5563,6 +6243,3904 @@
         </p:nvSpPr>
         <p:spPr>
           <a:xfrm>
+            <a:off x="1524000" y="236482"/>
+            <a:ext cx="9144000" cy="892887"/>
+          </a:xfrm>
+        </p:spPr>
+        <p:txBody>
+          <a:bodyPr>
+            <a:normAutofit fontScale="90000"/>
+          </a:bodyPr>
+          <a:lstStyle/>
+          <a:p>
+            <a:r>
+              <a:rPr lang="nl-NL" dirty="0"/>
+              <a:t>Piramide</a:t>
+            </a:r>
+          </a:p>
+        </p:txBody>
+      </p:sp>
+      <p:sp>
+        <p:nvSpPr>
+          <p:cNvPr id="3" name="Ondertitel 2">
+            <a:extLst>
+              <a:ext uri="{FF2B5EF4-FFF2-40B4-BE49-F238E27FC236}">
+                <a16:creationId xmlns:a16="http://schemas.microsoft.com/office/drawing/2014/main" id="{7988AA68-FB88-7C7C-5E47-2AE86A2EFD72}"/>
+              </a:ext>
+            </a:extLst>
+          </p:cNvPr>
+          <p:cNvSpPr>
+            <a:spLocks noGrp="1"/>
+          </p:cNvSpPr>
+          <p:nvPr>
+            <p:ph type="subTitle" idx="1"/>
+          </p:nvPr>
+        </p:nvSpPr>
+        <p:spPr>
+          <a:xfrm>
+            <a:off x="-162560" y="1589131"/>
+            <a:ext cx="12496800" cy="3317287"/>
+          </a:xfrm>
+        </p:spPr>
+        <p:txBody>
+          <a:bodyPr>
+            <a:normAutofit/>
+          </a:bodyPr>
+          <a:lstStyle/>
+          <a:p>
+            <a:r>
+              <a:rPr lang="nl-NL" dirty="0"/>
+              <a:t>Een piramide is een </a:t>
+            </a:r>
+            <a:r>
+              <a:rPr lang="nl-NL" dirty="0">
+                <a:solidFill>
+                  <a:srgbClr val="7030A0"/>
+                </a:solidFill>
+              </a:rPr>
+              <a:t>ruimtefiguur</a:t>
+            </a:r>
+            <a:r>
+              <a:rPr lang="nl-NL" dirty="0"/>
+              <a:t> dat bestaat uit een </a:t>
+            </a:r>
+            <a:r>
+              <a:rPr lang="nl-NL" dirty="0">
+                <a:solidFill>
+                  <a:srgbClr val="7030A0"/>
+                </a:solidFill>
+              </a:rPr>
+              <a:t>grondvlak</a:t>
+            </a:r>
+            <a:r>
+              <a:rPr lang="nl-NL" dirty="0"/>
+              <a:t> en </a:t>
+            </a:r>
+            <a:r>
+              <a:rPr lang="nl-NL" dirty="0">
+                <a:solidFill>
+                  <a:srgbClr val="7030A0"/>
+                </a:solidFill>
+              </a:rPr>
+              <a:t>opstaande zijvlakken</a:t>
+            </a:r>
+            <a:r>
+              <a:rPr lang="nl-NL" dirty="0"/>
+              <a:t>.</a:t>
+            </a:r>
+          </a:p>
+          <a:p>
+            <a:r>
+              <a:rPr lang="nl-NL" dirty="0"/>
+              <a:t>Deze opstaande zijvlakken komen allemaal samen in de </a:t>
+            </a:r>
+            <a:r>
+              <a:rPr lang="nl-NL" dirty="0">
+                <a:solidFill>
+                  <a:srgbClr val="7030A0"/>
+                </a:solidFill>
+              </a:rPr>
+              <a:t>top</a:t>
+            </a:r>
+            <a:r>
+              <a:rPr lang="nl-NL" dirty="0"/>
+              <a:t>.</a:t>
+            </a:r>
+          </a:p>
+          <a:p>
+            <a:r>
+              <a:rPr lang="nl-NL" dirty="0"/>
+              <a:t>Bij het geven van de naam komt de letter van de top altijd vooraan.</a:t>
+            </a:r>
+          </a:p>
+          <a:p>
+            <a:endParaRPr lang="nl-NL" dirty="0"/>
+          </a:p>
+          <a:p>
+            <a:endParaRPr lang="nl-NL" dirty="0"/>
+          </a:p>
+          <a:p>
+            <a:endParaRPr lang="nl-NL" dirty="0"/>
+          </a:p>
+        </p:txBody>
+      </p:sp>
+    </p:spTree>
+    <p:extLst>
+      <p:ext uri="{BB962C8B-B14F-4D97-AF65-F5344CB8AC3E}">
+        <p14:creationId xmlns:p14="http://schemas.microsoft.com/office/powerpoint/2010/main" val="2231683576"/>
+      </p:ext>
+    </p:extLst>
+  </p:cSld>
+  <p:clrMapOvr>
+    <a:masterClrMapping/>
+  </p:clrMapOvr>
+</p:sld>
+</file>
+
+<file path=ppt/slides/slide12.xml><?xml version="1.0" encoding="utf-8"?>
+<p:sld xmlns:a="http://schemas.openxmlformats.org/drawingml/2006/main" xmlns:r="http://schemas.openxmlformats.org/officeDocument/2006/relationships" xmlns:p="http://schemas.openxmlformats.org/presentationml/2006/main">
+  <p:cSld>
+    <p:spTree>
+      <p:nvGrpSpPr>
+        <p:cNvPr id="1" name=""/>
+        <p:cNvGrpSpPr/>
+        <p:nvPr/>
+      </p:nvGrpSpPr>
+      <p:grpSpPr>
+        <a:xfrm>
+          <a:off x="0" y="0"/>
+          <a:ext cx="0" cy="0"/>
+          <a:chOff x="0" y="0"/>
+          <a:chExt cx="0" cy="0"/>
+        </a:xfrm>
+      </p:grpSpPr>
+      <p:sp>
+        <p:nvSpPr>
+          <p:cNvPr id="2" name="Titel 1">
+            <a:extLst>
+              <a:ext uri="{FF2B5EF4-FFF2-40B4-BE49-F238E27FC236}">
+                <a16:creationId xmlns:a16="http://schemas.microsoft.com/office/drawing/2014/main" id="{C2F5861A-BCDE-D2A4-C355-05C8119ED351}"/>
+              </a:ext>
+            </a:extLst>
+          </p:cNvPr>
+          <p:cNvSpPr>
+            <a:spLocks noGrp="1"/>
+          </p:cNvSpPr>
+          <p:nvPr>
+            <p:ph type="ctrTitle"/>
+          </p:nvPr>
+        </p:nvSpPr>
+        <p:spPr>
+          <a:xfrm>
+            <a:off x="1524000" y="236482"/>
+            <a:ext cx="9144000" cy="892887"/>
+          </a:xfrm>
+        </p:spPr>
+        <p:txBody>
+          <a:bodyPr>
+            <a:normAutofit fontScale="90000"/>
+          </a:bodyPr>
+          <a:lstStyle/>
+          <a:p>
+            <a:r>
+              <a:rPr lang="nl-NL" dirty="0"/>
+              <a:t>Voorbeeld Piramide</a:t>
+            </a:r>
+          </a:p>
+        </p:txBody>
+      </p:sp>
+      <p:pic>
+        <p:nvPicPr>
+          <p:cNvPr id="4" name="Afbeelding 3">
+            <a:extLst>
+              <a:ext uri="{FF2B5EF4-FFF2-40B4-BE49-F238E27FC236}">
+                <a16:creationId xmlns:a16="http://schemas.microsoft.com/office/drawing/2014/main" id="{6B81A979-7ADA-56EA-089D-1F4811857896}"/>
+              </a:ext>
+            </a:extLst>
+          </p:cNvPr>
+          <p:cNvPicPr>
+            <a:picLocks noChangeAspect="1"/>
+          </p:cNvPicPr>
+          <p:nvPr/>
+        </p:nvPicPr>
+        <p:blipFill>
+          <a:blip r:embed="rId2"/>
+          <a:stretch>
+            <a:fillRect/>
+          </a:stretch>
+        </p:blipFill>
+        <p:spPr>
+          <a:xfrm>
+            <a:off x="3928427" y="1623059"/>
+            <a:ext cx="4250373" cy="4603729"/>
+          </a:xfrm>
+          <a:prstGeom prst="rect">
+            <a:avLst/>
+          </a:prstGeom>
+        </p:spPr>
+      </p:pic>
+      <mc:AlternateContent xmlns:mc="http://schemas.openxmlformats.org/markup-compatibility/2006">
+        <mc:Choice xmlns:a14="http://schemas.microsoft.com/office/drawing/2010/main" Requires="a14">
+          <p:sp>
+            <p:nvSpPr>
+              <p:cNvPr id="5" name="Tekstvak 4">
+                <a:extLst>
+                  <a:ext uri="{FF2B5EF4-FFF2-40B4-BE49-F238E27FC236}">
+                    <a16:creationId xmlns:a16="http://schemas.microsoft.com/office/drawing/2014/main" id="{2699C808-5593-C336-C4CC-538E0F9D951C}"/>
+                  </a:ext>
+                </a:extLst>
+              </p:cNvPr>
+              <p:cNvSpPr txBox="1"/>
+              <p:nvPr/>
+            </p:nvSpPr>
+            <p:spPr>
+              <a:xfrm>
+                <a:off x="1146875" y="3340148"/>
+                <a:ext cx="1950599" cy="584775"/>
+              </a:xfrm>
+              <a:prstGeom prst="rect">
+                <a:avLst/>
+              </a:prstGeom>
+              <a:noFill/>
+            </p:spPr>
+            <p:txBody>
+              <a:bodyPr wrap="none" rtlCol="0">
+                <a:spAutoFit/>
+              </a:bodyPr>
+              <a:lstStyle/>
+              <a:p>
+                <a14:m>
+                  <m:oMathPara xmlns:m="http://schemas.openxmlformats.org/officeDocument/2006/math">
+                    <m:oMathParaPr>
+                      <m:jc m:val="centerGroup"/>
+                    </m:oMathParaPr>
+                    <m:oMath xmlns:m="http://schemas.openxmlformats.org/officeDocument/2006/math">
+                      <m:r>
+                        <a:rPr lang="nl-NL" sz="3200" b="0" i="1" smtClean="0">
+                          <a:latin typeface="Cambria Math" panose="02040503050406030204" pitchFamily="18" charset="0"/>
+                        </a:rPr>
+                        <m:t>𝑇</m:t>
+                      </m:r>
+                      <m:r>
+                        <a:rPr lang="nl-NL" sz="3200" b="0" i="1" smtClean="0">
+                          <a:latin typeface="Cambria Math" panose="02040503050406030204" pitchFamily="18" charset="0"/>
+                        </a:rPr>
+                        <m:t> </m:t>
+                      </m:r>
+                      <m:r>
+                        <a:rPr lang="nl-NL" sz="3200" b="0" i="1" smtClean="0">
+                          <a:latin typeface="Cambria Math" panose="02040503050406030204" pitchFamily="18" charset="0"/>
+                        </a:rPr>
+                        <m:t>𝐴𝐵𝐶𝐷𝐸</m:t>
+                      </m:r>
+                    </m:oMath>
+                  </m:oMathPara>
+                </a14:m>
+                <a:endParaRPr lang="nl-NL" sz="3200" dirty="0"/>
+              </a:p>
+            </p:txBody>
+          </p:sp>
+        </mc:Choice>
+        <mc:Fallback>
+          <p:sp>
+            <p:nvSpPr>
+              <p:cNvPr id="5" name="Tekstvak 4">
+                <a:extLst>
+                  <a:ext uri="{FF2B5EF4-FFF2-40B4-BE49-F238E27FC236}">
+                    <a16:creationId xmlns:a16="http://schemas.microsoft.com/office/drawing/2014/main" id="{2699C808-5593-C336-C4CC-538E0F9D951C}"/>
+                  </a:ext>
+                </a:extLst>
+              </p:cNvPr>
+              <p:cNvSpPr txBox="1">
+                <a:spLocks noRot="1" noChangeAspect="1" noMove="1" noResize="1" noEditPoints="1" noAdjustHandles="1" noChangeArrowheads="1" noChangeShapeType="1" noTextEdit="1"/>
+              </p:cNvSpPr>
+              <p:nvPr/>
+            </p:nvSpPr>
+            <p:spPr>
+              <a:xfrm>
+                <a:off x="1146875" y="3340148"/>
+                <a:ext cx="1950599" cy="584775"/>
+              </a:xfrm>
+              <a:prstGeom prst="rect">
+                <a:avLst/>
+              </a:prstGeom>
+              <a:blipFill>
+                <a:blip r:embed="rId3"/>
+                <a:stretch>
+                  <a:fillRect/>
+                </a:stretch>
+              </a:blipFill>
+            </p:spPr>
+            <p:txBody>
+              <a:bodyPr/>
+              <a:lstStyle/>
+              <a:p>
+                <a:r>
+                  <a:rPr lang="nl-NL">
+                    <a:noFill/>
+                  </a:rPr>
+                  <a:t> </a:t>
+                </a:r>
+              </a:p>
+            </p:txBody>
+          </p:sp>
+        </mc:Fallback>
+      </mc:AlternateContent>
+    </p:spTree>
+    <p:extLst>
+      <p:ext uri="{BB962C8B-B14F-4D97-AF65-F5344CB8AC3E}">
+        <p14:creationId xmlns:p14="http://schemas.microsoft.com/office/powerpoint/2010/main" val="1065752231"/>
+      </p:ext>
+    </p:extLst>
+  </p:cSld>
+  <p:clrMapOvr>
+    <a:masterClrMapping/>
+  </p:clrMapOvr>
+</p:sld>
+</file>
+
+<file path=ppt/slides/slide13.xml><?xml version="1.0" encoding="utf-8"?>
+<p:sld xmlns:a="http://schemas.openxmlformats.org/drawingml/2006/main" xmlns:r="http://schemas.openxmlformats.org/officeDocument/2006/relationships" xmlns:p="http://schemas.openxmlformats.org/presentationml/2006/main">
+  <p:cSld>
+    <p:spTree>
+      <p:nvGrpSpPr>
+        <p:cNvPr id="1" name=""/>
+        <p:cNvGrpSpPr/>
+        <p:nvPr/>
+      </p:nvGrpSpPr>
+      <p:grpSpPr>
+        <a:xfrm>
+          <a:off x="0" y="0"/>
+          <a:ext cx="0" cy="0"/>
+          <a:chOff x="0" y="0"/>
+          <a:chExt cx="0" cy="0"/>
+        </a:xfrm>
+      </p:grpSpPr>
+      <p:sp>
+        <p:nvSpPr>
+          <p:cNvPr id="2" name="Titel 1">
+            <a:extLst>
+              <a:ext uri="{FF2B5EF4-FFF2-40B4-BE49-F238E27FC236}">
+                <a16:creationId xmlns:a16="http://schemas.microsoft.com/office/drawing/2014/main" id="{73168B85-7905-DEBC-34BC-B73EB909DDCD}"/>
+              </a:ext>
+            </a:extLst>
+          </p:cNvPr>
+          <p:cNvSpPr>
+            <a:spLocks noGrp="1"/>
+          </p:cNvSpPr>
+          <p:nvPr>
+            <p:ph type="title"/>
+          </p:nvPr>
+        </p:nvSpPr>
+        <p:spPr/>
+        <p:txBody>
+          <a:bodyPr/>
+          <a:lstStyle/>
+          <a:p>
+            <a:r>
+              <a:rPr lang="nl-NL" dirty="0"/>
+              <a:t>Wiskunde Termen</a:t>
+            </a:r>
+          </a:p>
+        </p:txBody>
+      </p:sp>
+      <p:sp>
+        <p:nvSpPr>
+          <p:cNvPr id="4" name="Titel 1">
+            <a:extLst>
+              <a:ext uri="{FF2B5EF4-FFF2-40B4-BE49-F238E27FC236}">
+                <a16:creationId xmlns:a16="http://schemas.microsoft.com/office/drawing/2014/main" id="{61ED484A-E87E-7D07-D06C-3D405D336CC2}"/>
+              </a:ext>
+            </a:extLst>
+          </p:cNvPr>
+          <p:cNvSpPr txBox="1">
+            <a:spLocks/>
+          </p:cNvSpPr>
+          <p:nvPr/>
+        </p:nvSpPr>
+        <p:spPr>
+          <a:xfrm>
+            <a:off x="1019013" y="2105897"/>
+            <a:ext cx="10153973" cy="2646206"/>
+          </a:xfrm>
+          <a:prstGeom prst="rect">
+            <a:avLst/>
+          </a:prstGeom>
+        </p:spPr>
+        <p:txBody>
+          <a:bodyPr vert="horz" lIns="91440" tIns="45720" rIns="91440" bIns="45720" rtlCol="0" anchor="ctr">
+            <a:normAutofit fontScale="97500"/>
+          </a:bodyPr>
+          <a:lstStyle>
+            <a:lvl1pPr algn="l" defTabSz="914400" rtl="0" eaLnBrk="1" latinLnBrk="0" hangingPunct="1">
+              <a:lnSpc>
+                <a:spcPct val="90000"/>
+              </a:lnSpc>
+              <a:spcBef>
+                <a:spcPct val="0"/>
+              </a:spcBef>
+              <a:buNone/>
+              <a:defRPr sz="4400" kern="1200">
+                <a:solidFill>
+                  <a:schemeClr val="tx1"/>
+                </a:solidFill>
+                <a:latin typeface="+mj-lt"/>
+                <a:ea typeface="+mj-ea"/>
+                <a:cs typeface="+mj-cs"/>
+              </a:defRPr>
+            </a:lvl1pPr>
+          </a:lstStyle>
+          <a:p>
+            <a:pPr algn="ctr"/>
+            <a:r>
+              <a:rPr lang="nl-NL" sz="9000" b="1" dirty="0"/>
+              <a:t>Passer</a:t>
+            </a:r>
+          </a:p>
+        </p:txBody>
+      </p:sp>
+    </p:spTree>
+    <p:extLst>
+      <p:ext uri="{BB962C8B-B14F-4D97-AF65-F5344CB8AC3E}">
+        <p14:creationId xmlns:p14="http://schemas.microsoft.com/office/powerpoint/2010/main" val="520384416"/>
+      </p:ext>
+    </p:extLst>
+  </p:cSld>
+  <p:clrMapOvr>
+    <a:masterClrMapping/>
+  </p:clrMapOvr>
+</p:sld>
+</file>
+
+<file path=ppt/slides/slide14.xml><?xml version="1.0" encoding="utf-8"?>
+<p:sld xmlns:a="http://schemas.openxmlformats.org/drawingml/2006/main" xmlns:r="http://schemas.openxmlformats.org/officeDocument/2006/relationships" xmlns:p="http://schemas.openxmlformats.org/presentationml/2006/main">
+  <p:cSld>
+    <p:spTree>
+      <p:nvGrpSpPr>
+        <p:cNvPr id="1" name=""/>
+        <p:cNvGrpSpPr/>
+        <p:nvPr/>
+      </p:nvGrpSpPr>
+      <p:grpSpPr>
+        <a:xfrm>
+          <a:off x="0" y="0"/>
+          <a:ext cx="0" cy="0"/>
+          <a:chOff x="0" y="0"/>
+          <a:chExt cx="0" cy="0"/>
+        </a:xfrm>
+      </p:grpSpPr>
+      <p:sp>
+        <p:nvSpPr>
+          <p:cNvPr id="2" name="Titel 1">
+            <a:extLst>
+              <a:ext uri="{FF2B5EF4-FFF2-40B4-BE49-F238E27FC236}">
+                <a16:creationId xmlns:a16="http://schemas.microsoft.com/office/drawing/2014/main" id="{C2F5861A-BCDE-D2A4-C355-05C8119ED351}"/>
+              </a:ext>
+            </a:extLst>
+          </p:cNvPr>
+          <p:cNvSpPr>
+            <a:spLocks noGrp="1"/>
+          </p:cNvSpPr>
+          <p:nvPr>
+            <p:ph type="ctrTitle"/>
+          </p:nvPr>
+        </p:nvSpPr>
+        <p:spPr>
+          <a:xfrm>
+            <a:off x="1524000" y="236482"/>
+            <a:ext cx="9144000" cy="892887"/>
+          </a:xfrm>
+        </p:spPr>
+        <p:txBody>
+          <a:bodyPr>
+            <a:normAutofit fontScale="90000"/>
+          </a:bodyPr>
+          <a:lstStyle/>
+          <a:p>
+            <a:r>
+              <a:rPr lang="nl-NL" dirty="0"/>
+              <a:t>Passer</a:t>
+            </a:r>
+          </a:p>
+        </p:txBody>
+      </p:sp>
+      <p:sp>
+        <p:nvSpPr>
+          <p:cNvPr id="3" name="Ondertitel 2">
+            <a:extLst>
+              <a:ext uri="{FF2B5EF4-FFF2-40B4-BE49-F238E27FC236}">
+                <a16:creationId xmlns:a16="http://schemas.microsoft.com/office/drawing/2014/main" id="{7988AA68-FB88-7C7C-5E47-2AE86A2EFD72}"/>
+              </a:ext>
+            </a:extLst>
+          </p:cNvPr>
+          <p:cNvSpPr>
+            <a:spLocks noGrp="1"/>
+          </p:cNvSpPr>
+          <p:nvPr>
+            <p:ph type="subTitle" idx="1"/>
+          </p:nvPr>
+        </p:nvSpPr>
+        <p:spPr>
+          <a:xfrm>
+            <a:off x="-162560" y="1589131"/>
+            <a:ext cx="12496800" cy="3317287"/>
+          </a:xfrm>
+        </p:spPr>
+        <p:txBody>
+          <a:bodyPr>
+            <a:normAutofit/>
+          </a:bodyPr>
+          <a:lstStyle/>
+          <a:p>
+            <a:r>
+              <a:rPr lang="nl-NL" dirty="0"/>
+              <a:t>Een passer wordt gebruikt om </a:t>
+            </a:r>
+            <a:r>
+              <a:rPr lang="nl-NL" dirty="0">
+                <a:solidFill>
+                  <a:srgbClr val="7030A0"/>
+                </a:solidFill>
+              </a:rPr>
+              <a:t>cirkel</a:t>
+            </a:r>
+            <a:r>
+              <a:rPr lang="nl-NL" dirty="0"/>
+              <a:t>s te tekenen.</a:t>
+            </a:r>
+          </a:p>
+          <a:p>
+            <a:r>
+              <a:rPr lang="nl-NL" dirty="0"/>
+              <a:t>Een passer heeft twee uiteinden. Een met een potlood en een met een scherpe punt.</a:t>
+            </a:r>
+          </a:p>
+          <a:p>
+            <a:r>
+              <a:rPr lang="nl-NL" dirty="0"/>
+              <a:t>De scherpe punt gaat in het </a:t>
+            </a:r>
+            <a:r>
+              <a:rPr lang="nl-NL" dirty="0">
+                <a:solidFill>
+                  <a:srgbClr val="7030A0"/>
+                </a:solidFill>
+              </a:rPr>
+              <a:t>middelpunt</a:t>
+            </a:r>
+            <a:r>
+              <a:rPr lang="nl-NL" dirty="0"/>
+              <a:t> van de cirkel.</a:t>
+            </a:r>
+          </a:p>
+          <a:p>
+            <a:r>
+              <a:rPr lang="nl-NL" dirty="0"/>
+              <a:t>De potlood zal worden gebruikt om de cirkel te tekenen.</a:t>
+            </a:r>
+          </a:p>
+          <a:p>
+            <a:r>
+              <a:rPr lang="nl-NL" dirty="0"/>
+              <a:t>De afstand tussen het potlood en de scherpe punt noemen we de straal.</a:t>
+            </a:r>
+          </a:p>
+          <a:p>
+            <a:endParaRPr lang="nl-NL" dirty="0"/>
+          </a:p>
+          <a:p>
+            <a:endParaRPr lang="nl-NL" dirty="0"/>
+          </a:p>
+          <a:p>
+            <a:endParaRPr lang="nl-NL" dirty="0"/>
+          </a:p>
+          <a:p>
+            <a:endParaRPr lang="nl-NL" dirty="0"/>
+          </a:p>
+        </p:txBody>
+      </p:sp>
+    </p:spTree>
+    <p:extLst>
+      <p:ext uri="{BB962C8B-B14F-4D97-AF65-F5344CB8AC3E}">
+        <p14:creationId xmlns:p14="http://schemas.microsoft.com/office/powerpoint/2010/main" val="913784440"/>
+      </p:ext>
+    </p:extLst>
+  </p:cSld>
+  <p:clrMapOvr>
+    <a:masterClrMapping/>
+  </p:clrMapOvr>
+</p:sld>
+</file>
+
+<file path=ppt/slides/slide15.xml><?xml version="1.0" encoding="utf-8"?>
+<p:sld xmlns:a="http://schemas.openxmlformats.org/drawingml/2006/main" xmlns:r="http://schemas.openxmlformats.org/officeDocument/2006/relationships" xmlns:p="http://schemas.openxmlformats.org/presentationml/2006/main">
+  <p:cSld>
+    <p:spTree>
+      <p:nvGrpSpPr>
+        <p:cNvPr id="1" name=""/>
+        <p:cNvGrpSpPr/>
+        <p:nvPr/>
+      </p:nvGrpSpPr>
+      <p:grpSpPr>
+        <a:xfrm>
+          <a:off x="0" y="0"/>
+          <a:ext cx="0" cy="0"/>
+          <a:chOff x="0" y="0"/>
+          <a:chExt cx="0" cy="0"/>
+        </a:xfrm>
+      </p:grpSpPr>
+      <p:sp>
+        <p:nvSpPr>
+          <p:cNvPr id="2" name="Titel 1">
+            <a:extLst>
+              <a:ext uri="{FF2B5EF4-FFF2-40B4-BE49-F238E27FC236}">
+                <a16:creationId xmlns:a16="http://schemas.microsoft.com/office/drawing/2014/main" id="{C2F5861A-BCDE-D2A4-C355-05C8119ED351}"/>
+              </a:ext>
+            </a:extLst>
+          </p:cNvPr>
+          <p:cNvSpPr>
+            <a:spLocks noGrp="1"/>
+          </p:cNvSpPr>
+          <p:nvPr>
+            <p:ph type="ctrTitle"/>
+          </p:nvPr>
+        </p:nvSpPr>
+        <p:spPr>
+          <a:xfrm>
+            <a:off x="1524000" y="236482"/>
+            <a:ext cx="9144000" cy="892887"/>
+          </a:xfrm>
+        </p:spPr>
+        <p:txBody>
+          <a:bodyPr>
+            <a:normAutofit fontScale="90000"/>
+          </a:bodyPr>
+          <a:lstStyle/>
+          <a:p>
+            <a:r>
+              <a:rPr lang="nl-NL" dirty="0"/>
+              <a:t>Voorbeeld Passer</a:t>
+            </a:r>
+          </a:p>
+        </p:txBody>
+      </p:sp>
+      <p:pic>
+        <p:nvPicPr>
+          <p:cNvPr id="4098" name="Picture 2" descr="Passer Ecobra - Carla Kamphuis">
+            <a:extLst>
+              <a:ext uri="{FF2B5EF4-FFF2-40B4-BE49-F238E27FC236}">
+                <a16:creationId xmlns:a16="http://schemas.microsoft.com/office/drawing/2014/main" id="{8942B9F8-D1B7-4228-60A4-9769C4534293}"/>
+              </a:ext>
+            </a:extLst>
+          </p:cNvPr>
+          <p:cNvPicPr>
+            <a:picLocks noChangeAspect="1" noChangeArrowheads="1"/>
+          </p:cNvPicPr>
+          <p:nvPr/>
+        </p:nvPicPr>
+        <p:blipFill>
+          <a:blip r:embed="rId2">
+            <a:extLst>
+              <a:ext uri="{28A0092B-C50C-407E-A947-70E740481C1C}">
+                <a14:useLocalDpi xmlns:a14="http://schemas.microsoft.com/office/drawing/2010/main" val="0"/>
+              </a:ext>
+            </a:extLst>
+          </a:blip>
+          <a:srcRect/>
+          <a:stretch>
+            <a:fillRect/>
+          </a:stretch>
+        </p:blipFill>
+        <p:spPr bwMode="auto">
+          <a:xfrm>
+            <a:off x="3907393" y="1717040"/>
+            <a:ext cx="4377214" cy="4377214"/>
+          </a:xfrm>
+          <a:prstGeom prst="rect">
+            <a:avLst/>
+          </a:prstGeom>
+          <a:noFill/>
+          <a:extLst>
+            <a:ext uri="{909E8E84-426E-40DD-AFC4-6F175D3DCCD1}">
+              <a14:hiddenFill xmlns:a14="http://schemas.microsoft.com/office/drawing/2010/main">
+                <a:solidFill>
+                  <a:srgbClr val="FFFFFF"/>
+                </a:solidFill>
+              </a14:hiddenFill>
+            </a:ext>
+          </a:extLst>
+        </p:spPr>
+      </p:pic>
+    </p:spTree>
+    <p:extLst>
+      <p:ext uri="{BB962C8B-B14F-4D97-AF65-F5344CB8AC3E}">
+        <p14:creationId xmlns:p14="http://schemas.microsoft.com/office/powerpoint/2010/main" val="3797098849"/>
+      </p:ext>
+    </p:extLst>
+  </p:cSld>
+  <p:clrMapOvr>
+    <a:masterClrMapping/>
+  </p:clrMapOvr>
+</p:sld>
+</file>
+
+<file path=ppt/slides/slide16.xml><?xml version="1.0" encoding="utf-8"?>
+<p:sld xmlns:a="http://schemas.openxmlformats.org/drawingml/2006/main" xmlns:r="http://schemas.openxmlformats.org/officeDocument/2006/relationships" xmlns:p="http://schemas.openxmlformats.org/presentationml/2006/main">
+  <p:cSld>
+    <p:spTree>
+      <p:nvGrpSpPr>
+        <p:cNvPr id="1" name=""/>
+        <p:cNvGrpSpPr/>
+        <p:nvPr/>
+      </p:nvGrpSpPr>
+      <p:grpSpPr>
+        <a:xfrm>
+          <a:off x="0" y="0"/>
+          <a:ext cx="0" cy="0"/>
+          <a:chOff x="0" y="0"/>
+          <a:chExt cx="0" cy="0"/>
+        </a:xfrm>
+      </p:grpSpPr>
+      <p:sp>
+        <p:nvSpPr>
+          <p:cNvPr id="2" name="Titel 1">
+            <a:extLst>
+              <a:ext uri="{FF2B5EF4-FFF2-40B4-BE49-F238E27FC236}">
+                <a16:creationId xmlns:a16="http://schemas.microsoft.com/office/drawing/2014/main" id="{73168B85-7905-DEBC-34BC-B73EB909DDCD}"/>
+              </a:ext>
+            </a:extLst>
+          </p:cNvPr>
+          <p:cNvSpPr>
+            <a:spLocks noGrp="1"/>
+          </p:cNvSpPr>
+          <p:nvPr>
+            <p:ph type="title"/>
+          </p:nvPr>
+        </p:nvSpPr>
+        <p:spPr/>
+        <p:txBody>
+          <a:bodyPr/>
+          <a:lstStyle/>
+          <a:p>
+            <a:r>
+              <a:rPr lang="nl-NL" dirty="0"/>
+              <a:t>Wiskunde Termen</a:t>
+            </a:r>
+          </a:p>
+        </p:txBody>
+      </p:sp>
+      <p:sp>
+        <p:nvSpPr>
+          <p:cNvPr id="4" name="Titel 1">
+            <a:extLst>
+              <a:ext uri="{FF2B5EF4-FFF2-40B4-BE49-F238E27FC236}">
+                <a16:creationId xmlns:a16="http://schemas.microsoft.com/office/drawing/2014/main" id="{61ED484A-E87E-7D07-D06C-3D405D336CC2}"/>
+              </a:ext>
+            </a:extLst>
+          </p:cNvPr>
+          <p:cNvSpPr txBox="1">
+            <a:spLocks/>
+          </p:cNvSpPr>
+          <p:nvPr/>
+        </p:nvSpPr>
+        <p:spPr>
+          <a:xfrm>
+            <a:off x="1019013" y="2105897"/>
+            <a:ext cx="10153973" cy="2646206"/>
+          </a:xfrm>
+          <a:prstGeom prst="rect">
+            <a:avLst/>
+          </a:prstGeom>
+        </p:spPr>
+        <p:txBody>
+          <a:bodyPr vert="horz" lIns="91440" tIns="45720" rIns="91440" bIns="45720" rtlCol="0" anchor="ctr">
+            <a:normAutofit fontScale="97500"/>
+          </a:bodyPr>
+          <a:lstStyle>
+            <a:lvl1pPr algn="l" defTabSz="914400" rtl="0" eaLnBrk="1" latinLnBrk="0" hangingPunct="1">
+              <a:lnSpc>
+                <a:spcPct val="90000"/>
+              </a:lnSpc>
+              <a:spcBef>
+                <a:spcPct val="0"/>
+              </a:spcBef>
+              <a:buNone/>
+              <a:defRPr sz="4400" kern="1200">
+                <a:solidFill>
+                  <a:schemeClr val="tx1"/>
+                </a:solidFill>
+                <a:latin typeface="+mj-lt"/>
+                <a:ea typeface="+mj-ea"/>
+                <a:cs typeface="+mj-cs"/>
+              </a:defRPr>
+            </a:lvl1pPr>
+          </a:lstStyle>
+          <a:p>
+            <a:pPr algn="ctr"/>
+            <a:r>
+              <a:rPr lang="nl-NL" sz="9000" b="1" dirty="0"/>
+              <a:t>Opstaande zijvlakken</a:t>
+            </a:r>
+          </a:p>
+        </p:txBody>
+      </p:sp>
+    </p:spTree>
+    <p:extLst>
+      <p:ext uri="{BB962C8B-B14F-4D97-AF65-F5344CB8AC3E}">
+        <p14:creationId xmlns:p14="http://schemas.microsoft.com/office/powerpoint/2010/main" val="963206169"/>
+      </p:ext>
+    </p:extLst>
+  </p:cSld>
+  <p:clrMapOvr>
+    <a:masterClrMapping/>
+  </p:clrMapOvr>
+</p:sld>
+</file>
+
+<file path=ppt/slides/slide17.xml><?xml version="1.0" encoding="utf-8"?>
+<p:sld xmlns:a="http://schemas.openxmlformats.org/drawingml/2006/main" xmlns:r="http://schemas.openxmlformats.org/officeDocument/2006/relationships" xmlns:p="http://schemas.openxmlformats.org/presentationml/2006/main">
+  <p:cSld>
+    <p:spTree>
+      <p:nvGrpSpPr>
+        <p:cNvPr id="1" name=""/>
+        <p:cNvGrpSpPr/>
+        <p:nvPr/>
+      </p:nvGrpSpPr>
+      <p:grpSpPr>
+        <a:xfrm>
+          <a:off x="0" y="0"/>
+          <a:ext cx="0" cy="0"/>
+          <a:chOff x="0" y="0"/>
+          <a:chExt cx="0" cy="0"/>
+        </a:xfrm>
+      </p:grpSpPr>
+      <p:sp>
+        <p:nvSpPr>
+          <p:cNvPr id="2" name="Titel 1">
+            <a:extLst>
+              <a:ext uri="{FF2B5EF4-FFF2-40B4-BE49-F238E27FC236}">
+                <a16:creationId xmlns:a16="http://schemas.microsoft.com/office/drawing/2014/main" id="{C2F5861A-BCDE-D2A4-C355-05C8119ED351}"/>
+              </a:ext>
+            </a:extLst>
+          </p:cNvPr>
+          <p:cNvSpPr>
+            <a:spLocks noGrp="1"/>
+          </p:cNvSpPr>
+          <p:nvPr>
+            <p:ph type="ctrTitle"/>
+          </p:nvPr>
+        </p:nvSpPr>
+        <p:spPr>
+          <a:xfrm>
+            <a:off x="1524000" y="236482"/>
+            <a:ext cx="9144000" cy="892887"/>
+          </a:xfrm>
+        </p:spPr>
+        <p:txBody>
+          <a:bodyPr>
+            <a:normAutofit fontScale="90000"/>
+          </a:bodyPr>
+          <a:lstStyle/>
+          <a:p>
+            <a:r>
+              <a:rPr lang="nl-NL" dirty="0"/>
+              <a:t>Opstaande zijvlakken</a:t>
+            </a:r>
+          </a:p>
+        </p:txBody>
+      </p:sp>
+      <p:sp>
+        <p:nvSpPr>
+          <p:cNvPr id="3" name="Ondertitel 2">
+            <a:extLst>
+              <a:ext uri="{FF2B5EF4-FFF2-40B4-BE49-F238E27FC236}">
+                <a16:creationId xmlns:a16="http://schemas.microsoft.com/office/drawing/2014/main" id="{7988AA68-FB88-7C7C-5E47-2AE86A2EFD72}"/>
+              </a:ext>
+            </a:extLst>
+          </p:cNvPr>
+          <p:cNvSpPr>
+            <a:spLocks noGrp="1"/>
+          </p:cNvSpPr>
+          <p:nvPr>
+            <p:ph type="subTitle" idx="1"/>
+          </p:nvPr>
+        </p:nvSpPr>
+        <p:spPr>
+          <a:xfrm>
+            <a:off x="-162560" y="1589131"/>
+            <a:ext cx="12496800" cy="3317287"/>
+          </a:xfrm>
+        </p:spPr>
+        <p:txBody>
+          <a:bodyPr>
+            <a:normAutofit/>
+          </a:bodyPr>
+          <a:lstStyle/>
+          <a:p>
+            <a:r>
+              <a:rPr lang="nl-NL" dirty="0"/>
+              <a:t>Dit zijn de </a:t>
+            </a:r>
+            <a:r>
+              <a:rPr lang="nl-NL" dirty="0">
+                <a:solidFill>
+                  <a:srgbClr val="7030A0"/>
+                </a:solidFill>
+              </a:rPr>
+              <a:t>zijvlakken</a:t>
+            </a:r>
+            <a:r>
+              <a:rPr lang="nl-NL" dirty="0"/>
+              <a:t> die de </a:t>
+            </a:r>
+            <a:r>
+              <a:rPr lang="nl-NL" dirty="0">
+                <a:solidFill>
+                  <a:srgbClr val="7030A0"/>
+                </a:solidFill>
+              </a:rPr>
+              <a:t>top</a:t>
+            </a:r>
+            <a:r>
+              <a:rPr lang="nl-NL" dirty="0"/>
+              <a:t> als een van de </a:t>
+            </a:r>
+            <a:r>
+              <a:rPr lang="nl-NL" dirty="0">
+                <a:solidFill>
+                  <a:srgbClr val="7030A0"/>
+                </a:solidFill>
+              </a:rPr>
+              <a:t>hoekpunt</a:t>
+            </a:r>
+            <a:r>
+              <a:rPr lang="nl-NL" dirty="0"/>
+              <a:t> heeft.</a:t>
+            </a:r>
+          </a:p>
+          <a:p>
+            <a:r>
+              <a:rPr lang="nl-NL" dirty="0"/>
+              <a:t>Opstaande zijvlakken hebben de vorm van een </a:t>
+            </a:r>
+            <a:r>
+              <a:rPr lang="nl-NL" dirty="0">
+                <a:solidFill>
+                  <a:srgbClr val="7030A0"/>
+                </a:solidFill>
+              </a:rPr>
+              <a:t>driehoek.</a:t>
+            </a:r>
+          </a:p>
+          <a:p>
+            <a:r>
+              <a:rPr lang="nl-NL" dirty="0"/>
+              <a:t>Alle zijvlakken behalve één zijn opstaande zijvlakken, dit ander zijvlak is het </a:t>
+            </a:r>
+            <a:r>
+              <a:rPr lang="nl-NL" dirty="0">
+                <a:solidFill>
+                  <a:srgbClr val="7030A0"/>
+                </a:solidFill>
+              </a:rPr>
+              <a:t>grondvlak</a:t>
+            </a:r>
+            <a:r>
+              <a:rPr lang="nl-NL" dirty="0"/>
+              <a:t>.</a:t>
+            </a:r>
+            <a:endParaRPr lang="nl-NL" dirty="0">
+              <a:solidFill>
+                <a:srgbClr val="7030A0"/>
+              </a:solidFill>
+            </a:endParaRPr>
+          </a:p>
+          <a:p>
+            <a:endParaRPr lang="nl-NL" dirty="0"/>
+          </a:p>
+          <a:p>
+            <a:endParaRPr lang="nl-NL" dirty="0"/>
+          </a:p>
+          <a:p>
+            <a:endParaRPr lang="nl-NL" dirty="0"/>
+          </a:p>
+          <a:p>
+            <a:endParaRPr lang="nl-NL" dirty="0"/>
+          </a:p>
+        </p:txBody>
+      </p:sp>
+    </p:spTree>
+    <p:extLst>
+      <p:ext uri="{BB962C8B-B14F-4D97-AF65-F5344CB8AC3E}">
+        <p14:creationId xmlns:p14="http://schemas.microsoft.com/office/powerpoint/2010/main" val="2252604801"/>
+      </p:ext>
+    </p:extLst>
+  </p:cSld>
+  <p:clrMapOvr>
+    <a:masterClrMapping/>
+  </p:clrMapOvr>
+</p:sld>
+</file>
+
+<file path=ppt/slides/slide18.xml><?xml version="1.0" encoding="utf-8"?>
+<p:sld xmlns:a="http://schemas.openxmlformats.org/drawingml/2006/main" xmlns:r="http://schemas.openxmlformats.org/officeDocument/2006/relationships" xmlns:p="http://schemas.openxmlformats.org/presentationml/2006/main">
+  <p:cSld>
+    <p:spTree>
+      <p:nvGrpSpPr>
+        <p:cNvPr id="1" name=""/>
+        <p:cNvGrpSpPr/>
+        <p:nvPr/>
+      </p:nvGrpSpPr>
+      <p:grpSpPr>
+        <a:xfrm>
+          <a:off x="0" y="0"/>
+          <a:ext cx="0" cy="0"/>
+          <a:chOff x="0" y="0"/>
+          <a:chExt cx="0" cy="0"/>
+        </a:xfrm>
+      </p:grpSpPr>
+      <p:sp>
+        <p:nvSpPr>
+          <p:cNvPr id="2" name="Titel 1">
+            <a:extLst>
+              <a:ext uri="{FF2B5EF4-FFF2-40B4-BE49-F238E27FC236}">
+                <a16:creationId xmlns:a16="http://schemas.microsoft.com/office/drawing/2014/main" id="{C2F5861A-BCDE-D2A4-C355-05C8119ED351}"/>
+              </a:ext>
+            </a:extLst>
+          </p:cNvPr>
+          <p:cNvSpPr>
+            <a:spLocks noGrp="1"/>
+          </p:cNvSpPr>
+          <p:nvPr>
+            <p:ph type="ctrTitle"/>
+          </p:nvPr>
+        </p:nvSpPr>
+        <p:spPr>
+          <a:xfrm>
+            <a:off x="1524000" y="236482"/>
+            <a:ext cx="9144000" cy="892887"/>
+          </a:xfrm>
+        </p:spPr>
+        <p:txBody>
+          <a:bodyPr>
+            <a:normAutofit fontScale="90000"/>
+          </a:bodyPr>
+          <a:lstStyle/>
+          <a:p>
+            <a:r>
+              <a:rPr lang="nl-NL" dirty="0"/>
+              <a:t>Voorbeeld opstaande zijvlakken</a:t>
+            </a:r>
+          </a:p>
+        </p:txBody>
+      </p:sp>
+      <p:pic>
+        <p:nvPicPr>
+          <p:cNvPr id="3074" name="Picture 2" descr="Ruimtelijke figuren">
+            <a:extLst>
+              <a:ext uri="{FF2B5EF4-FFF2-40B4-BE49-F238E27FC236}">
+                <a16:creationId xmlns:a16="http://schemas.microsoft.com/office/drawing/2014/main" id="{61C99771-CDA3-ADC6-282F-C16ADB04756F}"/>
+              </a:ext>
+            </a:extLst>
+          </p:cNvPr>
+          <p:cNvPicPr>
+            <a:picLocks noChangeAspect="1" noChangeArrowheads="1"/>
+          </p:cNvPicPr>
+          <p:nvPr/>
+        </p:nvPicPr>
+        <p:blipFill rotWithShape="1">
+          <a:blip r:embed="rId2">
+            <a:extLst>
+              <a:ext uri="{28A0092B-C50C-407E-A947-70E740481C1C}">
+                <a14:useLocalDpi xmlns:a14="http://schemas.microsoft.com/office/drawing/2010/main" val="0"/>
+              </a:ext>
+            </a:extLst>
+          </a:blip>
+          <a:srcRect b="15347"/>
+          <a:stretch/>
+        </p:blipFill>
+        <p:spPr bwMode="auto">
+          <a:xfrm>
+            <a:off x="3558540" y="1525609"/>
+            <a:ext cx="5074919" cy="4296071"/>
+          </a:xfrm>
+          <a:prstGeom prst="rect">
+            <a:avLst/>
+          </a:prstGeom>
+          <a:noFill/>
+          <a:extLst>
+            <a:ext uri="{909E8E84-426E-40DD-AFC4-6F175D3DCCD1}">
+              <a14:hiddenFill xmlns:a14="http://schemas.microsoft.com/office/drawing/2010/main">
+                <a:solidFill>
+                  <a:srgbClr val="FFFFFF"/>
+                </a:solidFill>
+              </a14:hiddenFill>
+            </a:ext>
+          </a:extLst>
+        </p:spPr>
+      </p:pic>
+      <mc:AlternateContent xmlns:mc="http://schemas.openxmlformats.org/markup-compatibility/2006">
+        <mc:Choice xmlns:a14="http://schemas.microsoft.com/office/drawing/2010/main" Requires="a14">
+          <p:sp>
+            <p:nvSpPr>
+              <p:cNvPr id="3" name="Tekstvak 2">
+                <a:extLst>
+                  <a:ext uri="{FF2B5EF4-FFF2-40B4-BE49-F238E27FC236}">
+                    <a16:creationId xmlns:a16="http://schemas.microsoft.com/office/drawing/2014/main" id="{AC4A5DAD-685E-DCBA-C086-9C6D8A29CEF2}"/>
+                  </a:ext>
+                </a:extLst>
+              </p:cNvPr>
+              <p:cNvSpPr txBox="1"/>
+              <p:nvPr/>
+            </p:nvSpPr>
+            <p:spPr>
+              <a:xfrm>
+                <a:off x="1309607" y="2921431"/>
+                <a:ext cx="1059329" cy="584775"/>
+              </a:xfrm>
+              <a:prstGeom prst="rect">
+                <a:avLst/>
+              </a:prstGeom>
+              <a:noFill/>
+            </p:spPr>
+            <p:txBody>
+              <a:bodyPr wrap="none" rtlCol="0">
+                <a:spAutoFit/>
+              </a:bodyPr>
+              <a:lstStyle/>
+              <a:p>
+                <a14:m>
+                  <m:oMathPara xmlns:m="http://schemas.openxmlformats.org/officeDocument/2006/math">
+                    <m:oMathParaPr>
+                      <m:jc m:val="centerGroup"/>
+                    </m:oMathParaPr>
+                    <m:oMath xmlns:m="http://schemas.openxmlformats.org/officeDocument/2006/math">
+                      <m:r>
+                        <a:rPr lang="nl-NL" sz="3200" i="1" dirty="0" smtClean="0">
+                          <a:latin typeface="Cambria Math" panose="02040503050406030204" pitchFamily="18" charset="0"/>
+                        </a:rPr>
+                        <m:t>𝐴𝐵𝑇</m:t>
+                      </m:r>
+                    </m:oMath>
+                  </m:oMathPara>
+                </a14:m>
+                <a:endParaRPr lang="nl-NL" sz="3200" dirty="0"/>
+              </a:p>
+            </p:txBody>
+          </p:sp>
+        </mc:Choice>
+        <mc:Fallback>
+          <p:sp>
+            <p:nvSpPr>
+              <p:cNvPr id="3" name="Tekstvak 2">
+                <a:extLst>
+                  <a:ext uri="{FF2B5EF4-FFF2-40B4-BE49-F238E27FC236}">
+                    <a16:creationId xmlns:a16="http://schemas.microsoft.com/office/drawing/2014/main" id="{AC4A5DAD-685E-DCBA-C086-9C6D8A29CEF2}"/>
+                  </a:ext>
+                </a:extLst>
+              </p:cNvPr>
+              <p:cNvSpPr txBox="1">
+                <a:spLocks noRot="1" noChangeAspect="1" noMove="1" noResize="1" noEditPoints="1" noAdjustHandles="1" noChangeArrowheads="1" noChangeShapeType="1" noTextEdit="1"/>
+              </p:cNvSpPr>
+              <p:nvPr/>
+            </p:nvSpPr>
+            <p:spPr>
+              <a:xfrm>
+                <a:off x="1309607" y="2921431"/>
+                <a:ext cx="1059329" cy="584775"/>
+              </a:xfrm>
+              <a:prstGeom prst="rect">
+                <a:avLst/>
+              </a:prstGeom>
+              <a:blipFill>
+                <a:blip r:embed="rId3"/>
+                <a:stretch>
+                  <a:fillRect/>
+                </a:stretch>
+              </a:blipFill>
+            </p:spPr>
+            <p:txBody>
+              <a:bodyPr/>
+              <a:lstStyle/>
+              <a:p>
+                <a:r>
+                  <a:rPr lang="nl-NL">
+                    <a:noFill/>
+                  </a:rPr>
+                  <a:t> </a:t>
+                </a:r>
+              </a:p>
+            </p:txBody>
+          </p:sp>
+        </mc:Fallback>
+      </mc:AlternateContent>
+    </p:spTree>
+    <p:extLst>
+      <p:ext uri="{BB962C8B-B14F-4D97-AF65-F5344CB8AC3E}">
+        <p14:creationId xmlns:p14="http://schemas.microsoft.com/office/powerpoint/2010/main" val="2085780101"/>
+      </p:ext>
+    </p:extLst>
+  </p:cSld>
+  <p:clrMapOvr>
+    <a:masterClrMapping/>
+  </p:clrMapOvr>
+</p:sld>
+</file>
+
+<file path=ppt/slides/slide19.xml><?xml version="1.0" encoding="utf-8"?>
+<p:sld xmlns:a="http://schemas.openxmlformats.org/drawingml/2006/main" xmlns:r="http://schemas.openxmlformats.org/officeDocument/2006/relationships" xmlns:p="http://schemas.openxmlformats.org/presentationml/2006/main">
+  <p:cSld>
+    <p:spTree>
+      <p:nvGrpSpPr>
+        <p:cNvPr id="1" name=""/>
+        <p:cNvGrpSpPr/>
+        <p:nvPr/>
+      </p:nvGrpSpPr>
+      <p:grpSpPr>
+        <a:xfrm>
+          <a:off x="0" y="0"/>
+          <a:ext cx="0" cy="0"/>
+          <a:chOff x="0" y="0"/>
+          <a:chExt cx="0" cy="0"/>
+        </a:xfrm>
+      </p:grpSpPr>
+      <p:sp>
+        <p:nvSpPr>
+          <p:cNvPr id="2" name="Titel 1">
+            <a:extLst>
+              <a:ext uri="{FF2B5EF4-FFF2-40B4-BE49-F238E27FC236}">
+                <a16:creationId xmlns:a16="http://schemas.microsoft.com/office/drawing/2014/main" id="{73168B85-7905-DEBC-34BC-B73EB909DDCD}"/>
+              </a:ext>
+            </a:extLst>
+          </p:cNvPr>
+          <p:cNvSpPr>
+            <a:spLocks noGrp="1"/>
+          </p:cNvSpPr>
+          <p:nvPr>
+            <p:ph type="title"/>
+          </p:nvPr>
+        </p:nvSpPr>
+        <p:spPr/>
+        <p:txBody>
+          <a:bodyPr/>
+          <a:lstStyle/>
+          <a:p>
+            <a:r>
+              <a:rPr lang="nl-NL" dirty="0"/>
+              <a:t>Wiskunde Termen</a:t>
+            </a:r>
+          </a:p>
+        </p:txBody>
+      </p:sp>
+      <p:sp>
+        <p:nvSpPr>
+          <p:cNvPr id="4" name="Titel 1">
+            <a:extLst>
+              <a:ext uri="{FF2B5EF4-FFF2-40B4-BE49-F238E27FC236}">
+                <a16:creationId xmlns:a16="http://schemas.microsoft.com/office/drawing/2014/main" id="{61ED484A-E87E-7D07-D06C-3D405D336CC2}"/>
+              </a:ext>
+            </a:extLst>
+          </p:cNvPr>
+          <p:cNvSpPr txBox="1">
+            <a:spLocks/>
+          </p:cNvSpPr>
+          <p:nvPr/>
+        </p:nvSpPr>
+        <p:spPr>
+          <a:xfrm>
+            <a:off x="1524000" y="2105897"/>
+            <a:ext cx="9144000" cy="2646206"/>
+          </a:xfrm>
+          <a:prstGeom prst="rect">
+            <a:avLst/>
+          </a:prstGeom>
+        </p:spPr>
+        <p:txBody>
+          <a:bodyPr vert="horz" lIns="91440" tIns="45720" rIns="91440" bIns="45720" rtlCol="0" anchor="ctr">
+            <a:normAutofit fontScale="97500"/>
+          </a:bodyPr>
+          <a:lstStyle>
+            <a:lvl1pPr algn="l" defTabSz="914400" rtl="0" eaLnBrk="1" latinLnBrk="0" hangingPunct="1">
+              <a:lnSpc>
+                <a:spcPct val="90000"/>
+              </a:lnSpc>
+              <a:spcBef>
+                <a:spcPct val="0"/>
+              </a:spcBef>
+              <a:buNone/>
+              <a:defRPr sz="4400" kern="1200">
+                <a:solidFill>
+                  <a:schemeClr val="tx1"/>
+                </a:solidFill>
+                <a:latin typeface="+mj-lt"/>
+                <a:ea typeface="+mj-ea"/>
+                <a:cs typeface="+mj-cs"/>
+              </a:defRPr>
+            </a:lvl1pPr>
+          </a:lstStyle>
+          <a:p>
+            <a:pPr algn="ctr"/>
+            <a:r>
+              <a:rPr lang="nl-NL" sz="9000" b="1" dirty="0"/>
+              <a:t>Middelpunt</a:t>
+            </a:r>
+          </a:p>
+        </p:txBody>
+      </p:sp>
+    </p:spTree>
+    <p:extLst>
+      <p:ext uri="{BB962C8B-B14F-4D97-AF65-F5344CB8AC3E}">
+        <p14:creationId xmlns:p14="http://schemas.microsoft.com/office/powerpoint/2010/main" val="59881046"/>
+      </p:ext>
+    </p:extLst>
+  </p:cSld>
+  <p:clrMapOvr>
+    <a:masterClrMapping/>
+  </p:clrMapOvr>
+</p:sld>
+</file>
+
+<file path=ppt/slides/slide2.xml><?xml version="1.0" encoding="utf-8"?>
+<p:sld xmlns:a="http://schemas.openxmlformats.org/drawingml/2006/main" xmlns:r="http://schemas.openxmlformats.org/officeDocument/2006/relationships" xmlns:p="http://schemas.openxmlformats.org/presentationml/2006/main">
+  <p:cSld>
+    <p:spTree>
+      <p:nvGrpSpPr>
+        <p:cNvPr id="1" name=""/>
+        <p:cNvGrpSpPr/>
+        <p:nvPr/>
+      </p:nvGrpSpPr>
+      <p:grpSpPr>
+        <a:xfrm>
+          <a:off x="0" y="0"/>
+          <a:ext cx="0" cy="0"/>
+          <a:chOff x="0" y="0"/>
+          <a:chExt cx="0" cy="0"/>
+        </a:xfrm>
+      </p:grpSpPr>
+      <p:sp>
+        <p:nvSpPr>
+          <p:cNvPr id="2" name="Titel 1">
+            <a:extLst>
+              <a:ext uri="{FF2B5EF4-FFF2-40B4-BE49-F238E27FC236}">
+                <a16:creationId xmlns:a16="http://schemas.microsoft.com/office/drawing/2014/main" id="{C2F5861A-BCDE-D2A4-C355-05C8119ED351}"/>
+              </a:ext>
+            </a:extLst>
+          </p:cNvPr>
+          <p:cNvSpPr>
+            <a:spLocks noGrp="1"/>
+          </p:cNvSpPr>
+          <p:nvPr>
+            <p:ph type="ctrTitle"/>
+          </p:nvPr>
+        </p:nvSpPr>
+        <p:spPr>
+          <a:xfrm>
+            <a:off x="1524000" y="236482"/>
+            <a:ext cx="9144000" cy="892887"/>
+          </a:xfrm>
+        </p:spPr>
+        <p:txBody>
+          <a:bodyPr>
+            <a:normAutofit fontScale="90000"/>
+          </a:bodyPr>
+          <a:lstStyle/>
+          <a:p>
+            <a:r>
+              <a:rPr lang="nl-NL" dirty="0"/>
+              <a:t>Top (ruimtefiguur)</a:t>
+            </a:r>
+          </a:p>
+        </p:txBody>
+      </p:sp>
+      <mc:AlternateContent xmlns:mc="http://schemas.openxmlformats.org/markup-compatibility/2006">
+        <mc:Choice xmlns:a14="http://schemas.microsoft.com/office/drawing/2010/main" Requires="a14">
+          <p:sp>
+            <p:nvSpPr>
+              <p:cNvPr id="3" name="Ondertitel 2">
+                <a:extLst>
+                  <a:ext uri="{FF2B5EF4-FFF2-40B4-BE49-F238E27FC236}">
+                    <a16:creationId xmlns:a16="http://schemas.microsoft.com/office/drawing/2014/main" id="{7988AA68-FB88-7C7C-5E47-2AE86A2EFD72}"/>
+                  </a:ext>
+                </a:extLst>
+              </p:cNvPr>
+              <p:cNvSpPr>
+                <a:spLocks noGrp="1"/>
+              </p:cNvSpPr>
+              <p:nvPr>
+                <p:ph type="subTitle" idx="1"/>
+              </p:nvPr>
+            </p:nvSpPr>
+            <p:spPr>
+              <a:xfrm>
+                <a:off x="-162560" y="1589131"/>
+                <a:ext cx="12496800" cy="3317287"/>
+              </a:xfrm>
+            </p:spPr>
+            <p:txBody>
+              <a:bodyPr>
+                <a:normAutofit/>
+              </a:bodyPr>
+              <a:lstStyle/>
+              <a:p>
+                <a:r>
+                  <a:rPr lang="nl-NL" dirty="0"/>
+                  <a:t>De top is het ‘’spitse’’ </a:t>
+                </a:r>
+                <a:r>
+                  <a:rPr lang="nl-NL" dirty="0">
+                    <a:solidFill>
+                      <a:srgbClr val="7030A0"/>
+                    </a:solidFill>
+                  </a:rPr>
+                  <a:t>hoekpunt</a:t>
+                </a:r>
+                <a:r>
+                  <a:rPr lang="nl-NL" dirty="0"/>
+                  <a:t> van een </a:t>
+                </a:r>
+                <a:r>
+                  <a:rPr lang="nl-NL" dirty="0">
+                    <a:solidFill>
+                      <a:srgbClr val="7030A0"/>
+                    </a:solidFill>
+                  </a:rPr>
+                  <a:t>piramide</a:t>
+                </a:r>
+                <a:r>
+                  <a:rPr lang="nl-NL" dirty="0"/>
+                  <a:t> of </a:t>
+                </a:r>
+                <a:r>
+                  <a:rPr lang="nl-NL" dirty="0">
+                    <a:solidFill>
+                      <a:srgbClr val="7030A0"/>
+                    </a:solidFill>
+                  </a:rPr>
+                  <a:t>kegel.</a:t>
+                </a:r>
+              </a:p>
+              <a:p>
+                <a:r>
+                  <a:rPr lang="nl-NL" dirty="0"/>
+                  <a:t>Een top krijgt vaak de letter </a:t>
+                </a:r>
+                <a14:m>
+                  <m:oMath xmlns:m="http://schemas.openxmlformats.org/officeDocument/2006/math">
+                    <m:r>
+                      <a:rPr lang="nl-NL" b="0" i="1" smtClean="0">
+                        <a:latin typeface="Cambria Math" panose="02040503050406030204" pitchFamily="18" charset="0"/>
+                      </a:rPr>
+                      <m:t>𝑇</m:t>
+                    </m:r>
+                    <m:r>
+                      <a:rPr lang="nl-NL" b="0" i="0" smtClean="0">
+                        <a:latin typeface="Cambria Math" panose="02040503050406030204" pitchFamily="18" charset="0"/>
+                      </a:rPr>
+                      <m:t> </m:t>
+                    </m:r>
+                  </m:oMath>
+                </a14:m>
+                <a:r>
+                  <a:rPr lang="nl-NL" dirty="0"/>
+                  <a:t>en wordt bij de naamgeving altijd voorop gezet.</a:t>
+                </a:r>
+                <a:endParaRPr lang="nl-NL" dirty="0">
+                  <a:solidFill>
+                    <a:srgbClr val="7030A0"/>
+                  </a:solidFill>
+                </a:endParaRPr>
+              </a:p>
+              <a:p>
+                <a:endParaRPr lang="nl-NL" dirty="0"/>
+              </a:p>
+            </p:txBody>
+          </p:sp>
+        </mc:Choice>
+        <mc:Fallback>
+          <p:sp>
+            <p:nvSpPr>
+              <p:cNvPr id="3" name="Ondertitel 2">
+                <a:extLst>
+                  <a:ext uri="{FF2B5EF4-FFF2-40B4-BE49-F238E27FC236}">
+                    <a16:creationId xmlns:a16="http://schemas.microsoft.com/office/drawing/2014/main" id="{7988AA68-FB88-7C7C-5E47-2AE86A2EFD72}"/>
+                  </a:ext>
+                </a:extLst>
+              </p:cNvPr>
+              <p:cNvSpPr>
+                <a:spLocks noGrp="1" noRot="1" noChangeAspect="1" noMove="1" noResize="1" noEditPoints="1" noAdjustHandles="1" noChangeArrowheads="1" noChangeShapeType="1" noTextEdit="1"/>
+              </p:cNvSpPr>
+              <p:nvPr>
+                <p:ph type="subTitle" idx="1"/>
+              </p:nvPr>
+            </p:nvSpPr>
+            <p:spPr>
+              <a:xfrm>
+                <a:off x="-162560" y="1589131"/>
+                <a:ext cx="12496800" cy="3317287"/>
+              </a:xfrm>
+              <a:blipFill>
+                <a:blip r:embed="rId2"/>
+                <a:stretch>
+                  <a:fillRect t="-2574"/>
+                </a:stretch>
+              </a:blipFill>
+            </p:spPr>
+            <p:txBody>
+              <a:bodyPr/>
+              <a:lstStyle/>
+              <a:p>
+                <a:r>
+                  <a:rPr lang="nl-NL">
+                    <a:noFill/>
+                  </a:rPr>
+                  <a:t> </a:t>
+                </a:r>
+              </a:p>
+            </p:txBody>
+          </p:sp>
+        </mc:Fallback>
+      </mc:AlternateContent>
+    </p:spTree>
+    <p:extLst>
+      <p:ext uri="{BB962C8B-B14F-4D97-AF65-F5344CB8AC3E}">
+        <p14:creationId xmlns:p14="http://schemas.microsoft.com/office/powerpoint/2010/main" val="2070160036"/>
+      </p:ext>
+    </p:extLst>
+  </p:cSld>
+  <p:clrMapOvr>
+    <a:masterClrMapping/>
+  </p:clrMapOvr>
+</p:sld>
+</file>
+
+<file path=ppt/slides/slide20.xml><?xml version="1.0" encoding="utf-8"?>
+<p:sld xmlns:a="http://schemas.openxmlformats.org/drawingml/2006/main" xmlns:r="http://schemas.openxmlformats.org/officeDocument/2006/relationships" xmlns:p="http://schemas.openxmlformats.org/presentationml/2006/main">
+  <p:cSld>
+    <p:spTree>
+      <p:nvGrpSpPr>
+        <p:cNvPr id="1" name=""/>
+        <p:cNvGrpSpPr/>
+        <p:nvPr/>
+      </p:nvGrpSpPr>
+      <p:grpSpPr>
+        <a:xfrm>
+          <a:off x="0" y="0"/>
+          <a:ext cx="0" cy="0"/>
+          <a:chOff x="0" y="0"/>
+          <a:chExt cx="0" cy="0"/>
+        </a:xfrm>
+      </p:grpSpPr>
+      <p:sp>
+        <p:nvSpPr>
+          <p:cNvPr id="2" name="Titel 1">
+            <a:extLst>
+              <a:ext uri="{FF2B5EF4-FFF2-40B4-BE49-F238E27FC236}">
+                <a16:creationId xmlns:a16="http://schemas.microsoft.com/office/drawing/2014/main" id="{C2F5861A-BCDE-D2A4-C355-05C8119ED351}"/>
+              </a:ext>
+            </a:extLst>
+          </p:cNvPr>
+          <p:cNvSpPr>
+            <a:spLocks noGrp="1"/>
+          </p:cNvSpPr>
+          <p:nvPr>
+            <p:ph type="ctrTitle"/>
+          </p:nvPr>
+        </p:nvSpPr>
+        <p:spPr>
+          <a:xfrm>
+            <a:off x="1524000" y="236482"/>
+            <a:ext cx="9144000" cy="892887"/>
+          </a:xfrm>
+        </p:spPr>
+        <p:txBody>
+          <a:bodyPr>
+            <a:normAutofit fontScale="90000"/>
+          </a:bodyPr>
+          <a:lstStyle/>
+          <a:p>
+            <a:r>
+              <a:rPr lang="nl-NL" dirty="0"/>
+              <a:t>Middelpunt</a:t>
+            </a:r>
+          </a:p>
+        </p:txBody>
+      </p:sp>
+      <p:sp>
+        <p:nvSpPr>
+          <p:cNvPr id="3" name="Ondertitel 2">
+            <a:extLst>
+              <a:ext uri="{FF2B5EF4-FFF2-40B4-BE49-F238E27FC236}">
+                <a16:creationId xmlns:a16="http://schemas.microsoft.com/office/drawing/2014/main" id="{7988AA68-FB88-7C7C-5E47-2AE86A2EFD72}"/>
+              </a:ext>
+            </a:extLst>
+          </p:cNvPr>
+          <p:cNvSpPr>
+            <a:spLocks noGrp="1"/>
+          </p:cNvSpPr>
+          <p:nvPr>
+            <p:ph type="subTitle" idx="1"/>
+          </p:nvPr>
+        </p:nvSpPr>
+        <p:spPr>
+          <a:xfrm>
+            <a:off x="1524000" y="1355451"/>
+            <a:ext cx="9144000" cy="3317287"/>
+          </a:xfrm>
+        </p:spPr>
+        <p:txBody>
+          <a:bodyPr>
+            <a:normAutofit/>
+          </a:bodyPr>
+          <a:lstStyle/>
+          <a:p>
+            <a:r>
+              <a:rPr lang="nl-NL" dirty="0"/>
+              <a:t>Het middelpunt is het </a:t>
+            </a:r>
+            <a:r>
+              <a:rPr lang="nl-NL" dirty="0">
+                <a:solidFill>
+                  <a:srgbClr val="7030A0"/>
+                </a:solidFill>
+              </a:rPr>
+              <a:t>punt</a:t>
+            </a:r>
+            <a:r>
+              <a:rPr lang="nl-NL" dirty="0"/>
+              <a:t> in het midden van de </a:t>
+            </a:r>
+            <a:r>
+              <a:rPr lang="nl-NL" dirty="0">
+                <a:solidFill>
+                  <a:srgbClr val="7030A0"/>
+                </a:solidFill>
+              </a:rPr>
+              <a:t>cirkel</a:t>
+            </a:r>
+            <a:r>
+              <a:rPr lang="nl-NL" dirty="0"/>
+              <a:t>.</a:t>
+            </a:r>
+          </a:p>
+          <a:p>
+            <a:endParaRPr lang="nl-NL" dirty="0"/>
+          </a:p>
+          <a:p>
+            <a:endParaRPr lang="nl-NL" dirty="0"/>
+          </a:p>
+          <a:p>
+            <a:endParaRPr lang="nl-NL" dirty="0"/>
+          </a:p>
+          <a:p>
+            <a:endParaRPr lang="nl-NL" dirty="0"/>
+          </a:p>
+          <a:p>
+            <a:endParaRPr lang="nl-NL" dirty="0"/>
+          </a:p>
+        </p:txBody>
+      </p:sp>
+    </p:spTree>
+    <p:extLst>
+      <p:ext uri="{BB962C8B-B14F-4D97-AF65-F5344CB8AC3E}">
+        <p14:creationId xmlns:p14="http://schemas.microsoft.com/office/powerpoint/2010/main" val="4260478496"/>
+      </p:ext>
+    </p:extLst>
+  </p:cSld>
+  <p:clrMapOvr>
+    <a:masterClrMapping/>
+  </p:clrMapOvr>
+</p:sld>
+</file>
+
+<file path=ppt/slides/slide21.xml><?xml version="1.0" encoding="utf-8"?>
+<p:sld xmlns:a="http://schemas.openxmlformats.org/drawingml/2006/main" xmlns:r="http://schemas.openxmlformats.org/officeDocument/2006/relationships" xmlns:p="http://schemas.openxmlformats.org/presentationml/2006/main">
+  <p:cSld>
+    <p:spTree>
+      <p:nvGrpSpPr>
+        <p:cNvPr id="1" name=""/>
+        <p:cNvGrpSpPr/>
+        <p:nvPr/>
+      </p:nvGrpSpPr>
+      <p:grpSpPr>
+        <a:xfrm>
+          <a:off x="0" y="0"/>
+          <a:ext cx="0" cy="0"/>
+          <a:chOff x="0" y="0"/>
+          <a:chExt cx="0" cy="0"/>
+        </a:xfrm>
+      </p:grpSpPr>
+      <p:sp>
+        <p:nvSpPr>
+          <p:cNvPr id="2" name="Titel 1">
+            <a:extLst>
+              <a:ext uri="{FF2B5EF4-FFF2-40B4-BE49-F238E27FC236}">
+                <a16:creationId xmlns:a16="http://schemas.microsoft.com/office/drawing/2014/main" id="{C2F5861A-BCDE-D2A4-C355-05C8119ED351}"/>
+              </a:ext>
+            </a:extLst>
+          </p:cNvPr>
+          <p:cNvSpPr>
+            <a:spLocks noGrp="1"/>
+          </p:cNvSpPr>
+          <p:nvPr>
+            <p:ph type="ctrTitle"/>
+          </p:nvPr>
+        </p:nvSpPr>
+        <p:spPr>
+          <a:xfrm>
+            <a:off x="1524000" y="236482"/>
+            <a:ext cx="9144000" cy="892887"/>
+          </a:xfrm>
+        </p:spPr>
+        <p:txBody>
+          <a:bodyPr>
+            <a:normAutofit fontScale="90000"/>
+          </a:bodyPr>
+          <a:lstStyle/>
+          <a:p>
+            <a:r>
+              <a:rPr lang="nl-NL" dirty="0"/>
+              <a:t>Voorbeeld middelpunt</a:t>
+            </a:r>
+          </a:p>
+        </p:txBody>
+      </p:sp>
+      <p:pic>
+        <p:nvPicPr>
+          <p:cNvPr id="2050" name="Picture 2" descr="Slimleren - Introductie van de cirkel - basis eigenschappen">
+            <a:extLst>
+              <a:ext uri="{FF2B5EF4-FFF2-40B4-BE49-F238E27FC236}">
+                <a16:creationId xmlns:a16="http://schemas.microsoft.com/office/drawing/2014/main" id="{A7C60FA7-821C-5EB5-C426-1547C51FAEE4}"/>
+              </a:ext>
+            </a:extLst>
+          </p:cNvPr>
+          <p:cNvPicPr>
+            <a:picLocks noChangeAspect="1" noChangeArrowheads="1"/>
+          </p:cNvPicPr>
+          <p:nvPr/>
+        </p:nvPicPr>
+        <p:blipFill>
+          <a:blip r:embed="rId2">
+            <a:extLst>
+              <a:ext uri="{28A0092B-C50C-407E-A947-70E740481C1C}">
+                <a14:useLocalDpi xmlns:a14="http://schemas.microsoft.com/office/drawing/2010/main" val="0"/>
+              </a:ext>
+            </a:extLst>
+          </a:blip>
+          <a:srcRect/>
+          <a:stretch>
+            <a:fillRect/>
+          </a:stretch>
+        </p:blipFill>
+        <p:spPr bwMode="auto">
+          <a:xfrm>
+            <a:off x="2001520" y="1394752"/>
+            <a:ext cx="6478905" cy="4983773"/>
+          </a:xfrm>
+          <a:prstGeom prst="rect">
+            <a:avLst/>
+          </a:prstGeom>
+          <a:noFill/>
+          <a:extLst>
+            <a:ext uri="{909E8E84-426E-40DD-AFC4-6F175D3DCCD1}">
+              <a14:hiddenFill xmlns:a14="http://schemas.microsoft.com/office/drawing/2010/main">
+                <a:solidFill>
+                  <a:srgbClr val="FFFFFF"/>
+                </a:solidFill>
+              </a14:hiddenFill>
+            </a:ext>
+          </a:extLst>
+        </p:spPr>
+      </p:pic>
+    </p:spTree>
+    <p:extLst>
+      <p:ext uri="{BB962C8B-B14F-4D97-AF65-F5344CB8AC3E}">
+        <p14:creationId xmlns:p14="http://schemas.microsoft.com/office/powerpoint/2010/main" val="2428194903"/>
+      </p:ext>
+    </p:extLst>
+  </p:cSld>
+  <p:clrMapOvr>
+    <a:masterClrMapping/>
+  </p:clrMapOvr>
+</p:sld>
+</file>
+
+<file path=ppt/slides/slide22.xml><?xml version="1.0" encoding="utf-8"?>
+<p:sld xmlns:a="http://schemas.openxmlformats.org/drawingml/2006/main" xmlns:r="http://schemas.openxmlformats.org/officeDocument/2006/relationships" xmlns:p="http://schemas.openxmlformats.org/presentationml/2006/main">
+  <p:cSld>
+    <p:spTree>
+      <p:nvGrpSpPr>
+        <p:cNvPr id="1" name=""/>
+        <p:cNvGrpSpPr/>
+        <p:nvPr/>
+      </p:nvGrpSpPr>
+      <p:grpSpPr>
+        <a:xfrm>
+          <a:off x="0" y="0"/>
+          <a:ext cx="0" cy="0"/>
+          <a:chOff x="0" y="0"/>
+          <a:chExt cx="0" cy="0"/>
+        </a:xfrm>
+      </p:grpSpPr>
+      <p:sp>
+        <p:nvSpPr>
+          <p:cNvPr id="2" name="Titel 1">
+            <a:extLst>
+              <a:ext uri="{FF2B5EF4-FFF2-40B4-BE49-F238E27FC236}">
+                <a16:creationId xmlns:a16="http://schemas.microsoft.com/office/drawing/2014/main" id="{73168B85-7905-DEBC-34BC-B73EB909DDCD}"/>
+              </a:ext>
+            </a:extLst>
+          </p:cNvPr>
+          <p:cNvSpPr>
+            <a:spLocks noGrp="1"/>
+          </p:cNvSpPr>
+          <p:nvPr>
+            <p:ph type="title"/>
+          </p:nvPr>
+        </p:nvSpPr>
+        <p:spPr/>
+        <p:txBody>
+          <a:bodyPr/>
+          <a:lstStyle/>
+          <a:p>
+            <a:r>
+              <a:rPr lang="nl-NL" dirty="0"/>
+              <a:t>Wiskunde Termen</a:t>
+            </a:r>
+          </a:p>
+        </p:txBody>
+      </p:sp>
+      <p:sp>
+        <p:nvSpPr>
+          <p:cNvPr id="4" name="Titel 1">
+            <a:extLst>
+              <a:ext uri="{FF2B5EF4-FFF2-40B4-BE49-F238E27FC236}">
+                <a16:creationId xmlns:a16="http://schemas.microsoft.com/office/drawing/2014/main" id="{61ED484A-E87E-7D07-D06C-3D405D336CC2}"/>
+              </a:ext>
+            </a:extLst>
+          </p:cNvPr>
+          <p:cNvSpPr txBox="1">
+            <a:spLocks/>
+          </p:cNvSpPr>
+          <p:nvPr/>
+        </p:nvSpPr>
+        <p:spPr>
+          <a:xfrm>
+            <a:off x="1524000" y="2105897"/>
+            <a:ext cx="9144000" cy="2646206"/>
+          </a:xfrm>
+          <a:prstGeom prst="rect">
+            <a:avLst/>
+          </a:prstGeom>
+        </p:spPr>
+        <p:txBody>
+          <a:bodyPr vert="horz" lIns="91440" tIns="45720" rIns="91440" bIns="45720" rtlCol="0" anchor="ctr">
+            <a:normAutofit fontScale="97500"/>
+          </a:bodyPr>
+          <a:lstStyle>
+            <a:lvl1pPr algn="l" defTabSz="914400" rtl="0" eaLnBrk="1" latinLnBrk="0" hangingPunct="1">
+              <a:lnSpc>
+                <a:spcPct val="90000"/>
+              </a:lnSpc>
+              <a:spcBef>
+                <a:spcPct val="0"/>
+              </a:spcBef>
+              <a:buNone/>
+              <a:defRPr sz="4400" kern="1200">
+                <a:solidFill>
+                  <a:schemeClr val="tx1"/>
+                </a:solidFill>
+                <a:latin typeface="+mj-lt"/>
+                <a:ea typeface="+mj-ea"/>
+                <a:cs typeface="+mj-cs"/>
+              </a:defRPr>
+            </a:lvl1pPr>
+          </a:lstStyle>
+          <a:p>
+            <a:pPr algn="ctr"/>
+            <a:r>
+              <a:rPr lang="nl-NL" sz="9000" b="1" dirty="0"/>
+              <a:t>Liniaal</a:t>
+            </a:r>
+          </a:p>
+        </p:txBody>
+      </p:sp>
+    </p:spTree>
+    <p:extLst>
+      <p:ext uri="{BB962C8B-B14F-4D97-AF65-F5344CB8AC3E}">
+        <p14:creationId xmlns:p14="http://schemas.microsoft.com/office/powerpoint/2010/main" val="3540332050"/>
+      </p:ext>
+    </p:extLst>
+  </p:cSld>
+  <p:clrMapOvr>
+    <a:masterClrMapping/>
+  </p:clrMapOvr>
+</p:sld>
+</file>
+
+<file path=ppt/slides/slide23.xml><?xml version="1.0" encoding="utf-8"?>
+<p:sld xmlns:a="http://schemas.openxmlformats.org/drawingml/2006/main" xmlns:r="http://schemas.openxmlformats.org/officeDocument/2006/relationships" xmlns:p="http://schemas.openxmlformats.org/presentationml/2006/main">
+  <p:cSld>
+    <p:spTree>
+      <p:nvGrpSpPr>
+        <p:cNvPr id="1" name=""/>
+        <p:cNvGrpSpPr/>
+        <p:nvPr/>
+      </p:nvGrpSpPr>
+      <p:grpSpPr>
+        <a:xfrm>
+          <a:off x="0" y="0"/>
+          <a:ext cx="0" cy="0"/>
+          <a:chOff x="0" y="0"/>
+          <a:chExt cx="0" cy="0"/>
+        </a:xfrm>
+      </p:grpSpPr>
+      <p:sp>
+        <p:nvSpPr>
+          <p:cNvPr id="2" name="Titel 1">
+            <a:extLst>
+              <a:ext uri="{FF2B5EF4-FFF2-40B4-BE49-F238E27FC236}">
+                <a16:creationId xmlns:a16="http://schemas.microsoft.com/office/drawing/2014/main" id="{C2F5861A-BCDE-D2A4-C355-05C8119ED351}"/>
+              </a:ext>
+            </a:extLst>
+          </p:cNvPr>
+          <p:cNvSpPr>
+            <a:spLocks noGrp="1"/>
+          </p:cNvSpPr>
+          <p:nvPr>
+            <p:ph type="ctrTitle"/>
+          </p:nvPr>
+        </p:nvSpPr>
+        <p:spPr>
+          <a:xfrm>
+            <a:off x="1524000" y="236482"/>
+            <a:ext cx="9144000" cy="892887"/>
+          </a:xfrm>
+        </p:spPr>
+        <p:txBody>
+          <a:bodyPr>
+            <a:normAutofit fontScale="90000"/>
+          </a:bodyPr>
+          <a:lstStyle/>
+          <a:p>
+            <a:r>
+              <a:rPr lang="nl-NL" dirty="0"/>
+              <a:t>Liniaal</a:t>
+            </a:r>
+          </a:p>
+        </p:txBody>
+      </p:sp>
+      <p:sp>
+        <p:nvSpPr>
+          <p:cNvPr id="3" name="Ondertitel 2">
+            <a:extLst>
+              <a:ext uri="{FF2B5EF4-FFF2-40B4-BE49-F238E27FC236}">
+                <a16:creationId xmlns:a16="http://schemas.microsoft.com/office/drawing/2014/main" id="{7988AA68-FB88-7C7C-5E47-2AE86A2EFD72}"/>
+              </a:ext>
+            </a:extLst>
+          </p:cNvPr>
+          <p:cNvSpPr>
+            <a:spLocks noGrp="1"/>
+          </p:cNvSpPr>
+          <p:nvPr>
+            <p:ph type="subTitle" idx="1"/>
+          </p:nvPr>
+        </p:nvSpPr>
+        <p:spPr>
+          <a:xfrm>
+            <a:off x="1524000" y="1355451"/>
+            <a:ext cx="9144000" cy="3317287"/>
+          </a:xfrm>
+        </p:spPr>
+        <p:txBody>
+          <a:bodyPr>
+            <a:normAutofit/>
+          </a:bodyPr>
+          <a:lstStyle/>
+          <a:p>
+            <a:r>
+              <a:rPr lang="nl-NL" dirty="0"/>
+              <a:t>Een liniaal wordt gebruikt om lengtes van </a:t>
+            </a:r>
+            <a:r>
+              <a:rPr lang="nl-NL" dirty="0">
+                <a:solidFill>
+                  <a:srgbClr val="7030A0"/>
+                </a:solidFill>
+              </a:rPr>
+              <a:t>lijn</a:t>
+            </a:r>
+            <a:r>
+              <a:rPr lang="nl-NL" dirty="0"/>
+              <a:t>stukken op te meten.</a:t>
+            </a:r>
+          </a:p>
+          <a:p>
+            <a:r>
+              <a:rPr lang="nl-NL" dirty="0"/>
+              <a:t>Op de meeste linialen zul je millimeters en centimeters tegen komen.</a:t>
+            </a:r>
+          </a:p>
+          <a:p>
+            <a:endParaRPr lang="nl-NL" dirty="0"/>
+          </a:p>
+          <a:p>
+            <a:endParaRPr lang="nl-NL" dirty="0"/>
+          </a:p>
+          <a:p>
+            <a:endParaRPr lang="nl-NL" dirty="0"/>
+          </a:p>
+          <a:p>
+            <a:endParaRPr lang="nl-NL" dirty="0"/>
+          </a:p>
+          <a:p>
+            <a:endParaRPr lang="nl-NL" dirty="0"/>
+          </a:p>
+        </p:txBody>
+      </p:sp>
+    </p:spTree>
+    <p:extLst>
+      <p:ext uri="{BB962C8B-B14F-4D97-AF65-F5344CB8AC3E}">
+        <p14:creationId xmlns:p14="http://schemas.microsoft.com/office/powerpoint/2010/main" val="1224063324"/>
+      </p:ext>
+    </p:extLst>
+  </p:cSld>
+  <p:clrMapOvr>
+    <a:masterClrMapping/>
+  </p:clrMapOvr>
+</p:sld>
+</file>
+
+<file path=ppt/slides/slide24.xml><?xml version="1.0" encoding="utf-8"?>
+<p:sld xmlns:a="http://schemas.openxmlformats.org/drawingml/2006/main" xmlns:r="http://schemas.openxmlformats.org/officeDocument/2006/relationships" xmlns:p="http://schemas.openxmlformats.org/presentationml/2006/main">
+  <p:cSld>
+    <p:spTree>
+      <p:nvGrpSpPr>
+        <p:cNvPr id="1" name=""/>
+        <p:cNvGrpSpPr/>
+        <p:nvPr/>
+      </p:nvGrpSpPr>
+      <p:grpSpPr>
+        <a:xfrm>
+          <a:off x="0" y="0"/>
+          <a:ext cx="0" cy="0"/>
+          <a:chOff x="0" y="0"/>
+          <a:chExt cx="0" cy="0"/>
+        </a:xfrm>
+      </p:grpSpPr>
+      <p:sp>
+        <p:nvSpPr>
+          <p:cNvPr id="2" name="Titel 1">
+            <a:extLst>
+              <a:ext uri="{FF2B5EF4-FFF2-40B4-BE49-F238E27FC236}">
+                <a16:creationId xmlns:a16="http://schemas.microsoft.com/office/drawing/2014/main" id="{C2F5861A-BCDE-D2A4-C355-05C8119ED351}"/>
+              </a:ext>
+            </a:extLst>
+          </p:cNvPr>
+          <p:cNvSpPr>
+            <a:spLocks noGrp="1"/>
+          </p:cNvSpPr>
+          <p:nvPr>
+            <p:ph type="ctrTitle"/>
+          </p:nvPr>
+        </p:nvSpPr>
+        <p:spPr>
+          <a:xfrm>
+            <a:off x="1524000" y="236482"/>
+            <a:ext cx="9144000" cy="892887"/>
+          </a:xfrm>
+        </p:spPr>
+        <p:txBody>
+          <a:bodyPr>
+            <a:normAutofit fontScale="90000"/>
+          </a:bodyPr>
+          <a:lstStyle/>
+          <a:p>
+            <a:r>
+              <a:rPr lang="nl-NL"/>
+              <a:t>Voorbeeld Liniaal</a:t>
+            </a:r>
+            <a:endParaRPr lang="nl-NL" dirty="0"/>
+          </a:p>
+        </p:txBody>
+      </p:sp>
+      <p:pic>
+        <p:nvPicPr>
+          <p:cNvPr id="1026" name="Picture 2" descr="Liniaal 50 cm - shop">
+            <a:extLst>
+              <a:ext uri="{FF2B5EF4-FFF2-40B4-BE49-F238E27FC236}">
+                <a16:creationId xmlns:a16="http://schemas.microsoft.com/office/drawing/2014/main" id="{C1BC1207-1351-659A-67A6-D6D15DAC4DE1}"/>
+              </a:ext>
+            </a:extLst>
+          </p:cNvPr>
+          <p:cNvPicPr>
+            <a:picLocks noChangeAspect="1" noChangeArrowheads="1"/>
+          </p:cNvPicPr>
+          <p:nvPr/>
+        </p:nvPicPr>
+        <p:blipFill>
+          <a:blip r:embed="rId2">
+            <a:extLst>
+              <a:ext uri="{28A0092B-C50C-407E-A947-70E740481C1C}">
+                <a14:useLocalDpi xmlns:a14="http://schemas.microsoft.com/office/drawing/2010/main" val="0"/>
+              </a:ext>
+            </a:extLst>
+          </a:blip>
+          <a:srcRect/>
+          <a:stretch>
+            <a:fillRect/>
+          </a:stretch>
+        </p:blipFill>
+        <p:spPr bwMode="auto">
+          <a:xfrm>
+            <a:off x="5646548" y="2450023"/>
+            <a:ext cx="5923279" cy="3968597"/>
+          </a:xfrm>
+          <a:prstGeom prst="rect">
+            <a:avLst/>
+          </a:prstGeom>
+          <a:noFill/>
+          <a:extLst>
+            <a:ext uri="{909E8E84-426E-40DD-AFC4-6F175D3DCCD1}">
+              <a14:hiddenFill xmlns:a14="http://schemas.microsoft.com/office/drawing/2010/main">
+                <a:solidFill>
+                  <a:srgbClr val="FFFFFF"/>
+                </a:solidFill>
+              </a14:hiddenFill>
+            </a:ext>
+          </a:extLst>
+        </p:spPr>
+      </p:pic>
+      <p:pic>
+        <p:nvPicPr>
+          <p:cNvPr id="1032" name="Picture 8" descr="DW4Trading Liniaal 20 cm - RVS - Snijlat Inch en mm | bol.com">
+            <a:extLst>
+              <a:ext uri="{FF2B5EF4-FFF2-40B4-BE49-F238E27FC236}">
+                <a16:creationId xmlns:a16="http://schemas.microsoft.com/office/drawing/2014/main" id="{44A06955-F1FA-D304-ACFB-E0C72AC8568E}"/>
+              </a:ext>
+            </a:extLst>
+          </p:cNvPr>
+          <p:cNvPicPr>
+            <a:picLocks noChangeAspect="1" noChangeArrowheads="1"/>
+          </p:cNvPicPr>
+          <p:nvPr/>
+        </p:nvPicPr>
+        <p:blipFill>
+          <a:blip r:embed="rId3">
+            <a:extLst>
+              <a:ext uri="{28A0092B-C50C-407E-A947-70E740481C1C}">
+                <a14:useLocalDpi xmlns:a14="http://schemas.microsoft.com/office/drawing/2010/main" val="0"/>
+              </a:ext>
+            </a:extLst>
+          </a:blip>
+          <a:srcRect/>
+          <a:stretch>
+            <a:fillRect/>
+          </a:stretch>
+        </p:blipFill>
+        <p:spPr bwMode="auto">
+          <a:xfrm rot="1969469">
+            <a:off x="743666" y="1118625"/>
+            <a:ext cx="4715248" cy="3251894"/>
+          </a:xfrm>
+          <a:prstGeom prst="rect">
+            <a:avLst/>
+          </a:prstGeom>
+          <a:noFill/>
+          <a:extLst>
+            <a:ext uri="{909E8E84-426E-40DD-AFC4-6F175D3DCCD1}">
+              <a14:hiddenFill xmlns:a14="http://schemas.microsoft.com/office/drawing/2010/main">
+                <a:solidFill>
+                  <a:srgbClr val="FFFFFF"/>
+                </a:solidFill>
+              </a14:hiddenFill>
+            </a:ext>
+          </a:extLst>
+        </p:spPr>
+      </p:pic>
+    </p:spTree>
+    <p:extLst>
+      <p:ext uri="{BB962C8B-B14F-4D97-AF65-F5344CB8AC3E}">
+        <p14:creationId xmlns:p14="http://schemas.microsoft.com/office/powerpoint/2010/main" val="2039793275"/>
+      </p:ext>
+    </p:extLst>
+  </p:cSld>
+  <p:clrMapOvr>
+    <a:masterClrMapping/>
+  </p:clrMapOvr>
+</p:sld>
+</file>
+
+<file path=ppt/slides/slide25.xml><?xml version="1.0" encoding="utf-8"?>
+<p:sld xmlns:a="http://schemas.openxmlformats.org/drawingml/2006/main" xmlns:r="http://schemas.openxmlformats.org/officeDocument/2006/relationships" xmlns:p="http://schemas.openxmlformats.org/presentationml/2006/main">
+  <p:cSld>
+    <p:spTree>
+      <p:nvGrpSpPr>
+        <p:cNvPr id="1" name=""/>
+        <p:cNvGrpSpPr/>
+        <p:nvPr/>
+      </p:nvGrpSpPr>
+      <p:grpSpPr>
+        <a:xfrm>
+          <a:off x="0" y="0"/>
+          <a:ext cx="0" cy="0"/>
+          <a:chOff x="0" y="0"/>
+          <a:chExt cx="0" cy="0"/>
+        </a:xfrm>
+      </p:grpSpPr>
+      <p:sp>
+        <p:nvSpPr>
+          <p:cNvPr id="2" name="Titel 1">
+            <a:extLst>
+              <a:ext uri="{FF2B5EF4-FFF2-40B4-BE49-F238E27FC236}">
+                <a16:creationId xmlns:a16="http://schemas.microsoft.com/office/drawing/2014/main" id="{73168B85-7905-DEBC-34BC-B73EB909DDCD}"/>
+              </a:ext>
+            </a:extLst>
+          </p:cNvPr>
+          <p:cNvSpPr>
+            <a:spLocks noGrp="1"/>
+          </p:cNvSpPr>
+          <p:nvPr>
+            <p:ph type="title"/>
+          </p:nvPr>
+        </p:nvSpPr>
+        <p:spPr/>
+        <p:txBody>
+          <a:bodyPr/>
+          <a:lstStyle/>
+          <a:p>
+            <a:r>
+              <a:rPr lang="nl-NL" dirty="0"/>
+              <a:t>Wiskunde Termen</a:t>
+            </a:r>
+          </a:p>
+        </p:txBody>
+      </p:sp>
+      <p:sp>
+        <p:nvSpPr>
+          <p:cNvPr id="4" name="Titel 1">
+            <a:extLst>
+              <a:ext uri="{FF2B5EF4-FFF2-40B4-BE49-F238E27FC236}">
+                <a16:creationId xmlns:a16="http://schemas.microsoft.com/office/drawing/2014/main" id="{61ED484A-E87E-7D07-D06C-3D405D336CC2}"/>
+              </a:ext>
+            </a:extLst>
+          </p:cNvPr>
+          <p:cNvSpPr txBox="1">
+            <a:spLocks/>
+          </p:cNvSpPr>
+          <p:nvPr/>
+        </p:nvSpPr>
+        <p:spPr>
+          <a:xfrm>
+            <a:off x="1524000" y="2105897"/>
+            <a:ext cx="9144000" cy="2646206"/>
+          </a:xfrm>
+          <a:prstGeom prst="rect">
+            <a:avLst/>
+          </a:prstGeom>
+        </p:spPr>
+        <p:txBody>
+          <a:bodyPr vert="horz" lIns="91440" tIns="45720" rIns="91440" bIns="45720" rtlCol="0" anchor="ctr">
+            <a:normAutofit fontScale="97500"/>
+          </a:bodyPr>
+          <a:lstStyle>
+            <a:lvl1pPr algn="l" defTabSz="914400" rtl="0" eaLnBrk="1" latinLnBrk="0" hangingPunct="1">
+              <a:lnSpc>
+                <a:spcPct val="90000"/>
+              </a:lnSpc>
+              <a:spcBef>
+                <a:spcPct val="0"/>
+              </a:spcBef>
+              <a:buNone/>
+              <a:defRPr sz="4400" kern="1200">
+                <a:solidFill>
+                  <a:schemeClr val="tx1"/>
+                </a:solidFill>
+                <a:latin typeface="+mj-lt"/>
+                <a:ea typeface="+mj-ea"/>
+                <a:cs typeface="+mj-cs"/>
+              </a:defRPr>
+            </a:lvl1pPr>
+          </a:lstStyle>
+          <a:p>
+            <a:pPr algn="ctr"/>
+            <a:r>
+              <a:rPr lang="nl-NL" sz="9000" b="1" dirty="0"/>
+              <a:t>Punt</a:t>
+            </a:r>
+          </a:p>
+        </p:txBody>
+      </p:sp>
+    </p:spTree>
+    <p:extLst>
+      <p:ext uri="{BB962C8B-B14F-4D97-AF65-F5344CB8AC3E}">
+        <p14:creationId xmlns:p14="http://schemas.microsoft.com/office/powerpoint/2010/main" val="2947875900"/>
+      </p:ext>
+    </p:extLst>
+  </p:cSld>
+  <p:clrMapOvr>
+    <a:masterClrMapping/>
+  </p:clrMapOvr>
+</p:sld>
+</file>
+
+<file path=ppt/slides/slide26.xml><?xml version="1.0" encoding="utf-8"?>
+<p:sld xmlns:a="http://schemas.openxmlformats.org/drawingml/2006/main" xmlns:r="http://schemas.openxmlformats.org/officeDocument/2006/relationships" xmlns:p="http://schemas.openxmlformats.org/presentationml/2006/main">
+  <p:cSld>
+    <p:spTree>
+      <p:nvGrpSpPr>
+        <p:cNvPr id="1" name=""/>
+        <p:cNvGrpSpPr/>
+        <p:nvPr/>
+      </p:nvGrpSpPr>
+      <p:grpSpPr>
+        <a:xfrm>
+          <a:off x="0" y="0"/>
+          <a:ext cx="0" cy="0"/>
+          <a:chOff x="0" y="0"/>
+          <a:chExt cx="0" cy="0"/>
+        </a:xfrm>
+      </p:grpSpPr>
+      <p:sp>
+        <p:nvSpPr>
+          <p:cNvPr id="2" name="Titel 1">
+            <a:extLst>
+              <a:ext uri="{FF2B5EF4-FFF2-40B4-BE49-F238E27FC236}">
+                <a16:creationId xmlns:a16="http://schemas.microsoft.com/office/drawing/2014/main" id="{C2F5861A-BCDE-D2A4-C355-05C8119ED351}"/>
+              </a:ext>
+            </a:extLst>
+          </p:cNvPr>
+          <p:cNvSpPr>
+            <a:spLocks noGrp="1"/>
+          </p:cNvSpPr>
+          <p:nvPr>
+            <p:ph type="ctrTitle"/>
+          </p:nvPr>
+        </p:nvSpPr>
+        <p:spPr>
+          <a:xfrm>
+            <a:off x="1524000" y="236482"/>
+            <a:ext cx="9144000" cy="892887"/>
+          </a:xfrm>
+        </p:spPr>
+        <p:txBody>
+          <a:bodyPr>
+            <a:normAutofit fontScale="90000"/>
+          </a:bodyPr>
+          <a:lstStyle/>
+          <a:p>
+            <a:r>
+              <a:rPr lang="nl-NL" dirty="0"/>
+              <a:t>Punt</a:t>
+            </a:r>
+          </a:p>
+        </p:txBody>
+      </p:sp>
+      <p:sp>
+        <p:nvSpPr>
+          <p:cNvPr id="3" name="Ondertitel 2">
+            <a:extLst>
+              <a:ext uri="{FF2B5EF4-FFF2-40B4-BE49-F238E27FC236}">
+                <a16:creationId xmlns:a16="http://schemas.microsoft.com/office/drawing/2014/main" id="{7988AA68-FB88-7C7C-5E47-2AE86A2EFD72}"/>
+              </a:ext>
+            </a:extLst>
+          </p:cNvPr>
+          <p:cNvSpPr>
+            <a:spLocks noGrp="1"/>
+          </p:cNvSpPr>
+          <p:nvPr>
+            <p:ph type="subTitle" idx="1"/>
+          </p:nvPr>
+        </p:nvSpPr>
+        <p:spPr>
+          <a:xfrm>
+            <a:off x="1524000" y="1355451"/>
+            <a:ext cx="9144000" cy="3317287"/>
+          </a:xfrm>
+        </p:spPr>
+        <p:txBody>
+          <a:bodyPr>
+            <a:normAutofit/>
+          </a:bodyPr>
+          <a:lstStyle/>
+          <a:p>
+            <a:r>
+              <a:rPr lang="nl-NL" dirty="0"/>
+              <a:t>Een punt geeft een positie aan.</a:t>
+            </a:r>
+          </a:p>
+          <a:p>
+            <a:r>
+              <a:rPr lang="nl-NL" dirty="0"/>
+              <a:t>Een punt heeft geen </a:t>
+            </a:r>
+            <a:r>
+              <a:rPr lang="nl-NL" dirty="0">
+                <a:solidFill>
+                  <a:srgbClr val="7030A0"/>
+                </a:solidFill>
+              </a:rPr>
+              <a:t>oppervlakte</a:t>
+            </a:r>
+            <a:r>
+              <a:rPr lang="nl-NL" dirty="0"/>
+              <a:t>.</a:t>
+            </a:r>
+          </a:p>
+          <a:p>
+            <a:r>
+              <a:rPr lang="nl-NL" dirty="0"/>
+              <a:t>De naam van een punt wordt altijd gegeven met een hoofdletter.</a:t>
+            </a:r>
+          </a:p>
+          <a:p>
+            <a:endParaRPr lang="nl-NL" dirty="0"/>
+          </a:p>
+          <a:p>
+            <a:endParaRPr lang="nl-NL" dirty="0"/>
+          </a:p>
+          <a:p>
+            <a:endParaRPr lang="nl-NL" dirty="0"/>
+          </a:p>
+          <a:p>
+            <a:endParaRPr lang="nl-NL" dirty="0"/>
+          </a:p>
+        </p:txBody>
+      </p:sp>
+    </p:spTree>
+    <p:extLst>
+      <p:ext uri="{BB962C8B-B14F-4D97-AF65-F5344CB8AC3E}">
+        <p14:creationId xmlns:p14="http://schemas.microsoft.com/office/powerpoint/2010/main" val="1171845123"/>
+      </p:ext>
+    </p:extLst>
+  </p:cSld>
+  <p:clrMapOvr>
+    <a:masterClrMapping/>
+  </p:clrMapOvr>
+</p:sld>
+</file>
+
+<file path=ppt/slides/slide27.xml><?xml version="1.0" encoding="utf-8"?>
+<p:sld xmlns:a="http://schemas.openxmlformats.org/drawingml/2006/main" xmlns:r="http://schemas.openxmlformats.org/officeDocument/2006/relationships" xmlns:p="http://schemas.openxmlformats.org/presentationml/2006/main">
+  <p:cSld>
+    <p:spTree>
+      <p:nvGrpSpPr>
+        <p:cNvPr id="1" name=""/>
+        <p:cNvGrpSpPr/>
+        <p:nvPr/>
+      </p:nvGrpSpPr>
+      <p:grpSpPr>
+        <a:xfrm>
+          <a:off x="0" y="0"/>
+          <a:ext cx="0" cy="0"/>
+          <a:chOff x="0" y="0"/>
+          <a:chExt cx="0" cy="0"/>
+        </a:xfrm>
+      </p:grpSpPr>
+      <p:sp>
+        <p:nvSpPr>
+          <p:cNvPr id="2" name="Titel 1">
+            <a:extLst>
+              <a:ext uri="{FF2B5EF4-FFF2-40B4-BE49-F238E27FC236}">
+                <a16:creationId xmlns:a16="http://schemas.microsoft.com/office/drawing/2014/main" id="{C2F5861A-BCDE-D2A4-C355-05C8119ED351}"/>
+              </a:ext>
+            </a:extLst>
+          </p:cNvPr>
+          <p:cNvSpPr>
+            <a:spLocks noGrp="1"/>
+          </p:cNvSpPr>
+          <p:nvPr>
+            <p:ph type="ctrTitle"/>
+          </p:nvPr>
+        </p:nvSpPr>
+        <p:spPr>
+          <a:xfrm>
+            <a:off x="1524000" y="236482"/>
+            <a:ext cx="9144000" cy="892887"/>
+          </a:xfrm>
+        </p:spPr>
+        <p:txBody>
+          <a:bodyPr>
+            <a:normAutofit fontScale="90000"/>
+          </a:bodyPr>
+          <a:lstStyle/>
+          <a:p>
+            <a:r>
+              <a:rPr lang="nl-NL" dirty="0"/>
+              <a:t>Voorbeeld Punt</a:t>
+            </a:r>
+          </a:p>
+        </p:txBody>
+      </p:sp>
+      <p:pic>
+        <p:nvPicPr>
+          <p:cNvPr id="10242" name="Picture 2" descr="Punt - Digitale gereedschapskist vlakke meetkunde">
+            <a:extLst>
+              <a:ext uri="{FF2B5EF4-FFF2-40B4-BE49-F238E27FC236}">
+                <a16:creationId xmlns:a16="http://schemas.microsoft.com/office/drawing/2014/main" id="{F6A25EB3-A3A5-4179-B3C2-3FF578D97D0A}"/>
+              </a:ext>
+            </a:extLst>
+          </p:cNvPr>
+          <p:cNvPicPr>
+            <a:picLocks noChangeAspect="1" noChangeArrowheads="1"/>
+          </p:cNvPicPr>
+          <p:nvPr/>
+        </p:nvPicPr>
+        <p:blipFill>
+          <a:blip r:embed="rId2">
+            <a:extLst>
+              <a:ext uri="{28A0092B-C50C-407E-A947-70E740481C1C}">
+                <a14:useLocalDpi xmlns:a14="http://schemas.microsoft.com/office/drawing/2010/main" val="0"/>
+              </a:ext>
+            </a:extLst>
+          </a:blip>
+          <a:srcRect/>
+          <a:stretch>
+            <a:fillRect/>
+          </a:stretch>
+        </p:blipFill>
+        <p:spPr bwMode="auto">
+          <a:xfrm>
+            <a:off x="697467" y="3346887"/>
+            <a:ext cx="1447800" cy="1362075"/>
+          </a:xfrm>
+          <a:prstGeom prst="rect">
+            <a:avLst/>
+          </a:prstGeom>
+          <a:noFill/>
+          <a:extLst>
+            <a:ext uri="{909E8E84-426E-40DD-AFC4-6F175D3DCCD1}">
+              <a14:hiddenFill xmlns:a14="http://schemas.microsoft.com/office/drawing/2010/main">
+                <a:solidFill>
+                  <a:srgbClr val="FFFFFF"/>
+                </a:solidFill>
+              </a14:hiddenFill>
+            </a:ext>
+          </a:extLst>
+        </p:spPr>
+      </p:pic>
+      <p:pic>
+        <p:nvPicPr>
+          <p:cNvPr id="10244" name="Picture 4" descr="Samenvatting van Lijnen en hoeken uit Moderne wiskunde – 1 havo/vwo – 12 |  StudyGo">
+            <a:extLst>
+              <a:ext uri="{FF2B5EF4-FFF2-40B4-BE49-F238E27FC236}">
+                <a16:creationId xmlns:a16="http://schemas.microsoft.com/office/drawing/2014/main" id="{FCE32C05-7CAC-B451-9750-EBE69637FFE7}"/>
+              </a:ext>
+            </a:extLst>
+          </p:cNvPr>
+          <p:cNvPicPr>
+            <a:picLocks noChangeAspect="1" noChangeArrowheads="1"/>
+          </p:cNvPicPr>
+          <p:nvPr/>
+        </p:nvPicPr>
+        <p:blipFill>
+          <a:blip r:embed="rId3">
+            <a:extLst>
+              <a:ext uri="{28A0092B-C50C-407E-A947-70E740481C1C}">
+                <a14:useLocalDpi xmlns:a14="http://schemas.microsoft.com/office/drawing/2010/main" val="0"/>
+              </a:ext>
+            </a:extLst>
+          </a:blip>
+          <a:srcRect/>
+          <a:stretch>
+            <a:fillRect/>
+          </a:stretch>
+        </p:blipFill>
+        <p:spPr bwMode="auto">
+          <a:xfrm>
+            <a:off x="1421367" y="1167566"/>
+            <a:ext cx="4954326" cy="2261434"/>
+          </a:xfrm>
+          <a:prstGeom prst="rect">
+            <a:avLst/>
+          </a:prstGeom>
+          <a:noFill/>
+          <a:extLst>
+            <a:ext uri="{909E8E84-426E-40DD-AFC4-6F175D3DCCD1}">
+              <a14:hiddenFill xmlns:a14="http://schemas.microsoft.com/office/drawing/2010/main">
+                <a:solidFill>
+                  <a:srgbClr val="FFFFFF"/>
+                </a:solidFill>
+              </a14:hiddenFill>
+            </a:ext>
+          </a:extLst>
+        </p:spPr>
+      </p:pic>
+      <p:pic>
+        <p:nvPicPr>
+          <p:cNvPr id="10246" name="Picture 6" descr="WisFaq!">
+            <a:extLst>
+              <a:ext uri="{FF2B5EF4-FFF2-40B4-BE49-F238E27FC236}">
+                <a16:creationId xmlns:a16="http://schemas.microsoft.com/office/drawing/2014/main" id="{39962FC7-95C6-9308-3F7C-F155BC5A22B0}"/>
+              </a:ext>
+            </a:extLst>
+          </p:cNvPr>
+          <p:cNvPicPr>
+            <a:picLocks noChangeAspect="1" noChangeArrowheads="1"/>
+          </p:cNvPicPr>
+          <p:nvPr/>
+        </p:nvPicPr>
+        <p:blipFill>
+          <a:blip r:embed="rId4">
+            <a:extLst>
+              <a:ext uri="{28A0092B-C50C-407E-A947-70E740481C1C}">
+                <a14:useLocalDpi xmlns:a14="http://schemas.microsoft.com/office/drawing/2010/main" val="0"/>
+              </a:ext>
+            </a:extLst>
+          </a:blip>
+          <a:srcRect/>
+          <a:stretch>
+            <a:fillRect/>
+          </a:stretch>
+        </p:blipFill>
+        <p:spPr bwMode="auto">
+          <a:xfrm>
+            <a:off x="6096000" y="2544246"/>
+            <a:ext cx="5934710" cy="2967355"/>
+          </a:xfrm>
+          <a:prstGeom prst="rect">
+            <a:avLst/>
+          </a:prstGeom>
+          <a:noFill/>
+          <a:extLst>
+            <a:ext uri="{909E8E84-426E-40DD-AFC4-6F175D3DCCD1}">
+              <a14:hiddenFill xmlns:a14="http://schemas.microsoft.com/office/drawing/2010/main">
+                <a:solidFill>
+                  <a:srgbClr val="FFFFFF"/>
+                </a:solidFill>
+              </a14:hiddenFill>
+            </a:ext>
+          </a:extLst>
+        </p:spPr>
+      </p:pic>
+    </p:spTree>
+    <p:extLst>
+      <p:ext uri="{BB962C8B-B14F-4D97-AF65-F5344CB8AC3E}">
+        <p14:creationId xmlns:p14="http://schemas.microsoft.com/office/powerpoint/2010/main" val="1919354773"/>
+      </p:ext>
+    </p:extLst>
+  </p:cSld>
+  <p:clrMapOvr>
+    <a:masterClrMapping/>
+  </p:clrMapOvr>
+</p:sld>
+</file>
+
+<file path=ppt/slides/slide28.xml><?xml version="1.0" encoding="utf-8"?>
+<p:sld xmlns:a="http://schemas.openxmlformats.org/drawingml/2006/main" xmlns:r="http://schemas.openxmlformats.org/officeDocument/2006/relationships" xmlns:p="http://schemas.openxmlformats.org/presentationml/2006/main">
+  <p:cSld>
+    <p:spTree>
+      <p:nvGrpSpPr>
+        <p:cNvPr id="1" name=""/>
+        <p:cNvGrpSpPr/>
+        <p:nvPr/>
+      </p:nvGrpSpPr>
+      <p:grpSpPr>
+        <a:xfrm>
+          <a:off x="0" y="0"/>
+          <a:ext cx="0" cy="0"/>
+          <a:chOff x="0" y="0"/>
+          <a:chExt cx="0" cy="0"/>
+        </a:xfrm>
+      </p:grpSpPr>
+      <p:sp>
+        <p:nvSpPr>
+          <p:cNvPr id="2" name="Titel 1">
+            <a:extLst>
+              <a:ext uri="{FF2B5EF4-FFF2-40B4-BE49-F238E27FC236}">
+                <a16:creationId xmlns:a16="http://schemas.microsoft.com/office/drawing/2014/main" id="{73168B85-7905-DEBC-34BC-B73EB909DDCD}"/>
+              </a:ext>
+            </a:extLst>
+          </p:cNvPr>
+          <p:cNvSpPr>
+            <a:spLocks noGrp="1"/>
+          </p:cNvSpPr>
+          <p:nvPr>
+            <p:ph type="title"/>
+          </p:nvPr>
+        </p:nvSpPr>
+        <p:spPr/>
+        <p:txBody>
+          <a:bodyPr/>
+          <a:lstStyle/>
+          <a:p>
+            <a:r>
+              <a:rPr lang="nl-NL" dirty="0"/>
+              <a:t>Wiskunde Termen</a:t>
+            </a:r>
+          </a:p>
+        </p:txBody>
+      </p:sp>
+      <p:sp>
+        <p:nvSpPr>
+          <p:cNvPr id="4" name="Titel 1">
+            <a:extLst>
+              <a:ext uri="{FF2B5EF4-FFF2-40B4-BE49-F238E27FC236}">
+                <a16:creationId xmlns:a16="http://schemas.microsoft.com/office/drawing/2014/main" id="{61ED484A-E87E-7D07-D06C-3D405D336CC2}"/>
+              </a:ext>
+            </a:extLst>
+          </p:cNvPr>
+          <p:cNvSpPr txBox="1">
+            <a:spLocks/>
+          </p:cNvSpPr>
+          <p:nvPr/>
+        </p:nvSpPr>
+        <p:spPr>
+          <a:xfrm>
+            <a:off x="1524000" y="2105897"/>
+            <a:ext cx="9144000" cy="2646206"/>
+          </a:xfrm>
+          <a:prstGeom prst="rect">
+            <a:avLst/>
+          </a:prstGeom>
+        </p:spPr>
+        <p:txBody>
+          <a:bodyPr vert="horz" lIns="91440" tIns="45720" rIns="91440" bIns="45720" rtlCol="0" anchor="ctr">
+            <a:normAutofit fontScale="97500"/>
+          </a:bodyPr>
+          <a:lstStyle>
+            <a:lvl1pPr algn="l" defTabSz="914400" rtl="0" eaLnBrk="1" latinLnBrk="0" hangingPunct="1">
+              <a:lnSpc>
+                <a:spcPct val="90000"/>
+              </a:lnSpc>
+              <a:spcBef>
+                <a:spcPct val="0"/>
+              </a:spcBef>
+              <a:buNone/>
+              <a:defRPr sz="4400" kern="1200">
+                <a:solidFill>
+                  <a:schemeClr val="tx1"/>
+                </a:solidFill>
+                <a:latin typeface="+mj-lt"/>
+                <a:ea typeface="+mj-ea"/>
+                <a:cs typeface="+mj-cs"/>
+              </a:defRPr>
+            </a:lvl1pPr>
+          </a:lstStyle>
+          <a:p>
+            <a:pPr algn="ctr"/>
+            <a:r>
+              <a:rPr lang="nl-NL" sz="9000" b="1" dirty="0"/>
+              <a:t>Lijn</a:t>
+            </a:r>
+          </a:p>
+        </p:txBody>
+      </p:sp>
+    </p:spTree>
+    <p:extLst>
+      <p:ext uri="{BB962C8B-B14F-4D97-AF65-F5344CB8AC3E}">
+        <p14:creationId xmlns:p14="http://schemas.microsoft.com/office/powerpoint/2010/main" val="3842158581"/>
+      </p:ext>
+    </p:extLst>
+  </p:cSld>
+  <p:clrMapOvr>
+    <a:masterClrMapping/>
+  </p:clrMapOvr>
+</p:sld>
+</file>
+
+<file path=ppt/slides/slide29.xml><?xml version="1.0" encoding="utf-8"?>
+<p:sld xmlns:a="http://schemas.openxmlformats.org/drawingml/2006/main" xmlns:r="http://schemas.openxmlformats.org/officeDocument/2006/relationships" xmlns:p="http://schemas.openxmlformats.org/presentationml/2006/main">
+  <p:cSld>
+    <p:spTree>
+      <p:nvGrpSpPr>
+        <p:cNvPr id="1" name=""/>
+        <p:cNvGrpSpPr/>
+        <p:nvPr/>
+      </p:nvGrpSpPr>
+      <p:grpSpPr>
+        <a:xfrm>
+          <a:off x="0" y="0"/>
+          <a:ext cx="0" cy="0"/>
+          <a:chOff x="0" y="0"/>
+          <a:chExt cx="0" cy="0"/>
+        </a:xfrm>
+      </p:grpSpPr>
+      <p:sp>
+        <p:nvSpPr>
+          <p:cNvPr id="2" name="Titel 1">
+            <a:extLst>
+              <a:ext uri="{FF2B5EF4-FFF2-40B4-BE49-F238E27FC236}">
+                <a16:creationId xmlns:a16="http://schemas.microsoft.com/office/drawing/2014/main" id="{C2F5861A-BCDE-D2A4-C355-05C8119ED351}"/>
+              </a:ext>
+            </a:extLst>
+          </p:cNvPr>
+          <p:cNvSpPr>
+            <a:spLocks noGrp="1"/>
+          </p:cNvSpPr>
+          <p:nvPr>
+            <p:ph type="ctrTitle"/>
+          </p:nvPr>
+        </p:nvSpPr>
+        <p:spPr>
+          <a:xfrm>
+            <a:off x="1524000" y="236482"/>
+            <a:ext cx="9144000" cy="892887"/>
+          </a:xfrm>
+        </p:spPr>
+        <p:txBody>
+          <a:bodyPr>
+            <a:normAutofit fontScale="90000"/>
+          </a:bodyPr>
+          <a:lstStyle/>
+          <a:p>
+            <a:r>
+              <a:rPr lang="nl-NL" dirty="0"/>
+              <a:t>Lijn</a:t>
+            </a:r>
+          </a:p>
+        </p:txBody>
+      </p:sp>
+      <p:sp>
+        <p:nvSpPr>
+          <p:cNvPr id="3" name="Ondertitel 2">
+            <a:extLst>
+              <a:ext uri="{FF2B5EF4-FFF2-40B4-BE49-F238E27FC236}">
+                <a16:creationId xmlns:a16="http://schemas.microsoft.com/office/drawing/2014/main" id="{7988AA68-FB88-7C7C-5E47-2AE86A2EFD72}"/>
+              </a:ext>
+            </a:extLst>
+          </p:cNvPr>
+          <p:cNvSpPr>
+            <a:spLocks noGrp="1"/>
+          </p:cNvSpPr>
+          <p:nvPr>
+            <p:ph type="subTitle" idx="1"/>
+          </p:nvPr>
+        </p:nvSpPr>
+        <p:spPr>
+          <a:xfrm>
+            <a:off x="1524000" y="1355451"/>
+            <a:ext cx="9144000" cy="3317287"/>
+          </a:xfrm>
+        </p:spPr>
+        <p:txBody>
+          <a:bodyPr>
+            <a:normAutofit/>
+          </a:bodyPr>
+          <a:lstStyle/>
+          <a:p>
+            <a:r>
+              <a:rPr lang="nl-NL" dirty="0"/>
+              <a:t>Lengte zonder breedte.</a:t>
+            </a:r>
+          </a:p>
+          <a:p>
+            <a:r>
+              <a:rPr lang="nl-NL" dirty="0"/>
+              <a:t>Een lijn is altijd recht.</a:t>
+            </a:r>
+          </a:p>
+          <a:p>
+            <a:r>
+              <a:rPr lang="nl-NL" dirty="0"/>
+              <a:t>Wanneer het van </a:t>
+            </a:r>
+            <a:r>
+              <a:rPr lang="nl-NL" dirty="0">
+                <a:solidFill>
+                  <a:srgbClr val="7030A0"/>
+                </a:solidFill>
+              </a:rPr>
+              <a:t>punt</a:t>
+            </a:r>
+            <a:r>
+              <a:rPr lang="nl-NL" dirty="0"/>
+              <a:t> tot punt loopt noemen we het een lijnstuk.</a:t>
+            </a:r>
+          </a:p>
+          <a:p>
+            <a:r>
+              <a:rPr lang="nl-NL" dirty="0"/>
+              <a:t>Het is altijd mogelijk een lijn te verlengen.</a:t>
+            </a:r>
+          </a:p>
+          <a:p>
+            <a:r>
+              <a:rPr lang="nl-NL" dirty="0"/>
+              <a:t>De naam is altijd een kleine letter.</a:t>
+            </a:r>
+          </a:p>
+          <a:p>
+            <a:endParaRPr lang="nl-NL" dirty="0"/>
+          </a:p>
+          <a:p>
+            <a:endParaRPr lang="nl-NL" dirty="0"/>
+          </a:p>
+          <a:p>
+            <a:endParaRPr lang="nl-NL" dirty="0"/>
+          </a:p>
+          <a:p>
+            <a:endParaRPr lang="nl-NL" dirty="0"/>
+          </a:p>
+        </p:txBody>
+      </p:sp>
+    </p:spTree>
+    <p:extLst>
+      <p:ext uri="{BB962C8B-B14F-4D97-AF65-F5344CB8AC3E}">
+        <p14:creationId xmlns:p14="http://schemas.microsoft.com/office/powerpoint/2010/main" val="1007192214"/>
+      </p:ext>
+    </p:extLst>
+  </p:cSld>
+  <p:clrMapOvr>
+    <a:masterClrMapping/>
+  </p:clrMapOvr>
+</p:sld>
+</file>
+
+<file path=ppt/slides/slide3.xml><?xml version="1.0" encoding="utf-8"?>
+<p:sld xmlns:a="http://schemas.openxmlformats.org/drawingml/2006/main" xmlns:r="http://schemas.openxmlformats.org/officeDocument/2006/relationships" xmlns:p="http://schemas.openxmlformats.org/presentationml/2006/main">
+  <p:cSld>
+    <p:spTree>
+      <p:nvGrpSpPr>
+        <p:cNvPr id="1" name=""/>
+        <p:cNvGrpSpPr/>
+        <p:nvPr/>
+      </p:nvGrpSpPr>
+      <p:grpSpPr>
+        <a:xfrm>
+          <a:off x="0" y="0"/>
+          <a:ext cx="0" cy="0"/>
+          <a:chOff x="0" y="0"/>
+          <a:chExt cx="0" cy="0"/>
+        </a:xfrm>
+      </p:grpSpPr>
+      <p:sp>
+        <p:nvSpPr>
+          <p:cNvPr id="2" name="Titel 1">
+            <a:extLst>
+              <a:ext uri="{FF2B5EF4-FFF2-40B4-BE49-F238E27FC236}">
+                <a16:creationId xmlns:a16="http://schemas.microsoft.com/office/drawing/2014/main" id="{C2F5861A-BCDE-D2A4-C355-05C8119ED351}"/>
+              </a:ext>
+            </a:extLst>
+          </p:cNvPr>
+          <p:cNvSpPr>
+            <a:spLocks noGrp="1"/>
+          </p:cNvSpPr>
+          <p:nvPr>
+            <p:ph type="ctrTitle"/>
+          </p:nvPr>
+        </p:nvSpPr>
+        <p:spPr>
+          <a:xfrm>
+            <a:off x="1524000" y="236482"/>
+            <a:ext cx="9144000" cy="892887"/>
+          </a:xfrm>
+        </p:spPr>
+        <p:txBody>
+          <a:bodyPr>
+            <a:normAutofit fontScale="90000"/>
+          </a:bodyPr>
+          <a:lstStyle/>
+          <a:p>
+            <a:r>
+              <a:rPr lang="nl-NL" dirty="0"/>
+              <a:t>Voorbeeld Top (ruimtefiguur)</a:t>
+            </a:r>
+          </a:p>
+        </p:txBody>
+      </p:sp>
+      <p:pic>
+        <p:nvPicPr>
+          <p:cNvPr id="5122" name="Picture 2" descr="Kegel | Wiskunde">
+            <a:extLst>
+              <a:ext uri="{FF2B5EF4-FFF2-40B4-BE49-F238E27FC236}">
+                <a16:creationId xmlns:a16="http://schemas.microsoft.com/office/drawing/2014/main" id="{E11622E7-0A73-5EB7-3972-AA68D1307C4D}"/>
+              </a:ext>
+            </a:extLst>
+          </p:cNvPr>
+          <p:cNvPicPr>
+            <a:picLocks noChangeAspect="1" noChangeArrowheads="1"/>
+          </p:cNvPicPr>
+          <p:nvPr/>
+        </p:nvPicPr>
+        <p:blipFill rotWithShape="1">
+          <a:blip r:embed="rId2">
+            <a:extLst>
+              <a:ext uri="{28A0092B-C50C-407E-A947-70E740481C1C}">
+                <a14:useLocalDpi xmlns:a14="http://schemas.microsoft.com/office/drawing/2010/main" val="0"/>
+              </a:ext>
+            </a:extLst>
+          </a:blip>
+          <a:srcRect b="15757"/>
+          <a:stretch/>
+        </p:blipFill>
+        <p:spPr bwMode="auto">
+          <a:xfrm>
+            <a:off x="727074" y="2045653"/>
+            <a:ext cx="4084320" cy="3440747"/>
+          </a:xfrm>
+          <a:prstGeom prst="rect">
+            <a:avLst/>
+          </a:prstGeom>
+          <a:noFill/>
+          <a:extLst>
+            <a:ext uri="{909E8E84-426E-40DD-AFC4-6F175D3DCCD1}">
+              <a14:hiddenFill xmlns:a14="http://schemas.microsoft.com/office/drawing/2010/main">
+                <a:solidFill>
+                  <a:srgbClr val="FFFFFF"/>
+                </a:solidFill>
+              </a14:hiddenFill>
+            </a:ext>
+          </a:extLst>
+        </p:spPr>
+      </p:pic>
+      <p:pic>
+        <p:nvPicPr>
+          <p:cNvPr id="5124" name="Picture 4" descr="Wiskundeleraar">
+            <a:extLst>
+              <a:ext uri="{FF2B5EF4-FFF2-40B4-BE49-F238E27FC236}">
+                <a16:creationId xmlns:a16="http://schemas.microsoft.com/office/drawing/2014/main" id="{0D18B15C-4702-A1FE-F97B-2F792229BDBB}"/>
+              </a:ext>
+            </a:extLst>
+          </p:cNvPr>
+          <p:cNvPicPr>
+            <a:picLocks noChangeAspect="1" noChangeArrowheads="1"/>
+          </p:cNvPicPr>
+          <p:nvPr/>
+        </p:nvPicPr>
+        <p:blipFill>
+          <a:blip r:embed="rId3">
+            <a:extLst>
+              <a:ext uri="{28A0092B-C50C-407E-A947-70E740481C1C}">
+                <a14:useLocalDpi xmlns:a14="http://schemas.microsoft.com/office/drawing/2010/main" val="0"/>
+              </a:ext>
+            </a:extLst>
+          </a:blip>
+          <a:srcRect/>
+          <a:stretch>
+            <a:fillRect/>
+          </a:stretch>
+        </p:blipFill>
+        <p:spPr bwMode="auto">
+          <a:xfrm>
+            <a:off x="4811394" y="1840547"/>
+            <a:ext cx="6557646" cy="3535985"/>
+          </a:xfrm>
+          <a:prstGeom prst="rect">
+            <a:avLst/>
+          </a:prstGeom>
+          <a:noFill/>
+          <a:extLst>
+            <a:ext uri="{909E8E84-426E-40DD-AFC4-6F175D3DCCD1}">
+              <a14:hiddenFill xmlns:a14="http://schemas.microsoft.com/office/drawing/2010/main">
+                <a:solidFill>
+                  <a:srgbClr val="FFFFFF"/>
+                </a:solidFill>
+              </a14:hiddenFill>
+            </a:ext>
+          </a:extLst>
+        </p:spPr>
+      </p:pic>
+    </p:spTree>
+    <p:extLst>
+      <p:ext uri="{BB962C8B-B14F-4D97-AF65-F5344CB8AC3E}">
+        <p14:creationId xmlns:p14="http://schemas.microsoft.com/office/powerpoint/2010/main" val="2626784026"/>
+      </p:ext>
+    </p:extLst>
+  </p:cSld>
+  <p:clrMapOvr>
+    <a:masterClrMapping/>
+  </p:clrMapOvr>
+</p:sld>
+</file>
+
+<file path=ppt/slides/slide30.xml><?xml version="1.0" encoding="utf-8"?>
+<p:sld xmlns:a="http://schemas.openxmlformats.org/drawingml/2006/main" xmlns:r="http://schemas.openxmlformats.org/officeDocument/2006/relationships" xmlns:p="http://schemas.openxmlformats.org/presentationml/2006/main">
+  <p:cSld>
+    <p:spTree>
+      <p:nvGrpSpPr>
+        <p:cNvPr id="1" name=""/>
+        <p:cNvGrpSpPr/>
+        <p:nvPr/>
+      </p:nvGrpSpPr>
+      <p:grpSpPr>
+        <a:xfrm>
+          <a:off x="0" y="0"/>
+          <a:ext cx="0" cy="0"/>
+          <a:chOff x="0" y="0"/>
+          <a:chExt cx="0" cy="0"/>
+        </a:xfrm>
+      </p:grpSpPr>
+      <p:sp>
+        <p:nvSpPr>
+          <p:cNvPr id="2" name="Titel 1">
+            <a:extLst>
+              <a:ext uri="{FF2B5EF4-FFF2-40B4-BE49-F238E27FC236}">
+                <a16:creationId xmlns:a16="http://schemas.microsoft.com/office/drawing/2014/main" id="{C2F5861A-BCDE-D2A4-C355-05C8119ED351}"/>
+              </a:ext>
+            </a:extLst>
+          </p:cNvPr>
+          <p:cNvSpPr>
+            <a:spLocks noGrp="1"/>
+          </p:cNvSpPr>
+          <p:nvPr>
+            <p:ph type="ctrTitle"/>
+          </p:nvPr>
+        </p:nvSpPr>
+        <p:spPr>
+          <a:xfrm>
+            <a:off x="1524000" y="236482"/>
+            <a:ext cx="9144000" cy="892887"/>
+          </a:xfrm>
+        </p:spPr>
+        <p:txBody>
+          <a:bodyPr>
+            <a:normAutofit fontScale="90000"/>
+          </a:bodyPr>
+          <a:lstStyle/>
+          <a:p>
+            <a:r>
+              <a:rPr lang="nl-NL" dirty="0"/>
+              <a:t>Voorbeeld Lijn</a:t>
+            </a:r>
+          </a:p>
+        </p:txBody>
+      </p:sp>
+      <p:pic>
+        <p:nvPicPr>
+          <p:cNvPr id="9218" name="Picture 2" descr="Wat is een lijn, lijnstuk, halve lijn en snijpunt en hoe herken je ze? |  Wiskunde | / Kennis | AlleKennis.nl">
+            <a:extLst>
+              <a:ext uri="{FF2B5EF4-FFF2-40B4-BE49-F238E27FC236}">
+                <a16:creationId xmlns:a16="http://schemas.microsoft.com/office/drawing/2014/main" id="{4F717EEF-3B72-B0DE-4C09-22E59762B624}"/>
+              </a:ext>
+            </a:extLst>
+          </p:cNvPr>
+          <p:cNvPicPr>
+            <a:picLocks noChangeAspect="1" noChangeArrowheads="1"/>
+          </p:cNvPicPr>
+          <p:nvPr/>
+        </p:nvPicPr>
+        <p:blipFill rotWithShape="1">
+          <a:blip r:embed="rId2">
+            <a:extLst>
+              <a:ext uri="{28A0092B-C50C-407E-A947-70E740481C1C}">
+                <a14:useLocalDpi xmlns:a14="http://schemas.microsoft.com/office/drawing/2010/main" val="0"/>
+              </a:ext>
+            </a:extLst>
+          </a:blip>
+          <a:srcRect t="10627" r="53303" b="55148"/>
+          <a:stretch/>
+        </p:blipFill>
+        <p:spPr bwMode="auto">
+          <a:xfrm>
+            <a:off x="927882" y="2101992"/>
+            <a:ext cx="4674756" cy="1828800"/>
+          </a:xfrm>
+          <a:prstGeom prst="rect">
+            <a:avLst/>
+          </a:prstGeom>
+          <a:noFill/>
+          <a:extLst>
+            <a:ext uri="{909E8E84-426E-40DD-AFC4-6F175D3DCCD1}">
+              <a14:hiddenFill xmlns:a14="http://schemas.microsoft.com/office/drawing/2010/main">
+                <a:solidFill>
+                  <a:srgbClr val="FFFFFF"/>
+                </a:solidFill>
+              </a14:hiddenFill>
+            </a:ext>
+          </a:extLst>
+        </p:spPr>
+      </p:pic>
+      <p:pic>
+        <p:nvPicPr>
+          <p:cNvPr id="9220" name="Picture 4" descr="Wat is een lijn, lijnstuk, halve lijn en snijpunt en hoe herken je ze? |  Wiskunde | / Kennis | AlleKennis.nl">
+            <a:extLst>
+              <a:ext uri="{FF2B5EF4-FFF2-40B4-BE49-F238E27FC236}">
+                <a16:creationId xmlns:a16="http://schemas.microsoft.com/office/drawing/2014/main" id="{99E37403-5850-E2F3-E871-8A495417DAFD}"/>
+              </a:ext>
+            </a:extLst>
+          </p:cNvPr>
+          <p:cNvPicPr>
+            <a:picLocks noChangeAspect="1" noChangeArrowheads="1"/>
+          </p:cNvPicPr>
+          <p:nvPr/>
+        </p:nvPicPr>
+        <p:blipFill rotWithShape="1">
+          <a:blip r:embed="rId2">
+            <a:extLst>
+              <a:ext uri="{28A0092B-C50C-407E-A947-70E740481C1C}">
+                <a14:useLocalDpi xmlns:a14="http://schemas.microsoft.com/office/drawing/2010/main" val="0"/>
+              </a:ext>
+            </a:extLst>
+          </a:blip>
+          <a:srcRect l="53973" t="14324" r="2059" b="56598"/>
+          <a:stretch/>
+        </p:blipFill>
+        <p:spPr bwMode="auto">
+          <a:xfrm>
+            <a:off x="6645623" y="2239505"/>
+            <a:ext cx="4401518" cy="1553774"/>
+          </a:xfrm>
+          <a:prstGeom prst="rect">
+            <a:avLst/>
+          </a:prstGeom>
+          <a:noFill/>
+          <a:extLst>
+            <a:ext uri="{909E8E84-426E-40DD-AFC4-6F175D3DCCD1}">
+              <a14:hiddenFill xmlns:a14="http://schemas.microsoft.com/office/drawing/2010/main">
+                <a:solidFill>
+                  <a:srgbClr val="FFFFFF"/>
+                </a:solidFill>
+              </a14:hiddenFill>
+            </a:ext>
+          </a:extLst>
+        </p:spPr>
+      </p:pic>
+    </p:spTree>
+    <p:extLst>
+      <p:ext uri="{BB962C8B-B14F-4D97-AF65-F5344CB8AC3E}">
+        <p14:creationId xmlns:p14="http://schemas.microsoft.com/office/powerpoint/2010/main" val="3612160122"/>
+      </p:ext>
+    </p:extLst>
+  </p:cSld>
+  <p:clrMapOvr>
+    <a:masterClrMapping/>
+  </p:clrMapOvr>
+</p:sld>
+</file>
+
+<file path=ppt/slides/slide31.xml><?xml version="1.0" encoding="utf-8"?>
+<p:sld xmlns:a="http://schemas.openxmlformats.org/drawingml/2006/main" xmlns:r="http://schemas.openxmlformats.org/officeDocument/2006/relationships" xmlns:p="http://schemas.openxmlformats.org/presentationml/2006/main">
+  <p:cSld>
+    <p:spTree>
+      <p:nvGrpSpPr>
+        <p:cNvPr id="1" name=""/>
+        <p:cNvGrpSpPr/>
+        <p:nvPr/>
+      </p:nvGrpSpPr>
+      <p:grpSpPr>
+        <a:xfrm>
+          <a:off x="0" y="0"/>
+          <a:ext cx="0" cy="0"/>
+          <a:chOff x="0" y="0"/>
+          <a:chExt cx="0" cy="0"/>
+        </a:xfrm>
+      </p:grpSpPr>
+      <p:sp>
+        <p:nvSpPr>
+          <p:cNvPr id="2" name="Titel 1">
+            <a:extLst>
+              <a:ext uri="{FF2B5EF4-FFF2-40B4-BE49-F238E27FC236}">
+                <a16:creationId xmlns:a16="http://schemas.microsoft.com/office/drawing/2014/main" id="{73168B85-7905-DEBC-34BC-B73EB909DDCD}"/>
+              </a:ext>
+            </a:extLst>
+          </p:cNvPr>
+          <p:cNvSpPr>
+            <a:spLocks noGrp="1"/>
+          </p:cNvSpPr>
+          <p:nvPr>
+            <p:ph type="title"/>
+          </p:nvPr>
+        </p:nvSpPr>
+        <p:spPr/>
+        <p:txBody>
+          <a:bodyPr/>
+          <a:lstStyle/>
+          <a:p>
+            <a:r>
+              <a:rPr lang="nl-NL" dirty="0"/>
+              <a:t>Wiskunde Termen</a:t>
+            </a:r>
+          </a:p>
+        </p:txBody>
+      </p:sp>
+      <p:sp>
+        <p:nvSpPr>
+          <p:cNvPr id="4" name="Titel 1">
+            <a:extLst>
+              <a:ext uri="{FF2B5EF4-FFF2-40B4-BE49-F238E27FC236}">
+                <a16:creationId xmlns:a16="http://schemas.microsoft.com/office/drawing/2014/main" id="{61ED484A-E87E-7D07-D06C-3D405D336CC2}"/>
+              </a:ext>
+            </a:extLst>
+          </p:cNvPr>
+          <p:cNvSpPr txBox="1">
+            <a:spLocks/>
+          </p:cNvSpPr>
+          <p:nvPr/>
+        </p:nvSpPr>
+        <p:spPr>
+          <a:xfrm>
+            <a:off x="1524000" y="2105897"/>
+            <a:ext cx="9144000" cy="2646206"/>
+          </a:xfrm>
+          <a:prstGeom prst="rect">
+            <a:avLst/>
+          </a:prstGeom>
+        </p:spPr>
+        <p:txBody>
+          <a:bodyPr vert="horz" lIns="91440" tIns="45720" rIns="91440" bIns="45720" rtlCol="0" anchor="ctr">
+            <a:normAutofit fontScale="97500"/>
+          </a:bodyPr>
+          <a:lstStyle>
+            <a:lvl1pPr algn="l" defTabSz="914400" rtl="0" eaLnBrk="1" latinLnBrk="0" hangingPunct="1">
+              <a:lnSpc>
+                <a:spcPct val="90000"/>
+              </a:lnSpc>
+              <a:spcBef>
+                <a:spcPct val="0"/>
+              </a:spcBef>
+              <a:buNone/>
+              <a:defRPr sz="4400" kern="1200">
+                <a:solidFill>
+                  <a:schemeClr val="tx1"/>
+                </a:solidFill>
+                <a:latin typeface="+mj-lt"/>
+                <a:ea typeface="+mj-ea"/>
+                <a:cs typeface="+mj-cs"/>
+              </a:defRPr>
+            </a:lvl1pPr>
+          </a:lstStyle>
+          <a:p>
+            <a:pPr algn="ctr"/>
+            <a:r>
+              <a:rPr lang="nl-NL" sz="9000" b="1" dirty="0"/>
+              <a:t>Kubus</a:t>
+            </a:r>
+          </a:p>
+        </p:txBody>
+      </p:sp>
+    </p:spTree>
+    <p:extLst>
+      <p:ext uri="{BB962C8B-B14F-4D97-AF65-F5344CB8AC3E}">
+        <p14:creationId xmlns:p14="http://schemas.microsoft.com/office/powerpoint/2010/main" val="174963777"/>
+      </p:ext>
+    </p:extLst>
+  </p:cSld>
+  <p:clrMapOvr>
+    <a:masterClrMapping/>
+  </p:clrMapOvr>
+</p:sld>
+</file>
+
+<file path=ppt/slides/slide32.xml><?xml version="1.0" encoding="utf-8"?>
+<p:sld xmlns:a="http://schemas.openxmlformats.org/drawingml/2006/main" xmlns:r="http://schemas.openxmlformats.org/officeDocument/2006/relationships" xmlns:p="http://schemas.openxmlformats.org/presentationml/2006/main">
+  <p:cSld>
+    <p:spTree>
+      <p:nvGrpSpPr>
+        <p:cNvPr id="1" name=""/>
+        <p:cNvGrpSpPr/>
+        <p:nvPr/>
+      </p:nvGrpSpPr>
+      <p:grpSpPr>
+        <a:xfrm>
+          <a:off x="0" y="0"/>
+          <a:ext cx="0" cy="0"/>
+          <a:chOff x="0" y="0"/>
+          <a:chExt cx="0" cy="0"/>
+        </a:xfrm>
+      </p:grpSpPr>
+      <p:sp>
+        <p:nvSpPr>
+          <p:cNvPr id="2" name="Titel 1">
+            <a:extLst>
+              <a:ext uri="{FF2B5EF4-FFF2-40B4-BE49-F238E27FC236}">
+                <a16:creationId xmlns:a16="http://schemas.microsoft.com/office/drawing/2014/main" id="{C2F5861A-BCDE-D2A4-C355-05C8119ED351}"/>
+              </a:ext>
+            </a:extLst>
+          </p:cNvPr>
+          <p:cNvSpPr>
+            <a:spLocks noGrp="1"/>
+          </p:cNvSpPr>
+          <p:nvPr>
+            <p:ph type="ctrTitle"/>
+          </p:nvPr>
+        </p:nvSpPr>
+        <p:spPr>
+          <a:xfrm>
+            <a:off x="1524000" y="236482"/>
+            <a:ext cx="9144000" cy="892887"/>
+          </a:xfrm>
+        </p:spPr>
+        <p:txBody>
+          <a:bodyPr>
+            <a:normAutofit fontScale="90000"/>
+          </a:bodyPr>
+          <a:lstStyle/>
+          <a:p>
+            <a:r>
+              <a:rPr lang="nl-NL" dirty="0"/>
+              <a:t>Kubus</a:t>
+            </a:r>
+          </a:p>
+        </p:txBody>
+      </p:sp>
+      <p:sp>
+        <p:nvSpPr>
+          <p:cNvPr id="3" name="Ondertitel 2">
+            <a:extLst>
+              <a:ext uri="{FF2B5EF4-FFF2-40B4-BE49-F238E27FC236}">
+                <a16:creationId xmlns:a16="http://schemas.microsoft.com/office/drawing/2014/main" id="{7988AA68-FB88-7C7C-5E47-2AE86A2EFD72}"/>
+              </a:ext>
+            </a:extLst>
+          </p:cNvPr>
+          <p:cNvSpPr>
+            <a:spLocks noGrp="1"/>
+          </p:cNvSpPr>
+          <p:nvPr>
+            <p:ph type="subTitle" idx="1"/>
+          </p:nvPr>
+        </p:nvSpPr>
+        <p:spPr>
+          <a:xfrm>
+            <a:off x="1524000" y="1355452"/>
+            <a:ext cx="9144000" cy="1655762"/>
+          </a:xfrm>
+        </p:spPr>
+        <p:txBody>
+          <a:bodyPr>
+            <a:normAutofit/>
+          </a:bodyPr>
+          <a:lstStyle/>
+          <a:p>
+            <a:r>
+              <a:rPr lang="nl-NL" dirty="0"/>
+              <a:t>Een Kubus is een </a:t>
+            </a:r>
+            <a:r>
+              <a:rPr lang="nl-NL" dirty="0">
+                <a:solidFill>
+                  <a:srgbClr val="7030A0"/>
+                </a:solidFill>
+              </a:rPr>
+              <a:t>ruimtefiguur</a:t>
+            </a:r>
+            <a:r>
+              <a:rPr lang="nl-NL" dirty="0"/>
+              <a:t>. </a:t>
+            </a:r>
+          </a:p>
+          <a:p>
+            <a:r>
+              <a:rPr lang="nl-NL" dirty="0"/>
+              <a:t>Een Kubus heeft 8 </a:t>
+            </a:r>
+            <a:r>
+              <a:rPr lang="nl-NL" dirty="0">
+                <a:solidFill>
+                  <a:srgbClr val="7030A0"/>
+                </a:solidFill>
+              </a:rPr>
+              <a:t>hoekpunten</a:t>
+            </a:r>
+            <a:r>
+              <a:rPr lang="nl-NL" dirty="0"/>
+              <a:t>, 12 </a:t>
+            </a:r>
+            <a:r>
+              <a:rPr lang="nl-NL" dirty="0">
+                <a:solidFill>
+                  <a:srgbClr val="7030A0"/>
+                </a:solidFill>
+              </a:rPr>
+              <a:t>ribben</a:t>
+            </a:r>
+            <a:r>
+              <a:rPr lang="nl-NL" dirty="0"/>
+              <a:t> en 6 </a:t>
+            </a:r>
+            <a:r>
+              <a:rPr lang="nl-NL" dirty="0">
+                <a:solidFill>
+                  <a:srgbClr val="7030A0"/>
+                </a:solidFill>
+              </a:rPr>
+              <a:t>zijvlakken</a:t>
+            </a:r>
+            <a:r>
+              <a:rPr lang="nl-NL" dirty="0"/>
+              <a:t>.</a:t>
+            </a:r>
+          </a:p>
+          <a:p>
+            <a:r>
+              <a:rPr lang="nl-NL" dirty="0"/>
+              <a:t>Deze zijvlakken hebben allemaal de vorm </a:t>
+            </a:r>
+            <a:r>
+              <a:rPr lang="nl-NL" dirty="0">
+                <a:solidFill>
+                  <a:srgbClr val="7030A0"/>
+                </a:solidFill>
+              </a:rPr>
+              <a:t>vierkant</a:t>
+            </a:r>
+            <a:r>
+              <a:rPr lang="nl-NL" dirty="0"/>
+              <a:t>.</a:t>
+            </a:r>
+          </a:p>
+          <a:p>
+            <a:endParaRPr lang="nl-NL" dirty="0"/>
+          </a:p>
+          <a:p>
+            <a:endParaRPr lang="nl-NL" dirty="0"/>
+          </a:p>
+          <a:p>
+            <a:endParaRPr lang="nl-NL" dirty="0"/>
+          </a:p>
+          <a:p>
+            <a:endParaRPr lang="nl-NL" dirty="0"/>
+          </a:p>
+        </p:txBody>
+      </p:sp>
+    </p:spTree>
+    <p:extLst>
+      <p:ext uri="{BB962C8B-B14F-4D97-AF65-F5344CB8AC3E}">
+        <p14:creationId xmlns:p14="http://schemas.microsoft.com/office/powerpoint/2010/main" val="4253895074"/>
+      </p:ext>
+    </p:extLst>
+  </p:cSld>
+  <p:clrMapOvr>
+    <a:masterClrMapping/>
+  </p:clrMapOvr>
+</p:sld>
+</file>
+
+<file path=ppt/slides/slide33.xml><?xml version="1.0" encoding="utf-8"?>
+<p:sld xmlns:a="http://schemas.openxmlformats.org/drawingml/2006/main" xmlns:r="http://schemas.openxmlformats.org/officeDocument/2006/relationships" xmlns:p="http://schemas.openxmlformats.org/presentationml/2006/main">
+  <p:cSld>
+    <p:spTree>
+      <p:nvGrpSpPr>
+        <p:cNvPr id="1" name=""/>
+        <p:cNvGrpSpPr/>
+        <p:nvPr/>
+      </p:nvGrpSpPr>
+      <p:grpSpPr>
+        <a:xfrm>
+          <a:off x="0" y="0"/>
+          <a:ext cx="0" cy="0"/>
+          <a:chOff x="0" y="0"/>
+          <a:chExt cx="0" cy="0"/>
+        </a:xfrm>
+      </p:grpSpPr>
+      <p:sp>
+        <p:nvSpPr>
+          <p:cNvPr id="2" name="Titel 1">
+            <a:extLst>
+              <a:ext uri="{FF2B5EF4-FFF2-40B4-BE49-F238E27FC236}">
+                <a16:creationId xmlns:a16="http://schemas.microsoft.com/office/drawing/2014/main" id="{C2F5861A-BCDE-D2A4-C355-05C8119ED351}"/>
+              </a:ext>
+            </a:extLst>
+          </p:cNvPr>
+          <p:cNvSpPr>
+            <a:spLocks noGrp="1"/>
+          </p:cNvSpPr>
+          <p:nvPr>
+            <p:ph type="ctrTitle"/>
+          </p:nvPr>
+        </p:nvSpPr>
+        <p:spPr>
+          <a:xfrm>
+            <a:off x="1524000" y="236482"/>
+            <a:ext cx="9144000" cy="892887"/>
+          </a:xfrm>
+        </p:spPr>
+        <p:txBody>
+          <a:bodyPr>
+            <a:normAutofit fontScale="90000"/>
+          </a:bodyPr>
+          <a:lstStyle/>
+          <a:p>
+            <a:r>
+              <a:rPr lang="nl-NL" dirty="0"/>
+              <a:t>Voorbeeld Kubus</a:t>
+            </a:r>
+          </a:p>
+        </p:txBody>
+      </p:sp>
+      <mc:AlternateContent xmlns:mc="http://schemas.openxmlformats.org/markup-compatibility/2006" xmlns:a14="http://schemas.microsoft.com/office/drawing/2010/main">
+        <mc:Choice Requires="a14">
+          <p:sp>
+            <p:nvSpPr>
+              <p:cNvPr id="6" name="Tekstvak 5">
+                <a:extLst>
+                  <a:ext uri="{FF2B5EF4-FFF2-40B4-BE49-F238E27FC236}">
+                    <a16:creationId xmlns:a16="http://schemas.microsoft.com/office/drawing/2014/main" id="{0ED983DA-E145-C70F-B5C1-4BDF21B5A2E2}"/>
+                  </a:ext>
+                </a:extLst>
+              </p:cNvPr>
+              <p:cNvSpPr txBox="1"/>
+              <p:nvPr/>
+            </p:nvSpPr>
+            <p:spPr>
+              <a:xfrm>
+                <a:off x="5102680" y="1522640"/>
+                <a:ext cx="2070054" cy="369332"/>
+              </a:xfrm>
+              <a:prstGeom prst="rect">
+                <a:avLst/>
+              </a:prstGeom>
+              <a:noFill/>
+            </p:spPr>
+            <p:txBody>
+              <a:bodyPr wrap="none" rtlCol="0">
+                <a:spAutoFit/>
+              </a:bodyPr>
+              <a:lstStyle/>
+              <a:p>
+                <a:r>
+                  <a:rPr lang="nl-NL" dirty="0"/>
+                  <a:t>Kubus </a:t>
+                </a:r>
+                <a14:m>
+                  <m:oMath xmlns:m="http://schemas.openxmlformats.org/officeDocument/2006/math">
+                    <m:r>
+                      <a:rPr lang="nl-NL" i="1" dirty="0" smtClean="0">
+                        <a:latin typeface="Cambria Math" panose="02040503050406030204" pitchFamily="18" charset="0"/>
+                      </a:rPr>
+                      <m:t>𝐴𝐵𝐶𝐷</m:t>
+                    </m:r>
+                    <m:r>
+                      <a:rPr lang="nl-NL" i="1" dirty="0" smtClean="0">
+                        <a:latin typeface="Cambria Math" panose="02040503050406030204" pitchFamily="18" charset="0"/>
+                      </a:rPr>
+                      <m:t> </m:t>
+                    </m:r>
+                    <m:r>
+                      <a:rPr lang="nl-NL" i="1" dirty="0" smtClean="0">
+                        <a:latin typeface="Cambria Math" panose="02040503050406030204" pitchFamily="18" charset="0"/>
+                      </a:rPr>
+                      <m:t>𝐸𝐹𝐺𝐻</m:t>
+                    </m:r>
+                  </m:oMath>
+                </a14:m>
+                <a:endParaRPr lang="nl-NL" dirty="0"/>
+              </a:p>
+            </p:txBody>
+          </p:sp>
+        </mc:Choice>
+        <mc:Fallback xmlns="">
+          <p:sp>
+            <p:nvSpPr>
+              <p:cNvPr id="6" name="Tekstvak 5">
+                <a:extLst>
+                  <a:ext uri="{FF2B5EF4-FFF2-40B4-BE49-F238E27FC236}">
+                    <a16:creationId xmlns:a16="http://schemas.microsoft.com/office/drawing/2014/main" id="{0ED983DA-E145-C70F-B5C1-4BDF21B5A2E2}"/>
+                  </a:ext>
+                </a:extLst>
+              </p:cNvPr>
+              <p:cNvSpPr txBox="1">
+                <a:spLocks noRot="1" noChangeAspect="1" noMove="1" noResize="1" noEditPoints="1" noAdjustHandles="1" noChangeArrowheads="1" noChangeShapeType="1" noTextEdit="1"/>
+              </p:cNvSpPr>
+              <p:nvPr/>
+            </p:nvSpPr>
+            <p:spPr>
+              <a:xfrm>
+                <a:off x="5102680" y="1522640"/>
+                <a:ext cx="2070054" cy="369332"/>
+              </a:xfrm>
+              <a:prstGeom prst="rect">
+                <a:avLst/>
+              </a:prstGeom>
+              <a:blipFill>
+                <a:blip r:embed="rId2"/>
+                <a:stretch>
+                  <a:fillRect l="-2353" t="-10000" b="-26667"/>
+                </a:stretch>
+              </a:blipFill>
+            </p:spPr>
+            <p:txBody>
+              <a:bodyPr/>
+              <a:lstStyle/>
+              <a:p>
+                <a:r>
+                  <a:rPr lang="nl-NL">
+                    <a:noFill/>
+                  </a:rPr>
+                  <a:t> </a:t>
+                </a:r>
+              </a:p>
+            </p:txBody>
+          </p:sp>
+        </mc:Fallback>
+      </mc:AlternateContent>
+      <p:pic>
+        <p:nvPicPr>
+          <p:cNvPr id="7170" name="Picture 2" descr="Slimleren - Kubus en vierkant">
+            <a:extLst>
+              <a:ext uri="{FF2B5EF4-FFF2-40B4-BE49-F238E27FC236}">
+                <a16:creationId xmlns:a16="http://schemas.microsoft.com/office/drawing/2014/main" id="{FC1E7357-DAEA-0E8F-8A78-97BF05072BF1}"/>
+              </a:ext>
+            </a:extLst>
+          </p:cNvPr>
+          <p:cNvPicPr>
+            <a:picLocks noChangeAspect="1" noChangeArrowheads="1"/>
+          </p:cNvPicPr>
+          <p:nvPr/>
+        </p:nvPicPr>
+        <p:blipFill>
+          <a:blip r:embed="rId3">
+            <a:extLst>
+              <a:ext uri="{28A0092B-C50C-407E-A947-70E740481C1C}">
+                <a14:useLocalDpi xmlns:a14="http://schemas.microsoft.com/office/drawing/2010/main" val="0"/>
+              </a:ext>
+            </a:extLst>
+          </a:blip>
+          <a:srcRect/>
+          <a:stretch>
+            <a:fillRect/>
+          </a:stretch>
+        </p:blipFill>
+        <p:spPr bwMode="auto">
+          <a:xfrm>
+            <a:off x="4023805" y="1891972"/>
+            <a:ext cx="4802479" cy="4802479"/>
+          </a:xfrm>
+          <a:prstGeom prst="rect">
+            <a:avLst/>
+          </a:prstGeom>
+          <a:noFill/>
+          <a:extLst>
+            <a:ext uri="{909E8E84-426E-40DD-AFC4-6F175D3DCCD1}">
+              <a14:hiddenFill xmlns:a14="http://schemas.microsoft.com/office/drawing/2010/main">
+                <a:solidFill>
+                  <a:srgbClr val="FFFFFF"/>
+                </a:solidFill>
+              </a14:hiddenFill>
+            </a:ext>
+          </a:extLst>
+        </p:spPr>
+      </p:pic>
+    </p:spTree>
+    <p:extLst>
+      <p:ext uri="{BB962C8B-B14F-4D97-AF65-F5344CB8AC3E}">
+        <p14:creationId xmlns:p14="http://schemas.microsoft.com/office/powerpoint/2010/main" val="1067620883"/>
+      </p:ext>
+    </p:extLst>
+  </p:cSld>
+  <p:clrMapOvr>
+    <a:masterClrMapping/>
+  </p:clrMapOvr>
+</p:sld>
+</file>
+
+<file path=ppt/slides/slide34.xml><?xml version="1.0" encoding="utf-8"?>
+<p:sld xmlns:a="http://schemas.openxmlformats.org/drawingml/2006/main" xmlns:r="http://schemas.openxmlformats.org/officeDocument/2006/relationships" xmlns:p="http://schemas.openxmlformats.org/presentationml/2006/main">
+  <p:cSld>
+    <p:spTree>
+      <p:nvGrpSpPr>
+        <p:cNvPr id="1" name=""/>
+        <p:cNvGrpSpPr/>
+        <p:nvPr/>
+      </p:nvGrpSpPr>
+      <p:grpSpPr>
+        <a:xfrm>
+          <a:off x="0" y="0"/>
+          <a:ext cx="0" cy="0"/>
+          <a:chOff x="0" y="0"/>
+          <a:chExt cx="0" cy="0"/>
+        </a:xfrm>
+      </p:grpSpPr>
+      <p:sp>
+        <p:nvSpPr>
+          <p:cNvPr id="2" name="Titel 1">
+            <a:extLst>
+              <a:ext uri="{FF2B5EF4-FFF2-40B4-BE49-F238E27FC236}">
+                <a16:creationId xmlns:a16="http://schemas.microsoft.com/office/drawing/2014/main" id="{73168B85-7905-DEBC-34BC-B73EB909DDCD}"/>
+              </a:ext>
+            </a:extLst>
+          </p:cNvPr>
+          <p:cNvSpPr>
+            <a:spLocks noGrp="1"/>
+          </p:cNvSpPr>
+          <p:nvPr>
+            <p:ph type="title"/>
+          </p:nvPr>
+        </p:nvSpPr>
+        <p:spPr/>
+        <p:txBody>
+          <a:bodyPr/>
+          <a:lstStyle/>
+          <a:p>
+            <a:r>
+              <a:rPr lang="nl-NL" dirty="0"/>
+              <a:t>Wiskunde Termen</a:t>
+            </a:r>
+          </a:p>
+        </p:txBody>
+      </p:sp>
+      <p:sp>
+        <p:nvSpPr>
+          <p:cNvPr id="4" name="Titel 1">
+            <a:extLst>
+              <a:ext uri="{FF2B5EF4-FFF2-40B4-BE49-F238E27FC236}">
+                <a16:creationId xmlns:a16="http://schemas.microsoft.com/office/drawing/2014/main" id="{61ED484A-E87E-7D07-D06C-3D405D336CC2}"/>
+              </a:ext>
+            </a:extLst>
+          </p:cNvPr>
+          <p:cNvSpPr txBox="1">
+            <a:spLocks/>
+          </p:cNvSpPr>
+          <p:nvPr/>
+        </p:nvSpPr>
+        <p:spPr>
+          <a:xfrm>
+            <a:off x="34871" y="2105897"/>
+            <a:ext cx="12122258" cy="2646206"/>
+          </a:xfrm>
+          <a:prstGeom prst="rect">
+            <a:avLst/>
+          </a:prstGeom>
+        </p:spPr>
+        <p:txBody>
+          <a:bodyPr vert="horz" lIns="91440" tIns="45720" rIns="91440" bIns="45720" rtlCol="0" anchor="ctr">
+            <a:normAutofit fontScale="97500"/>
+          </a:bodyPr>
+          <a:lstStyle>
+            <a:lvl1pPr algn="l" defTabSz="914400" rtl="0" eaLnBrk="1" latinLnBrk="0" hangingPunct="1">
+              <a:lnSpc>
+                <a:spcPct val="90000"/>
+              </a:lnSpc>
+              <a:spcBef>
+                <a:spcPct val="0"/>
+              </a:spcBef>
+              <a:buNone/>
+              <a:defRPr sz="4400" kern="1200">
+                <a:solidFill>
+                  <a:schemeClr val="tx1"/>
+                </a:solidFill>
+                <a:latin typeface="+mj-lt"/>
+                <a:ea typeface="+mj-ea"/>
+                <a:cs typeface="+mj-cs"/>
+              </a:defRPr>
+            </a:lvl1pPr>
+          </a:lstStyle>
+          <a:p>
+            <a:pPr algn="ctr"/>
+            <a:r>
+              <a:rPr lang="nl-NL" sz="9000" b="1" dirty="0"/>
+              <a:t>Hoek</a:t>
+            </a:r>
+          </a:p>
+        </p:txBody>
+      </p:sp>
+    </p:spTree>
+    <p:extLst>
+      <p:ext uri="{BB962C8B-B14F-4D97-AF65-F5344CB8AC3E}">
+        <p14:creationId xmlns:p14="http://schemas.microsoft.com/office/powerpoint/2010/main" val="3452774304"/>
+      </p:ext>
+    </p:extLst>
+  </p:cSld>
+  <p:clrMapOvr>
+    <a:masterClrMapping/>
+  </p:clrMapOvr>
+</p:sld>
+</file>
+
+<file path=ppt/slides/slide35.xml><?xml version="1.0" encoding="utf-8"?>
+<p:sld xmlns:a="http://schemas.openxmlformats.org/drawingml/2006/main" xmlns:r="http://schemas.openxmlformats.org/officeDocument/2006/relationships" xmlns:p="http://schemas.openxmlformats.org/presentationml/2006/main">
+  <p:cSld>
+    <p:spTree>
+      <p:nvGrpSpPr>
+        <p:cNvPr id="1" name=""/>
+        <p:cNvGrpSpPr/>
+        <p:nvPr/>
+      </p:nvGrpSpPr>
+      <p:grpSpPr>
+        <a:xfrm>
+          <a:off x="0" y="0"/>
+          <a:ext cx="0" cy="0"/>
+          <a:chOff x="0" y="0"/>
+          <a:chExt cx="0" cy="0"/>
+        </a:xfrm>
+      </p:grpSpPr>
+      <p:sp>
+        <p:nvSpPr>
+          <p:cNvPr id="2" name="Titel 1">
+            <a:extLst>
+              <a:ext uri="{FF2B5EF4-FFF2-40B4-BE49-F238E27FC236}">
+                <a16:creationId xmlns:a16="http://schemas.microsoft.com/office/drawing/2014/main" id="{C2F5861A-BCDE-D2A4-C355-05C8119ED351}"/>
+              </a:ext>
+            </a:extLst>
+          </p:cNvPr>
+          <p:cNvSpPr>
+            <a:spLocks noGrp="1"/>
+          </p:cNvSpPr>
+          <p:nvPr>
+            <p:ph type="ctrTitle"/>
+          </p:nvPr>
+        </p:nvSpPr>
+        <p:spPr>
+          <a:xfrm>
             <a:off x="450742" y="244231"/>
             <a:ext cx="11290515" cy="892887"/>
           </a:xfrm>
@@ -5580,8 +10158,8 @@
           </a:p>
         </p:txBody>
       </p:sp>
-      <mc:AlternateContent xmlns:mc="http://schemas.openxmlformats.org/markup-compatibility/2006">
-        <mc:Choice xmlns:a14="http://schemas.microsoft.com/office/drawing/2010/main" Requires="a14">
+      <mc:AlternateContent xmlns:mc="http://schemas.openxmlformats.org/markup-compatibility/2006" xmlns:a14="http://schemas.microsoft.com/office/drawing/2010/main">
+        <mc:Choice Requires="a14">
           <p:sp>
             <p:nvSpPr>
               <p:cNvPr id="4" name="Ondertitel 2">
@@ -5956,7 +10534,7 @@
             </p:txBody>
           </p:sp>
         </mc:Choice>
-        <mc:Fallback>
+        <mc:Fallback xmlns="">
           <p:sp>
             <p:nvSpPr>
               <p:cNvPr id="4" name="Ondertitel 2">
@@ -6014,7 +10592,7 @@
 </p:sld>
 </file>
 
-<file path=ppt/slides/slide12.xml><?xml version="1.0" encoding="utf-8"?>
+<file path=ppt/slides/slide36.xml><?xml version="1.0" encoding="utf-8"?>
 <p:sld xmlns:a="http://schemas.openxmlformats.org/drawingml/2006/main" xmlns:r="http://schemas.openxmlformats.org/officeDocument/2006/relationships" xmlns:p="http://schemas.openxmlformats.org/presentationml/2006/main">
   <p:cSld>
     <p:spTree>
@@ -6252,8 +10830,8 @@
           </a:extLst>
         </p:spPr>
       </p:pic>
-      <mc:AlternateContent xmlns:mc="http://schemas.openxmlformats.org/markup-compatibility/2006">
-        <mc:Choice xmlns:a14="http://schemas.microsoft.com/office/drawing/2010/main" Requires="a14">
+      <mc:AlternateContent xmlns:mc="http://schemas.openxmlformats.org/markup-compatibility/2006" xmlns:a14="http://schemas.microsoft.com/office/drawing/2010/main">
+        <mc:Choice Requires="a14">
           <p:sp>
             <p:nvSpPr>
               <p:cNvPr id="3" name="Tekstvak 2">
@@ -6282,6 +10860,7 @@
               </a:bodyPr>
               <a:lstStyle/>
               <a:p>
+                <a:pPr/>
                 <a14:m>
                   <m:oMathPara xmlns:m="http://schemas.openxmlformats.org/officeDocument/2006/math">
                     <m:oMathParaPr>
@@ -6310,7 +10889,7 @@
             </p:txBody>
           </p:sp>
         </mc:Choice>
-        <mc:Fallback>
+        <mc:Fallback xmlns="">
           <p:sp>
             <p:nvSpPr>
               <p:cNvPr id="3" name="Tekstvak 2">
@@ -6355,8 +10934,8 @@
           </p:sp>
         </mc:Fallback>
       </mc:AlternateContent>
-      <mc:AlternateContent xmlns:mc="http://schemas.openxmlformats.org/markup-compatibility/2006">
-        <mc:Choice xmlns:a14="http://schemas.microsoft.com/office/drawing/2010/main" Requires="a14">
+      <mc:AlternateContent xmlns:mc="http://schemas.openxmlformats.org/markup-compatibility/2006" xmlns:a14="http://schemas.microsoft.com/office/drawing/2010/main">
+        <mc:Choice Requires="a14">
           <p:sp>
             <p:nvSpPr>
               <p:cNvPr id="10" name="Tekstvak 9">
@@ -6385,6 +10964,7 @@
               </a:bodyPr>
               <a:lstStyle/>
               <a:p>
+                <a:pPr/>
                 <a14:m>
                   <m:oMathPara xmlns:m="http://schemas.openxmlformats.org/officeDocument/2006/math">
                     <m:oMathParaPr>
@@ -6413,7 +10993,7 @@
             </p:txBody>
           </p:sp>
         </mc:Choice>
-        <mc:Fallback>
+        <mc:Fallback xmlns="">
           <p:sp>
             <p:nvSpPr>
               <p:cNvPr id="10" name="Tekstvak 9">
@@ -6458,8 +11038,8 @@
           </p:sp>
         </mc:Fallback>
       </mc:AlternateContent>
-      <mc:AlternateContent xmlns:mc="http://schemas.openxmlformats.org/markup-compatibility/2006">
-        <mc:Choice xmlns:a14="http://schemas.microsoft.com/office/drawing/2010/main" Requires="a14">
+      <mc:AlternateContent xmlns:mc="http://schemas.openxmlformats.org/markup-compatibility/2006" xmlns:a14="http://schemas.microsoft.com/office/drawing/2010/main">
+        <mc:Choice Requires="a14">
           <p:sp>
             <p:nvSpPr>
               <p:cNvPr id="12" name="Tekstvak 11">
@@ -6488,6 +11068,7 @@
               </a:bodyPr>
               <a:lstStyle/>
               <a:p>
+                <a:pPr/>
                 <a14:m>
                   <m:oMathPara xmlns:m="http://schemas.openxmlformats.org/officeDocument/2006/math">
                     <m:oMathParaPr>
@@ -6530,7 +11111,7 @@
             </p:txBody>
           </p:sp>
         </mc:Choice>
-        <mc:Fallback>
+        <mc:Fallback xmlns="">
           <p:sp>
             <p:nvSpPr>
               <p:cNvPr id="12" name="Tekstvak 11">
@@ -6588,7 +11169,7 @@
 </p:sld>
 </file>
 
-<file path=ppt/slides/slide13.xml><?xml version="1.0" encoding="utf-8"?>
+<file path=ppt/slides/slide37.xml><?xml version="1.0" encoding="utf-8"?>
 <p:sld xmlns:a="http://schemas.openxmlformats.org/drawingml/2006/main" xmlns:r="http://schemas.openxmlformats.org/officeDocument/2006/relationships" xmlns:p="http://schemas.openxmlformats.org/presentationml/2006/main">
   <p:cSld>
     <p:spTree>
@@ -6701,7 +11282,7 @@
 </p:sld>
 </file>
 
-<file path=ppt/slides/slide14.xml><?xml version="1.0" encoding="utf-8"?>
+<file path=ppt/slides/slide38.xml><?xml version="1.0" encoding="utf-8"?>
 <p:sld xmlns:a="http://schemas.openxmlformats.org/drawingml/2006/main" xmlns:r="http://schemas.openxmlformats.org/officeDocument/2006/relationships" xmlns:p="http://schemas.openxmlformats.org/presentationml/2006/main">
   <p:cSld>
     <p:spTree>
@@ -7007,7 +11588,7 @@
 </p:sld>
 </file>
 
-<file path=ppt/slides/slide15.xml><?xml version="1.0" encoding="utf-8"?>
+<file path=ppt/slides/slide39.xml><?xml version="1.0" encoding="utf-8"?>
 <p:sld xmlns:a="http://schemas.openxmlformats.org/drawingml/2006/main" xmlns:r="http://schemas.openxmlformats.org/officeDocument/2006/relationships" xmlns:p="http://schemas.openxmlformats.org/presentationml/2006/main">
   <p:cSld>
     <p:spTree>
@@ -7164,7 +11745,7 @@
 </p:sld>
 </file>
 
-<file path=ppt/slides/slide16.xml><?xml version="1.0" encoding="utf-8"?>
+<file path=ppt/slides/slide4.xml><?xml version="1.0" encoding="utf-8"?>
 <p:sld xmlns:a="http://schemas.openxmlformats.org/drawingml/2006/main" xmlns:r="http://schemas.openxmlformats.org/officeDocument/2006/relationships" xmlns:p="http://schemas.openxmlformats.org/presentationml/2006/main">
   <p:cSld>
     <p:spTree>
@@ -7225,8 +11806,8 @@
         </p:nvSpPr>
         <p:spPr>
           <a:xfrm>
-            <a:off x="34871" y="2105897"/>
-            <a:ext cx="12122258" cy="2646206"/>
+            <a:off x="1019013" y="2105897"/>
+            <a:ext cx="10153973" cy="2646206"/>
           </a:xfrm>
           <a:prstGeom prst="rect">
             <a:avLst/>
@@ -7259,7 +11840,14 @@
             <a:pPr algn="ctr"/>
             <a:r>
               <a:rPr lang="nl-NL" sz="9000" b="1" dirty="0"/>
-              <a:t>Gradenboog en koershoekmeter</a:t>
+              <a:t>Straal</a:t>
+            </a:r>
+          </a:p>
+          <a:p>
+            <a:pPr algn="ctr"/>
+            <a:r>
+              <a:rPr lang="nl-NL" sz="9000" b="1" dirty="0"/>
+              <a:t>Radius</a:t>
             </a:r>
           </a:p>
         </p:txBody>
@@ -7267,7 +11855,7 @@
     </p:spTree>
     <p:extLst>
       <p:ext uri="{BB962C8B-B14F-4D97-AF65-F5344CB8AC3E}">
-        <p14:creationId xmlns:p14="http://schemas.microsoft.com/office/powerpoint/2010/main" val="4281381911"/>
+        <p14:creationId xmlns:p14="http://schemas.microsoft.com/office/powerpoint/2010/main" val="4006744619"/>
       </p:ext>
     </p:extLst>
   </p:cSld>
@@ -7277,7 +11865,7 @@
 </p:sld>
 </file>
 
-<file path=ppt/slides/slide17.xml><?xml version="1.0" encoding="utf-8"?>
+<file path=ppt/slides/slide40.xml><?xml version="1.0" encoding="utf-8"?>
 <p:sld xmlns:a="http://schemas.openxmlformats.org/drawingml/2006/main" xmlns:r="http://schemas.openxmlformats.org/officeDocument/2006/relationships" xmlns:p="http://schemas.openxmlformats.org/presentationml/2006/main">
   <p:cSld>
     <p:spTree>
@@ -7299,6 +11887,119 @@
           <p:cNvPr id="2" name="Titel 1">
             <a:extLst>
               <a:ext uri="{FF2B5EF4-FFF2-40B4-BE49-F238E27FC236}">
+                <a16:creationId xmlns:a16="http://schemas.microsoft.com/office/drawing/2014/main" id="{73168B85-7905-DEBC-34BC-B73EB909DDCD}"/>
+              </a:ext>
+            </a:extLst>
+          </p:cNvPr>
+          <p:cNvSpPr>
+            <a:spLocks noGrp="1"/>
+          </p:cNvSpPr>
+          <p:nvPr>
+            <p:ph type="title"/>
+          </p:nvPr>
+        </p:nvSpPr>
+        <p:spPr/>
+        <p:txBody>
+          <a:bodyPr/>
+          <a:lstStyle/>
+          <a:p>
+            <a:r>
+              <a:rPr lang="nl-NL" dirty="0"/>
+              <a:t>Wiskunde Termen</a:t>
+            </a:r>
+          </a:p>
+        </p:txBody>
+      </p:sp>
+      <p:sp>
+        <p:nvSpPr>
+          <p:cNvPr id="4" name="Titel 1">
+            <a:extLst>
+              <a:ext uri="{FF2B5EF4-FFF2-40B4-BE49-F238E27FC236}">
+                <a16:creationId xmlns:a16="http://schemas.microsoft.com/office/drawing/2014/main" id="{61ED484A-E87E-7D07-D06C-3D405D336CC2}"/>
+              </a:ext>
+            </a:extLst>
+          </p:cNvPr>
+          <p:cNvSpPr txBox="1">
+            <a:spLocks/>
+          </p:cNvSpPr>
+          <p:nvPr/>
+        </p:nvSpPr>
+        <p:spPr>
+          <a:xfrm>
+            <a:off x="34871" y="2105897"/>
+            <a:ext cx="12122258" cy="2646206"/>
+          </a:xfrm>
+          <a:prstGeom prst="rect">
+            <a:avLst/>
+          </a:prstGeom>
+        </p:spPr>
+        <p:txBody>
+          <a:bodyPr vert="horz" lIns="91440" tIns="45720" rIns="91440" bIns="45720" rtlCol="0" anchor="ctr">
+            <a:normAutofit fontScale="97500"/>
+          </a:bodyPr>
+          <a:lstStyle>
+            <a:lvl1pPr algn="l" defTabSz="914400" rtl="0" eaLnBrk="1" latinLnBrk="0" hangingPunct="1">
+              <a:lnSpc>
+                <a:spcPct val="90000"/>
+              </a:lnSpc>
+              <a:spcBef>
+                <a:spcPct val="0"/>
+              </a:spcBef>
+              <a:buNone/>
+              <a:defRPr sz="4400" kern="1200">
+                <a:solidFill>
+                  <a:schemeClr val="tx1"/>
+                </a:solidFill>
+                <a:latin typeface="+mj-lt"/>
+                <a:ea typeface="+mj-ea"/>
+                <a:cs typeface="+mj-cs"/>
+              </a:defRPr>
+            </a:lvl1pPr>
+          </a:lstStyle>
+          <a:p>
+            <a:pPr algn="ctr"/>
+            <a:r>
+              <a:rPr lang="nl-NL" sz="9000" b="1" dirty="0"/>
+              <a:t>Gradenboog en koershoekmeter</a:t>
+            </a:r>
+          </a:p>
+        </p:txBody>
+      </p:sp>
+    </p:spTree>
+    <p:extLst>
+      <p:ext uri="{BB962C8B-B14F-4D97-AF65-F5344CB8AC3E}">
+        <p14:creationId xmlns:p14="http://schemas.microsoft.com/office/powerpoint/2010/main" val="4281381911"/>
+      </p:ext>
+    </p:extLst>
+  </p:cSld>
+  <p:clrMapOvr>
+    <a:masterClrMapping/>
+  </p:clrMapOvr>
+</p:sld>
+</file>
+
+<file path=ppt/slides/slide41.xml><?xml version="1.0" encoding="utf-8"?>
+<p:sld xmlns:a="http://schemas.openxmlformats.org/drawingml/2006/main" xmlns:r="http://schemas.openxmlformats.org/officeDocument/2006/relationships" xmlns:p="http://schemas.openxmlformats.org/presentationml/2006/main">
+  <p:cSld>
+    <p:spTree>
+      <p:nvGrpSpPr>
+        <p:cNvPr id="1" name=""/>
+        <p:cNvGrpSpPr/>
+        <p:nvPr/>
+      </p:nvGrpSpPr>
+      <p:grpSpPr>
+        <a:xfrm>
+          <a:off x="0" y="0"/>
+          <a:ext cx="0" cy="0"/>
+          <a:chOff x="0" y="0"/>
+          <a:chExt cx="0" cy="0"/>
+        </a:xfrm>
+      </p:grpSpPr>
+      <p:sp>
+        <p:nvSpPr>
+          <p:cNvPr id="2" name="Titel 1">
+            <a:extLst>
+              <a:ext uri="{FF2B5EF4-FFF2-40B4-BE49-F238E27FC236}">
                 <a16:creationId xmlns:a16="http://schemas.microsoft.com/office/drawing/2014/main" id="{C2F5861A-BCDE-D2A4-C355-05C8119ED351}"/>
               </a:ext>
             </a:extLst>
@@ -7562,7 +12263,7 @@
 </p:sld>
 </file>
 
-<file path=ppt/slides/slide18.xml><?xml version="1.0" encoding="utf-8"?>
+<file path=ppt/slides/slide42.xml><?xml version="1.0" encoding="utf-8"?>
 <p:sld xmlns:a="http://schemas.openxmlformats.org/drawingml/2006/main" xmlns:r="http://schemas.openxmlformats.org/officeDocument/2006/relationships" xmlns:p="http://schemas.openxmlformats.org/presentationml/2006/main">
   <p:cSld>
     <p:spTree>
@@ -7773,7 +12474,7 @@
 </p:sld>
 </file>
 
-<file path=ppt/slides/slide19.xml><?xml version="1.0" encoding="utf-8"?>
+<file path=ppt/slides/slide43.xml><?xml version="1.0" encoding="utf-8"?>
 <p:sld xmlns:a="http://schemas.openxmlformats.org/drawingml/2006/main" xmlns:r="http://schemas.openxmlformats.org/officeDocument/2006/relationships" xmlns:p="http://schemas.openxmlformats.org/presentationml/2006/main">
   <p:cSld>
     <p:spTree>
@@ -7886,7 +12587,7 @@
 </p:sld>
 </file>
 
-<file path=ppt/slides/slide2.xml><?xml version="1.0" encoding="utf-8"?>
+<file path=ppt/slides/slide44.xml><?xml version="1.0" encoding="utf-8"?>
 <p:sld xmlns:a="http://schemas.openxmlformats.org/drawingml/2006/main" xmlns:r="http://schemas.openxmlformats.org/officeDocument/2006/relationships" xmlns:p="http://schemas.openxmlformats.org/presentationml/2006/main">
   <p:cSld>
     <p:spTree>
@@ -7921,8 +12622,8 @@
         </p:nvSpPr>
         <p:spPr>
           <a:xfrm>
-            <a:off x="1524000" y="236482"/>
-            <a:ext cx="9144000" cy="892887"/>
+            <a:off x="450742" y="244231"/>
+            <a:ext cx="11290515" cy="892887"/>
           </a:xfrm>
         </p:spPr>
         <p:txBody>
@@ -7933,149 +12634,13 @@
           <a:p>
             <a:r>
               <a:rPr lang="nl-NL" dirty="0"/>
-              <a:t>Punt</a:t>
-            </a:r>
-          </a:p>
-        </p:txBody>
-      </p:sp>
-      <p:sp>
-        <p:nvSpPr>
-          <p:cNvPr id="3" name="Ondertitel 2">
-            <a:extLst>
-              <a:ext uri="{FF2B5EF4-FFF2-40B4-BE49-F238E27FC236}">
-                <a16:creationId xmlns:a16="http://schemas.microsoft.com/office/drawing/2014/main" id="{7988AA68-FB88-7C7C-5E47-2AE86A2EFD72}"/>
-              </a:ext>
-            </a:extLst>
-          </p:cNvPr>
-          <p:cNvSpPr>
-            <a:spLocks noGrp="1"/>
-          </p:cNvSpPr>
-          <p:nvPr>
-            <p:ph type="subTitle" idx="1"/>
-          </p:nvPr>
-        </p:nvSpPr>
-        <p:spPr>
-          <a:xfrm>
-            <a:off x="1524000" y="1355451"/>
-            <a:ext cx="9144000" cy="3317287"/>
-          </a:xfrm>
-        </p:spPr>
-        <p:txBody>
-          <a:bodyPr>
-            <a:normAutofit/>
-          </a:bodyPr>
-          <a:lstStyle/>
-          <a:p>
-            <a:r>
-              <a:rPr lang="nl-NL" dirty="0"/>
-              <a:t>Een punt geeft een positie aan.</a:t>
-            </a:r>
-          </a:p>
-          <a:p>
-            <a:r>
-              <a:rPr lang="nl-NL" dirty="0"/>
-              <a:t>Een punt heeft geen </a:t>
-            </a:r>
-            <a:r>
-              <a:rPr lang="nl-NL" dirty="0">
-                <a:solidFill>
-                  <a:srgbClr val="7030A0"/>
-                </a:solidFill>
-              </a:rPr>
-              <a:t>oppervlakte</a:t>
-            </a:r>
-            <a:r>
-              <a:rPr lang="nl-NL" dirty="0"/>
-              <a:t>.</a:t>
-            </a:r>
-          </a:p>
-          <a:p>
-            <a:r>
-              <a:rPr lang="nl-NL" dirty="0"/>
-              <a:t>De naam van een punt wordt altijd gegeven met een hoofdletter.</a:t>
-            </a:r>
-          </a:p>
-          <a:p>
-            <a:endParaRPr lang="nl-NL" dirty="0"/>
-          </a:p>
-          <a:p>
-            <a:endParaRPr lang="nl-NL" dirty="0"/>
-          </a:p>
-          <a:p>
-            <a:endParaRPr lang="nl-NL" dirty="0"/>
-          </a:p>
-          <a:p>
-            <a:endParaRPr lang="nl-NL" dirty="0"/>
-          </a:p>
-        </p:txBody>
-      </p:sp>
-    </p:spTree>
-    <p:extLst>
-      <p:ext uri="{BB962C8B-B14F-4D97-AF65-F5344CB8AC3E}">
-        <p14:creationId xmlns:p14="http://schemas.microsoft.com/office/powerpoint/2010/main" val="1171845123"/>
-      </p:ext>
-    </p:extLst>
-  </p:cSld>
-  <p:clrMapOvr>
-    <a:masterClrMapping/>
-  </p:clrMapOvr>
-</p:sld>
-</file>
-
-<file path=ppt/slides/slide20.xml><?xml version="1.0" encoding="utf-8"?>
-<p:sld xmlns:a="http://schemas.openxmlformats.org/drawingml/2006/main" xmlns:r="http://schemas.openxmlformats.org/officeDocument/2006/relationships" xmlns:p="http://schemas.openxmlformats.org/presentationml/2006/main">
-  <p:cSld>
-    <p:spTree>
-      <p:nvGrpSpPr>
-        <p:cNvPr id="1" name=""/>
-        <p:cNvGrpSpPr/>
-        <p:nvPr/>
-      </p:nvGrpSpPr>
-      <p:grpSpPr>
-        <a:xfrm>
-          <a:off x="0" y="0"/>
-          <a:ext cx="0" cy="0"/>
-          <a:chOff x="0" y="0"/>
-          <a:chExt cx="0" cy="0"/>
-        </a:xfrm>
-      </p:grpSpPr>
-      <p:sp>
-        <p:nvSpPr>
-          <p:cNvPr id="2" name="Titel 1">
-            <a:extLst>
-              <a:ext uri="{FF2B5EF4-FFF2-40B4-BE49-F238E27FC236}">
-                <a16:creationId xmlns:a16="http://schemas.microsoft.com/office/drawing/2014/main" id="{C2F5861A-BCDE-D2A4-C355-05C8119ED351}"/>
-              </a:ext>
-            </a:extLst>
-          </p:cNvPr>
-          <p:cNvSpPr>
-            <a:spLocks noGrp="1"/>
-          </p:cNvSpPr>
-          <p:nvPr>
-            <p:ph type="ctrTitle"/>
-          </p:nvPr>
-        </p:nvSpPr>
-        <p:spPr>
-          <a:xfrm>
-            <a:off x="450742" y="244231"/>
-            <a:ext cx="11290515" cy="892887"/>
-          </a:xfrm>
-        </p:spPr>
-        <p:txBody>
-          <a:bodyPr>
-            <a:normAutofit fontScale="90000"/>
-          </a:bodyPr>
-          <a:lstStyle/>
-          <a:p>
-            <a:r>
-              <a:rPr lang="nl-NL" dirty="0"/>
               <a:t>Driehoek</a:t>
             </a:r>
           </a:p>
         </p:txBody>
       </p:sp>
-      <mc:AlternateContent xmlns:mc="http://schemas.openxmlformats.org/markup-compatibility/2006">
-        <mc:Choice xmlns:a14="http://schemas.microsoft.com/office/drawing/2010/main" Requires="a14">
+      <mc:AlternateContent xmlns:mc="http://schemas.openxmlformats.org/markup-compatibility/2006" xmlns:a14="http://schemas.microsoft.com/office/drawing/2010/main">
+        <mc:Choice Requires="a14">
           <p:sp>
             <p:nvSpPr>
               <p:cNvPr id="4" name="Ondertitel 2">
@@ -8362,7 +12927,7 @@
             </p:txBody>
           </p:sp>
         </mc:Choice>
-        <mc:Fallback>
+        <mc:Fallback xmlns="">
           <p:sp>
             <p:nvSpPr>
               <p:cNvPr id="4" name="Ondertitel 2">
@@ -8420,7 +12985,7 @@
 </p:sld>
 </file>
 
-<file path=ppt/slides/slide21.xml><?xml version="1.0" encoding="utf-8"?>
+<file path=ppt/slides/slide45.xml><?xml version="1.0" encoding="utf-8"?>
 <p:sld xmlns:a="http://schemas.openxmlformats.org/drawingml/2006/main" xmlns:r="http://schemas.openxmlformats.org/officeDocument/2006/relationships" xmlns:p="http://schemas.openxmlformats.org/presentationml/2006/main">
   <p:cSld>
     <p:spTree>
@@ -8564,8 +13129,8 @@
           </a:extLst>
         </p:spPr>
       </p:pic>
-      <mc:AlternateContent xmlns:mc="http://schemas.openxmlformats.org/markup-compatibility/2006">
-        <mc:Choice xmlns:a14="http://schemas.microsoft.com/office/drawing/2010/main" Requires="a14">
+      <mc:AlternateContent xmlns:mc="http://schemas.openxmlformats.org/markup-compatibility/2006" xmlns:a14="http://schemas.microsoft.com/office/drawing/2010/main">
+        <mc:Choice Requires="a14">
           <p:sp>
             <p:nvSpPr>
               <p:cNvPr id="3" name="Tekstvak 2">
@@ -8594,6 +13159,7 @@
               </a:bodyPr>
               <a:lstStyle/>
               <a:p>
+                <a:pPr/>
                 <a14:m>
                   <m:oMathPara xmlns:m="http://schemas.openxmlformats.org/officeDocument/2006/math">
                     <m:oMathParaPr>
@@ -8624,7 +13190,7 @@
             </p:txBody>
           </p:sp>
         </mc:Choice>
-        <mc:Fallback>
+        <mc:Fallback xmlns="">
           <p:sp>
             <p:nvSpPr>
               <p:cNvPr id="3" name="Tekstvak 2">
@@ -8682,7 +13248,7 @@
 </p:sld>
 </file>
 
-<file path=ppt/slides/slide22.xml><?xml version="1.0" encoding="utf-8"?>
+<file path=ppt/slides/slide46.xml><?xml version="1.0" encoding="utf-8"?>
 <p:sld xmlns:a="http://schemas.openxmlformats.org/drawingml/2006/main" xmlns:r="http://schemas.openxmlformats.org/officeDocument/2006/relationships" xmlns:p="http://schemas.openxmlformats.org/presentationml/2006/main">
   <p:cSld>
     <p:spTree>
@@ -8795,7 +13361,7 @@
 </p:sld>
 </file>
 
-<file path=ppt/slides/slide23.xml><?xml version="1.0" encoding="utf-8"?>
+<file path=ppt/slides/slide47.xml><?xml version="1.0" encoding="utf-8"?>
 <p:sld xmlns:a="http://schemas.openxmlformats.org/drawingml/2006/main" xmlns:r="http://schemas.openxmlformats.org/officeDocument/2006/relationships" xmlns:p="http://schemas.openxmlformats.org/presentationml/2006/main">
   <p:cSld>
     <p:spTree>
@@ -8847,8 +13413,8 @@
           </a:p>
         </p:txBody>
       </p:sp>
-      <mc:AlternateContent xmlns:mc="http://schemas.openxmlformats.org/markup-compatibility/2006">
-        <mc:Choice xmlns:a14="http://schemas.microsoft.com/office/drawing/2010/main" Requires="a14">
+      <mc:AlternateContent xmlns:mc="http://schemas.openxmlformats.org/markup-compatibility/2006" xmlns:a14="http://schemas.microsoft.com/office/drawing/2010/main">
+        <mc:Choice Requires="a14">
           <p:sp>
             <p:nvSpPr>
               <p:cNvPr id="4" name="Ondertitel 2">
@@ -9163,7 +13729,7 @@
             </p:txBody>
           </p:sp>
         </mc:Choice>
-        <mc:Fallback>
+        <mc:Fallback xmlns="">
           <p:sp>
             <p:nvSpPr>
               <p:cNvPr id="4" name="Ondertitel 2">
@@ -9221,7 +13787,7 @@
 </p:sld>
 </file>
 
-<file path=ppt/slides/slide24.xml><?xml version="1.0" encoding="utf-8"?>
+<file path=ppt/slides/slide48.xml><?xml version="1.0" encoding="utf-8"?>
 <p:sld xmlns:a="http://schemas.openxmlformats.org/drawingml/2006/main" xmlns:r="http://schemas.openxmlformats.org/officeDocument/2006/relationships" xmlns:p="http://schemas.openxmlformats.org/presentationml/2006/main">
   <p:cSld>
     <p:spTree>
@@ -9378,7 +13944,7 @@
 </p:sld>
 </file>
 
-<file path=ppt/slides/slide25.xml><?xml version="1.0" encoding="utf-8"?>
+<file path=ppt/slides/slide49.xml><?xml version="1.0" encoding="utf-8"?>
 <p:sld xmlns:a="http://schemas.openxmlformats.org/drawingml/2006/main" xmlns:r="http://schemas.openxmlformats.org/officeDocument/2006/relationships" xmlns:p="http://schemas.openxmlformats.org/presentationml/2006/main">
   <p:cSld>
     <p:spTree>
@@ -9491,7 +14057,7 @@
 </p:sld>
 </file>
 
-<file path=ppt/slides/slide26.xml><?xml version="1.0" encoding="utf-8"?>
+<file path=ppt/slides/slide5.xml><?xml version="1.0" encoding="utf-8"?>
 <p:sld xmlns:a="http://schemas.openxmlformats.org/drawingml/2006/main" xmlns:r="http://schemas.openxmlformats.org/officeDocument/2006/relationships" xmlns:p="http://schemas.openxmlformats.org/presentationml/2006/main">
   <p:cSld>
     <p:spTree>
@@ -9538,6 +14104,233 @@
           <a:p>
             <a:r>
               <a:rPr lang="nl-NL" dirty="0"/>
+              <a:t>Straal en radius</a:t>
+            </a:r>
+          </a:p>
+        </p:txBody>
+      </p:sp>
+      <mc:AlternateContent xmlns:mc="http://schemas.openxmlformats.org/markup-compatibility/2006">
+        <mc:Choice xmlns:a14="http://schemas.microsoft.com/office/drawing/2010/main" Requires="a14">
+          <p:sp>
+            <p:nvSpPr>
+              <p:cNvPr id="3" name="Ondertitel 2">
+                <a:extLst>
+                  <a:ext uri="{FF2B5EF4-FFF2-40B4-BE49-F238E27FC236}">
+                    <a16:creationId xmlns:a16="http://schemas.microsoft.com/office/drawing/2014/main" id="{7988AA68-FB88-7C7C-5E47-2AE86A2EFD72}"/>
+                  </a:ext>
+                </a:extLst>
+              </p:cNvPr>
+              <p:cNvSpPr>
+                <a:spLocks noGrp="1"/>
+              </p:cNvSpPr>
+              <p:nvPr>
+                <p:ph type="subTitle" idx="1"/>
+              </p:nvPr>
+            </p:nvSpPr>
+            <p:spPr>
+              <a:xfrm>
+                <a:off x="-162560" y="1589131"/>
+                <a:ext cx="12496800" cy="3317287"/>
+              </a:xfrm>
+            </p:spPr>
+            <p:txBody>
+              <a:bodyPr>
+                <a:normAutofit/>
+              </a:bodyPr>
+              <a:lstStyle/>
+              <a:p>
+                <a:r>
+                  <a:rPr lang="nl-NL" dirty="0"/>
+                  <a:t>De straal/radius is de lengte van de </a:t>
+                </a:r>
+                <a:r>
+                  <a:rPr lang="nl-NL" dirty="0">
+                    <a:solidFill>
+                      <a:srgbClr val="7030A0"/>
+                    </a:solidFill>
+                  </a:rPr>
+                  <a:t>lijn</a:t>
+                </a:r>
+                <a:r>
+                  <a:rPr lang="nl-NL" dirty="0"/>
+                  <a:t> van het </a:t>
+                </a:r>
+                <a:r>
+                  <a:rPr lang="nl-NL" dirty="0">
+                    <a:solidFill>
+                      <a:srgbClr val="7030A0"/>
+                    </a:solidFill>
+                  </a:rPr>
+                  <a:t>middelpunt</a:t>
+                </a:r>
+                <a:r>
+                  <a:rPr lang="nl-NL" dirty="0"/>
+                  <a:t> tot de </a:t>
+                </a:r>
+                <a:r>
+                  <a:rPr lang="nl-NL" dirty="0">
+                    <a:solidFill>
+                      <a:srgbClr val="7030A0"/>
+                    </a:solidFill>
+                  </a:rPr>
+                  <a:t>cirkel</a:t>
+                </a:r>
+                <a:r>
+                  <a:rPr lang="nl-NL" dirty="0"/>
+                  <a:t>.</a:t>
+                </a:r>
+              </a:p>
+              <a:p>
+                <a:r>
+                  <a:rPr lang="nl-NL" dirty="0"/>
+                  <a:t>Het dubbele van deze lijn noemen we de </a:t>
+                </a:r>
+                <a:r>
+                  <a:rPr lang="nl-NL" dirty="0">
+                    <a:solidFill>
+                      <a:srgbClr val="7030A0"/>
+                    </a:solidFill>
+                  </a:rPr>
+                  <a:t>diameter</a:t>
+                </a:r>
+                <a:r>
+                  <a:rPr lang="nl-NL" dirty="0"/>
+                  <a:t>.</a:t>
+                </a:r>
+              </a:p>
+              <a:p>
+                <a:r>
+                  <a:rPr lang="nl-NL" dirty="0"/>
+                  <a:t>In formules zie je deze vaak aangegeven met de letter </a:t>
+                </a:r>
+                <a14:m>
+                  <m:oMath xmlns:m="http://schemas.openxmlformats.org/officeDocument/2006/math">
+                    <m:r>
+                      <a:rPr lang="nl-NL" b="0" i="1" smtClean="0">
+                        <a:latin typeface="Cambria Math" panose="02040503050406030204" pitchFamily="18" charset="0"/>
+                      </a:rPr>
+                      <m:t>𝑟</m:t>
+                    </m:r>
+                  </m:oMath>
+                </a14:m>
+                <a:r>
+                  <a:rPr lang="nl-NL" dirty="0"/>
+                  <a:t>.</a:t>
+                </a:r>
+              </a:p>
+              <a:p>
+                <a:endParaRPr lang="nl-NL" dirty="0"/>
+              </a:p>
+              <a:p>
+                <a:endParaRPr lang="nl-NL" dirty="0"/>
+              </a:p>
+            </p:txBody>
+          </p:sp>
+        </mc:Choice>
+        <mc:Fallback>
+          <p:sp>
+            <p:nvSpPr>
+              <p:cNvPr id="3" name="Ondertitel 2">
+                <a:extLst>
+                  <a:ext uri="{FF2B5EF4-FFF2-40B4-BE49-F238E27FC236}">
+                    <a16:creationId xmlns:a16="http://schemas.microsoft.com/office/drawing/2014/main" id="{7988AA68-FB88-7C7C-5E47-2AE86A2EFD72}"/>
+                  </a:ext>
+                </a:extLst>
+              </p:cNvPr>
+              <p:cNvSpPr>
+                <a:spLocks noGrp="1" noRot="1" noChangeAspect="1" noMove="1" noResize="1" noEditPoints="1" noAdjustHandles="1" noChangeArrowheads="1" noChangeShapeType="1" noTextEdit="1"/>
+              </p:cNvSpPr>
+              <p:nvPr>
+                <p:ph type="subTitle" idx="1"/>
+              </p:nvPr>
+            </p:nvSpPr>
+            <p:spPr>
+              <a:xfrm>
+                <a:off x="-162560" y="1589131"/>
+                <a:ext cx="12496800" cy="3317287"/>
+              </a:xfrm>
+              <a:blipFill>
+                <a:blip r:embed="rId2"/>
+                <a:stretch>
+                  <a:fillRect t="-2574"/>
+                </a:stretch>
+              </a:blipFill>
+            </p:spPr>
+            <p:txBody>
+              <a:bodyPr/>
+              <a:lstStyle/>
+              <a:p>
+                <a:r>
+                  <a:rPr lang="nl-NL">
+                    <a:noFill/>
+                  </a:rPr>
+                  <a:t> </a:t>
+                </a:r>
+              </a:p>
+            </p:txBody>
+          </p:sp>
+        </mc:Fallback>
+      </mc:AlternateContent>
+    </p:spTree>
+    <p:extLst>
+      <p:ext uri="{BB962C8B-B14F-4D97-AF65-F5344CB8AC3E}">
+        <p14:creationId xmlns:p14="http://schemas.microsoft.com/office/powerpoint/2010/main" val="2443946520"/>
+      </p:ext>
+    </p:extLst>
+  </p:cSld>
+  <p:clrMapOvr>
+    <a:masterClrMapping/>
+  </p:clrMapOvr>
+</p:sld>
+</file>
+
+<file path=ppt/slides/slide50.xml><?xml version="1.0" encoding="utf-8"?>
+<p:sld xmlns:a="http://schemas.openxmlformats.org/drawingml/2006/main" xmlns:r="http://schemas.openxmlformats.org/officeDocument/2006/relationships" xmlns:p="http://schemas.openxmlformats.org/presentationml/2006/main">
+  <p:cSld>
+    <p:spTree>
+      <p:nvGrpSpPr>
+        <p:cNvPr id="1" name=""/>
+        <p:cNvGrpSpPr/>
+        <p:nvPr/>
+      </p:nvGrpSpPr>
+      <p:grpSpPr>
+        <a:xfrm>
+          <a:off x="0" y="0"/>
+          <a:ext cx="0" cy="0"/>
+          <a:chOff x="0" y="0"/>
+          <a:chExt cx="0" cy="0"/>
+        </a:xfrm>
+      </p:grpSpPr>
+      <p:sp>
+        <p:nvSpPr>
+          <p:cNvPr id="2" name="Titel 1">
+            <a:extLst>
+              <a:ext uri="{FF2B5EF4-FFF2-40B4-BE49-F238E27FC236}">
+                <a16:creationId xmlns:a16="http://schemas.microsoft.com/office/drawing/2014/main" id="{C2F5861A-BCDE-D2A4-C355-05C8119ED351}"/>
+              </a:ext>
+            </a:extLst>
+          </p:cNvPr>
+          <p:cNvSpPr>
+            <a:spLocks noGrp="1"/>
+          </p:cNvSpPr>
+          <p:nvPr>
+            <p:ph type="ctrTitle"/>
+          </p:nvPr>
+        </p:nvSpPr>
+        <p:spPr>
+          <a:xfrm>
+            <a:off x="1524000" y="236482"/>
+            <a:ext cx="9144000" cy="892887"/>
+          </a:xfrm>
+        </p:spPr>
+        <p:txBody>
+          <a:bodyPr>
+            <a:normAutofit fontScale="90000"/>
+          </a:bodyPr>
+          <a:lstStyle/>
+          <a:p>
+            <a:r>
+              <a:rPr lang="nl-NL" dirty="0"/>
               <a:t>Geodriehoek</a:t>
             </a:r>
           </a:p>
@@ -9823,7 +14616,7 @@
 </p:sld>
 </file>
 
-<file path=ppt/slides/slide27.xml><?xml version="1.0" encoding="utf-8"?>
+<file path=ppt/slides/slide51.xml><?xml version="1.0" encoding="utf-8"?>
 <p:sld xmlns:a="http://schemas.openxmlformats.org/drawingml/2006/main" xmlns:r="http://schemas.openxmlformats.org/officeDocument/2006/relationships" xmlns:p="http://schemas.openxmlformats.org/presentationml/2006/main">
   <p:cSld>
     <p:spTree>
@@ -9980,7 +14773,7 @@
 </p:sld>
 </file>
 
-<file path=ppt/slides/slide28.xml><?xml version="1.0" encoding="utf-8"?>
+<file path=ppt/slides/slide52.xml><?xml version="1.0" encoding="utf-8"?>
 <p:sld xmlns:a="http://schemas.openxmlformats.org/drawingml/2006/main" xmlns:r="http://schemas.openxmlformats.org/officeDocument/2006/relationships" xmlns:p="http://schemas.openxmlformats.org/presentationml/2006/main">
   <p:cSld>
     <p:spTree>
@@ -10100,7 +14893,7 @@
 </p:sld>
 </file>
 
-<file path=ppt/slides/slide29.xml><?xml version="1.0" encoding="utf-8"?>
+<file path=ppt/slides/slide53.xml><?xml version="1.0" encoding="utf-8"?>
 <p:sld xmlns:a="http://schemas.openxmlformats.org/drawingml/2006/main" xmlns:r="http://schemas.openxmlformats.org/officeDocument/2006/relationships" xmlns:p="http://schemas.openxmlformats.org/presentationml/2006/main">
   <p:cSld>
     <p:spTree>
@@ -10388,15 +15181,7 @@
           <a:p>
             <a:r>
               <a:rPr lang="nl-NL" dirty="0"/>
-              <a:t>De helft van deze </a:t>
-            </a:r>
-            <a:r>
-              <a:rPr lang="nl-NL"/>
-              <a:t>lijn noemen we </a:t>
-            </a:r>
-            <a:r>
-              <a:rPr lang="nl-NL" dirty="0"/>
-              <a:t>de </a:t>
+              <a:t>De helft van deze lijn noemen we de </a:t>
             </a:r>
             <a:r>
               <a:rPr lang="nl-NL" dirty="0">
@@ -10432,213 +15217,7 @@
 </p:sld>
 </file>
 
-<file path=ppt/slides/slide3.xml><?xml version="1.0" encoding="utf-8"?>
-<p:sld xmlns:a="http://schemas.openxmlformats.org/drawingml/2006/main" xmlns:r="http://schemas.openxmlformats.org/officeDocument/2006/relationships" xmlns:p="http://schemas.openxmlformats.org/presentationml/2006/main">
-  <p:cSld>
-    <p:spTree>
-      <p:nvGrpSpPr>
-        <p:cNvPr id="1" name=""/>
-        <p:cNvGrpSpPr/>
-        <p:nvPr/>
-      </p:nvGrpSpPr>
-      <p:grpSpPr>
-        <a:xfrm>
-          <a:off x="0" y="0"/>
-          <a:ext cx="0" cy="0"/>
-          <a:chOff x="0" y="0"/>
-          <a:chExt cx="0" cy="0"/>
-        </a:xfrm>
-      </p:grpSpPr>
-      <p:sp>
-        <p:nvSpPr>
-          <p:cNvPr id="2" name="Titel 1">
-            <a:extLst>
-              <a:ext uri="{FF2B5EF4-FFF2-40B4-BE49-F238E27FC236}">
-                <a16:creationId xmlns:a16="http://schemas.microsoft.com/office/drawing/2014/main" id="{C2F5861A-BCDE-D2A4-C355-05C8119ED351}"/>
-              </a:ext>
-            </a:extLst>
-          </p:cNvPr>
-          <p:cNvSpPr>
-            <a:spLocks noGrp="1"/>
-          </p:cNvSpPr>
-          <p:nvPr>
-            <p:ph type="ctrTitle"/>
-          </p:nvPr>
-        </p:nvSpPr>
-        <p:spPr>
-          <a:xfrm>
-            <a:off x="1524000" y="236482"/>
-            <a:ext cx="9144000" cy="892887"/>
-          </a:xfrm>
-        </p:spPr>
-        <p:txBody>
-          <a:bodyPr>
-            <a:normAutofit fontScale="90000"/>
-          </a:bodyPr>
-          <a:lstStyle/>
-          <a:p>
-            <a:r>
-              <a:rPr lang="nl-NL" dirty="0"/>
-              <a:t>Voorbeeld Punt</a:t>
-            </a:r>
-          </a:p>
-        </p:txBody>
-      </p:sp>
-      <p:pic>
-        <p:nvPicPr>
-          <p:cNvPr id="10242" name="Picture 2" descr="Punt - Digitale gereedschapskist vlakke meetkunde">
-            <a:extLst>
-              <a:ext uri="{FF2B5EF4-FFF2-40B4-BE49-F238E27FC236}">
-                <a16:creationId xmlns:a16="http://schemas.microsoft.com/office/drawing/2014/main" id="{F6A25EB3-A3A5-4179-B3C2-3FF578D97D0A}"/>
-              </a:ext>
-            </a:extLst>
-          </p:cNvPr>
-          <p:cNvPicPr>
-            <a:picLocks noChangeAspect="1" noChangeArrowheads="1"/>
-          </p:cNvPicPr>
-          <p:nvPr/>
-        </p:nvPicPr>
-        <p:blipFill>
-          <a:blip r:embed="rId2">
-            <a:extLst>
-              <a:ext uri="{28A0092B-C50C-407E-A947-70E740481C1C}">
-                <a14:useLocalDpi xmlns:a14="http://schemas.microsoft.com/office/drawing/2010/main" val="0"/>
-              </a:ext>
-            </a:extLst>
-          </a:blip>
-          <a:srcRect/>
-          <a:stretch>
-            <a:fillRect/>
-          </a:stretch>
-        </p:blipFill>
-        <p:spPr bwMode="auto">
-          <a:xfrm>
-            <a:off x="697467" y="3346887"/>
-            <a:ext cx="1447800" cy="1362075"/>
-          </a:xfrm>
-          <a:prstGeom prst="rect">
-            <a:avLst/>
-          </a:prstGeom>
-          <a:noFill/>
-          <a:extLst>
-            <a:ext uri="{909E8E84-426E-40DD-AFC4-6F175D3DCCD1}">
-              <a14:hiddenFill xmlns:a14="http://schemas.microsoft.com/office/drawing/2010/main">
-                <a:solidFill>
-                  <a:srgbClr val="FFFFFF"/>
-                </a:solidFill>
-              </a14:hiddenFill>
-            </a:ext>
-          </a:extLst>
-        </p:spPr>
-      </p:pic>
-      <p:pic>
-        <p:nvPicPr>
-          <p:cNvPr id="10244" name="Picture 4" descr="Samenvatting van Lijnen en hoeken uit Moderne wiskunde – 1 havo/vwo – 12 |  StudyGo">
-            <a:extLst>
-              <a:ext uri="{FF2B5EF4-FFF2-40B4-BE49-F238E27FC236}">
-                <a16:creationId xmlns:a16="http://schemas.microsoft.com/office/drawing/2014/main" id="{FCE32C05-7CAC-B451-9750-EBE69637FFE7}"/>
-              </a:ext>
-            </a:extLst>
-          </p:cNvPr>
-          <p:cNvPicPr>
-            <a:picLocks noChangeAspect="1" noChangeArrowheads="1"/>
-          </p:cNvPicPr>
-          <p:nvPr/>
-        </p:nvPicPr>
-        <p:blipFill>
-          <a:blip r:embed="rId3">
-            <a:extLst>
-              <a:ext uri="{28A0092B-C50C-407E-A947-70E740481C1C}">
-                <a14:useLocalDpi xmlns:a14="http://schemas.microsoft.com/office/drawing/2010/main" val="0"/>
-              </a:ext>
-            </a:extLst>
-          </a:blip>
-          <a:srcRect/>
-          <a:stretch>
-            <a:fillRect/>
-          </a:stretch>
-        </p:blipFill>
-        <p:spPr bwMode="auto">
-          <a:xfrm>
-            <a:off x="1421367" y="1167566"/>
-            <a:ext cx="4954326" cy="2261434"/>
-          </a:xfrm>
-          <a:prstGeom prst="rect">
-            <a:avLst/>
-          </a:prstGeom>
-          <a:noFill/>
-          <a:extLst>
-            <a:ext uri="{909E8E84-426E-40DD-AFC4-6F175D3DCCD1}">
-              <a14:hiddenFill xmlns:a14="http://schemas.microsoft.com/office/drawing/2010/main">
-                <a:solidFill>
-                  <a:srgbClr val="FFFFFF"/>
-                </a:solidFill>
-              </a14:hiddenFill>
-            </a:ext>
-          </a:extLst>
-        </p:spPr>
-      </p:pic>
-      <p:pic>
-        <p:nvPicPr>
-          <p:cNvPr id="10246" name="Picture 6" descr="WisFaq!">
-            <a:extLst>
-              <a:ext uri="{FF2B5EF4-FFF2-40B4-BE49-F238E27FC236}">
-                <a16:creationId xmlns:a16="http://schemas.microsoft.com/office/drawing/2014/main" id="{39962FC7-95C6-9308-3F7C-F155BC5A22B0}"/>
-              </a:ext>
-            </a:extLst>
-          </p:cNvPr>
-          <p:cNvPicPr>
-            <a:picLocks noChangeAspect="1" noChangeArrowheads="1"/>
-          </p:cNvPicPr>
-          <p:nvPr/>
-        </p:nvPicPr>
-        <p:blipFill>
-          <a:blip r:embed="rId4">
-            <a:extLst>
-              <a:ext uri="{28A0092B-C50C-407E-A947-70E740481C1C}">
-                <a14:useLocalDpi xmlns:a14="http://schemas.microsoft.com/office/drawing/2010/main" val="0"/>
-              </a:ext>
-            </a:extLst>
-          </a:blip>
-          <a:srcRect/>
-          <a:stretch>
-            <a:fillRect/>
-          </a:stretch>
-        </p:blipFill>
-        <p:spPr bwMode="auto">
-          <a:xfrm>
-            <a:off x="6096000" y="2544246"/>
-            <a:ext cx="5934710" cy="2967355"/>
-          </a:xfrm>
-          <a:prstGeom prst="rect">
-            <a:avLst/>
-          </a:prstGeom>
-          <a:noFill/>
-          <a:extLst>
-            <a:ext uri="{909E8E84-426E-40DD-AFC4-6F175D3DCCD1}">
-              <a14:hiddenFill xmlns:a14="http://schemas.microsoft.com/office/drawing/2010/main">
-                <a:solidFill>
-                  <a:srgbClr val="FFFFFF"/>
-                </a:solidFill>
-              </a14:hiddenFill>
-            </a:ext>
-          </a:extLst>
-        </p:spPr>
-      </p:pic>
-    </p:spTree>
-    <p:extLst>
-      <p:ext uri="{BB962C8B-B14F-4D97-AF65-F5344CB8AC3E}">
-        <p14:creationId xmlns:p14="http://schemas.microsoft.com/office/powerpoint/2010/main" val="1919354773"/>
-      </p:ext>
-    </p:extLst>
-  </p:cSld>
-  <p:clrMapOvr>
-    <a:masterClrMapping/>
-  </p:clrMapOvr>
-</p:sld>
-</file>
-
-<file path=ppt/slides/slide30.xml><?xml version="1.0" encoding="utf-8"?>
+<file path=ppt/slides/slide54.xml><?xml version="1.0" encoding="utf-8"?>
 <p:sld xmlns:a="http://schemas.openxmlformats.org/drawingml/2006/main" xmlns:r="http://schemas.openxmlformats.org/officeDocument/2006/relationships" xmlns:p="http://schemas.openxmlformats.org/presentationml/2006/main">
   <p:cSld>
     <p:spTree>
@@ -10840,7 +15419,7 @@
 </p:sld>
 </file>
 
-<file path=ppt/slides/slide31.xml><?xml version="1.0" encoding="utf-8"?>
+<file path=ppt/slides/slide55.xml><?xml version="1.0" encoding="utf-8"?>
 <p:sld xmlns:a="http://schemas.openxmlformats.org/drawingml/2006/main" xmlns:r="http://schemas.openxmlformats.org/officeDocument/2006/relationships" xmlns:p="http://schemas.openxmlformats.org/presentationml/2006/main">
   <p:cSld>
     <p:spTree>
@@ -10961,7 +15540,7 @@
 </p:sld>
 </file>
 
-<file path=ppt/slides/slide32.xml><?xml version="1.0" encoding="utf-8"?>
+<file path=ppt/slides/slide56.xml><?xml version="1.0" encoding="utf-8"?>
 <p:sld xmlns:a="http://schemas.openxmlformats.org/drawingml/2006/main" xmlns:r="http://schemas.openxmlformats.org/officeDocument/2006/relationships" xmlns:p="http://schemas.openxmlformats.org/presentationml/2006/main">
   <p:cSld>
     <p:spTree>
@@ -11320,7 +15899,7 @@
 </p:sld>
 </file>
 
-<file path=ppt/slides/slide33.xml><?xml version="1.0" encoding="utf-8"?>
+<file path=ppt/slides/slide57.xml><?xml version="1.0" encoding="utf-8"?>
 <p:sld xmlns:a="http://schemas.openxmlformats.org/drawingml/2006/main" xmlns:r="http://schemas.openxmlformats.org/officeDocument/2006/relationships" xmlns:p="http://schemas.openxmlformats.org/presentationml/2006/main">
   <p:cSld>
     <p:spTree>
@@ -11575,7 +16154,7 @@
 </p:sld>
 </file>
 
-<file path=ppt/slides/slide34.xml><?xml version="1.0" encoding="utf-8"?>
+<file path=ppt/slides/slide58.xml><?xml version="1.0" encoding="utf-8"?>
 <p:sld xmlns:a="http://schemas.openxmlformats.org/drawingml/2006/main" xmlns:r="http://schemas.openxmlformats.org/officeDocument/2006/relationships" xmlns:p="http://schemas.openxmlformats.org/presentationml/2006/main">
   <p:cSld>
     <p:spTree>
@@ -11688,7 +16267,7 @@
 </p:sld>
 </file>
 
-<file path=ppt/slides/slide35.xml><?xml version="1.0" encoding="utf-8"?>
+<file path=ppt/slides/slide59.xml><?xml version="1.0" encoding="utf-8"?>
 <p:sld xmlns:a="http://schemas.openxmlformats.org/drawingml/2006/main" xmlns:r="http://schemas.openxmlformats.org/officeDocument/2006/relationships" xmlns:p="http://schemas.openxmlformats.org/presentationml/2006/main">
   <p:cSld>
     <p:spTree>
@@ -12033,7 +16612,119 @@
 </p:sld>
 </file>
 
-<file path=ppt/slides/slide36.xml><?xml version="1.0" encoding="utf-8"?>
+<file path=ppt/slides/slide6.xml><?xml version="1.0" encoding="utf-8"?>
+<p:sld xmlns:a="http://schemas.openxmlformats.org/drawingml/2006/main" xmlns:r="http://schemas.openxmlformats.org/officeDocument/2006/relationships" xmlns:p="http://schemas.openxmlformats.org/presentationml/2006/main">
+  <p:cSld>
+    <p:spTree>
+      <p:nvGrpSpPr>
+        <p:cNvPr id="1" name=""/>
+        <p:cNvGrpSpPr/>
+        <p:nvPr/>
+      </p:nvGrpSpPr>
+      <p:grpSpPr>
+        <a:xfrm>
+          <a:off x="0" y="0"/>
+          <a:ext cx="0" cy="0"/>
+          <a:chOff x="0" y="0"/>
+          <a:chExt cx="0" cy="0"/>
+        </a:xfrm>
+      </p:grpSpPr>
+      <p:sp>
+        <p:nvSpPr>
+          <p:cNvPr id="2" name="Titel 1">
+            <a:extLst>
+              <a:ext uri="{FF2B5EF4-FFF2-40B4-BE49-F238E27FC236}">
+                <a16:creationId xmlns:a16="http://schemas.microsoft.com/office/drawing/2014/main" id="{C2F5861A-BCDE-D2A4-C355-05C8119ED351}"/>
+              </a:ext>
+            </a:extLst>
+          </p:cNvPr>
+          <p:cNvSpPr>
+            <a:spLocks noGrp="1"/>
+          </p:cNvSpPr>
+          <p:nvPr>
+            <p:ph type="ctrTitle"/>
+          </p:nvPr>
+        </p:nvSpPr>
+        <p:spPr>
+          <a:xfrm>
+            <a:off x="1524000" y="236482"/>
+            <a:ext cx="9144000" cy="892887"/>
+          </a:xfrm>
+        </p:spPr>
+        <p:txBody>
+          <a:bodyPr>
+            <a:normAutofit fontScale="90000"/>
+          </a:bodyPr>
+          <a:lstStyle/>
+          <a:p>
+            <a:r>
+              <a:rPr lang="nl-NL" dirty="0"/>
+              <a:t>Voorbeeld straal en radius</a:t>
+            </a:r>
+          </a:p>
+        </p:txBody>
+      </p:sp>
+      <p:pic>
+        <p:nvPicPr>
+          <p:cNvPr id="4" name="Picture 2" descr="Slimleren - Introductie van de cirkel - basis eigenschappen">
+            <a:extLst>
+              <a:ext uri="{FF2B5EF4-FFF2-40B4-BE49-F238E27FC236}">
+                <a16:creationId xmlns:a16="http://schemas.microsoft.com/office/drawing/2014/main" id="{3EB2786D-3CA8-59F8-3A48-B7BB7AD66718}"/>
+              </a:ext>
+            </a:extLst>
+          </p:cNvPr>
+          <p:cNvPicPr>
+            <a:picLocks noChangeAspect="1" noChangeArrowheads="1"/>
+          </p:cNvPicPr>
+          <p:nvPr/>
+        </p:nvPicPr>
+        <p:blipFill>
+          <a:blip r:embed="rId2">
+            <a:extLst>
+              <a:ext uri="{28A0092B-C50C-407E-A947-70E740481C1C}">
+                <a14:useLocalDpi xmlns:a14="http://schemas.microsoft.com/office/drawing/2010/main" val="0"/>
+              </a:ext>
+            </a:extLst>
+          </a:blip>
+          <a:srcRect/>
+          <a:stretch>
+            <a:fillRect/>
+          </a:stretch>
+        </p:blipFill>
+        <p:spPr bwMode="auto">
+          <a:xfrm>
+            <a:off x="2856547" y="1353595"/>
+            <a:ext cx="6478905" cy="4983773"/>
+          </a:xfrm>
+          <a:prstGeom prst="rect">
+            <a:avLst/>
+          </a:prstGeom>
+          <a:noFill/>
+          <a:extLst>
+            <a:ext uri="{909E8E84-426E-40DD-AFC4-6F175D3DCCD1}">
+              <a14:hiddenFill xmlns:a14="http://schemas.microsoft.com/office/drawing/2010/main">
+                <a:solidFill>
+                  <a:srgbClr val="FFFFFF"/>
+                </a:solidFill>
+              </a14:hiddenFill>
+            </a:ext>
+          </a:extLst>
+        </p:spPr>
+      </p:pic>
+    </p:spTree>
+    <p:extLst>
+      <p:ext uri="{BB962C8B-B14F-4D97-AF65-F5344CB8AC3E}">
+        <p14:creationId xmlns:p14="http://schemas.microsoft.com/office/powerpoint/2010/main" val="2915071063"/>
+      </p:ext>
+    </p:extLst>
+  </p:cSld>
+  <p:clrMapOvr>
+    <a:masterClrMapping/>
+  </p:clrMapOvr>
+</p:sld>
+</file>
+
+<file path=ppt/slides/slide60.xml><?xml version="1.0" encoding="utf-8"?>
 <p:sld xmlns:a="http://schemas.openxmlformats.org/drawingml/2006/main" xmlns:r="http://schemas.openxmlformats.org/officeDocument/2006/relationships" xmlns:p="http://schemas.openxmlformats.org/presentationml/2006/main">
   <p:cSld>
     <p:spTree>
@@ -12235,7 +16926,7 @@
 </p:sld>
 </file>
 
-<file path=ppt/slides/slide37.xml><?xml version="1.0" encoding="utf-8"?>
+<file path=ppt/slides/slide61.xml><?xml version="1.0" encoding="utf-8"?>
 <p:sld xmlns:a="http://schemas.openxmlformats.org/drawingml/2006/main" xmlns:r="http://schemas.openxmlformats.org/officeDocument/2006/relationships" xmlns:p="http://schemas.openxmlformats.org/presentationml/2006/main">
   <p:cSld>
     <p:spTree>
@@ -12348,7 +17039,7 @@
 </p:sld>
 </file>
 
-<file path=ppt/slides/slide38.xml><?xml version="1.0" encoding="utf-8"?>
+<file path=ppt/slides/slide62.xml><?xml version="1.0" encoding="utf-8"?>
 <p:sld xmlns:a="http://schemas.openxmlformats.org/drawingml/2006/main" xmlns:r="http://schemas.openxmlformats.org/officeDocument/2006/relationships" xmlns:p="http://schemas.openxmlformats.org/presentationml/2006/main">
   <p:cSld>
     <p:spTree>
@@ -12681,7 +17372,7 @@
 </p:sld>
 </file>
 
-<file path=ppt/slides/slide39.xml><?xml version="1.0" encoding="utf-8"?>
+<file path=ppt/slides/slide63.xml><?xml version="1.0" encoding="utf-8"?>
 <p:sld xmlns:a="http://schemas.openxmlformats.org/drawingml/2006/main" xmlns:r="http://schemas.openxmlformats.org/officeDocument/2006/relationships" xmlns:p="http://schemas.openxmlformats.org/presentationml/2006/main">
   <p:cSld>
     <p:spTree>
@@ -12930,7 +17621,7 @@
 </p:sld>
 </file>
 
-<file path=ppt/slides/slide4.xml><?xml version="1.0" encoding="utf-8"?>
+<file path=ppt/slides/slide64.xml><?xml version="1.0" encoding="utf-8"?>
 <p:sld xmlns:a="http://schemas.openxmlformats.org/drawingml/2006/main" xmlns:r="http://schemas.openxmlformats.org/officeDocument/2006/relationships" xmlns:p="http://schemas.openxmlformats.org/presentationml/2006/main">
   <p:cSld>
     <p:spTree>
@@ -13025,7 +17716,7 @@
             <a:pPr algn="ctr"/>
             <a:r>
               <a:rPr lang="nl-NL" sz="9000" b="1" dirty="0"/>
-              <a:t>Lijn</a:t>
+              <a:t>Bol</a:t>
             </a:r>
           </a:p>
         </p:txBody>
@@ -13033,7 +17724,7 @@
     </p:spTree>
     <p:extLst>
       <p:ext uri="{BB962C8B-B14F-4D97-AF65-F5344CB8AC3E}">
-        <p14:creationId xmlns:p14="http://schemas.microsoft.com/office/powerpoint/2010/main" val="3842158581"/>
+        <p14:creationId xmlns:p14="http://schemas.microsoft.com/office/powerpoint/2010/main" val="2850155798"/>
       </p:ext>
     </p:extLst>
   </p:cSld>
@@ -13043,7 +17734,7 @@
 </p:sld>
 </file>
 
-<file path=ppt/slides/slide40.xml><?xml version="1.0" encoding="utf-8"?>
+<file path=ppt/slides/slide65.xml><?xml version="1.0" encoding="utf-8"?>
 <p:sld xmlns:a="http://schemas.openxmlformats.org/drawingml/2006/main" xmlns:r="http://schemas.openxmlformats.org/officeDocument/2006/relationships" xmlns:p="http://schemas.openxmlformats.org/presentationml/2006/main">
   <p:cSld>
     <p:spTree>
@@ -13065,119 +17756,6 @@
           <p:cNvPr id="2" name="Titel 1">
             <a:extLst>
               <a:ext uri="{FF2B5EF4-FFF2-40B4-BE49-F238E27FC236}">
-                <a16:creationId xmlns:a16="http://schemas.microsoft.com/office/drawing/2014/main" id="{73168B85-7905-DEBC-34BC-B73EB909DDCD}"/>
-              </a:ext>
-            </a:extLst>
-          </p:cNvPr>
-          <p:cNvSpPr>
-            <a:spLocks noGrp="1"/>
-          </p:cNvSpPr>
-          <p:nvPr>
-            <p:ph type="title"/>
-          </p:nvPr>
-        </p:nvSpPr>
-        <p:spPr/>
-        <p:txBody>
-          <a:bodyPr/>
-          <a:lstStyle/>
-          <a:p>
-            <a:r>
-              <a:rPr lang="nl-NL" dirty="0"/>
-              <a:t>Wiskunde Termen</a:t>
-            </a:r>
-          </a:p>
-        </p:txBody>
-      </p:sp>
-      <p:sp>
-        <p:nvSpPr>
-          <p:cNvPr id="4" name="Titel 1">
-            <a:extLst>
-              <a:ext uri="{FF2B5EF4-FFF2-40B4-BE49-F238E27FC236}">
-                <a16:creationId xmlns:a16="http://schemas.microsoft.com/office/drawing/2014/main" id="{61ED484A-E87E-7D07-D06C-3D405D336CC2}"/>
-              </a:ext>
-            </a:extLst>
-          </p:cNvPr>
-          <p:cNvSpPr txBox="1">
-            <a:spLocks/>
-          </p:cNvSpPr>
-          <p:nvPr/>
-        </p:nvSpPr>
-        <p:spPr>
-          <a:xfrm>
-            <a:off x="1524000" y="2105897"/>
-            <a:ext cx="9144000" cy="2646206"/>
-          </a:xfrm>
-          <a:prstGeom prst="rect">
-            <a:avLst/>
-          </a:prstGeom>
-        </p:spPr>
-        <p:txBody>
-          <a:bodyPr vert="horz" lIns="91440" tIns="45720" rIns="91440" bIns="45720" rtlCol="0" anchor="ctr">
-            <a:normAutofit fontScale="97500"/>
-          </a:bodyPr>
-          <a:lstStyle>
-            <a:lvl1pPr algn="l" defTabSz="914400" rtl="0" eaLnBrk="1" latinLnBrk="0" hangingPunct="1">
-              <a:lnSpc>
-                <a:spcPct val="90000"/>
-              </a:lnSpc>
-              <a:spcBef>
-                <a:spcPct val="0"/>
-              </a:spcBef>
-              <a:buNone/>
-              <a:defRPr sz="4400" kern="1200">
-                <a:solidFill>
-                  <a:schemeClr val="tx1"/>
-                </a:solidFill>
-                <a:latin typeface="+mj-lt"/>
-                <a:ea typeface="+mj-ea"/>
-                <a:cs typeface="+mj-cs"/>
-              </a:defRPr>
-            </a:lvl1pPr>
-          </a:lstStyle>
-          <a:p>
-            <a:pPr algn="ctr"/>
-            <a:r>
-              <a:rPr lang="nl-NL" sz="9000" b="1" dirty="0"/>
-              <a:t>Bol</a:t>
-            </a:r>
-          </a:p>
-        </p:txBody>
-      </p:sp>
-    </p:spTree>
-    <p:extLst>
-      <p:ext uri="{BB962C8B-B14F-4D97-AF65-F5344CB8AC3E}">
-        <p14:creationId xmlns:p14="http://schemas.microsoft.com/office/powerpoint/2010/main" val="2850155798"/>
-      </p:ext>
-    </p:extLst>
-  </p:cSld>
-  <p:clrMapOvr>
-    <a:masterClrMapping/>
-  </p:clrMapOvr>
-</p:sld>
-</file>
-
-<file path=ppt/slides/slide41.xml><?xml version="1.0" encoding="utf-8"?>
-<p:sld xmlns:a="http://schemas.openxmlformats.org/drawingml/2006/main" xmlns:r="http://schemas.openxmlformats.org/officeDocument/2006/relationships" xmlns:p="http://schemas.openxmlformats.org/presentationml/2006/main">
-  <p:cSld>
-    <p:spTree>
-      <p:nvGrpSpPr>
-        <p:cNvPr id="1" name=""/>
-        <p:cNvGrpSpPr/>
-        <p:nvPr/>
-      </p:nvGrpSpPr>
-      <p:grpSpPr>
-        <a:xfrm>
-          <a:off x="0" y="0"/>
-          <a:ext cx="0" cy="0"/>
-          <a:chOff x="0" y="0"/>
-          <a:chExt cx="0" cy="0"/>
-        </a:xfrm>
-      </p:grpSpPr>
-      <p:sp>
-        <p:nvSpPr>
-          <p:cNvPr id="2" name="Titel 1">
-            <a:extLst>
-              <a:ext uri="{FF2B5EF4-FFF2-40B4-BE49-F238E27FC236}">
                 <a16:creationId xmlns:a16="http://schemas.microsoft.com/office/drawing/2014/main" id="{C2F5861A-BCDE-D2A4-C355-05C8119ED351}"/>
               </a:ext>
             </a:extLst>
@@ -13483,7 +18061,7 @@
 </p:sld>
 </file>
 
-<file path=ppt/slides/slide42.xml><?xml version="1.0" encoding="utf-8"?>
+<file path=ppt/slides/slide66.xml><?xml version="1.0" encoding="utf-8"?>
 <p:sld xmlns:a="http://schemas.openxmlformats.org/drawingml/2006/main" xmlns:r="http://schemas.openxmlformats.org/officeDocument/2006/relationships" xmlns:p="http://schemas.openxmlformats.org/presentationml/2006/main">
   <p:cSld>
     <p:spTree>
@@ -13730,7 +18308,7 @@
 </p:sld>
 </file>
 
-<file path=ppt/slides/slide43.xml><?xml version="1.0" encoding="utf-8"?>
+<file path=ppt/slides/slide67.xml><?xml version="1.0" encoding="utf-8"?>
 <p:sld xmlns:a="http://schemas.openxmlformats.org/drawingml/2006/main" xmlns:r="http://schemas.openxmlformats.org/officeDocument/2006/relationships" xmlns:p="http://schemas.openxmlformats.org/presentationml/2006/main">
   <p:cSld>
     <p:spTree>
@@ -13843,7 +18421,7 @@
 </p:sld>
 </file>
 
-<file path=ppt/slides/slide44.xml><?xml version="1.0" encoding="utf-8"?>
+<file path=ppt/slides/slide68.xml><?xml version="1.0" encoding="utf-8"?>
 <p:sld xmlns:a="http://schemas.openxmlformats.org/drawingml/2006/main" xmlns:r="http://schemas.openxmlformats.org/officeDocument/2006/relationships" xmlns:p="http://schemas.openxmlformats.org/presentationml/2006/main">
   <p:cSld>
     <p:spTree>
@@ -14142,7 +18720,7 @@
 </p:sld>
 </file>
 
-<file path=ppt/slides/slide45.xml><?xml version="1.0" encoding="utf-8"?>
+<file path=ppt/slides/slide69.xml><?xml version="1.0" encoding="utf-8"?>
 <p:sld xmlns:a="http://schemas.openxmlformats.org/drawingml/2006/main" xmlns:r="http://schemas.openxmlformats.org/officeDocument/2006/relationships" xmlns:p="http://schemas.openxmlformats.org/presentationml/2006/main">
   <p:cSld>
     <p:spTree>
@@ -14380,7 +18958,7 @@
 </p:sld>
 </file>
 
-<file path=ppt/slides/slide46.xml><?xml version="1.0" encoding="utf-8"?>
+<file path=ppt/slides/slide7.xml><?xml version="1.0" encoding="utf-8"?>
 <p:sld xmlns:a="http://schemas.openxmlformats.org/drawingml/2006/main" xmlns:r="http://schemas.openxmlformats.org/officeDocument/2006/relationships" xmlns:p="http://schemas.openxmlformats.org/presentationml/2006/main">
   <p:cSld>
     <p:spTree>
@@ -14441,8 +19019,8 @@
         </p:nvSpPr>
         <p:spPr>
           <a:xfrm>
-            <a:off x="1524000" y="2105897"/>
-            <a:ext cx="9144000" cy="2646206"/>
+            <a:off x="1019013" y="2105897"/>
+            <a:ext cx="10153973" cy="2646206"/>
           </a:xfrm>
           <a:prstGeom prst="rect">
             <a:avLst/>
@@ -14475,7 +19053,7 @@
             <a:pPr algn="ctr"/>
             <a:r>
               <a:rPr lang="nl-NL" sz="9000" b="1" dirty="0"/>
-              <a:t>Rechthoek</a:t>
+              <a:t>Prisma</a:t>
             </a:r>
           </a:p>
         </p:txBody>
@@ -14483,7 +19061,7 @@
     </p:spTree>
     <p:extLst>
       <p:ext uri="{BB962C8B-B14F-4D97-AF65-F5344CB8AC3E}">
-        <p14:creationId xmlns:p14="http://schemas.microsoft.com/office/powerpoint/2010/main" val="1945396960"/>
+        <p14:creationId xmlns:p14="http://schemas.microsoft.com/office/powerpoint/2010/main" val="369027445"/>
       </p:ext>
     </p:extLst>
   </p:cSld>
@@ -14493,7 +19071,7 @@
 </p:sld>
 </file>
 
-<file path=ppt/slides/slide47.xml><?xml version="1.0" encoding="utf-8"?>
+<file path=ppt/slides/slide70.xml><?xml version="1.0" encoding="utf-8"?>
 <p:sld xmlns:a="http://schemas.openxmlformats.org/drawingml/2006/main" xmlns:r="http://schemas.openxmlformats.org/officeDocument/2006/relationships" xmlns:p="http://schemas.openxmlformats.org/presentationml/2006/main">
   <p:cSld>
     <p:spTree>
@@ -14515,6 +19093,119 @@
           <p:cNvPr id="2" name="Titel 1">
             <a:extLst>
               <a:ext uri="{FF2B5EF4-FFF2-40B4-BE49-F238E27FC236}">
+                <a16:creationId xmlns:a16="http://schemas.microsoft.com/office/drawing/2014/main" id="{73168B85-7905-DEBC-34BC-B73EB909DDCD}"/>
+              </a:ext>
+            </a:extLst>
+          </p:cNvPr>
+          <p:cNvSpPr>
+            <a:spLocks noGrp="1"/>
+          </p:cNvSpPr>
+          <p:nvPr>
+            <p:ph type="title"/>
+          </p:nvPr>
+        </p:nvSpPr>
+        <p:spPr/>
+        <p:txBody>
+          <a:bodyPr/>
+          <a:lstStyle/>
+          <a:p>
+            <a:r>
+              <a:rPr lang="nl-NL" dirty="0"/>
+              <a:t>Wiskunde Termen</a:t>
+            </a:r>
+          </a:p>
+        </p:txBody>
+      </p:sp>
+      <p:sp>
+        <p:nvSpPr>
+          <p:cNvPr id="4" name="Titel 1">
+            <a:extLst>
+              <a:ext uri="{FF2B5EF4-FFF2-40B4-BE49-F238E27FC236}">
+                <a16:creationId xmlns:a16="http://schemas.microsoft.com/office/drawing/2014/main" id="{61ED484A-E87E-7D07-D06C-3D405D336CC2}"/>
+              </a:ext>
+            </a:extLst>
+          </p:cNvPr>
+          <p:cNvSpPr txBox="1">
+            <a:spLocks/>
+          </p:cNvSpPr>
+          <p:nvPr/>
+        </p:nvSpPr>
+        <p:spPr>
+          <a:xfrm>
+            <a:off x="1524000" y="2105897"/>
+            <a:ext cx="9144000" cy="2646206"/>
+          </a:xfrm>
+          <a:prstGeom prst="rect">
+            <a:avLst/>
+          </a:prstGeom>
+        </p:spPr>
+        <p:txBody>
+          <a:bodyPr vert="horz" lIns="91440" tIns="45720" rIns="91440" bIns="45720" rtlCol="0" anchor="ctr">
+            <a:normAutofit fontScale="97500"/>
+          </a:bodyPr>
+          <a:lstStyle>
+            <a:lvl1pPr algn="l" defTabSz="914400" rtl="0" eaLnBrk="1" latinLnBrk="0" hangingPunct="1">
+              <a:lnSpc>
+                <a:spcPct val="90000"/>
+              </a:lnSpc>
+              <a:spcBef>
+                <a:spcPct val="0"/>
+              </a:spcBef>
+              <a:buNone/>
+              <a:defRPr sz="4400" kern="1200">
+                <a:solidFill>
+                  <a:schemeClr val="tx1"/>
+                </a:solidFill>
+                <a:latin typeface="+mj-lt"/>
+                <a:ea typeface="+mj-ea"/>
+                <a:cs typeface="+mj-cs"/>
+              </a:defRPr>
+            </a:lvl1pPr>
+          </a:lstStyle>
+          <a:p>
+            <a:pPr algn="ctr"/>
+            <a:r>
+              <a:rPr lang="nl-NL" sz="9000" b="1" dirty="0"/>
+              <a:t>Rechthoek</a:t>
+            </a:r>
+          </a:p>
+        </p:txBody>
+      </p:sp>
+    </p:spTree>
+    <p:extLst>
+      <p:ext uri="{BB962C8B-B14F-4D97-AF65-F5344CB8AC3E}">
+        <p14:creationId xmlns:p14="http://schemas.microsoft.com/office/powerpoint/2010/main" val="1945396960"/>
+      </p:ext>
+    </p:extLst>
+  </p:cSld>
+  <p:clrMapOvr>
+    <a:masterClrMapping/>
+  </p:clrMapOvr>
+</p:sld>
+</file>
+
+<file path=ppt/slides/slide71.xml><?xml version="1.0" encoding="utf-8"?>
+<p:sld xmlns:a="http://schemas.openxmlformats.org/drawingml/2006/main" xmlns:r="http://schemas.openxmlformats.org/officeDocument/2006/relationships" xmlns:p="http://schemas.openxmlformats.org/presentationml/2006/main">
+  <p:cSld>
+    <p:spTree>
+      <p:nvGrpSpPr>
+        <p:cNvPr id="1" name=""/>
+        <p:cNvGrpSpPr/>
+        <p:nvPr/>
+      </p:nvGrpSpPr>
+      <p:grpSpPr>
+        <a:xfrm>
+          <a:off x="0" y="0"/>
+          <a:ext cx="0" cy="0"/>
+          <a:chOff x="0" y="0"/>
+          <a:chExt cx="0" cy="0"/>
+        </a:xfrm>
+      </p:grpSpPr>
+      <p:sp>
+        <p:nvSpPr>
+          <p:cNvPr id="2" name="Titel 1">
+            <a:extLst>
+              <a:ext uri="{FF2B5EF4-FFF2-40B4-BE49-F238E27FC236}">
                 <a16:creationId xmlns:a16="http://schemas.microsoft.com/office/drawing/2014/main" id="{C2F5861A-BCDE-D2A4-C355-05C8119ED351}"/>
               </a:ext>
             </a:extLst>
@@ -14846,7 +19537,7 @@
 </p:sld>
 </file>
 
-<file path=ppt/slides/slide48.xml><?xml version="1.0" encoding="utf-8"?>
+<file path=ppt/slides/slide72.xml><?xml version="1.0" encoding="utf-8"?>
 <p:sld xmlns:a="http://schemas.openxmlformats.org/drawingml/2006/main" xmlns:r="http://schemas.openxmlformats.org/officeDocument/2006/relationships" xmlns:p="http://schemas.openxmlformats.org/presentationml/2006/main">
   <p:cSld>
     <p:spTree>
@@ -15084,7 +19775,7 @@
 </p:sld>
 </file>
 
-<file path=ppt/slides/slide49.xml><?xml version="1.0" encoding="utf-8"?>
+<file path=ppt/slides/slide73.xml><?xml version="1.0" encoding="utf-8"?>
 <p:sld xmlns:a="http://schemas.openxmlformats.org/drawingml/2006/main" xmlns:r="http://schemas.openxmlformats.org/officeDocument/2006/relationships" xmlns:p="http://schemas.openxmlformats.org/presentationml/2006/main">
   <p:cSld>
     <p:spTree>
@@ -15197,7 +19888,7 @@
 </p:sld>
 </file>
 
-<file path=ppt/slides/slide5.xml><?xml version="1.0" encoding="utf-8"?>
+<file path=ppt/slides/slide74.xml><?xml version="1.0" encoding="utf-8"?>
 <p:sld xmlns:a="http://schemas.openxmlformats.org/drawingml/2006/main" xmlns:r="http://schemas.openxmlformats.org/officeDocument/2006/relationships" xmlns:p="http://schemas.openxmlformats.org/presentationml/2006/main">
   <p:cSld>
     <p:spTree>
@@ -15244,154 +19935,6 @@
           <a:p>
             <a:r>
               <a:rPr lang="nl-NL" dirty="0"/>
-              <a:t>Lijn</a:t>
-            </a:r>
-          </a:p>
-        </p:txBody>
-      </p:sp>
-      <p:sp>
-        <p:nvSpPr>
-          <p:cNvPr id="3" name="Ondertitel 2">
-            <a:extLst>
-              <a:ext uri="{FF2B5EF4-FFF2-40B4-BE49-F238E27FC236}">
-                <a16:creationId xmlns:a16="http://schemas.microsoft.com/office/drawing/2014/main" id="{7988AA68-FB88-7C7C-5E47-2AE86A2EFD72}"/>
-              </a:ext>
-            </a:extLst>
-          </p:cNvPr>
-          <p:cNvSpPr>
-            <a:spLocks noGrp="1"/>
-          </p:cNvSpPr>
-          <p:nvPr>
-            <p:ph type="subTitle" idx="1"/>
-          </p:nvPr>
-        </p:nvSpPr>
-        <p:spPr>
-          <a:xfrm>
-            <a:off x="1524000" y="1355451"/>
-            <a:ext cx="9144000" cy="3317287"/>
-          </a:xfrm>
-        </p:spPr>
-        <p:txBody>
-          <a:bodyPr>
-            <a:normAutofit/>
-          </a:bodyPr>
-          <a:lstStyle/>
-          <a:p>
-            <a:r>
-              <a:rPr lang="nl-NL" dirty="0"/>
-              <a:t>Lengte zonder breedte.</a:t>
-            </a:r>
-          </a:p>
-          <a:p>
-            <a:r>
-              <a:rPr lang="nl-NL" dirty="0"/>
-              <a:t>Een lijn is altijd recht.</a:t>
-            </a:r>
-          </a:p>
-          <a:p>
-            <a:r>
-              <a:rPr lang="nl-NL" dirty="0"/>
-              <a:t>Wanneer het van </a:t>
-            </a:r>
-            <a:r>
-              <a:rPr lang="nl-NL" dirty="0">
-                <a:solidFill>
-                  <a:srgbClr val="7030A0"/>
-                </a:solidFill>
-              </a:rPr>
-              <a:t>punt</a:t>
-            </a:r>
-            <a:r>
-              <a:rPr lang="nl-NL" dirty="0"/>
-              <a:t> tot punt loopt noemen we het een lijnstuk.</a:t>
-            </a:r>
-          </a:p>
-          <a:p>
-            <a:r>
-              <a:rPr lang="nl-NL" dirty="0"/>
-              <a:t>Het is altijd mogelijk een lijn te verlengen.</a:t>
-            </a:r>
-          </a:p>
-          <a:p>
-            <a:r>
-              <a:rPr lang="nl-NL" dirty="0"/>
-              <a:t>De naam is altijd een kleine letter.</a:t>
-            </a:r>
-          </a:p>
-          <a:p>
-            <a:endParaRPr lang="nl-NL" dirty="0"/>
-          </a:p>
-          <a:p>
-            <a:endParaRPr lang="nl-NL" dirty="0"/>
-          </a:p>
-          <a:p>
-            <a:endParaRPr lang="nl-NL" dirty="0"/>
-          </a:p>
-          <a:p>
-            <a:endParaRPr lang="nl-NL" dirty="0"/>
-          </a:p>
-        </p:txBody>
-      </p:sp>
-    </p:spTree>
-    <p:extLst>
-      <p:ext uri="{BB962C8B-B14F-4D97-AF65-F5344CB8AC3E}">
-        <p14:creationId xmlns:p14="http://schemas.microsoft.com/office/powerpoint/2010/main" val="1007192214"/>
-      </p:ext>
-    </p:extLst>
-  </p:cSld>
-  <p:clrMapOvr>
-    <a:masterClrMapping/>
-  </p:clrMapOvr>
-</p:sld>
-</file>
-
-<file path=ppt/slides/slide50.xml><?xml version="1.0" encoding="utf-8"?>
-<p:sld xmlns:a="http://schemas.openxmlformats.org/drawingml/2006/main" xmlns:r="http://schemas.openxmlformats.org/officeDocument/2006/relationships" xmlns:p="http://schemas.openxmlformats.org/presentationml/2006/main">
-  <p:cSld>
-    <p:spTree>
-      <p:nvGrpSpPr>
-        <p:cNvPr id="1" name=""/>
-        <p:cNvGrpSpPr/>
-        <p:nvPr/>
-      </p:nvGrpSpPr>
-      <p:grpSpPr>
-        <a:xfrm>
-          <a:off x="0" y="0"/>
-          <a:ext cx="0" cy="0"/>
-          <a:chOff x="0" y="0"/>
-          <a:chExt cx="0" cy="0"/>
-        </a:xfrm>
-      </p:grpSpPr>
-      <p:sp>
-        <p:nvSpPr>
-          <p:cNvPr id="2" name="Titel 1">
-            <a:extLst>
-              <a:ext uri="{FF2B5EF4-FFF2-40B4-BE49-F238E27FC236}">
-                <a16:creationId xmlns:a16="http://schemas.microsoft.com/office/drawing/2014/main" id="{C2F5861A-BCDE-D2A4-C355-05C8119ED351}"/>
-              </a:ext>
-            </a:extLst>
-          </p:cNvPr>
-          <p:cNvSpPr>
-            <a:spLocks noGrp="1"/>
-          </p:cNvSpPr>
-          <p:nvPr>
-            <p:ph type="ctrTitle"/>
-          </p:nvPr>
-        </p:nvSpPr>
-        <p:spPr>
-          <a:xfrm>
-            <a:off x="1524000" y="236482"/>
-            <a:ext cx="9144000" cy="892887"/>
-          </a:xfrm>
-        </p:spPr>
-        <p:txBody>
-          <a:bodyPr>
-            <a:normAutofit fontScale="90000"/>
-          </a:bodyPr>
-          <a:lstStyle/>
-          <a:p>
-            <a:r>
-              <a:rPr lang="nl-NL" dirty="0"/>
               <a:t>Zijvlakken</a:t>
             </a:r>
           </a:p>
@@ -15721,7 +20264,7 @@
 </p:sld>
 </file>
 
-<file path=ppt/slides/slide51.xml><?xml version="1.0" encoding="utf-8"?>
+<file path=ppt/slides/slide75.xml><?xml version="1.0" encoding="utf-8"?>
 <p:sld xmlns:a="http://schemas.openxmlformats.org/drawingml/2006/main" xmlns:r="http://schemas.openxmlformats.org/officeDocument/2006/relationships" xmlns:p="http://schemas.openxmlformats.org/presentationml/2006/main">
   <p:cSld>
     <p:spTree>
@@ -15928,7 +20471,7 @@
 </p:sld>
 </file>
 
-<file path=ppt/slides/slide52.xml><?xml version="1.0" encoding="utf-8"?>
+<file path=ppt/slides/slide76.xml><?xml version="1.0" encoding="utf-8"?>
 <p:sld xmlns:a="http://schemas.openxmlformats.org/drawingml/2006/main" xmlns:r="http://schemas.openxmlformats.org/officeDocument/2006/relationships" xmlns:p="http://schemas.openxmlformats.org/presentationml/2006/main">
   <p:cSld>
     <p:spTree>
@@ -16041,7 +20584,7 @@
 </p:sld>
 </file>
 
-<file path=ppt/slides/slide53.xml><?xml version="1.0" encoding="utf-8"?>
+<file path=ppt/slides/slide77.xml><?xml version="1.0" encoding="utf-8"?>
 <p:sld xmlns:a="http://schemas.openxmlformats.org/drawingml/2006/main" xmlns:r="http://schemas.openxmlformats.org/officeDocument/2006/relationships" xmlns:p="http://schemas.openxmlformats.org/presentationml/2006/main">
   <p:cSld>
     <p:spTree>
@@ -16237,7 +20780,7 @@
 </p:sld>
 </file>
 
-<file path=ppt/slides/slide54.xml><?xml version="1.0" encoding="utf-8"?>
+<file path=ppt/slides/slide78.xml><?xml version="1.0" encoding="utf-8"?>
 <p:sld xmlns:a="http://schemas.openxmlformats.org/drawingml/2006/main" xmlns:r="http://schemas.openxmlformats.org/officeDocument/2006/relationships" xmlns:p="http://schemas.openxmlformats.org/presentationml/2006/main">
   <p:cSld>
     <p:spTree>
@@ -16456,7 +20999,7 @@
 </p:sld>
 </file>
 
-<file path=ppt/slides/slide55.xml><?xml version="1.0" encoding="utf-8"?>
+<file path=ppt/slides/slide79.xml><?xml version="1.0" encoding="utf-8"?>
 <p:sld xmlns:a="http://schemas.openxmlformats.org/drawingml/2006/main" xmlns:r="http://schemas.openxmlformats.org/officeDocument/2006/relationships" xmlns:p="http://schemas.openxmlformats.org/presentationml/2006/main">
   <p:cSld>
     <p:spTree>
@@ -16576,7 +21119,7 @@
 </p:sld>
 </file>
 
-<file path=ppt/slides/slide56.xml><?xml version="1.0" encoding="utf-8"?>
+<file path=ppt/slides/slide8.xml><?xml version="1.0" encoding="utf-8"?>
 <p:sld xmlns:a="http://schemas.openxmlformats.org/drawingml/2006/main" xmlns:r="http://schemas.openxmlformats.org/officeDocument/2006/relationships" xmlns:p="http://schemas.openxmlformats.org/presentationml/2006/main">
   <p:cSld>
     <p:spTree>
@@ -16623,6 +21166,190 @@
           <a:p>
             <a:r>
               <a:rPr lang="nl-NL" dirty="0"/>
+              <a:t>Prisma</a:t>
+            </a:r>
+          </a:p>
+        </p:txBody>
+      </p:sp>
+      <p:sp>
+        <p:nvSpPr>
+          <p:cNvPr id="3" name="Ondertitel 2">
+            <a:extLst>
+              <a:ext uri="{FF2B5EF4-FFF2-40B4-BE49-F238E27FC236}">
+                <a16:creationId xmlns:a16="http://schemas.microsoft.com/office/drawing/2014/main" id="{7988AA68-FB88-7C7C-5E47-2AE86A2EFD72}"/>
+              </a:ext>
+            </a:extLst>
+          </p:cNvPr>
+          <p:cNvSpPr>
+            <a:spLocks noGrp="1"/>
+          </p:cNvSpPr>
+          <p:nvPr>
+            <p:ph type="subTitle" idx="1"/>
+          </p:nvPr>
+        </p:nvSpPr>
+        <p:spPr>
+          <a:xfrm>
+            <a:off x="-162560" y="1589131"/>
+            <a:ext cx="12496800" cy="3317287"/>
+          </a:xfrm>
+        </p:spPr>
+        <p:txBody>
+          <a:bodyPr>
+            <a:normAutofit/>
+          </a:bodyPr>
+          <a:lstStyle/>
+          <a:p>
+            <a:r>
+              <a:rPr lang="nl-NL" dirty="0"/>
+              <a:t>In een prisma hebben twee </a:t>
+            </a:r>
+            <a:r>
+              <a:rPr lang="nl-NL" dirty="0">
+                <a:solidFill>
+                  <a:srgbClr val="7030A0"/>
+                </a:solidFill>
+              </a:rPr>
+              <a:t>zijvlakken</a:t>
+            </a:r>
+            <a:r>
+              <a:rPr lang="nl-NL" dirty="0"/>
+              <a:t> die tegenover elkaar liggen precies dezelfde vorm.</a:t>
+            </a:r>
+          </a:p>
+          <a:p>
+            <a:r>
+              <a:rPr lang="nl-NL" dirty="0"/>
+              <a:t>De overige zijvlakken zijn </a:t>
+            </a:r>
+            <a:r>
+              <a:rPr lang="nl-NL" dirty="0">
+                <a:solidFill>
+                  <a:srgbClr val="7030A0"/>
+                </a:solidFill>
+              </a:rPr>
+              <a:t>rechthoeken</a:t>
+            </a:r>
+            <a:r>
+              <a:rPr lang="nl-NL" dirty="0"/>
+              <a:t> en/of </a:t>
+            </a:r>
+            <a:r>
+              <a:rPr lang="nl-NL" dirty="0">
+                <a:solidFill>
+                  <a:srgbClr val="7030A0"/>
+                </a:solidFill>
+              </a:rPr>
+              <a:t>vierkanten</a:t>
+            </a:r>
+            <a:r>
+              <a:rPr lang="nl-NL" dirty="0"/>
+              <a:t>.</a:t>
+            </a:r>
+          </a:p>
+          <a:p>
+            <a:r>
+              <a:rPr lang="nl-NL" dirty="0"/>
+              <a:t>De twee zijvlakken die tegenover elkaar liggen en dezelfde vorm hebben noemen we:</a:t>
+            </a:r>
+          </a:p>
+          <a:p>
+            <a:r>
+              <a:rPr lang="nl-NL" dirty="0"/>
+              <a:t>Het </a:t>
+            </a:r>
+            <a:r>
+              <a:rPr lang="nl-NL" dirty="0">
+                <a:solidFill>
+                  <a:srgbClr val="7030A0"/>
+                </a:solidFill>
+              </a:rPr>
+              <a:t>grondvlak</a:t>
+            </a:r>
+            <a:r>
+              <a:rPr lang="nl-NL" dirty="0"/>
+              <a:t> en het </a:t>
+            </a:r>
+            <a:r>
+              <a:rPr lang="nl-NL" dirty="0">
+                <a:solidFill>
+                  <a:srgbClr val="7030A0"/>
+                </a:solidFill>
+              </a:rPr>
+              <a:t>bovenvlak</a:t>
+            </a:r>
+            <a:r>
+              <a:rPr lang="nl-NL" dirty="0"/>
+              <a:t>.</a:t>
+            </a:r>
+          </a:p>
+          <a:p>
+            <a:endParaRPr lang="nl-NL" dirty="0"/>
+          </a:p>
+          <a:p>
+            <a:endParaRPr lang="nl-NL" dirty="0"/>
+          </a:p>
+        </p:txBody>
+      </p:sp>
+    </p:spTree>
+    <p:extLst>
+      <p:ext uri="{BB962C8B-B14F-4D97-AF65-F5344CB8AC3E}">
+        <p14:creationId xmlns:p14="http://schemas.microsoft.com/office/powerpoint/2010/main" val="1454139718"/>
+      </p:ext>
+    </p:extLst>
+  </p:cSld>
+  <p:clrMapOvr>
+    <a:masterClrMapping/>
+  </p:clrMapOvr>
+</p:sld>
+</file>
+
+<file path=ppt/slides/slide80.xml><?xml version="1.0" encoding="utf-8"?>
+<p:sld xmlns:a="http://schemas.openxmlformats.org/drawingml/2006/main" xmlns:r="http://schemas.openxmlformats.org/officeDocument/2006/relationships" xmlns:p="http://schemas.openxmlformats.org/presentationml/2006/main">
+  <p:cSld>
+    <p:spTree>
+      <p:nvGrpSpPr>
+        <p:cNvPr id="1" name=""/>
+        <p:cNvGrpSpPr/>
+        <p:nvPr/>
+      </p:nvGrpSpPr>
+      <p:grpSpPr>
+        <a:xfrm>
+          <a:off x="0" y="0"/>
+          <a:ext cx="0" cy="0"/>
+          <a:chOff x="0" y="0"/>
+          <a:chExt cx="0" cy="0"/>
+        </a:xfrm>
+      </p:grpSpPr>
+      <p:sp>
+        <p:nvSpPr>
+          <p:cNvPr id="2" name="Titel 1">
+            <a:extLst>
+              <a:ext uri="{FF2B5EF4-FFF2-40B4-BE49-F238E27FC236}">
+                <a16:creationId xmlns:a16="http://schemas.microsoft.com/office/drawing/2014/main" id="{C2F5861A-BCDE-D2A4-C355-05C8119ED351}"/>
+              </a:ext>
+            </a:extLst>
+          </p:cNvPr>
+          <p:cNvSpPr>
+            <a:spLocks noGrp="1"/>
+          </p:cNvSpPr>
+          <p:nvPr>
+            <p:ph type="ctrTitle"/>
+          </p:nvPr>
+        </p:nvSpPr>
+        <p:spPr>
+          <a:xfrm>
+            <a:off x="1524000" y="236482"/>
+            <a:ext cx="9144000" cy="892887"/>
+          </a:xfrm>
+        </p:spPr>
+        <p:txBody>
+          <a:bodyPr>
+            <a:normAutofit fontScale="90000"/>
+          </a:bodyPr>
+          <a:lstStyle/>
+          <a:p>
+            <a:r>
+              <a:rPr lang="nl-NL" dirty="0"/>
               <a:t>Ruimtefiguren en lichamen</a:t>
             </a:r>
           </a:p>
@@ -16784,7 +21511,7 @@
 </p:sld>
 </file>
 
-<file path=ppt/slides/slide57.xml><?xml version="1.0" encoding="utf-8"?>
+<file path=ppt/slides/slide81.xml><?xml version="1.0" encoding="utf-8"?>
 <p:sld xmlns:a="http://schemas.openxmlformats.org/drawingml/2006/main" xmlns:r="http://schemas.openxmlformats.org/officeDocument/2006/relationships" xmlns:p="http://schemas.openxmlformats.org/presentationml/2006/main">
   <p:cSld>
     <p:spTree>
@@ -17024,7 +21751,7 @@
 </p:sld>
 </file>
 
-<file path=ppt/slides/slide58.xml><?xml version="1.0" encoding="utf-8"?>
+<file path=ppt/slides/slide82.xml><?xml version="1.0" encoding="utf-8"?>
 <p:sld xmlns:a="http://schemas.openxmlformats.org/drawingml/2006/main" xmlns:r="http://schemas.openxmlformats.org/officeDocument/2006/relationships" xmlns:p="http://schemas.openxmlformats.org/presentationml/2006/main">
   <p:cSld>
     <p:spTree>
@@ -17137,7 +21864,7 @@
 </p:sld>
 </file>
 
-<file path=ppt/slides/slide59.xml><?xml version="1.0" encoding="utf-8"?>
+<file path=ppt/slides/slide83.xml><?xml version="1.0" encoding="utf-8"?>
 <p:sld xmlns:a="http://schemas.openxmlformats.org/drawingml/2006/main" xmlns:r="http://schemas.openxmlformats.org/officeDocument/2006/relationships" xmlns:p="http://schemas.openxmlformats.org/presentationml/2006/main">
   <p:cSld>
     <p:spTree>
@@ -17309,162 +22036,7 @@
 </p:sld>
 </file>
 
-<file path=ppt/slides/slide6.xml><?xml version="1.0" encoding="utf-8"?>
-<p:sld xmlns:a="http://schemas.openxmlformats.org/drawingml/2006/main" xmlns:r="http://schemas.openxmlformats.org/officeDocument/2006/relationships" xmlns:p="http://schemas.openxmlformats.org/presentationml/2006/main">
-  <p:cSld>
-    <p:spTree>
-      <p:nvGrpSpPr>
-        <p:cNvPr id="1" name=""/>
-        <p:cNvGrpSpPr/>
-        <p:nvPr/>
-      </p:nvGrpSpPr>
-      <p:grpSpPr>
-        <a:xfrm>
-          <a:off x="0" y="0"/>
-          <a:ext cx="0" cy="0"/>
-          <a:chOff x="0" y="0"/>
-          <a:chExt cx="0" cy="0"/>
-        </a:xfrm>
-      </p:grpSpPr>
-      <p:sp>
-        <p:nvSpPr>
-          <p:cNvPr id="2" name="Titel 1">
-            <a:extLst>
-              <a:ext uri="{FF2B5EF4-FFF2-40B4-BE49-F238E27FC236}">
-                <a16:creationId xmlns:a16="http://schemas.microsoft.com/office/drawing/2014/main" id="{C2F5861A-BCDE-D2A4-C355-05C8119ED351}"/>
-              </a:ext>
-            </a:extLst>
-          </p:cNvPr>
-          <p:cNvSpPr>
-            <a:spLocks noGrp="1"/>
-          </p:cNvSpPr>
-          <p:nvPr>
-            <p:ph type="ctrTitle"/>
-          </p:nvPr>
-        </p:nvSpPr>
-        <p:spPr>
-          <a:xfrm>
-            <a:off x="1524000" y="236482"/>
-            <a:ext cx="9144000" cy="892887"/>
-          </a:xfrm>
-        </p:spPr>
-        <p:txBody>
-          <a:bodyPr>
-            <a:normAutofit fontScale="90000"/>
-          </a:bodyPr>
-          <a:lstStyle/>
-          <a:p>
-            <a:r>
-              <a:rPr lang="nl-NL" dirty="0"/>
-              <a:t>Voorbeeld Lijn</a:t>
-            </a:r>
-          </a:p>
-        </p:txBody>
-      </p:sp>
-      <p:pic>
-        <p:nvPicPr>
-          <p:cNvPr id="9218" name="Picture 2" descr="Wat is een lijn, lijnstuk, halve lijn en snijpunt en hoe herken je ze? |  Wiskunde | / Kennis | AlleKennis.nl">
-            <a:extLst>
-              <a:ext uri="{FF2B5EF4-FFF2-40B4-BE49-F238E27FC236}">
-                <a16:creationId xmlns:a16="http://schemas.microsoft.com/office/drawing/2014/main" id="{4F717EEF-3B72-B0DE-4C09-22E59762B624}"/>
-              </a:ext>
-            </a:extLst>
-          </p:cNvPr>
-          <p:cNvPicPr>
-            <a:picLocks noChangeAspect="1" noChangeArrowheads="1"/>
-          </p:cNvPicPr>
-          <p:nvPr/>
-        </p:nvPicPr>
-        <p:blipFill rotWithShape="1">
-          <a:blip r:embed="rId2">
-            <a:extLst>
-              <a:ext uri="{28A0092B-C50C-407E-A947-70E740481C1C}">
-                <a14:useLocalDpi xmlns:a14="http://schemas.microsoft.com/office/drawing/2010/main" val="0"/>
-              </a:ext>
-            </a:extLst>
-          </a:blip>
-          <a:srcRect t="10627" r="53303" b="55148"/>
-          <a:stretch/>
-        </p:blipFill>
-        <p:spPr bwMode="auto">
-          <a:xfrm>
-            <a:off x="927882" y="2101992"/>
-            <a:ext cx="4674756" cy="1828800"/>
-          </a:xfrm>
-          <a:prstGeom prst="rect">
-            <a:avLst/>
-          </a:prstGeom>
-          <a:noFill/>
-          <a:extLst>
-            <a:ext uri="{909E8E84-426E-40DD-AFC4-6F175D3DCCD1}">
-              <a14:hiddenFill xmlns:a14="http://schemas.microsoft.com/office/drawing/2010/main">
-                <a:solidFill>
-                  <a:srgbClr val="FFFFFF"/>
-                </a:solidFill>
-              </a14:hiddenFill>
-            </a:ext>
-          </a:extLst>
-        </p:spPr>
-      </p:pic>
-      <p:pic>
-        <p:nvPicPr>
-          <p:cNvPr id="9220" name="Picture 4" descr="Wat is een lijn, lijnstuk, halve lijn en snijpunt en hoe herken je ze? |  Wiskunde | / Kennis | AlleKennis.nl">
-            <a:extLst>
-              <a:ext uri="{FF2B5EF4-FFF2-40B4-BE49-F238E27FC236}">
-                <a16:creationId xmlns:a16="http://schemas.microsoft.com/office/drawing/2014/main" id="{99E37403-5850-E2F3-E871-8A495417DAFD}"/>
-              </a:ext>
-            </a:extLst>
-          </p:cNvPr>
-          <p:cNvPicPr>
-            <a:picLocks noChangeAspect="1" noChangeArrowheads="1"/>
-          </p:cNvPicPr>
-          <p:nvPr/>
-        </p:nvPicPr>
-        <p:blipFill rotWithShape="1">
-          <a:blip r:embed="rId2">
-            <a:extLst>
-              <a:ext uri="{28A0092B-C50C-407E-A947-70E740481C1C}">
-                <a14:useLocalDpi xmlns:a14="http://schemas.microsoft.com/office/drawing/2010/main" val="0"/>
-              </a:ext>
-            </a:extLst>
-          </a:blip>
-          <a:srcRect l="53973" t="14324" r="2059" b="56598"/>
-          <a:stretch/>
-        </p:blipFill>
-        <p:spPr bwMode="auto">
-          <a:xfrm>
-            <a:off x="6645623" y="2239505"/>
-            <a:ext cx="4401518" cy="1553774"/>
-          </a:xfrm>
-          <a:prstGeom prst="rect">
-            <a:avLst/>
-          </a:prstGeom>
-          <a:noFill/>
-          <a:extLst>
-            <a:ext uri="{909E8E84-426E-40DD-AFC4-6F175D3DCCD1}">
-              <a14:hiddenFill xmlns:a14="http://schemas.microsoft.com/office/drawing/2010/main">
-                <a:solidFill>
-                  <a:srgbClr val="FFFFFF"/>
-                </a:solidFill>
-              </a14:hiddenFill>
-            </a:ext>
-          </a:extLst>
-        </p:spPr>
-      </p:pic>
-    </p:spTree>
-    <p:extLst>
-      <p:ext uri="{BB962C8B-B14F-4D97-AF65-F5344CB8AC3E}">
-        <p14:creationId xmlns:p14="http://schemas.microsoft.com/office/powerpoint/2010/main" val="3612160122"/>
-      </p:ext>
-    </p:extLst>
-  </p:cSld>
-  <p:clrMapOvr>
-    <a:masterClrMapping/>
-  </p:clrMapOvr>
-</p:sld>
-</file>
-
-<file path=ppt/slides/slide60.xml><?xml version="1.0" encoding="utf-8"?>
+<file path=ppt/slides/slide84.xml><?xml version="1.0" encoding="utf-8"?>
 <p:sld xmlns:a="http://schemas.openxmlformats.org/drawingml/2006/main" xmlns:r="http://schemas.openxmlformats.org/officeDocument/2006/relationships" xmlns:p="http://schemas.openxmlformats.org/presentationml/2006/main">
   <p:cSld>
     <p:spTree>
@@ -17711,7 +22283,7 @@
 </p:sld>
 </file>
 
-<file path=ppt/slides/slide61.xml><?xml version="1.0" encoding="utf-8"?>
+<file path=ppt/slides/slide85.xml><?xml version="1.0" encoding="utf-8"?>
 <p:sld xmlns:a="http://schemas.openxmlformats.org/drawingml/2006/main" xmlns:r="http://schemas.openxmlformats.org/officeDocument/2006/relationships" xmlns:p="http://schemas.openxmlformats.org/presentationml/2006/main">
   <p:cSld>
     <p:spTree>
@@ -17824,7 +22396,7 @@
 </p:sld>
 </file>
 
-<file path=ppt/slides/slide62.xml><?xml version="1.0" encoding="utf-8"?>
+<file path=ppt/slides/slide86.xml><?xml version="1.0" encoding="utf-8"?>
 <p:sld xmlns:a="http://schemas.openxmlformats.org/drawingml/2006/main" xmlns:r="http://schemas.openxmlformats.org/officeDocument/2006/relationships" xmlns:p="http://schemas.openxmlformats.org/presentationml/2006/main">
   <p:cSld>
     <p:spTree>
@@ -18023,7 +22595,7 @@
 </p:sld>
 </file>
 
-<file path=ppt/slides/slide63.xml><?xml version="1.0" encoding="utf-8"?>
+<file path=ppt/slides/slide87.xml><?xml version="1.0" encoding="utf-8"?>
 <p:sld xmlns:a="http://schemas.openxmlformats.org/drawingml/2006/main" xmlns:r="http://schemas.openxmlformats.org/officeDocument/2006/relationships" xmlns:p="http://schemas.openxmlformats.org/presentationml/2006/main">
   <p:cSld>
     <p:spTree>
@@ -18319,303 +22891,6 @@
 </p:sld>
 </file>
 
-<file path=ppt/slides/slide7.xml><?xml version="1.0" encoding="utf-8"?>
-<p:sld xmlns:a="http://schemas.openxmlformats.org/drawingml/2006/main" xmlns:r="http://schemas.openxmlformats.org/officeDocument/2006/relationships" xmlns:p="http://schemas.openxmlformats.org/presentationml/2006/main">
-  <p:cSld>
-    <p:spTree>
-      <p:nvGrpSpPr>
-        <p:cNvPr id="1" name=""/>
-        <p:cNvGrpSpPr/>
-        <p:nvPr/>
-      </p:nvGrpSpPr>
-      <p:grpSpPr>
-        <a:xfrm>
-          <a:off x="0" y="0"/>
-          <a:ext cx="0" cy="0"/>
-          <a:chOff x="0" y="0"/>
-          <a:chExt cx="0" cy="0"/>
-        </a:xfrm>
-      </p:grpSpPr>
-      <p:sp>
-        <p:nvSpPr>
-          <p:cNvPr id="2" name="Titel 1">
-            <a:extLst>
-              <a:ext uri="{FF2B5EF4-FFF2-40B4-BE49-F238E27FC236}">
-                <a16:creationId xmlns:a16="http://schemas.microsoft.com/office/drawing/2014/main" id="{73168B85-7905-DEBC-34BC-B73EB909DDCD}"/>
-              </a:ext>
-            </a:extLst>
-          </p:cNvPr>
-          <p:cNvSpPr>
-            <a:spLocks noGrp="1"/>
-          </p:cNvSpPr>
-          <p:nvPr>
-            <p:ph type="title"/>
-          </p:nvPr>
-        </p:nvSpPr>
-        <p:spPr/>
-        <p:txBody>
-          <a:bodyPr/>
-          <a:lstStyle/>
-          <a:p>
-            <a:r>
-              <a:rPr lang="nl-NL" dirty="0"/>
-              <a:t>Wiskunde Termen</a:t>
-            </a:r>
-          </a:p>
-        </p:txBody>
-      </p:sp>
-      <p:sp>
-        <p:nvSpPr>
-          <p:cNvPr id="4" name="Titel 1">
-            <a:extLst>
-              <a:ext uri="{FF2B5EF4-FFF2-40B4-BE49-F238E27FC236}">
-                <a16:creationId xmlns:a16="http://schemas.microsoft.com/office/drawing/2014/main" id="{61ED484A-E87E-7D07-D06C-3D405D336CC2}"/>
-              </a:ext>
-            </a:extLst>
-          </p:cNvPr>
-          <p:cNvSpPr txBox="1">
-            <a:spLocks/>
-          </p:cNvSpPr>
-          <p:nvPr/>
-        </p:nvSpPr>
-        <p:spPr>
-          <a:xfrm>
-            <a:off x="1524000" y="2105897"/>
-            <a:ext cx="9144000" cy="2646206"/>
-          </a:xfrm>
-          <a:prstGeom prst="rect">
-            <a:avLst/>
-          </a:prstGeom>
-        </p:spPr>
-        <p:txBody>
-          <a:bodyPr vert="horz" lIns="91440" tIns="45720" rIns="91440" bIns="45720" rtlCol="0" anchor="ctr">
-            <a:normAutofit fontScale="97500"/>
-          </a:bodyPr>
-          <a:lstStyle>
-            <a:lvl1pPr algn="l" defTabSz="914400" rtl="0" eaLnBrk="1" latinLnBrk="0" hangingPunct="1">
-              <a:lnSpc>
-                <a:spcPct val="90000"/>
-              </a:lnSpc>
-              <a:spcBef>
-                <a:spcPct val="0"/>
-              </a:spcBef>
-              <a:buNone/>
-              <a:defRPr sz="4400" kern="1200">
-                <a:solidFill>
-                  <a:schemeClr val="tx1"/>
-                </a:solidFill>
-                <a:latin typeface="+mj-lt"/>
-                <a:ea typeface="+mj-ea"/>
-                <a:cs typeface="+mj-cs"/>
-              </a:defRPr>
-            </a:lvl1pPr>
-          </a:lstStyle>
-          <a:p>
-            <a:pPr algn="ctr"/>
-            <a:r>
-              <a:rPr lang="nl-NL" sz="9000" b="1" dirty="0"/>
-              <a:t>Kubus</a:t>
-            </a:r>
-          </a:p>
-        </p:txBody>
-      </p:sp>
-    </p:spTree>
-    <p:extLst>
-      <p:ext uri="{BB962C8B-B14F-4D97-AF65-F5344CB8AC3E}">
-        <p14:creationId xmlns:p14="http://schemas.microsoft.com/office/powerpoint/2010/main" val="174963777"/>
-      </p:ext>
-    </p:extLst>
-  </p:cSld>
-  <p:clrMapOvr>
-    <a:masterClrMapping/>
-  </p:clrMapOvr>
-</p:sld>
-</file>
-
-<file path=ppt/slides/slide8.xml><?xml version="1.0" encoding="utf-8"?>
-<p:sld xmlns:a="http://schemas.openxmlformats.org/drawingml/2006/main" xmlns:r="http://schemas.openxmlformats.org/officeDocument/2006/relationships" xmlns:p="http://schemas.openxmlformats.org/presentationml/2006/main">
-  <p:cSld>
-    <p:spTree>
-      <p:nvGrpSpPr>
-        <p:cNvPr id="1" name=""/>
-        <p:cNvGrpSpPr/>
-        <p:nvPr/>
-      </p:nvGrpSpPr>
-      <p:grpSpPr>
-        <a:xfrm>
-          <a:off x="0" y="0"/>
-          <a:ext cx="0" cy="0"/>
-          <a:chOff x="0" y="0"/>
-          <a:chExt cx="0" cy="0"/>
-        </a:xfrm>
-      </p:grpSpPr>
-      <p:sp>
-        <p:nvSpPr>
-          <p:cNvPr id="2" name="Titel 1">
-            <a:extLst>
-              <a:ext uri="{FF2B5EF4-FFF2-40B4-BE49-F238E27FC236}">
-                <a16:creationId xmlns:a16="http://schemas.microsoft.com/office/drawing/2014/main" id="{C2F5861A-BCDE-D2A4-C355-05C8119ED351}"/>
-              </a:ext>
-            </a:extLst>
-          </p:cNvPr>
-          <p:cNvSpPr>
-            <a:spLocks noGrp="1"/>
-          </p:cNvSpPr>
-          <p:nvPr>
-            <p:ph type="ctrTitle"/>
-          </p:nvPr>
-        </p:nvSpPr>
-        <p:spPr>
-          <a:xfrm>
-            <a:off x="1524000" y="236482"/>
-            <a:ext cx="9144000" cy="892887"/>
-          </a:xfrm>
-        </p:spPr>
-        <p:txBody>
-          <a:bodyPr>
-            <a:normAutofit fontScale="90000"/>
-          </a:bodyPr>
-          <a:lstStyle/>
-          <a:p>
-            <a:r>
-              <a:rPr lang="nl-NL" dirty="0"/>
-              <a:t>Kubus</a:t>
-            </a:r>
-          </a:p>
-        </p:txBody>
-      </p:sp>
-      <p:sp>
-        <p:nvSpPr>
-          <p:cNvPr id="3" name="Ondertitel 2">
-            <a:extLst>
-              <a:ext uri="{FF2B5EF4-FFF2-40B4-BE49-F238E27FC236}">
-                <a16:creationId xmlns:a16="http://schemas.microsoft.com/office/drawing/2014/main" id="{7988AA68-FB88-7C7C-5E47-2AE86A2EFD72}"/>
-              </a:ext>
-            </a:extLst>
-          </p:cNvPr>
-          <p:cNvSpPr>
-            <a:spLocks noGrp="1"/>
-          </p:cNvSpPr>
-          <p:nvPr>
-            <p:ph type="subTitle" idx="1"/>
-          </p:nvPr>
-        </p:nvSpPr>
-        <p:spPr>
-          <a:xfrm>
-            <a:off x="1524000" y="1355452"/>
-            <a:ext cx="9144000" cy="1655762"/>
-          </a:xfrm>
-        </p:spPr>
-        <p:txBody>
-          <a:bodyPr>
-            <a:normAutofit/>
-          </a:bodyPr>
-          <a:lstStyle/>
-          <a:p>
-            <a:r>
-              <a:rPr lang="nl-NL" dirty="0"/>
-              <a:t>Een Kubus is een </a:t>
-            </a:r>
-            <a:r>
-              <a:rPr lang="nl-NL" dirty="0">
-                <a:solidFill>
-                  <a:srgbClr val="7030A0"/>
-                </a:solidFill>
-              </a:rPr>
-              <a:t>ruimtefiguur</a:t>
-            </a:r>
-            <a:r>
-              <a:rPr lang="nl-NL" dirty="0"/>
-              <a:t>. </a:t>
-            </a:r>
-          </a:p>
-          <a:p>
-            <a:r>
-              <a:rPr lang="nl-NL" dirty="0"/>
-              <a:t>Een Kubus heeft 8 </a:t>
-            </a:r>
-            <a:r>
-              <a:rPr lang="nl-NL" dirty="0">
-                <a:solidFill>
-                  <a:srgbClr val="7030A0"/>
-                </a:solidFill>
-              </a:rPr>
-              <a:t>hoekpunten</a:t>
-            </a:r>
-            <a:r>
-              <a:rPr lang="nl-NL" dirty="0"/>
-              <a:t>, 12 </a:t>
-            </a:r>
-            <a:r>
-              <a:rPr lang="nl-NL" dirty="0">
-                <a:solidFill>
-                  <a:srgbClr val="7030A0"/>
-                </a:solidFill>
-              </a:rPr>
-              <a:t>ribben</a:t>
-            </a:r>
-            <a:r>
-              <a:rPr lang="nl-NL" dirty="0"/>
-              <a:t> en 6 </a:t>
-            </a:r>
-            <a:r>
-              <a:rPr lang="nl-NL" dirty="0">
-                <a:solidFill>
-                  <a:srgbClr val="7030A0"/>
-                </a:solidFill>
-              </a:rPr>
-              <a:t>zijvlakken</a:t>
-            </a:r>
-            <a:r>
-              <a:rPr lang="nl-NL" dirty="0"/>
-              <a:t>.</a:t>
-            </a:r>
-          </a:p>
-          <a:p>
-            <a:r>
-              <a:rPr lang="nl-NL" dirty="0"/>
-              <a:t>Deze zijvlakken hebben allemaal de vorm </a:t>
-            </a:r>
-            <a:r>
-              <a:rPr lang="nl-NL" dirty="0">
-                <a:solidFill>
-                  <a:srgbClr val="7030A0"/>
-                </a:solidFill>
-              </a:rPr>
-              <a:t>vierkant</a:t>
-            </a:r>
-            <a:r>
-              <a:rPr lang="nl-NL" dirty="0"/>
-              <a:t>.</a:t>
-            </a:r>
-          </a:p>
-          <a:p>
-            <a:endParaRPr lang="nl-NL" dirty="0"/>
-          </a:p>
-          <a:p>
-            <a:endParaRPr lang="nl-NL" dirty="0"/>
-          </a:p>
-          <a:p>
-            <a:endParaRPr lang="nl-NL" dirty="0"/>
-          </a:p>
-          <a:p>
-            <a:endParaRPr lang="nl-NL" dirty="0"/>
-          </a:p>
-        </p:txBody>
-      </p:sp>
-    </p:spTree>
-    <p:extLst>
-      <p:ext uri="{BB962C8B-B14F-4D97-AF65-F5344CB8AC3E}">
-        <p14:creationId xmlns:p14="http://schemas.microsoft.com/office/powerpoint/2010/main" val="4253895074"/>
-      </p:ext>
-    </p:extLst>
-  </p:cSld>
-  <p:clrMapOvr>
-    <a:masterClrMapping/>
-  </p:clrMapOvr>
-</p:sld>
-</file>
-
 <file path=ppt/slides/slide9.xml><?xml version="1.0" encoding="utf-8"?>
 <p:sld xmlns:a="http://schemas.openxmlformats.org/drawingml/2006/main" xmlns:r="http://schemas.openxmlformats.org/officeDocument/2006/relationships" xmlns:p="http://schemas.openxmlformats.org/presentationml/2006/main">
   <p:cSld>
@@ -18663,123 +22938,17 @@
           <a:p>
             <a:r>
               <a:rPr lang="nl-NL" dirty="0"/>
-              <a:t>Voorbeeld Kubus</a:t>
-            </a:r>
-          </a:p>
-        </p:txBody>
-      </p:sp>
-      <mc:AlternateContent xmlns:mc="http://schemas.openxmlformats.org/markup-compatibility/2006">
-        <mc:Choice xmlns:a14="http://schemas.microsoft.com/office/drawing/2010/main" Requires="a14">
-          <p:sp>
-            <p:nvSpPr>
-              <p:cNvPr id="6" name="Tekstvak 5">
-                <a:extLst>
-                  <a:ext uri="{FF2B5EF4-FFF2-40B4-BE49-F238E27FC236}">
-                    <a16:creationId xmlns:a16="http://schemas.microsoft.com/office/drawing/2014/main" id="{0ED983DA-E145-C70F-B5C1-4BDF21B5A2E2}"/>
-                  </a:ext>
-                </a:extLst>
-              </p:cNvPr>
-              <p:cNvSpPr txBox="1"/>
-              <p:nvPr/>
-            </p:nvSpPr>
-            <p:spPr>
-              <a:xfrm>
-                <a:off x="5102680" y="1522640"/>
-                <a:ext cx="2070054" cy="369332"/>
-              </a:xfrm>
-              <a:prstGeom prst="rect">
-                <a:avLst/>
-              </a:prstGeom>
-              <a:noFill/>
-            </p:spPr>
-            <p:txBody>
-              <a:bodyPr wrap="none" rtlCol="0">
-                <a:spAutoFit/>
-              </a:bodyPr>
-              <a:lstStyle/>
-              <a:p>
-                <a:r>
-                  <a:rPr lang="nl-NL" dirty="0"/>
-                  <a:t>Kubus </a:t>
-                </a:r>
-                <a14:m>
-                  <m:oMath xmlns:m="http://schemas.openxmlformats.org/officeDocument/2006/math">
-                    <m:r>
-                      <a:rPr lang="nl-NL" i="1" dirty="0" smtClean="0">
-                        <a:latin typeface="Cambria Math" panose="02040503050406030204" pitchFamily="18" charset="0"/>
-                      </a:rPr>
-                      <m:t>𝐴𝐵𝐶𝐷</m:t>
-                    </m:r>
-                    <m:r>
-                      <a:rPr lang="nl-NL" i="1" dirty="0" smtClean="0">
-                        <a:latin typeface="Cambria Math" panose="02040503050406030204" pitchFamily="18" charset="0"/>
-                      </a:rPr>
-                      <m:t> </m:t>
-                    </m:r>
-                    <m:r>
-                      <a:rPr lang="nl-NL" i="1" dirty="0" smtClean="0">
-                        <a:latin typeface="Cambria Math" panose="02040503050406030204" pitchFamily="18" charset="0"/>
-                      </a:rPr>
-                      <m:t>𝐸𝐹𝐺𝐻</m:t>
-                    </m:r>
-                  </m:oMath>
-                </a14:m>
-                <a:endParaRPr lang="nl-NL" dirty="0"/>
-              </a:p>
-            </p:txBody>
-          </p:sp>
-        </mc:Choice>
-        <mc:Fallback>
-          <p:sp>
-            <p:nvSpPr>
-              <p:cNvPr id="6" name="Tekstvak 5">
-                <a:extLst>
-                  <a:ext uri="{FF2B5EF4-FFF2-40B4-BE49-F238E27FC236}">
-                    <a16:creationId xmlns:a16="http://schemas.microsoft.com/office/drawing/2014/main" id="{0ED983DA-E145-C70F-B5C1-4BDF21B5A2E2}"/>
-                  </a:ext>
-                </a:extLst>
-              </p:cNvPr>
-              <p:cNvSpPr txBox="1">
-                <a:spLocks noRot="1" noChangeAspect="1" noMove="1" noResize="1" noEditPoints="1" noAdjustHandles="1" noChangeArrowheads="1" noChangeShapeType="1" noTextEdit="1"/>
-              </p:cNvSpPr>
-              <p:nvPr/>
-            </p:nvSpPr>
-            <p:spPr>
-              <a:xfrm>
-                <a:off x="5102680" y="1522640"/>
-                <a:ext cx="2070054" cy="369332"/>
-              </a:xfrm>
-              <a:prstGeom prst="rect">
-                <a:avLst/>
-              </a:prstGeom>
-              <a:blipFill>
-                <a:blip r:embed="rId2"/>
-                <a:stretch>
-                  <a:fillRect l="-2353" t="-10000" b="-26667"/>
-                </a:stretch>
-              </a:blipFill>
-            </p:spPr>
-            <p:txBody>
-              <a:bodyPr/>
-              <a:lstStyle/>
-              <a:p>
-                <a:r>
-                  <a:rPr lang="nl-NL">
-                    <a:noFill/>
-                  </a:rPr>
-                  <a:t> </a:t>
-                </a:r>
-              </a:p>
-            </p:txBody>
-          </p:sp>
-        </mc:Fallback>
-      </mc:AlternateContent>
+              <a:t>Voorbeeld Prisma</a:t>
+            </a:r>
+          </a:p>
+        </p:txBody>
+      </p:sp>
       <p:pic>
         <p:nvPicPr>
-          <p:cNvPr id="7170" name="Picture 2" descr="Slimleren - Kubus en vierkant">
-            <a:extLst>
-              <a:ext uri="{FF2B5EF4-FFF2-40B4-BE49-F238E27FC236}">
-                <a16:creationId xmlns:a16="http://schemas.microsoft.com/office/drawing/2014/main" id="{FC1E7357-DAEA-0E8F-8A78-97BF05072BF1}"/>
+          <p:cNvPr id="6" name="Picture 4" descr="Nieuwe pagina 1">
+            <a:extLst>
+              <a:ext uri="{FF2B5EF4-FFF2-40B4-BE49-F238E27FC236}">
+                <a16:creationId xmlns:a16="http://schemas.microsoft.com/office/drawing/2014/main" id="{4096E679-6A16-FE03-BEDD-52F371092C35}"/>
               </a:ext>
             </a:extLst>
           </p:cNvPr>
@@ -18788,23 +22957,21 @@
           </p:cNvPicPr>
           <p:nvPr/>
         </p:nvPicPr>
-        <p:blipFill>
-          <a:blip r:embed="rId3">
+        <p:blipFill rotWithShape="1">
+          <a:blip r:embed="rId2">
             <a:extLst>
               <a:ext uri="{28A0092B-C50C-407E-A947-70E740481C1C}">
                 <a14:useLocalDpi xmlns:a14="http://schemas.microsoft.com/office/drawing/2010/main" val="0"/>
               </a:ext>
             </a:extLst>
           </a:blip>
-          <a:srcRect/>
-          <a:stretch>
-            <a:fillRect/>
-          </a:stretch>
+          <a:srcRect l="37783"/>
+          <a:stretch/>
         </p:blipFill>
         <p:spPr bwMode="auto">
           <a:xfrm>
-            <a:off x="4023805" y="1891972"/>
-            <a:ext cx="4802479" cy="4802479"/>
+            <a:off x="2606140" y="1716097"/>
+            <a:ext cx="7726580" cy="4116746"/>
           </a:xfrm>
           <a:prstGeom prst="rect">
             <a:avLst/>
@@ -18824,7 +22991,7 @@
     </p:spTree>
     <p:extLst>
       <p:ext uri="{BB962C8B-B14F-4D97-AF65-F5344CB8AC3E}">
-        <p14:creationId xmlns:p14="http://schemas.microsoft.com/office/powerpoint/2010/main" val="1067620883"/>
+        <p14:creationId xmlns:p14="http://schemas.microsoft.com/office/powerpoint/2010/main" val="3481791415"/>
       </p:ext>
     </p:extLst>
   </p:cSld>

--- a/meetkunde/AAAAMeetkunde.pptx
+++ b/meetkunde/AAAAMeetkunde.pptx
@@ -204,14 +204,6 @@
 </p:presentation>
 </file>
 
-<file path=ppt/revisionInfo.xml><?xml version="1.0" encoding="utf-8"?>
-<p1510:revInfo xmlns:a="http://schemas.openxmlformats.org/drawingml/2006/main" xmlns:r="http://schemas.openxmlformats.org/officeDocument/2006/relationships" xmlns:p1510="http://schemas.microsoft.com/office/powerpoint/2015/10/main">
-  <p1510:revLst>
-    <p1510:client id="{9B620784-A96A-4A09-81E0-6311C54AB5CE}" v="652" dt="2023-11-01T19:10:21.445"/>
-  </p1510:revLst>
-</p1510:revInfo>
-</file>
-
 <file path=ppt/changesInfos/changesInfo1.xml><?xml version="1.0" encoding="utf-8"?>
 <pc:chgInfo xmlns:a="http://schemas.openxmlformats.org/drawingml/2006/main" xmlns:r="http://schemas.openxmlformats.org/officeDocument/2006/relationships" xmlns:ac="http://schemas.microsoft.com/office/drawing/2013/main/command" xmlns:pc="http://schemas.microsoft.com/office/powerpoint/2013/main/command">
   <pc:docChgLst>
@@ -3020,6 +3012,15 @@
           </ac:picMkLst>
         </pc:picChg>
       </pc:sldChg>
+    </pc:docChg>
+  </pc:docChgLst>
+  <pc:docChgLst>
+    <pc:chgData name="Hein van Wanrooij" userId="ebcdd4c57331f9b2" providerId="LiveId" clId="{27D0B126-BDE0-4543-BDEE-5D51C120BC09}"/>
+    <pc:docChg chg="modShowInfo">
+      <pc:chgData name="Hein van Wanrooij" userId="ebcdd4c57331f9b2" providerId="LiveId" clId="{27D0B126-BDE0-4543-BDEE-5D51C120BC09}" dt="2024-01-03T09:55:20.255" v="2" actId="2744"/>
+      <pc:docMkLst>
+        <pc:docMk/>
+      </pc:docMkLst>
     </pc:docChg>
   </pc:docChgLst>
 </pc:chgInfo>
@@ -3172,7 +3173,7 @@
           <a:p>
             <a:fld id="{89AFD366-9D87-47C8-9C04-02D6655FA638}" type="datetimeFigureOut">
               <a:rPr lang="nl-NL" smtClean="0"/>
-              <a:t>1-11-2023</a:t>
+              <a:t>3-1-2024</a:t>
             </a:fld>
             <a:endParaRPr lang="nl-NL"/>
           </a:p>
@@ -3370,7 +3371,7 @@
           <a:p>
             <a:fld id="{89AFD366-9D87-47C8-9C04-02D6655FA638}" type="datetimeFigureOut">
               <a:rPr lang="nl-NL" smtClean="0"/>
-              <a:t>1-11-2023</a:t>
+              <a:t>3-1-2024</a:t>
             </a:fld>
             <a:endParaRPr lang="nl-NL"/>
           </a:p>
@@ -3578,7 +3579,7 @@
           <a:p>
             <a:fld id="{89AFD366-9D87-47C8-9C04-02D6655FA638}" type="datetimeFigureOut">
               <a:rPr lang="nl-NL" smtClean="0"/>
-              <a:t>1-11-2023</a:t>
+              <a:t>3-1-2024</a:t>
             </a:fld>
             <a:endParaRPr lang="nl-NL"/>
           </a:p>
@@ -3776,7 +3777,7 @@
           <a:p>
             <a:fld id="{89AFD366-9D87-47C8-9C04-02D6655FA638}" type="datetimeFigureOut">
               <a:rPr lang="nl-NL" smtClean="0"/>
-              <a:t>1-11-2023</a:t>
+              <a:t>3-1-2024</a:t>
             </a:fld>
             <a:endParaRPr lang="nl-NL"/>
           </a:p>
@@ -4051,7 +4052,7 @@
           <a:p>
             <a:fld id="{89AFD366-9D87-47C8-9C04-02D6655FA638}" type="datetimeFigureOut">
               <a:rPr lang="nl-NL" smtClean="0"/>
-              <a:t>1-11-2023</a:t>
+              <a:t>3-1-2024</a:t>
             </a:fld>
             <a:endParaRPr lang="nl-NL"/>
           </a:p>
@@ -4316,7 +4317,7 @@
           <a:p>
             <a:fld id="{89AFD366-9D87-47C8-9C04-02D6655FA638}" type="datetimeFigureOut">
               <a:rPr lang="nl-NL" smtClean="0"/>
-              <a:t>1-11-2023</a:t>
+              <a:t>3-1-2024</a:t>
             </a:fld>
             <a:endParaRPr lang="nl-NL"/>
           </a:p>
@@ -4728,7 +4729,7 @@
           <a:p>
             <a:fld id="{89AFD366-9D87-47C8-9C04-02D6655FA638}" type="datetimeFigureOut">
               <a:rPr lang="nl-NL" smtClean="0"/>
-              <a:t>1-11-2023</a:t>
+              <a:t>3-1-2024</a:t>
             </a:fld>
             <a:endParaRPr lang="nl-NL"/>
           </a:p>
@@ -4869,7 +4870,7 @@
           <a:p>
             <a:fld id="{89AFD366-9D87-47C8-9C04-02D6655FA638}" type="datetimeFigureOut">
               <a:rPr lang="nl-NL" smtClean="0"/>
-              <a:t>1-11-2023</a:t>
+              <a:t>3-1-2024</a:t>
             </a:fld>
             <a:endParaRPr lang="nl-NL"/>
           </a:p>
@@ -4982,7 +4983,7 @@
           <a:p>
             <a:fld id="{89AFD366-9D87-47C8-9C04-02D6655FA638}" type="datetimeFigureOut">
               <a:rPr lang="nl-NL" smtClean="0"/>
-              <a:t>1-11-2023</a:t>
+              <a:t>3-1-2024</a:t>
             </a:fld>
             <a:endParaRPr lang="nl-NL"/>
           </a:p>
@@ -5293,7 +5294,7 @@
           <a:p>
             <a:fld id="{89AFD366-9D87-47C8-9C04-02D6655FA638}" type="datetimeFigureOut">
               <a:rPr lang="nl-NL" smtClean="0"/>
-              <a:t>1-11-2023</a:t>
+              <a:t>3-1-2024</a:t>
             </a:fld>
             <a:endParaRPr lang="nl-NL"/>
           </a:p>
@@ -5581,7 +5582,7 @@
           <a:p>
             <a:fld id="{89AFD366-9D87-47C8-9C04-02D6655FA638}" type="datetimeFigureOut">
               <a:rPr lang="nl-NL" smtClean="0"/>
-              <a:t>1-11-2023</a:t>
+              <a:t>3-1-2024</a:t>
             </a:fld>
             <a:endParaRPr lang="nl-NL"/>
           </a:p>
@@ -5822,7 +5823,7 @@
           <a:p>
             <a:fld id="{89AFD366-9D87-47C8-9C04-02D6655FA638}" type="datetimeFigureOut">
               <a:rPr lang="nl-NL" smtClean="0"/>
-              <a:t>1-11-2023</a:t>
+              <a:t>3-1-2024</a:t>
             </a:fld>
             <a:endParaRPr lang="nl-NL"/>
           </a:p>
@@ -16324,8 +16325,8 @@
           </a:extLst>
         </p:spPr>
       </p:pic>
-      <mc:AlternateContent xmlns:mc="http://schemas.openxmlformats.org/markup-compatibility/2006">
-        <mc:Choice xmlns:a14="http://schemas.microsoft.com/office/drawing/2010/main" Requires="a14">
+      <mc:AlternateContent xmlns:mc="http://schemas.openxmlformats.org/markup-compatibility/2006" xmlns:a14="http://schemas.microsoft.com/office/drawing/2010/main">
+        <mc:Choice Requires="a14">
           <p:sp>
             <p:nvSpPr>
               <p:cNvPr id="7" name="Tekstvak 6">
@@ -16354,6 +16355,7 @@
               </a:bodyPr>
               <a:lstStyle/>
               <a:p>
+                <a:pPr/>
                 <a14:m>
                   <m:oMathPara xmlns:m="http://schemas.openxmlformats.org/officeDocument/2006/math">
                     <m:oMathParaPr>
@@ -16380,7 +16382,7 @@
             </p:txBody>
           </p:sp>
         </mc:Choice>
-        <mc:Fallback>
+        <mc:Fallback xmlns="">
           <p:sp>
             <p:nvSpPr>
               <p:cNvPr id="7" name="Tekstvak 6">
